--- a/ProjectIdea_2.pptx
+++ b/ProjectIdea_2.pptx
@@ -5,7 +5,7 @@
     <p:sldMasterId id="2147483660" r:id="rId1"/>
   </p:sldMasterIdLst>
   <p:handoutMasterIdLst>
-    <p:handoutMasterId r:id="rId9"/>
+    <p:handoutMasterId r:id="rId11"/>
   </p:handoutMasterIdLst>
   <p:sldIdLst>
     <p:sldId id="257" r:id="rId2"/>
@@ -15,9 +15,11 @@
     <p:sldId id="261" r:id="rId6"/>
     <p:sldId id="262" r:id="rId7"/>
     <p:sldId id="263" r:id="rId8"/>
+    <p:sldId id="264" r:id="rId9"/>
+    <p:sldId id="265" r:id="rId10"/>
   </p:sldIdLst>
   <p:sldSz cx="12801600" cy="9601200" type="A3"/>
-  <p:notesSz cx="7315200" cy="9601200"/>
+  <p:notesSz cx="7010400" cy="9296400"/>
   <p:defaultTextStyle>
     <a:defPPr>
       <a:defRPr lang="en-US"/>
@@ -164,15 +166,15 @@
         </p:nvSpPr>
         <p:spPr>
           <a:xfrm>
-            <a:off x="0" y="0"/>
-            <a:ext cx="3169920" cy="481727"/>
+            <a:off x="0" y="1"/>
+            <a:ext cx="3037840" cy="466434"/>
           </a:xfrm>
           <a:prstGeom prst="rect">
             <a:avLst/>
           </a:prstGeom>
         </p:spPr>
         <p:txBody>
-          <a:bodyPr vert="horz" lIns="96661" tIns="48331" rIns="96661" bIns="48331" rtlCol="0"/>
+          <a:bodyPr vert="horz" lIns="93172" tIns="46586" rIns="93172" bIns="46586" rtlCol="0"/>
           <a:lstStyle>
             <a:lvl1pPr algn="l">
               <a:defRPr sz="1300"/>
@@ -201,15 +203,15 @@
         </p:nvSpPr>
         <p:spPr>
           <a:xfrm>
-            <a:off x="4143587" y="0"/>
-            <a:ext cx="3169920" cy="481727"/>
+            <a:off x="3970938" y="1"/>
+            <a:ext cx="3037840" cy="466434"/>
           </a:xfrm>
           <a:prstGeom prst="rect">
             <a:avLst/>
           </a:prstGeom>
         </p:spPr>
         <p:txBody>
-          <a:bodyPr vert="horz" lIns="96661" tIns="48331" rIns="96661" bIns="48331" rtlCol="0"/>
+          <a:bodyPr vert="horz" lIns="93172" tIns="46586" rIns="93172" bIns="46586" rtlCol="0"/>
           <a:lstStyle>
             <a:lvl1pPr algn="r">
               <a:defRPr sz="1300"/>
@@ -218,7 +220,7 @@
           <a:p>
             <a:fld id="{ED88CCEF-24E1-480D-A84C-C09607437982}" type="datetimeFigureOut">
               <a:rPr lang="en-US" smtClean="0"/>
-              <a:t>3/5/2019</a:t>
+              <a:t>3/8/2019</a:t>
             </a:fld>
             <a:endParaRPr lang="en-US"/>
           </a:p>
@@ -242,15 +244,15 @@
         </p:nvSpPr>
         <p:spPr>
           <a:xfrm>
-            <a:off x="0" y="9119474"/>
-            <a:ext cx="3169920" cy="481726"/>
+            <a:off x="0" y="8829967"/>
+            <a:ext cx="3037840" cy="466433"/>
           </a:xfrm>
           <a:prstGeom prst="rect">
             <a:avLst/>
           </a:prstGeom>
         </p:spPr>
         <p:txBody>
-          <a:bodyPr vert="horz" lIns="96661" tIns="48331" rIns="96661" bIns="48331" rtlCol="0" anchor="b"/>
+          <a:bodyPr vert="horz" lIns="93172" tIns="46586" rIns="93172" bIns="46586" rtlCol="0" anchor="b"/>
           <a:lstStyle>
             <a:lvl1pPr algn="l">
               <a:defRPr sz="1300"/>
@@ -279,15 +281,15 @@
         </p:nvSpPr>
         <p:spPr>
           <a:xfrm>
-            <a:off x="4143587" y="9119474"/>
-            <a:ext cx="3169920" cy="481726"/>
+            <a:off x="3970938" y="8829967"/>
+            <a:ext cx="3037840" cy="466433"/>
           </a:xfrm>
           <a:prstGeom prst="rect">
             <a:avLst/>
           </a:prstGeom>
         </p:spPr>
         <p:txBody>
-          <a:bodyPr vert="horz" lIns="96661" tIns="48331" rIns="96661" bIns="48331" rtlCol="0" anchor="b"/>
+          <a:bodyPr vert="horz" lIns="93172" tIns="46586" rIns="93172" bIns="46586" rtlCol="0" anchor="b"/>
           <a:lstStyle>
             <a:lvl1pPr algn="r">
               <a:defRPr sz="1300"/>
@@ -447,7 +449,7 @@
           <a:p>
             <a:fld id="{098E4F0A-755F-4942-B06B-E514525FED01}" type="datetimeFigureOut">
               <a:rPr lang="en-US" smtClean="0"/>
-              <a:t>3/5/2019</a:t>
+              <a:t>3/8/2019</a:t>
             </a:fld>
             <a:endParaRPr lang="en-US"/>
           </a:p>
@@ -633,7 +635,7 @@
           <a:p>
             <a:fld id="{098E4F0A-755F-4942-B06B-E514525FED01}" type="datetimeFigureOut">
               <a:rPr lang="en-US" smtClean="0"/>
-              <a:t>3/5/2019</a:t>
+              <a:t>3/8/2019</a:t>
             </a:fld>
             <a:endParaRPr lang="en-US"/>
           </a:p>
@@ -824,7 +826,7 @@
           <a:p>
             <a:fld id="{098E4F0A-755F-4942-B06B-E514525FED01}" type="datetimeFigureOut">
               <a:rPr lang="en-US" smtClean="0"/>
-              <a:t>3/5/2019</a:t>
+              <a:t>3/8/2019</a:t>
             </a:fld>
             <a:endParaRPr lang="en-US"/>
           </a:p>
@@ -1010,7 +1012,7 @@
           <a:p>
             <a:fld id="{098E4F0A-755F-4942-B06B-E514525FED01}" type="datetimeFigureOut">
               <a:rPr lang="en-US" smtClean="0"/>
-              <a:t>3/5/2019</a:t>
+              <a:t>3/8/2019</a:t>
             </a:fld>
             <a:endParaRPr lang="en-US"/>
           </a:p>
@@ -1265,7 +1267,7 @@
           <a:p>
             <a:fld id="{098E4F0A-755F-4942-B06B-E514525FED01}" type="datetimeFigureOut">
               <a:rPr lang="en-US" smtClean="0"/>
-              <a:t>3/5/2019</a:t>
+              <a:t>3/8/2019</a:t>
             </a:fld>
             <a:endParaRPr lang="en-US"/>
           </a:p>
@@ -1513,7 +1515,7 @@
           <a:p>
             <a:fld id="{098E4F0A-755F-4942-B06B-E514525FED01}" type="datetimeFigureOut">
               <a:rPr lang="en-US" smtClean="0"/>
-              <a:t>3/5/2019</a:t>
+              <a:t>3/8/2019</a:t>
             </a:fld>
             <a:endParaRPr lang="en-US"/>
           </a:p>
@@ -1891,7 +1893,7 @@
           <a:p>
             <a:fld id="{098E4F0A-755F-4942-B06B-E514525FED01}" type="datetimeFigureOut">
               <a:rPr lang="en-US" smtClean="0"/>
-              <a:t>3/5/2019</a:t>
+              <a:t>3/8/2019</a:t>
             </a:fld>
             <a:endParaRPr lang="en-US"/>
           </a:p>
@@ -1994,7 +1996,7 @@
           <a:p>
             <a:fld id="{098E4F0A-755F-4942-B06B-E514525FED01}" type="datetimeFigureOut">
               <a:rPr lang="en-US" smtClean="0"/>
-              <a:t>3/5/2019</a:t>
+              <a:t>3/8/2019</a:t>
             </a:fld>
             <a:endParaRPr lang="en-US"/>
           </a:p>
@@ -2135,7 +2137,7 @@
           <a:p>
             <a:fld id="{098E4F0A-755F-4942-B06B-E514525FED01}" type="datetimeFigureOut">
               <a:rPr lang="en-US" smtClean="0"/>
-              <a:t>3/5/2019</a:t>
+              <a:t>3/8/2019</a:t>
             </a:fld>
             <a:endParaRPr lang="en-US"/>
           </a:p>
@@ -2423,7 +2425,7 @@
           <a:p>
             <a:fld id="{098E4F0A-755F-4942-B06B-E514525FED01}" type="datetimeFigureOut">
               <a:rPr lang="en-US" smtClean="0"/>
-              <a:t>3/5/2019</a:t>
+              <a:t>3/8/2019</a:t>
             </a:fld>
             <a:endParaRPr lang="en-US"/>
           </a:p>
@@ -2691,7 +2693,7 @@
           <a:p>
             <a:fld id="{098E4F0A-755F-4942-B06B-E514525FED01}" type="datetimeFigureOut">
               <a:rPr lang="en-US" smtClean="0"/>
-              <a:t>3/5/2019</a:t>
+              <a:t>3/8/2019</a:t>
             </a:fld>
             <a:endParaRPr lang="en-US"/>
           </a:p>
@@ -2879,7 +2881,7 @@
           <a:p>
             <a:fld id="{098E4F0A-755F-4942-B06B-E514525FED01}" type="datetimeFigureOut">
               <a:rPr lang="en-US" smtClean="0"/>
-              <a:t>3/5/2019</a:t>
+              <a:t>3/8/2019</a:t>
             </a:fld>
             <a:endParaRPr lang="en-US"/>
           </a:p>
@@ -4600,7 +4602,7 @@
             <a:pPr algn="ctr"/>
             <a:r>
               <a:rPr lang="en-CA" sz="2940" b="1" dirty="0"/>
-              <a:t>SITE MANAGER</a:t>
+              <a:t>SITE ADMIN</a:t>
             </a:r>
             <a:endParaRPr lang="en-US" sz="2940" b="1" dirty="0"/>
           </a:p>
@@ -4942,7 +4944,7 @@
             <a:pPr algn="ctr"/>
             <a:r>
               <a:rPr lang="en-CA" sz="2520" b="1" dirty="0"/>
-              <a:t>SITE MANAGER</a:t>
+              <a:t>SITE ADMIN</a:t>
             </a:r>
             <a:endParaRPr lang="en-US" sz="2520" b="1" dirty="0"/>
           </a:p>
@@ -13925,7 +13927,7 @@
                   <a:schemeClr val="accent6"/>
                 </a:solidFill>
               </a:rPr>
-              <a:t>Site manager </a:t>
+              <a:t>Site administrator </a:t>
             </a:r>
             <a:r>
               <a:rPr lang="en-CA" dirty="0"/>
@@ -13944,7 +13946,7 @@
                   <a:schemeClr val="accent6"/>
                 </a:solidFill>
               </a:rPr>
-              <a:t>Site manager </a:t>
+              <a:t>Site administrator </a:t>
             </a:r>
             <a:r>
               <a:rPr lang="en-CA" dirty="0"/>
@@ -13962,7 +13964,7 @@
                   <a:schemeClr val="accent6"/>
                 </a:solidFill>
               </a:rPr>
-              <a:t>Site manager </a:t>
+              <a:t>Site administrator </a:t>
             </a:r>
             <a:r>
               <a:rPr lang="en-CA" dirty="0"/>
@@ -13980,7 +13982,7 @@
                   <a:schemeClr val="accent6"/>
                 </a:solidFill>
               </a:rPr>
-              <a:t>Site manager </a:t>
+              <a:t>Site administrator </a:t>
             </a:r>
             <a:r>
               <a:rPr lang="en-CA" dirty="0"/>
@@ -14278,8 +14280,8 @@
         </p:nvSpPr>
         <p:spPr>
           <a:xfrm>
-            <a:off x="6858173" y="4522573"/>
-            <a:ext cx="4152399" cy="3929448"/>
+            <a:off x="7002731" y="4522573"/>
+            <a:ext cx="5112285" cy="3929448"/>
           </a:xfrm>
           <a:prstGeom prst="roundRect">
             <a:avLst>
@@ -14352,14 +14354,14 @@
           <p:cNvCxnSpPr>
             <a:cxnSpLocks/>
             <a:stCxn id="3" idx="1"/>
-            <a:endCxn id="11" idx="3"/>
+            <a:endCxn id="15" idx="3"/>
           </p:cNvCxnSpPr>
           <p:nvPr/>
         </p:nvCxnSpPr>
         <p:spPr>
           <a:xfrm rot="10800000">
-            <a:off x="3246737" y="2366324"/>
-            <a:ext cx="2079025" cy="1408666"/>
+            <a:off x="3377931" y="2245326"/>
+            <a:ext cx="1947830" cy="1529664"/>
           </a:xfrm>
           <a:prstGeom prst="bentConnector3">
             <a:avLst/>
@@ -14397,17 +14399,17 @@
           </p:cNvPr>
           <p:cNvCxnSpPr>
             <a:cxnSpLocks/>
-            <a:stCxn id="11" idx="1"/>
+            <a:stCxn id="11" idx="2"/>
             <a:endCxn id="18" idx="0"/>
           </p:cNvCxnSpPr>
           <p:nvPr/>
         </p:nvCxnSpPr>
         <p:spPr>
-          <a:xfrm rot="10800000" flipV="1">
-            <a:off x="1260747" y="2366323"/>
-            <a:ext cx="737957" cy="1408665"/>
+          <a:xfrm flipH="1">
+            <a:off x="1310599" y="5798650"/>
+            <a:ext cx="1" cy="932307"/>
           </a:xfrm>
-          <a:prstGeom prst="bentConnector2">
+          <a:prstGeom prst="straightConnector1">
             <a:avLst/>
           </a:prstGeom>
           <a:ln>
@@ -14448,14 +14450,12 @@
           <p:nvPr/>
         </p:nvCxnSpPr>
         <p:spPr>
-          <a:xfrm rot="5400000">
-            <a:off x="3691549" y="4361968"/>
-            <a:ext cx="2029663" cy="1238765"/>
+          <a:xfrm rot="10800000" flipV="1">
+            <a:off x="4325217" y="4105017"/>
+            <a:ext cx="1007589" cy="863527"/>
           </a:xfrm>
-          <a:prstGeom prst="bentConnector3">
-            <a:avLst>
-              <a:gd name="adj1" fmla="val -531"/>
-            </a:avLst>
+          <a:prstGeom prst="bentConnector2">
+            <a:avLst/>
           </a:prstGeom>
           <a:ln>
             <a:solidFill>
@@ -14490,20 +14490,18 @@
           </p:cNvPr>
           <p:cNvCxnSpPr>
             <a:cxnSpLocks/>
-            <a:stCxn id="4" idx="1"/>
+            <a:stCxn id="4" idx="2"/>
             <a:endCxn id="5" idx="3"/>
           </p:cNvCxnSpPr>
           <p:nvPr/>
         </p:nvCxnSpPr>
         <p:spPr>
-          <a:xfrm rot="10800000" flipV="1">
-            <a:off x="2582120" y="6743766"/>
-            <a:ext cx="880860" cy="565254"/>
+          <a:xfrm rot="5400000">
+            <a:off x="3636464" y="6789788"/>
+            <a:ext cx="1014828" cy="362677"/>
           </a:xfrm>
-          <a:prstGeom prst="bentConnector3">
-            <a:avLst>
-              <a:gd name="adj1" fmla="val 50000"/>
-            </a:avLst>
+          <a:prstGeom prst="bentConnector2">
+            <a:avLst/>
           </a:prstGeom>
           <a:ln>
             <a:solidFill>
@@ -14538,20 +14536,18 @@
           </p:cNvPr>
           <p:cNvCxnSpPr>
             <a:cxnSpLocks/>
-            <a:stCxn id="18" idx="2"/>
-            <a:endCxn id="5" idx="0"/>
+            <a:stCxn id="18" idx="3"/>
+            <a:endCxn id="5" idx="1"/>
           </p:cNvCxnSpPr>
           <p:nvPr/>
         </p:nvCxnSpPr>
         <p:spPr>
-          <a:xfrm rot="16200000" flipH="1">
-            <a:off x="963785" y="5567117"/>
-            <a:ext cx="1291280" cy="697358"/>
+          <a:xfrm flipV="1">
+            <a:off x="1934615" y="7478540"/>
+            <a:ext cx="779891" cy="1"/>
           </a:xfrm>
-          <a:prstGeom prst="bentConnector3">
-            <a:avLst>
-              <a:gd name="adj1" fmla="val 50000"/>
-            </a:avLst>
+          <a:prstGeom prst="straightConnector1">
+            <a:avLst/>
           </a:prstGeom>
           <a:ln>
             <a:solidFill>
@@ -14587,14 +14583,14 @@
           <p:cNvCxnSpPr>
             <a:cxnSpLocks/>
             <a:stCxn id="3" idx="3"/>
-            <a:endCxn id="6" idx="0"/>
+            <a:endCxn id="72" idx="0"/>
           </p:cNvCxnSpPr>
           <p:nvPr/>
         </p:nvCxnSpPr>
         <p:spPr>
           <a:xfrm>
             <a:off x="6573794" y="3774990"/>
-            <a:ext cx="3225465" cy="1124462"/>
+            <a:ext cx="4505405" cy="1215264"/>
           </a:xfrm>
           <a:prstGeom prst="bentConnector2">
             <a:avLst/>
@@ -14632,15 +14628,15 @@
           </p:cNvPr>
           <p:cNvCxnSpPr>
             <a:cxnSpLocks/>
-            <a:stCxn id="7" idx="0"/>
-            <a:endCxn id="6" idx="1"/>
+            <a:stCxn id="7" idx="1"/>
+            <a:endCxn id="6" idx="2"/>
           </p:cNvCxnSpPr>
           <p:nvPr/>
         </p:nvCxnSpPr>
         <p:spPr>
-          <a:xfrm rot="5400000" flipH="1" flipV="1">
-            <a:off x="8186701" y="5591432"/>
-            <a:ext cx="932936" cy="1044145"/>
+          <a:xfrm rot="10800000">
+            <a:off x="8347424" y="6394620"/>
+            <a:ext cx="1088079" cy="1083921"/>
           </a:xfrm>
           <a:prstGeom prst="bentConnector2">
             <a:avLst/>
@@ -14728,7 +14724,7 @@
         </p:nvSpPr>
         <p:spPr>
           <a:xfrm>
-            <a:off x="3462980" y="5996182"/>
+            <a:off x="3701199" y="4968545"/>
             <a:ext cx="1248033" cy="1495167"/>
           </a:xfrm>
           <a:prstGeom prst="foldedCorner">
@@ -14807,7 +14803,7 @@
         </p:nvSpPr>
         <p:spPr>
           <a:xfrm>
-            <a:off x="1334087" y="6561436"/>
+            <a:off x="2714506" y="6730956"/>
             <a:ext cx="1248033" cy="1495167"/>
           </a:xfrm>
           <a:prstGeom prst="foldedCorner">
@@ -14886,7 +14882,7 @@
         </p:nvSpPr>
         <p:spPr>
           <a:xfrm>
-            <a:off x="9175242" y="4899452"/>
+            <a:off x="7723406" y="4899452"/>
             <a:ext cx="1248033" cy="1495167"/>
           </a:xfrm>
           <a:prstGeom prst="foldedCorner">
@@ -14963,7 +14959,7 @@
         </p:nvSpPr>
         <p:spPr>
           <a:xfrm>
-            <a:off x="7507080" y="6579972"/>
+            <a:off x="9435502" y="6730956"/>
             <a:ext cx="1248033" cy="1495167"/>
           </a:xfrm>
           <a:prstGeom prst="foldedCorner">
@@ -15095,7 +15091,7 @@
                   <a:srgbClr val="787878"/>
                 </a:solidFill>
               </a:rPr>
-              <a:t>manager</a:t>
+              <a:t>admin</a:t>
             </a:r>
             <a:endParaRPr lang="en-US" b="1" dirty="0">
               <a:solidFill>
@@ -15119,7 +15115,7 @@
         </p:nvSpPr>
         <p:spPr>
           <a:xfrm>
-            <a:off x="1998703" y="1618740"/>
+            <a:off x="686583" y="4303483"/>
             <a:ext cx="1248033" cy="1495167"/>
           </a:xfrm>
           <a:prstGeom prst="foldedCorner">
@@ -15198,7 +15194,7 @@
         </p:nvSpPr>
         <p:spPr>
           <a:xfrm>
-            <a:off x="636729" y="3774989"/>
+            <a:off x="686582" y="6730957"/>
             <a:ext cx="1248033" cy="1495167"/>
           </a:xfrm>
           <a:prstGeom prst="foldedCorner">
@@ -15333,10 +15329,4139 @@
           </a:p>
         </p:txBody>
       </p:sp>
+      <p:sp>
+        <p:nvSpPr>
+          <p:cNvPr id="23" name="TextBox 22">
+            <a:extLst>
+              <a:ext uri="{FF2B5EF4-FFF2-40B4-BE49-F238E27FC236}">
+                <a16:creationId xmlns:a16="http://schemas.microsoft.com/office/drawing/2014/main" id="{91B2B7AD-192F-424F-A07F-E35C1C560272}"/>
+              </a:ext>
+            </a:extLst>
+          </p:cNvPr>
+          <p:cNvSpPr txBox="1"/>
+          <p:nvPr/>
+        </p:nvSpPr>
+        <p:spPr>
+          <a:xfrm>
+            <a:off x="5563118" y="2714054"/>
+            <a:ext cx="250390" cy="276999"/>
+          </a:xfrm>
+          <a:prstGeom prst="rect">
+            <a:avLst/>
+          </a:prstGeom>
+          <a:noFill/>
+        </p:spPr>
+        <p:txBody>
+          <a:bodyPr wrap="none" rtlCol="0">
+            <a:spAutoFit/>
+          </a:bodyPr>
+          <a:lstStyle/>
+          <a:p>
+            <a:r>
+              <a:rPr lang="en-CA" sz="1200" b="1" dirty="0">
+                <a:solidFill>
+                  <a:srgbClr val="FF0000"/>
+                </a:solidFill>
+              </a:rPr>
+              <a:t>/</a:t>
+            </a:r>
+            <a:endParaRPr lang="en-US" sz="1200" b="1" dirty="0">
+              <a:solidFill>
+                <a:srgbClr val="FF0000"/>
+              </a:solidFill>
+            </a:endParaRPr>
+          </a:p>
+        </p:txBody>
+      </p:sp>
+      <p:sp>
+        <p:nvSpPr>
+          <p:cNvPr id="24" name="TextBox 23">
+            <a:extLst>
+              <a:ext uri="{FF2B5EF4-FFF2-40B4-BE49-F238E27FC236}">
+                <a16:creationId xmlns:a16="http://schemas.microsoft.com/office/drawing/2014/main" id="{914BC033-3738-4CE3-83D4-9D2AE2ECAAD6}"/>
+              </a:ext>
+            </a:extLst>
+          </p:cNvPr>
+          <p:cNvSpPr txBox="1"/>
+          <p:nvPr/>
+        </p:nvSpPr>
+        <p:spPr>
+          <a:xfrm>
+            <a:off x="450582" y="3992546"/>
+            <a:ext cx="828688" cy="276999"/>
+          </a:xfrm>
+          <a:prstGeom prst="rect">
+            <a:avLst/>
+          </a:prstGeom>
+          <a:noFill/>
+        </p:spPr>
+        <p:txBody>
+          <a:bodyPr wrap="none" rtlCol="0">
+            <a:spAutoFit/>
+          </a:bodyPr>
+          <a:lstStyle/>
+          <a:p>
+            <a:pPr algn="r"/>
+            <a:r>
+              <a:rPr lang="en-CA" sz="1200" b="1" dirty="0">
+                <a:solidFill>
+                  <a:srgbClr val="FF0000"/>
+                </a:solidFill>
+              </a:rPr>
+              <a:t>/client/:id</a:t>
+            </a:r>
+            <a:endParaRPr lang="en-US" sz="1200" b="1" dirty="0">
+              <a:solidFill>
+                <a:srgbClr val="FF0000"/>
+              </a:solidFill>
+            </a:endParaRPr>
+          </a:p>
+        </p:txBody>
+      </p:sp>
+      <p:sp>
+        <p:nvSpPr>
+          <p:cNvPr id="26" name="TextBox 25">
+            <a:extLst>
+              <a:ext uri="{FF2B5EF4-FFF2-40B4-BE49-F238E27FC236}">
+                <a16:creationId xmlns:a16="http://schemas.microsoft.com/office/drawing/2014/main" id="{D4728D30-6227-4AD0-B678-9AA8E632A520}"/>
+              </a:ext>
+            </a:extLst>
+          </p:cNvPr>
+          <p:cNvSpPr txBox="1"/>
+          <p:nvPr/>
+        </p:nvSpPr>
+        <p:spPr>
+          <a:xfrm>
+            <a:off x="8347422" y="4622453"/>
+            <a:ext cx="725968" cy="276999"/>
+          </a:xfrm>
+          <a:prstGeom prst="rect">
+            <a:avLst/>
+          </a:prstGeom>
+          <a:noFill/>
+        </p:spPr>
+        <p:txBody>
+          <a:bodyPr wrap="none" rtlCol="0">
+            <a:spAutoFit/>
+          </a:bodyPr>
+          <a:lstStyle/>
+          <a:p>
+            <a:r>
+              <a:rPr lang="en-CA" sz="1200" b="1" dirty="0">
+                <a:solidFill>
+                  <a:srgbClr val="FF0000"/>
+                </a:solidFill>
+              </a:rPr>
+              <a:t>/owner/</a:t>
+            </a:r>
+            <a:endParaRPr lang="en-US" sz="1200" b="1" dirty="0">
+              <a:solidFill>
+                <a:srgbClr val="FF0000"/>
+              </a:solidFill>
+            </a:endParaRPr>
+          </a:p>
+        </p:txBody>
+      </p:sp>
+      <p:sp>
+        <p:nvSpPr>
+          <p:cNvPr id="27" name="TextBox 26">
+            <a:extLst>
+              <a:ext uri="{FF2B5EF4-FFF2-40B4-BE49-F238E27FC236}">
+                <a16:creationId xmlns:a16="http://schemas.microsoft.com/office/drawing/2014/main" id="{7D9E71EB-E268-4026-BED3-1FDFBB6BF00B}"/>
+              </a:ext>
+            </a:extLst>
+          </p:cNvPr>
+          <p:cNvSpPr txBox="1"/>
+          <p:nvPr/>
+        </p:nvSpPr>
+        <p:spPr>
+          <a:xfrm>
+            <a:off x="7793997" y="7579894"/>
+            <a:ext cx="1514389" cy="276999"/>
+          </a:xfrm>
+          <a:prstGeom prst="rect">
+            <a:avLst/>
+          </a:prstGeom>
+          <a:noFill/>
+        </p:spPr>
+        <p:txBody>
+          <a:bodyPr wrap="none" rtlCol="0">
+            <a:spAutoFit/>
+          </a:bodyPr>
+          <a:lstStyle/>
+          <a:p>
+            <a:r>
+              <a:rPr lang="en-CA" sz="1200" b="1" dirty="0">
+                <a:solidFill>
+                  <a:srgbClr val="FF0000"/>
+                </a:solidFill>
+              </a:rPr>
+              <a:t>/owner/property/:id</a:t>
+            </a:r>
+            <a:endParaRPr lang="en-US" sz="1200" b="1" dirty="0">
+              <a:solidFill>
+                <a:srgbClr val="FF0000"/>
+              </a:solidFill>
+            </a:endParaRPr>
+          </a:p>
+        </p:txBody>
+      </p:sp>
+      <p:sp>
+        <p:nvSpPr>
+          <p:cNvPr id="29" name="TextBox 28">
+            <a:extLst>
+              <a:ext uri="{FF2B5EF4-FFF2-40B4-BE49-F238E27FC236}">
+                <a16:creationId xmlns:a16="http://schemas.microsoft.com/office/drawing/2014/main" id="{E3010376-8DA7-486E-ACDB-94BD7FE50DDE}"/>
+              </a:ext>
+            </a:extLst>
+          </p:cNvPr>
+          <p:cNvSpPr txBox="1"/>
+          <p:nvPr/>
+        </p:nvSpPr>
+        <p:spPr>
+          <a:xfrm>
+            <a:off x="3965088" y="7607285"/>
+            <a:ext cx="1038810" cy="276999"/>
+          </a:xfrm>
+          <a:prstGeom prst="rect">
+            <a:avLst/>
+          </a:prstGeom>
+          <a:noFill/>
+        </p:spPr>
+        <p:txBody>
+          <a:bodyPr wrap="none" rtlCol="0">
+            <a:spAutoFit/>
+          </a:bodyPr>
+          <a:lstStyle/>
+          <a:p>
+            <a:r>
+              <a:rPr lang="en-CA" sz="1200" b="1" dirty="0">
+                <a:solidFill>
+                  <a:srgbClr val="FF0000"/>
+                </a:solidFill>
+              </a:rPr>
+              <a:t>/property/:id</a:t>
+            </a:r>
+            <a:endParaRPr lang="en-US" sz="1200" b="1" dirty="0">
+              <a:solidFill>
+                <a:srgbClr val="FF0000"/>
+              </a:solidFill>
+            </a:endParaRPr>
+          </a:p>
+        </p:txBody>
+      </p:sp>
+      <p:sp>
+        <p:nvSpPr>
+          <p:cNvPr id="30" name="TextBox 29">
+            <a:extLst>
+              <a:ext uri="{FF2B5EF4-FFF2-40B4-BE49-F238E27FC236}">
+                <a16:creationId xmlns:a16="http://schemas.microsoft.com/office/drawing/2014/main" id="{3A5AA6DC-F3C4-400C-BAAB-6F77735C7EEF}"/>
+              </a:ext>
+            </a:extLst>
+          </p:cNvPr>
+          <p:cNvSpPr txBox="1"/>
+          <p:nvPr/>
+        </p:nvSpPr>
+        <p:spPr>
+          <a:xfrm>
+            <a:off x="3599249" y="4617536"/>
+            <a:ext cx="659283" cy="276999"/>
+          </a:xfrm>
+          <a:prstGeom prst="rect">
+            <a:avLst/>
+          </a:prstGeom>
+          <a:noFill/>
+        </p:spPr>
+        <p:txBody>
+          <a:bodyPr wrap="square" rtlCol="0">
+            <a:spAutoFit/>
+          </a:bodyPr>
+          <a:lstStyle/>
+          <a:p>
+            <a:pPr algn="r"/>
+            <a:r>
+              <a:rPr lang="en-CA" sz="1200" b="1" dirty="0">
+                <a:solidFill>
+                  <a:srgbClr val="FF0000"/>
+                </a:solidFill>
+              </a:rPr>
+              <a:t>/search</a:t>
+            </a:r>
+            <a:endParaRPr lang="en-US" sz="1200" b="1" dirty="0">
+              <a:solidFill>
+                <a:srgbClr val="FF0000"/>
+              </a:solidFill>
+            </a:endParaRPr>
+          </a:p>
+        </p:txBody>
+      </p:sp>
+      <p:sp>
+        <p:nvSpPr>
+          <p:cNvPr id="32" name="TextBox 31">
+            <a:extLst>
+              <a:ext uri="{FF2B5EF4-FFF2-40B4-BE49-F238E27FC236}">
+                <a16:creationId xmlns:a16="http://schemas.microsoft.com/office/drawing/2014/main" id="{41934161-8D9E-4419-9999-A62937B8B158}"/>
+              </a:ext>
+            </a:extLst>
+          </p:cNvPr>
+          <p:cNvSpPr txBox="1"/>
+          <p:nvPr/>
+        </p:nvSpPr>
+        <p:spPr>
+          <a:xfrm>
+            <a:off x="1382717" y="6362860"/>
+            <a:ext cx="1526059" cy="276999"/>
+          </a:xfrm>
+          <a:prstGeom prst="rect">
+            <a:avLst/>
+          </a:prstGeom>
+          <a:noFill/>
+        </p:spPr>
+        <p:txBody>
+          <a:bodyPr wrap="none" rtlCol="0">
+            <a:spAutoFit/>
+          </a:bodyPr>
+          <a:lstStyle/>
+          <a:p>
+            <a:r>
+              <a:rPr lang="en-CA" sz="1200" b="1" dirty="0">
+                <a:solidFill>
+                  <a:srgbClr val="FF0000"/>
+                </a:solidFill>
+              </a:rPr>
+              <a:t>/client/favourites/:id</a:t>
+            </a:r>
+            <a:endParaRPr lang="en-US" sz="1200" b="1" dirty="0">
+              <a:solidFill>
+                <a:srgbClr val="FF0000"/>
+              </a:solidFill>
+            </a:endParaRPr>
+          </a:p>
+        </p:txBody>
+      </p:sp>
+      <p:sp>
+        <p:nvSpPr>
+          <p:cNvPr id="33" name="TextBox 32">
+            <a:extLst>
+              <a:ext uri="{FF2B5EF4-FFF2-40B4-BE49-F238E27FC236}">
+                <a16:creationId xmlns:a16="http://schemas.microsoft.com/office/drawing/2014/main" id="{EE3BF433-4610-441E-86F4-64F726C1003F}"/>
+              </a:ext>
+            </a:extLst>
+          </p:cNvPr>
+          <p:cNvSpPr txBox="1"/>
+          <p:nvPr/>
+        </p:nvSpPr>
+        <p:spPr>
+          <a:xfrm>
+            <a:off x="8372907" y="1080442"/>
+            <a:ext cx="878702" cy="276999"/>
+          </a:xfrm>
+          <a:prstGeom prst="rect">
+            <a:avLst/>
+          </a:prstGeom>
+          <a:noFill/>
+        </p:spPr>
+        <p:txBody>
+          <a:bodyPr wrap="none" rtlCol="0">
+            <a:spAutoFit/>
+          </a:bodyPr>
+          <a:lstStyle/>
+          <a:p>
+            <a:r>
+              <a:rPr lang="en-CA" sz="1200" b="1" dirty="0">
+                <a:solidFill>
+                  <a:srgbClr val="FF0000"/>
+                </a:solidFill>
+              </a:rPr>
+              <a:t>/manager/</a:t>
+            </a:r>
+            <a:endParaRPr lang="en-US" sz="1200" b="1" dirty="0">
+              <a:solidFill>
+                <a:srgbClr val="FF0000"/>
+              </a:solidFill>
+            </a:endParaRPr>
+          </a:p>
+        </p:txBody>
+      </p:sp>
+      <p:sp>
+        <p:nvSpPr>
+          <p:cNvPr id="36" name="TextBox 35">
+            <a:extLst>
+              <a:ext uri="{FF2B5EF4-FFF2-40B4-BE49-F238E27FC236}">
+                <a16:creationId xmlns:a16="http://schemas.microsoft.com/office/drawing/2014/main" id="{D5800FD5-C99C-4B01-B02C-17CF7D182A14}"/>
+              </a:ext>
+            </a:extLst>
+          </p:cNvPr>
+          <p:cNvSpPr txBox="1"/>
+          <p:nvPr/>
+        </p:nvSpPr>
+        <p:spPr>
+          <a:xfrm>
+            <a:off x="1041839" y="5153554"/>
+            <a:ext cx="537519" cy="276999"/>
+          </a:xfrm>
+          <a:prstGeom prst="rect">
+            <a:avLst/>
+          </a:prstGeom>
+          <a:noFill/>
+        </p:spPr>
+        <p:txBody>
+          <a:bodyPr wrap="none" rtlCol="0">
+            <a:spAutoFit/>
+          </a:bodyPr>
+          <a:lstStyle/>
+          <a:p>
+            <a:pPr algn="ctr"/>
+            <a:r>
+              <a:rPr lang="en-CA" sz="1200" b="1" dirty="0">
+                <a:solidFill>
+                  <a:srgbClr val="0000FF"/>
+                </a:solidFill>
+              </a:rPr>
+              <a:t>client</a:t>
+            </a:r>
+            <a:endParaRPr lang="en-US" sz="1200" b="1" dirty="0">
+              <a:solidFill>
+                <a:srgbClr val="0000FF"/>
+              </a:solidFill>
+            </a:endParaRPr>
+          </a:p>
+        </p:txBody>
+      </p:sp>
+      <p:sp>
+        <p:nvSpPr>
+          <p:cNvPr id="38" name="TextBox 37">
+            <a:extLst>
+              <a:ext uri="{FF2B5EF4-FFF2-40B4-BE49-F238E27FC236}">
+                <a16:creationId xmlns:a16="http://schemas.microsoft.com/office/drawing/2014/main" id="{7EF06EEA-1A0C-48B3-A0E4-F154D36ACA97}"/>
+              </a:ext>
+            </a:extLst>
+          </p:cNvPr>
+          <p:cNvSpPr txBox="1"/>
+          <p:nvPr/>
+        </p:nvSpPr>
+        <p:spPr>
+          <a:xfrm>
+            <a:off x="899236" y="7618068"/>
+            <a:ext cx="822726" cy="276999"/>
+          </a:xfrm>
+          <a:prstGeom prst="rect">
+            <a:avLst/>
+          </a:prstGeom>
+          <a:noFill/>
+        </p:spPr>
+        <p:txBody>
+          <a:bodyPr wrap="none" rtlCol="0">
+            <a:spAutoFit/>
+          </a:bodyPr>
+          <a:lstStyle/>
+          <a:p>
+            <a:pPr algn="ctr"/>
+            <a:r>
+              <a:rPr lang="en-CA" sz="1200" b="1" dirty="0">
+                <a:solidFill>
+                  <a:srgbClr val="0000FF"/>
+                </a:solidFill>
+              </a:rPr>
+              <a:t>favourites</a:t>
+            </a:r>
+            <a:endParaRPr lang="en-US" sz="1200" b="1" dirty="0">
+              <a:solidFill>
+                <a:srgbClr val="0000FF"/>
+              </a:solidFill>
+            </a:endParaRPr>
+          </a:p>
+        </p:txBody>
+      </p:sp>
+      <p:sp>
+        <p:nvSpPr>
+          <p:cNvPr id="39" name="TextBox 38">
+            <a:extLst>
+              <a:ext uri="{FF2B5EF4-FFF2-40B4-BE49-F238E27FC236}">
+                <a16:creationId xmlns:a16="http://schemas.microsoft.com/office/drawing/2014/main" id="{87139A8E-F57B-44CE-8E4C-AAB832B08E57}"/>
+              </a:ext>
+            </a:extLst>
+          </p:cNvPr>
+          <p:cNvSpPr txBox="1"/>
+          <p:nvPr/>
+        </p:nvSpPr>
+        <p:spPr>
+          <a:xfrm>
+            <a:off x="2966594" y="7660869"/>
+            <a:ext cx="743858" cy="276999"/>
+          </a:xfrm>
+          <a:prstGeom prst="rect">
+            <a:avLst/>
+          </a:prstGeom>
+          <a:noFill/>
+        </p:spPr>
+        <p:txBody>
+          <a:bodyPr wrap="none" rtlCol="0">
+            <a:spAutoFit/>
+          </a:bodyPr>
+          <a:lstStyle/>
+          <a:p>
+            <a:pPr algn="ctr"/>
+            <a:r>
+              <a:rPr lang="en-CA" sz="1200" b="1" dirty="0">
+                <a:solidFill>
+                  <a:srgbClr val="0000FF"/>
+                </a:solidFill>
+              </a:rPr>
+              <a:t>property</a:t>
+            </a:r>
+            <a:endParaRPr lang="en-US" sz="1200" b="1" dirty="0">
+              <a:solidFill>
+                <a:srgbClr val="0000FF"/>
+              </a:solidFill>
+            </a:endParaRPr>
+          </a:p>
+        </p:txBody>
+      </p:sp>
+      <p:sp>
+        <p:nvSpPr>
+          <p:cNvPr id="40" name="TextBox 39">
+            <a:extLst>
+              <a:ext uri="{FF2B5EF4-FFF2-40B4-BE49-F238E27FC236}">
+                <a16:creationId xmlns:a16="http://schemas.microsoft.com/office/drawing/2014/main" id="{801C9AF0-1B03-46A9-94D7-4BDC6A85736A}"/>
+              </a:ext>
+            </a:extLst>
+          </p:cNvPr>
+          <p:cNvSpPr txBox="1"/>
+          <p:nvPr/>
+        </p:nvSpPr>
+        <p:spPr>
+          <a:xfrm>
+            <a:off x="4014468" y="5851512"/>
+            <a:ext cx="597664" cy="276999"/>
+          </a:xfrm>
+          <a:prstGeom prst="rect">
+            <a:avLst/>
+          </a:prstGeom>
+          <a:noFill/>
+        </p:spPr>
+        <p:txBody>
+          <a:bodyPr wrap="none" rtlCol="0">
+            <a:spAutoFit/>
+          </a:bodyPr>
+          <a:lstStyle/>
+          <a:p>
+            <a:pPr algn="ctr"/>
+            <a:r>
+              <a:rPr lang="en-CA" sz="1200" b="1" dirty="0">
+                <a:solidFill>
+                  <a:srgbClr val="0000FF"/>
+                </a:solidFill>
+              </a:rPr>
+              <a:t>search</a:t>
+            </a:r>
+            <a:endParaRPr lang="en-US" sz="1200" b="1" dirty="0">
+              <a:solidFill>
+                <a:srgbClr val="0000FF"/>
+              </a:solidFill>
+            </a:endParaRPr>
+          </a:p>
+        </p:txBody>
+      </p:sp>
+      <p:sp>
+        <p:nvSpPr>
+          <p:cNvPr id="41" name="TextBox 40">
+            <a:extLst>
+              <a:ext uri="{FF2B5EF4-FFF2-40B4-BE49-F238E27FC236}">
+                <a16:creationId xmlns:a16="http://schemas.microsoft.com/office/drawing/2014/main" id="{B600A966-A6BD-4CE8-B72C-8E78AD913019}"/>
+              </a:ext>
+            </a:extLst>
+          </p:cNvPr>
+          <p:cNvSpPr txBox="1"/>
+          <p:nvPr/>
+        </p:nvSpPr>
+        <p:spPr>
+          <a:xfrm>
+            <a:off x="9562621" y="7578423"/>
+            <a:ext cx="993798" cy="276999"/>
+          </a:xfrm>
+          <a:prstGeom prst="rect">
+            <a:avLst/>
+          </a:prstGeom>
+          <a:noFill/>
+        </p:spPr>
+        <p:txBody>
+          <a:bodyPr wrap="none" rtlCol="0">
+            <a:spAutoFit/>
+          </a:bodyPr>
+          <a:lstStyle/>
+          <a:p>
+            <a:pPr algn="ctr"/>
+            <a:r>
+              <a:rPr lang="en-CA" sz="1200" b="1" dirty="0" err="1">
+                <a:solidFill>
+                  <a:srgbClr val="0000FF"/>
+                </a:solidFill>
+              </a:rPr>
+              <a:t>propertyedit</a:t>
+            </a:r>
+            <a:endParaRPr lang="en-US" sz="1200" b="1" dirty="0">
+              <a:solidFill>
+                <a:srgbClr val="0000FF"/>
+              </a:solidFill>
+            </a:endParaRPr>
+          </a:p>
+        </p:txBody>
+      </p:sp>
+      <p:sp>
+        <p:nvSpPr>
+          <p:cNvPr id="42" name="TextBox 41">
+            <a:extLst>
+              <a:ext uri="{FF2B5EF4-FFF2-40B4-BE49-F238E27FC236}">
+                <a16:creationId xmlns:a16="http://schemas.microsoft.com/office/drawing/2014/main" id="{845E0397-3BB2-43B6-8D78-D0E9436F204E}"/>
+              </a:ext>
+            </a:extLst>
+          </p:cNvPr>
+          <p:cNvSpPr txBox="1"/>
+          <p:nvPr/>
+        </p:nvSpPr>
+        <p:spPr>
+          <a:xfrm>
+            <a:off x="8048461" y="5757204"/>
+            <a:ext cx="597921" cy="276999"/>
+          </a:xfrm>
+          <a:prstGeom prst="rect">
+            <a:avLst/>
+          </a:prstGeom>
+          <a:noFill/>
+        </p:spPr>
+        <p:txBody>
+          <a:bodyPr wrap="none" rtlCol="0">
+            <a:spAutoFit/>
+          </a:bodyPr>
+          <a:lstStyle/>
+          <a:p>
+            <a:pPr algn="ctr"/>
+            <a:r>
+              <a:rPr lang="en-CA" sz="1200" b="1" dirty="0">
+                <a:solidFill>
+                  <a:srgbClr val="0000FF"/>
+                </a:solidFill>
+              </a:rPr>
+              <a:t>owner</a:t>
+            </a:r>
+            <a:endParaRPr lang="en-US" sz="1200" b="1" dirty="0">
+              <a:solidFill>
+                <a:srgbClr val="0000FF"/>
+              </a:solidFill>
+            </a:endParaRPr>
+          </a:p>
+        </p:txBody>
+      </p:sp>
+      <p:sp>
+        <p:nvSpPr>
+          <p:cNvPr id="43" name="TextBox 42">
+            <a:extLst>
+              <a:ext uri="{FF2B5EF4-FFF2-40B4-BE49-F238E27FC236}">
+                <a16:creationId xmlns:a16="http://schemas.microsoft.com/office/drawing/2014/main" id="{14972E4C-8D2B-4272-884F-CCBB3CB1FC8A}"/>
+              </a:ext>
+            </a:extLst>
+          </p:cNvPr>
+          <p:cNvSpPr txBox="1"/>
+          <p:nvPr/>
+        </p:nvSpPr>
+        <p:spPr>
+          <a:xfrm>
+            <a:off x="8460000" y="2256542"/>
+            <a:ext cx="590226" cy="276999"/>
+          </a:xfrm>
+          <a:prstGeom prst="rect">
+            <a:avLst/>
+          </a:prstGeom>
+          <a:noFill/>
+        </p:spPr>
+        <p:txBody>
+          <a:bodyPr wrap="none" rtlCol="0">
+            <a:spAutoFit/>
+          </a:bodyPr>
+          <a:lstStyle/>
+          <a:p>
+            <a:pPr algn="ctr"/>
+            <a:r>
+              <a:rPr lang="en-CA" sz="1200" b="1" dirty="0">
+                <a:solidFill>
+                  <a:srgbClr val="0000FF"/>
+                </a:solidFill>
+              </a:rPr>
+              <a:t>admin</a:t>
+            </a:r>
+            <a:endParaRPr lang="en-US" sz="1200" b="1" dirty="0">
+              <a:solidFill>
+                <a:srgbClr val="0000FF"/>
+              </a:solidFill>
+            </a:endParaRPr>
+          </a:p>
+        </p:txBody>
+      </p:sp>
+      <p:sp>
+        <p:nvSpPr>
+          <p:cNvPr id="44" name="TextBox 43">
+            <a:extLst>
+              <a:ext uri="{FF2B5EF4-FFF2-40B4-BE49-F238E27FC236}">
+                <a16:creationId xmlns:a16="http://schemas.microsoft.com/office/drawing/2014/main" id="{82505C62-EC79-41B8-9F92-FD7D06C79398}"/>
+              </a:ext>
+            </a:extLst>
+          </p:cNvPr>
+          <p:cNvSpPr txBox="1"/>
+          <p:nvPr/>
+        </p:nvSpPr>
+        <p:spPr>
+          <a:xfrm>
+            <a:off x="5682332" y="3828019"/>
+            <a:ext cx="534890" cy="276999"/>
+          </a:xfrm>
+          <a:prstGeom prst="rect">
+            <a:avLst/>
+          </a:prstGeom>
+          <a:noFill/>
+        </p:spPr>
+        <p:txBody>
+          <a:bodyPr wrap="none" rtlCol="0">
+            <a:spAutoFit/>
+          </a:bodyPr>
+          <a:lstStyle/>
+          <a:p>
+            <a:pPr algn="ctr"/>
+            <a:r>
+              <a:rPr lang="en-CA" sz="1200" b="1" dirty="0">
+                <a:solidFill>
+                  <a:srgbClr val="0000FF"/>
+                </a:solidFill>
+              </a:rPr>
+              <a:t>index</a:t>
+            </a:r>
+            <a:endParaRPr lang="en-US" sz="1200" b="1" dirty="0">
+              <a:solidFill>
+                <a:srgbClr val="0000FF"/>
+              </a:solidFill>
+            </a:endParaRPr>
+          </a:p>
+        </p:txBody>
+      </p:sp>
+      <p:cxnSp>
+        <p:nvCxnSpPr>
+          <p:cNvPr id="58" name="Connector: Elbow 18">
+            <a:extLst>
+              <a:ext uri="{FF2B5EF4-FFF2-40B4-BE49-F238E27FC236}">
+                <a16:creationId xmlns:a16="http://schemas.microsoft.com/office/drawing/2014/main" id="{5F1A65C7-709F-4B36-BA85-0C3E0B05DDD8}"/>
+              </a:ext>
+            </a:extLst>
+          </p:cNvPr>
+          <p:cNvCxnSpPr>
+            <a:cxnSpLocks/>
+            <a:stCxn id="15" idx="2"/>
+            <a:endCxn id="11" idx="0"/>
+          </p:cNvCxnSpPr>
+          <p:nvPr/>
+        </p:nvCxnSpPr>
+        <p:spPr>
+          <a:xfrm rot="5400000">
+            <a:off x="1214608" y="2998099"/>
+            <a:ext cx="1401376" cy="1209392"/>
+          </a:xfrm>
+          <a:prstGeom prst="bentConnector3">
+            <a:avLst>
+              <a:gd name="adj1" fmla="val 50000"/>
+            </a:avLst>
+          </a:prstGeom>
+          <a:ln>
+            <a:solidFill>
+              <a:schemeClr val="tx1"/>
+            </a:solidFill>
+            <a:tailEnd type="triangle"/>
+          </a:ln>
+        </p:spPr>
+        <p:style>
+          <a:lnRef idx="1">
+            <a:schemeClr val="accent1"/>
+          </a:lnRef>
+          <a:fillRef idx="0">
+            <a:schemeClr val="accent1"/>
+          </a:fillRef>
+          <a:effectRef idx="0">
+            <a:schemeClr val="accent1"/>
+          </a:effectRef>
+          <a:fontRef idx="minor">
+            <a:schemeClr val="tx1"/>
+          </a:fontRef>
+        </p:style>
+      </p:cxnSp>
+      <p:cxnSp>
+        <p:nvCxnSpPr>
+          <p:cNvPr id="78" name="Connector: Elbow 77">
+            <a:extLst>
+              <a:ext uri="{FF2B5EF4-FFF2-40B4-BE49-F238E27FC236}">
+                <a16:creationId xmlns:a16="http://schemas.microsoft.com/office/drawing/2014/main" id="{6F41A03E-782B-420A-B3FA-2FA3FCAEAD13}"/>
+              </a:ext>
+            </a:extLst>
+          </p:cNvPr>
+          <p:cNvCxnSpPr>
+            <a:cxnSpLocks/>
+            <a:stCxn id="72" idx="1"/>
+            <a:endCxn id="6" idx="3"/>
+          </p:cNvCxnSpPr>
+          <p:nvPr/>
+        </p:nvCxnSpPr>
+        <p:spPr>
+          <a:xfrm flipH="1">
+            <a:off x="8971439" y="5647035"/>
+            <a:ext cx="1249820" cy="1"/>
+          </a:xfrm>
+          <a:prstGeom prst="straightConnector1">
+            <a:avLst/>
+          </a:prstGeom>
+          <a:ln>
+            <a:solidFill>
+              <a:schemeClr val="tx1"/>
+            </a:solidFill>
+            <a:tailEnd type="triangle"/>
+          </a:ln>
+        </p:spPr>
+        <p:style>
+          <a:lnRef idx="1">
+            <a:schemeClr val="accent1"/>
+          </a:lnRef>
+          <a:fillRef idx="0">
+            <a:schemeClr val="accent1"/>
+          </a:fillRef>
+          <a:effectRef idx="0">
+            <a:schemeClr val="accent1"/>
+          </a:effectRef>
+          <a:fontRef idx="minor">
+            <a:schemeClr val="tx1"/>
+          </a:fontRef>
+        </p:style>
+      </p:cxnSp>
+      <p:sp>
+        <p:nvSpPr>
+          <p:cNvPr id="15" name="Rectangle 14">
+            <a:extLst>
+              <a:ext uri="{FF2B5EF4-FFF2-40B4-BE49-F238E27FC236}">
+                <a16:creationId xmlns:a16="http://schemas.microsoft.com/office/drawing/2014/main" id="{A3BF3768-DEB1-4607-B1CC-896C5E8C73CC}"/>
+              </a:ext>
+            </a:extLst>
+          </p:cNvPr>
+          <p:cNvSpPr/>
+          <p:nvPr/>
+        </p:nvSpPr>
+        <p:spPr>
+          <a:xfrm>
+            <a:off x="1662052" y="1588545"/>
+            <a:ext cx="1715879" cy="1313562"/>
+          </a:xfrm>
+          <a:prstGeom prst="rect">
+            <a:avLst/>
+          </a:prstGeom>
+          <a:noFill/>
+          <a:ln w="69850" cap="flat" cmpd="dbl" algn="ctr">
+            <a:solidFill>
+              <a:schemeClr val="accent5"/>
+            </a:solidFill>
+            <a:prstDash val="solid"/>
+            <a:round/>
+            <a:headEnd type="none" w="med" len="med"/>
+            <a:tailEnd type="none" w="med" len="med"/>
+          </a:ln>
+        </p:spPr>
+        <p:style>
+          <a:lnRef idx="0">
+            <a:scrgbClr r="0" g="0" b="0"/>
+          </a:lnRef>
+          <a:fillRef idx="0">
+            <a:scrgbClr r="0" g="0" b="0"/>
+          </a:fillRef>
+          <a:effectRef idx="0">
+            <a:scrgbClr r="0" g="0" b="0"/>
+          </a:effectRef>
+          <a:fontRef idx="minor">
+            <a:schemeClr val="accent5"/>
+          </a:fontRef>
+        </p:style>
+        <p:txBody>
+          <a:bodyPr rtlCol="0" anchor="ctr"/>
+          <a:lstStyle/>
+          <a:p>
+            <a:pPr algn="ctr"/>
+            <a:r>
+              <a:rPr lang="en-CA" b="1" dirty="0"/>
+              <a:t>Client login</a:t>
+            </a:r>
+          </a:p>
+          <a:p>
+            <a:pPr algn="ctr"/>
+            <a:r>
+              <a:rPr lang="en-CA" b="1" dirty="0"/>
+              <a:t>Modal logic</a:t>
+            </a:r>
+          </a:p>
+        </p:txBody>
+      </p:sp>
+      <p:sp>
+        <p:nvSpPr>
+          <p:cNvPr id="72" name="Rectangle 71">
+            <a:extLst>
+              <a:ext uri="{FF2B5EF4-FFF2-40B4-BE49-F238E27FC236}">
+                <a16:creationId xmlns:a16="http://schemas.microsoft.com/office/drawing/2014/main" id="{30EEEDFB-C483-4E51-8010-04520772814A}"/>
+              </a:ext>
+            </a:extLst>
+          </p:cNvPr>
+          <p:cNvSpPr/>
+          <p:nvPr/>
+        </p:nvSpPr>
+        <p:spPr>
+          <a:xfrm>
+            <a:off x="10221259" y="4990254"/>
+            <a:ext cx="1715879" cy="1313562"/>
+          </a:xfrm>
+          <a:prstGeom prst="rect">
+            <a:avLst/>
+          </a:prstGeom>
+          <a:noFill/>
+          <a:ln w="69850" cap="flat" cmpd="dbl" algn="ctr">
+            <a:solidFill>
+              <a:srgbClr val="70AD47"/>
+            </a:solidFill>
+            <a:prstDash val="solid"/>
+            <a:round/>
+            <a:headEnd type="none" w="med" len="med"/>
+            <a:tailEnd type="none" w="med" len="med"/>
+          </a:ln>
+        </p:spPr>
+        <p:style>
+          <a:lnRef idx="0">
+            <a:scrgbClr r="0" g="0" b="0"/>
+          </a:lnRef>
+          <a:fillRef idx="0">
+            <a:scrgbClr r="0" g="0" b="0"/>
+          </a:fillRef>
+          <a:effectRef idx="0">
+            <a:scrgbClr r="0" g="0" b="0"/>
+          </a:effectRef>
+          <a:fontRef idx="minor">
+            <a:schemeClr val="accent5"/>
+          </a:fontRef>
+        </p:style>
+        <p:txBody>
+          <a:bodyPr rtlCol="0" anchor="ctr"/>
+          <a:lstStyle/>
+          <a:p>
+            <a:pPr algn="ctr"/>
+            <a:r>
+              <a:rPr lang="en-CA" b="1" dirty="0">
+                <a:solidFill>
+                  <a:srgbClr val="70AD47"/>
+                </a:solidFill>
+              </a:rPr>
+              <a:t>Owner login</a:t>
+            </a:r>
+          </a:p>
+          <a:p>
+            <a:pPr algn="ctr"/>
+            <a:r>
+              <a:rPr lang="en-CA" b="1" dirty="0">
+                <a:solidFill>
+                  <a:srgbClr val="70AD47"/>
+                </a:solidFill>
+              </a:rPr>
+              <a:t>Modal logic</a:t>
+            </a:r>
+          </a:p>
+        </p:txBody>
+      </p:sp>
     </p:spTree>
     <p:extLst>
       <p:ext uri="{BB962C8B-B14F-4D97-AF65-F5344CB8AC3E}">
         <p14:creationId xmlns:p14="http://schemas.microsoft.com/office/powerpoint/2010/main" val="3764812912"/>
+      </p:ext>
+    </p:extLst>
+  </p:cSld>
+  <p:clrMapOvr>
+    <a:masterClrMapping/>
+  </p:clrMapOvr>
+</p:sld>
+</file>
+
+<file path=ppt/slides/slide8.xml><?xml version="1.0" encoding="utf-8"?>
+<p:sld xmlns:a="http://schemas.openxmlformats.org/drawingml/2006/main" xmlns:r="http://schemas.openxmlformats.org/officeDocument/2006/relationships" xmlns:p="http://schemas.openxmlformats.org/presentationml/2006/main">
+  <p:cSld>
+    <p:spTree>
+      <p:nvGrpSpPr>
+        <p:cNvPr id="1" name=""/>
+        <p:cNvGrpSpPr/>
+        <p:nvPr/>
+      </p:nvGrpSpPr>
+      <p:grpSpPr>
+        <a:xfrm>
+          <a:off x="0" y="0"/>
+          <a:ext cx="0" cy="0"/>
+          <a:chOff x="0" y="0"/>
+          <a:chExt cx="0" cy="0"/>
+        </a:xfrm>
+      </p:grpSpPr>
+      <p:sp>
+        <p:nvSpPr>
+          <p:cNvPr id="2" name="Title 1">
+            <a:extLst>
+              <a:ext uri="{FF2B5EF4-FFF2-40B4-BE49-F238E27FC236}">
+                <a16:creationId xmlns:a16="http://schemas.microsoft.com/office/drawing/2014/main" id="{E20023E2-BDF7-43CE-A334-AB8DAEB6790B}"/>
+              </a:ext>
+            </a:extLst>
+          </p:cNvPr>
+          <p:cNvSpPr>
+            <a:spLocks noGrp="1"/>
+          </p:cNvSpPr>
+          <p:nvPr>
+            <p:ph type="title"/>
+          </p:nvPr>
+        </p:nvSpPr>
+        <p:spPr>
+          <a:xfrm>
+            <a:off x="714768" y="183840"/>
+            <a:ext cx="3610448" cy="481394"/>
+          </a:xfrm>
+        </p:spPr>
+        <p:txBody>
+          <a:bodyPr/>
+          <a:lstStyle/>
+          <a:p>
+            <a:r>
+              <a:rPr lang="en-CA" dirty="0"/>
+              <a:t>Modal logic - Client</a:t>
+            </a:r>
+            <a:endParaRPr lang="en-US" dirty="0"/>
+          </a:p>
+        </p:txBody>
+      </p:sp>
+      <p:sp>
+        <p:nvSpPr>
+          <p:cNvPr id="20" name="Flowchart: Manual Operation 19">
+            <a:extLst>
+              <a:ext uri="{FF2B5EF4-FFF2-40B4-BE49-F238E27FC236}">
+                <a16:creationId xmlns:a16="http://schemas.microsoft.com/office/drawing/2014/main" id="{E513D03A-878B-4D9D-8860-58A16351DC9D}"/>
+              </a:ext>
+            </a:extLst>
+          </p:cNvPr>
+          <p:cNvSpPr/>
+          <p:nvPr/>
+        </p:nvSpPr>
+        <p:spPr>
+          <a:xfrm>
+            <a:off x="5531826" y="1326584"/>
+            <a:ext cx="1440493" cy="576197"/>
+          </a:xfrm>
+          <a:prstGeom prst="flowChartManualOperation">
+            <a:avLst/>
+          </a:prstGeom>
+        </p:spPr>
+        <p:style>
+          <a:lnRef idx="2">
+            <a:schemeClr val="accent5">
+              <a:shade val="50000"/>
+            </a:schemeClr>
+          </a:lnRef>
+          <a:fillRef idx="1">
+            <a:schemeClr val="accent5"/>
+          </a:fillRef>
+          <a:effectRef idx="0">
+            <a:schemeClr val="accent5"/>
+          </a:effectRef>
+          <a:fontRef idx="minor">
+            <a:schemeClr val="lt1"/>
+          </a:fontRef>
+        </p:style>
+        <p:txBody>
+          <a:bodyPr lIns="0" tIns="0" rIns="0" bIns="0" rtlCol="0" anchor="ctr"/>
+          <a:lstStyle/>
+          <a:p>
+            <a:pPr algn="ctr"/>
+            <a:r>
+              <a:rPr lang="en-CA" sz="1400" b="1" dirty="0"/>
+              <a:t>“LOG IN” is clicked</a:t>
+            </a:r>
+          </a:p>
+        </p:txBody>
+      </p:sp>
+      <p:sp>
+        <p:nvSpPr>
+          <p:cNvPr id="21" name="Flowchart: Process 20">
+            <a:extLst>
+              <a:ext uri="{FF2B5EF4-FFF2-40B4-BE49-F238E27FC236}">
+                <a16:creationId xmlns:a16="http://schemas.microsoft.com/office/drawing/2014/main" id="{C128FC54-AE62-471A-ADD2-14CF944F959A}"/>
+              </a:ext>
+            </a:extLst>
+          </p:cNvPr>
+          <p:cNvSpPr/>
+          <p:nvPr/>
+        </p:nvSpPr>
+        <p:spPr>
+          <a:xfrm>
+            <a:off x="5531825" y="2209669"/>
+            <a:ext cx="1440494" cy="726509"/>
+          </a:xfrm>
+          <a:prstGeom prst="flowChartProcess">
+            <a:avLst/>
+          </a:prstGeom>
+        </p:spPr>
+        <p:style>
+          <a:lnRef idx="2">
+            <a:schemeClr val="accent5">
+              <a:shade val="50000"/>
+            </a:schemeClr>
+          </a:lnRef>
+          <a:fillRef idx="1">
+            <a:schemeClr val="accent5"/>
+          </a:fillRef>
+          <a:effectRef idx="0">
+            <a:schemeClr val="accent5"/>
+          </a:effectRef>
+          <a:fontRef idx="minor">
+            <a:schemeClr val="lt1"/>
+          </a:fontRef>
+        </p:style>
+        <p:txBody>
+          <a:bodyPr rtlCol="0" anchor="ctr"/>
+          <a:lstStyle/>
+          <a:p>
+            <a:pPr algn="ctr"/>
+            <a:r>
+              <a:rPr lang="en-CA" sz="1400" b="1" dirty="0"/>
+              <a:t>Present “client” modal</a:t>
+            </a:r>
+          </a:p>
+        </p:txBody>
+      </p:sp>
+      <p:sp>
+        <p:nvSpPr>
+          <p:cNvPr id="23" name="Flowchart: Decision 22">
+            <a:extLst>
+              <a:ext uri="{FF2B5EF4-FFF2-40B4-BE49-F238E27FC236}">
+                <a16:creationId xmlns:a16="http://schemas.microsoft.com/office/drawing/2014/main" id="{A4A80A9A-8E39-4331-967B-1AECB7D7044F}"/>
+              </a:ext>
+            </a:extLst>
+          </p:cNvPr>
+          <p:cNvSpPr/>
+          <p:nvPr/>
+        </p:nvSpPr>
+        <p:spPr>
+          <a:xfrm>
+            <a:off x="4653940" y="3975839"/>
+            <a:ext cx="1440494" cy="864296"/>
+          </a:xfrm>
+          <a:prstGeom prst="flowChartDecision">
+            <a:avLst/>
+          </a:prstGeom>
+        </p:spPr>
+        <p:style>
+          <a:lnRef idx="2">
+            <a:schemeClr val="accent5">
+              <a:shade val="50000"/>
+            </a:schemeClr>
+          </a:lnRef>
+          <a:fillRef idx="1">
+            <a:schemeClr val="accent5"/>
+          </a:fillRef>
+          <a:effectRef idx="0">
+            <a:schemeClr val="accent5"/>
+          </a:effectRef>
+          <a:fontRef idx="minor">
+            <a:schemeClr val="lt1"/>
+          </a:fontRef>
+        </p:style>
+        <p:txBody>
+          <a:bodyPr lIns="0" tIns="0" rIns="0" bIns="0" rtlCol="0" anchor="ctr"/>
+          <a:lstStyle/>
+          <a:p>
+            <a:pPr algn="ctr"/>
+            <a:r>
+              <a:rPr lang="en-CA" sz="1400" b="1" dirty="0"/>
+              <a:t>Check if user exist</a:t>
+            </a:r>
+          </a:p>
+        </p:txBody>
+      </p:sp>
+      <p:sp>
+        <p:nvSpPr>
+          <p:cNvPr id="30" name="Flowchart: Manual Operation 29">
+            <a:extLst>
+              <a:ext uri="{FF2B5EF4-FFF2-40B4-BE49-F238E27FC236}">
+                <a16:creationId xmlns:a16="http://schemas.microsoft.com/office/drawing/2014/main" id="{2BCF2EBD-DC2F-411D-84A7-334D4999602D}"/>
+              </a:ext>
+            </a:extLst>
+          </p:cNvPr>
+          <p:cNvSpPr/>
+          <p:nvPr/>
+        </p:nvSpPr>
+        <p:spPr>
+          <a:xfrm>
+            <a:off x="4653941" y="3243066"/>
+            <a:ext cx="1440493" cy="576197"/>
+          </a:xfrm>
+          <a:prstGeom prst="flowChartManualOperation">
+            <a:avLst/>
+          </a:prstGeom>
+        </p:spPr>
+        <p:style>
+          <a:lnRef idx="2">
+            <a:schemeClr val="accent5">
+              <a:shade val="50000"/>
+            </a:schemeClr>
+          </a:lnRef>
+          <a:fillRef idx="1">
+            <a:schemeClr val="accent5"/>
+          </a:fillRef>
+          <a:effectRef idx="0">
+            <a:schemeClr val="accent5"/>
+          </a:effectRef>
+          <a:fontRef idx="minor">
+            <a:schemeClr val="lt1"/>
+          </a:fontRef>
+        </p:style>
+        <p:txBody>
+          <a:bodyPr lIns="0" tIns="0" rIns="0" bIns="0" rtlCol="0" anchor="ctr"/>
+          <a:lstStyle/>
+          <a:p>
+            <a:pPr algn="ctr"/>
+            <a:r>
+              <a:rPr lang="en-CA" sz="1400" b="1" dirty="0"/>
+              <a:t>“LOG IN” is clicked</a:t>
+            </a:r>
+          </a:p>
+        </p:txBody>
+      </p:sp>
+      <p:sp>
+        <p:nvSpPr>
+          <p:cNvPr id="32" name="Flowchart: Decision 31">
+            <a:extLst>
+              <a:ext uri="{FF2B5EF4-FFF2-40B4-BE49-F238E27FC236}">
+                <a16:creationId xmlns:a16="http://schemas.microsoft.com/office/drawing/2014/main" id="{AFFF8365-8A52-4C5A-8555-E2CDBB4D831A}"/>
+              </a:ext>
+            </a:extLst>
+          </p:cNvPr>
+          <p:cNvSpPr/>
+          <p:nvPr/>
+        </p:nvSpPr>
+        <p:spPr>
+          <a:xfrm>
+            <a:off x="4653940" y="4996711"/>
+            <a:ext cx="1440494" cy="864296"/>
+          </a:xfrm>
+          <a:prstGeom prst="flowChartDecision">
+            <a:avLst/>
+          </a:prstGeom>
+        </p:spPr>
+        <p:style>
+          <a:lnRef idx="2">
+            <a:schemeClr val="accent5">
+              <a:shade val="50000"/>
+            </a:schemeClr>
+          </a:lnRef>
+          <a:fillRef idx="1">
+            <a:schemeClr val="accent5"/>
+          </a:fillRef>
+          <a:effectRef idx="0">
+            <a:schemeClr val="accent5"/>
+          </a:effectRef>
+          <a:fontRef idx="minor">
+            <a:schemeClr val="lt1"/>
+          </a:fontRef>
+        </p:style>
+        <p:txBody>
+          <a:bodyPr lIns="0" tIns="0" rIns="0" bIns="0" rtlCol="0" anchor="ctr"/>
+          <a:lstStyle/>
+          <a:p>
+            <a:pPr algn="ctr"/>
+            <a:r>
+              <a:rPr lang="en-CA" sz="1400" b="1" dirty="0"/>
+              <a:t>Check </a:t>
+            </a:r>
+          </a:p>
+          <a:p>
+            <a:pPr algn="ctr"/>
+            <a:r>
+              <a:rPr lang="en-CA" sz="1400" b="1" dirty="0"/>
+              <a:t>password</a:t>
+            </a:r>
+          </a:p>
+        </p:txBody>
+      </p:sp>
+      <p:cxnSp>
+        <p:nvCxnSpPr>
+          <p:cNvPr id="33" name="Connector: Elbow 32">
+            <a:extLst>
+              <a:ext uri="{FF2B5EF4-FFF2-40B4-BE49-F238E27FC236}">
+                <a16:creationId xmlns:a16="http://schemas.microsoft.com/office/drawing/2014/main" id="{C3A6F152-5949-412A-847A-22C594F4B304}"/>
+              </a:ext>
+            </a:extLst>
+          </p:cNvPr>
+          <p:cNvCxnSpPr>
+            <a:cxnSpLocks/>
+            <a:stCxn id="20" idx="2"/>
+            <a:endCxn id="21" idx="0"/>
+          </p:cNvCxnSpPr>
+          <p:nvPr/>
+        </p:nvCxnSpPr>
+        <p:spPr>
+          <a:xfrm flipH="1">
+            <a:off x="6252072" y="1902781"/>
+            <a:ext cx="1" cy="306888"/>
+          </a:xfrm>
+          <a:prstGeom prst="straightConnector1">
+            <a:avLst/>
+          </a:prstGeom>
+          <a:ln>
+            <a:solidFill>
+              <a:schemeClr val="tx1"/>
+            </a:solidFill>
+            <a:tailEnd type="triangle"/>
+          </a:ln>
+        </p:spPr>
+        <p:style>
+          <a:lnRef idx="1">
+            <a:schemeClr val="accent1"/>
+          </a:lnRef>
+          <a:fillRef idx="0">
+            <a:schemeClr val="accent1"/>
+          </a:fillRef>
+          <a:effectRef idx="0">
+            <a:schemeClr val="accent1"/>
+          </a:effectRef>
+          <a:fontRef idx="minor">
+            <a:schemeClr val="tx1"/>
+          </a:fontRef>
+        </p:style>
+      </p:cxnSp>
+      <p:cxnSp>
+        <p:nvCxnSpPr>
+          <p:cNvPr id="38" name="Connector: Elbow 37">
+            <a:extLst>
+              <a:ext uri="{FF2B5EF4-FFF2-40B4-BE49-F238E27FC236}">
+                <a16:creationId xmlns:a16="http://schemas.microsoft.com/office/drawing/2014/main" id="{6AFA7DBF-4321-439C-B790-EA7952D58567}"/>
+              </a:ext>
+            </a:extLst>
+          </p:cNvPr>
+          <p:cNvCxnSpPr>
+            <a:cxnSpLocks/>
+            <a:stCxn id="23" idx="1"/>
+            <a:endCxn id="21" idx="1"/>
+          </p:cNvCxnSpPr>
+          <p:nvPr/>
+        </p:nvCxnSpPr>
+        <p:spPr>
+          <a:xfrm rot="10800000" flipH="1">
+            <a:off x="4653939" y="2572925"/>
+            <a:ext cx="877885" cy="1835063"/>
+          </a:xfrm>
+          <a:prstGeom prst="bentConnector3">
+            <a:avLst>
+              <a:gd name="adj1" fmla="val -74865"/>
+            </a:avLst>
+          </a:prstGeom>
+          <a:ln>
+            <a:solidFill>
+              <a:schemeClr val="tx1"/>
+            </a:solidFill>
+            <a:tailEnd type="triangle"/>
+          </a:ln>
+        </p:spPr>
+        <p:style>
+          <a:lnRef idx="1">
+            <a:schemeClr val="accent1"/>
+          </a:lnRef>
+          <a:fillRef idx="0">
+            <a:schemeClr val="accent1"/>
+          </a:fillRef>
+          <a:effectRef idx="0">
+            <a:schemeClr val="accent1"/>
+          </a:effectRef>
+          <a:fontRef idx="minor">
+            <a:schemeClr val="tx1"/>
+          </a:fontRef>
+        </p:style>
+      </p:cxnSp>
+      <p:cxnSp>
+        <p:nvCxnSpPr>
+          <p:cNvPr id="41" name="Connector: Elbow 40">
+            <a:extLst>
+              <a:ext uri="{FF2B5EF4-FFF2-40B4-BE49-F238E27FC236}">
+                <a16:creationId xmlns:a16="http://schemas.microsoft.com/office/drawing/2014/main" id="{0B893C46-75E3-4706-975C-AD4DACCB4308}"/>
+              </a:ext>
+            </a:extLst>
+          </p:cNvPr>
+          <p:cNvCxnSpPr>
+            <a:cxnSpLocks/>
+            <a:stCxn id="32" idx="1"/>
+            <a:endCxn id="21" idx="1"/>
+          </p:cNvCxnSpPr>
+          <p:nvPr/>
+        </p:nvCxnSpPr>
+        <p:spPr>
+          <a:xfrm rot="10800000" flipH="1">
+            <a:off x="4653939" y="2572925"/>
+            <a:ext cx="877885" cy="2855935"/>
+          </a:xfrm>
+          <a:prstGeom prst="bentConnector3">
+            <a:avLst>
+              <a:gd name="adj1" fmla="val -74865"/>
+            </a:avLst>
+          </a:prstGeom>
+          <a:ln>
+            <a:solidFill>
+              <a:schemeClr val="tx1"/>
+            </a:solidFill>
+            <a:tailEnd type="triangle"/>
+          </a:ln>
+        </p:spPr>
+        <p:style>
+          <a:lnRef idx="1">
+            <a:schemeClr val="accent1"/>
+          </a:lnRef>
+          <a:fillRef idx="0">
+            <a:schemeClr val="accent1"/>
+          </a:fillRef>
+          <a:effectRef idx="0">
+            <a:schemeClr val="accent1"/>
+          </a:effectRef>
+          <a:fontRef idx="minor">
+            <a:schemeClr val="tx1"/>
+          </a:fontRef>
+        </p:style>
+      </p:cxnSp>
+      <p:cxnSp>
+        <p:nvCxnSpPr>
+          <p:cNvPr id="51" name="Connector: Elbow 32">
+            <a:extLst>
+              <a:ext uri="{FF2B5EF4-FFF2-40B4-BE49-F238E27FC236}">
+                <a16:creationId xmlns:a16="http://schemas.microsoft.com/office/drawing/2014/main" id="{E0903A00-538D-44B7-9BB9-B9160D7749D0}"/>
+              </a:ext>
+            </a:extLst>
+          </p:cNvPr>
+          <p:cNvCxnSpPr>
+            <a:cxnSpLocks/>
+            <a:stCxn id="21" idx="2"/>
+            <a:endCxn id="30" idx="0"/>
+          </p:cNvCxnSpPr>
+          <p:nvPr/>
+        </p:nvCxnSpPr>
+        <p:spPr>
+          <a:xfrm rot="5400000">
+            <a:off x="5659686" y="2650680"/>
+            <a:ext cx="306888" cy="877884"/>
+          </a:xfrm>
+          <a:prstGeom prst="bentConnector3">
+            <a:avLst>
+              <a:gd name="adj1" fmla="val 50000"/>
+            </a:avLst>
+          </a:prstGeom>
+          <a:ln>
+            <a:solidFill>
+              <a:schemeClr val="tx1"/>
+            </a:solidFill>
+            <a:tailEnd type="triangle"/>
+          </a:ln>
+        </p:spPr>
+        <p:style>
+          <a:lnRef idx="1">
+            <a:schemeClr val="accent1"/>
+          </a:lnRef>
+          <a:fillRef idx="0">
+            <a:schemeClr val="accent1"/>
+          </a:fillRef>
+          <a:effectRef idx="0">
+            <a:schemeClr val="accent1"/>
+          </a:effectRef>
+          <a:fontRef idx="minor">
+            <a:schemeClr val="tx1"/>
+          </a:fontRef>
+        </p:style>
+      </p:cxnSp>
+      <p:cxnSp>
+        <p:nvCxnSpPr>
+          <p:cNvPr id="52" name="Connector: Elbow 32">
+            <a:extLst>
+              <a:ext uri="{FF2B5EF4-FFF2-40B4-BE49-F238E27FC236}">
+                <a16:creationId xmlns:a16="http://schemas.microsoft.com/office/drawing/2014/main" id="{15C4A924-21D6-4EE1-88B0-9C3E7E812184}"/>
+              </a:ext>
+            </a:extLst>
+          </p:cNvPr>
+          <p:cNvCxnSpPr>
+            <a:cxnSpLocks/>
+            <a:stCxn id="30" idx="2"/>
+            <a:endCxn id="23" idx="0"/>
+          </p:cNvCxnSpPr>
+          <p:nvPr/>
+        </p:nvCxnSpPr>
+        <p:spPr>
+          <a:xfrm flipH="1">
+            <a:off x="5374187" y="3819263"/>
+            <a:ext cx="1" cy="156576"/>
+          </a:xfrm>
+          <a:prstGeom prst="straightConnector1">
+            <a:avLst/>
+          </a:prstGeom>
+          <a:ln>
+            <a:solidFill>
+              <a:schemeClr val="tx1"/>
+            </a:solidFill>
+            <a:tailEnd type="triangle"/>
+          </a:ln>
+        </p:spPr>
+        <p:style>
+          <a:lnRef idx="1">
+            <a:schemeClr val="accent1"/>
+          </a:lnRef>
+          <a:fillRef idx="0">
+            <a:schemeClr val="accent1"/>
+          </a:fillRef>
+          <a:effectRef idx="0">
+            <a:schemeClr val="accent1"/>
+          </a:effectRef>
+          <a:fontRef idx="minor">
+            <a:schemeClr val="tx1"/>
+          </a:fontRef>
+        </p:style>
+      </p:cxnSp>
+      <p:cxnSp>
+        <p:nvCxnSpPr>
+          <p:cNvPr id="53" name="Connector: Elbow 32">
+            <a:extLst>
+              <a:ext uri="{FF2B5EF4-FFF2-40B4-BE49-F238E27FC236}">
+                <a16:creationId xmlns:a16="http://schemas.microsoft.com/office/drawing/2014/main" id="{B23CE2A6-14BA-4A28-AE6B-7448A474D6AA}"/>
+              </a:ext>
+            </a:extLst>
+          </p:cNvPr>
+          <p:cNvCxnSpPr>
+            <a:cxnSpLocks/>
+            <a:stCxn id="23" idx="2"/>
+            <a:endCxn id="32" idx="0"/>
+          </p:cNvCxnSpPr>
+          <p:nvPr/>
+        </p:nvCxnSpPr>
+        <p:spPr>
+          <a:xfrm>
+            <a:off x="5374187" y="4840135"/>
+            <a:ext cx="0" cy="156576"/>
+          </a:xfrm>
+          <a:prstGeom prst="straightConnector1">
+            <a:avLst/>
+          </a:prstGeom>
+          <a:ln>
+            <a:solidFill>
+              <a:schemeClr val="tx1"/>
+            </a:solidFill>
+            <a:tailEnd type="triangle"/>
+          </a:ln>
+        </p:spPr>
+        <p:style>
+          <a:lnRef idx="1">
+            <a:schemeClr val="accent1"/>
+          </a:lnRef>
+          <a:fillRef idx="0">
+            <a:schemeClr val="accent1"/>
+          </a:fillRef>
+          <a:effectRef idx="0">
+            <a:schemeClr val="accent1"/>
+          </a:effectRef>
+          <a:fontRef idx="minor">
+            <a:schemeClr val="tx1"/>
+          </a:fontRef>
+        </p:style>
+      </p:cxnSp>
+      <p:sp>
+        <p:nvSpPr>
+          <p:cNvPr id="61" name="TextBox 60">
+            <a:extLst>
+              <a:ext uri="{FF2B5EF4-FFF2-40B4-BE49-F238E27FC236}">
+                <a16:creationId xmlns:a16="http://schemas.microsoft.com/office/drawing/2014/main" id="{EE5ED381-3B72-4022-9A8C-57BCEEF673A5}"/>
+              </a:ext>
+            </a:extLst>
+          </p:cNvPr>
+          <p:cNvSpPr txBox="1"/>
+          <p:nvPr/>
+        </p:nvSpPr>
+        <p:spPr>
+          <a:xfrm>
+            <a:off x="4358865" y="4223321"/>
+            <a:ext cx="205184" cy="184666"/>
+          </a:xfrm>
+          <a:prstGeom prst="rect">
+            <a:avLst/>
+          </a:prstGeom>
+          <a:noFill/>
+        </p:spPr>
+        <p:txBody>
+          <a:bodyPr wrap="none" lIns="0" tIns="0" rIns="0" bIns="0" rtlCol="0">
+            <a:spAutoFit/>
+          </a:bodyPr>
+          <a:lstStyle/>
+          <a:p>
+            <a:pPr algn="ctr"/>
+            <a:r>
+              <a:rPr lang="en-CA" sz="1200" b="1" dirty="0"/>
+              <a:t>NO</a:t>
+            </a:r>
+            <a:endParaRPr lang="en-US" sz="1200" b="1" dirty="0"/>
+          </a:p>
+        </p:txBody>
+      </p:sp>
+      <p:sp>
+        <p:nvSpPr>
+          <p:cNvPr id="62" name="TextBox 61">
+            <a:extLst>
+              <a:ext uri="{FF2B5EF4-FFF2-40B4-BE49-F238E27FC236}">
+                <a16:creationId xmlns:a16="http://schemas.microsoft.com/office/drawing/2014/main" id="{E24F50A0-4A1E-40D8-8344-ED8AC9B9F783}"/>
+              </a:ext>
+            </a:extLst>
+          </p:cNvPr>
+          <p:cNvSpPr txBox="1"/>
+          <p:nvPr/>
+        </p:nvSpPr>
+        <p:spPr>
+          <a:xfrm>
+            <a:off x="4358865" y="5244193"/>
+            <a:ext cx="205184" cy="184666"/>
+          </a:xfrm>
+          <a:prstGeom prst="rect">
+            <a:avLst/>
+          </a:prstGeom>
+          <a:noFill/>
+        </p:spPr>
+        <p:txBody>
+          <a:bodyPr wrap="none" lIns="0" tIns="0" rIns="0" bIns="0" rtlCol="0">
+            <a:spAutoFit/>
+          </a:bodyPr>
+          <a:lstStyle/>
+          <a:p>
+            <a:pPr algn="ctr"/>
+            <a:r>
+              <a:rPr lang="en-CA" sz="1200" b="1" dirty="0"/>
+              <a:t>NO</a:t>
+            </a:r>
+            <a:endParaRPr lang="en-US" sz="1200" b="1" dirty="0"/>
+          </a:p>
+        </p:txBody>
+      </p:sp>
+      <p:sp>
+        <p:nvSpPr>
+          <p:cNvPr id="63" name="TextBox 62">
+            <a:extLst>
+              <a:ext uri="{FF2B5EF4-FFF2-40B4-BE49-F238E27FC236}">
+                <a16:creationId xmlns:a16="http://schemas.microsoft.com/office/drawing/2014/main" id="{9CE241DA-F6C0-4DE0-9B87-308EAC3C706B}"/>
+              </a:ext>
+            </a:extLst>
+          </p:cNvPr>
+          <p:cNvSpPr txBox="1"/>
+          <p:nvPr/>
+        </p:nvSpPr>
+        <p:spPr>
+          <a:xfrm>
+            <a:off x="5453595" y="4839837"/>
+            <a:ext cx="226152" cy="184666"/>
+          </a:xfrm>
+          <a:prstGeom prst="rect">
+            <a:avLst/>
+          </a:prstGeom>
+          <a:noFill/>
+        </p:spPr>
+        <p:txBody>
+          <a:bodyPr wrap="none" lIns="0" tIns="0" rIns="0" bIns="0" rtlCol="0">
+            <a:spAutoFit/>
+          </a:bodyPr>
+          <a:lstStyle/>
+          <a:p>
+            <a:pPr algn="ctr"/>
+            <a:r>
+              <a:rPr lang="en-CA" sz="1200" b="1" dirty="0"/>
+              <a:t>YES</a:t>
+            </a:r>
+            <a:endParaRPr lang="en-US" sz="1200" b="1" dirty="0"/>
+          </a:p>
+        </p:txBody>
+      </p:sp>
+      <p:sp>
+        <p:nvSpPr>
+          <p:cNvPr id="68" name="TextBox 67">
+            <a:extLst>
+              <a:ext uri="{FF2B5EF4-FFF2-40B4-BE49-F238E27FC236}">
+                <a16:creationId xmlns:a16="http://schemas.microsoft.com/office/drawing/2014/main" id="{B4BE916A-813E-4A16-8DC9-DB0CCB984A31}"/>
+              </a:ext>
+            </a:extLst>
+          </p:cNvPr>
+          <p:cNvSpPr txBox="1"/>
+          <p:nvPr/>
+        </p:nvSpPr>
+        <p:spPr>
+          <a:xfrm>
+            <a:off x="5453595" y="5861007"/>
+            <a:ext cx="226152" cy="184666"/>
+          </a:xfrm>
+          <a:prstGeom prst="rect">
+            <a:avLst/>
+          </a:prstGeom>
+          <a:noFill/>
+        </p:spPr>
+        <p:txBody>
+          <a:bodyPr wrap="none" lIns="0" tIns="0" rIns="0" bIns="0" rtlCol="0">
+            <a:spAutoFit/>
+          </a:bodyPr>
+          <a:lstStyle/>
+          <a:p>
+            <a:pPr algn="ctr"/>
+            <a:r>
+              <a:rPr lang="en-CA" sz="1200" b="1" dirty="0"/>
+              <a:t>YES</a:t>
+            </a:r>
+            <a:endParaRPr lang="en-US" sz="1200" b="1" dirty="0"/>
+          </a:p>
+        </p:txBody>
+      </p:sp>
+      <p:sp>
+        <p:nvSpPr>
+          <p:cNvPr id="72" name="Flowchart: Manual Operation 71">
+            <a:extLst>
+              <a:ext uri="{FF2B5EF4-FFF2-40B4-BE49-F238E27FC236}">
+                <a16:creationId xmlns:a16="http://schemas.microsoft.com/office/drawing/2014/main" id="{18656EF9-3875-4A13-9334-A11C96D384AB}"/>
+              </a:ext>
+            </a:extLst>
+          </p:cNvPr>
+          <p:cNvSpPr/>
+          <p:nvPr/>
+        </p:nvSpPr>
+        <p:spPr>
+          <a:xfrm>
+            <a:off x="6457101" y="3243066"/>
+            <a:ext cx="1440493" cy="576197"/>
+          </a:xfrm>
+          <a:prstGeom prst="flowChartManualOperation">
+            <a:avLst/>
+          </a:prstGeom>
+        </p:spPr>
+        <p:style>
+          <a:lnRef idx="2">
+            <a:schemeClr val="accent5">
+              <a:shade val="50000"/>
+            </a:schemeClr>
+          </a:lnRef>
+          <a:fillRef idx="1">
+            <a:schemeClr val="accent5"/>
+          </a:fillRef>
+          <a:effectRef idx="0">
+            <a:schemeClr val="accent5"/>
+          </a:effectRef>
+          <a:fontRef idx="minor">
+            <a:schemeClr val="lt1"/>
+          </a:fontRef>
+        </p:style>
+        <p:txBody>
+          <a:bodyPr wrap="none" lIns="0" tIns="0" rIns="0" bIns="0" rtlCol="0" anchor="ctr"/>
+          <a:lstStyle/>
+          <a:p>
+            <a:pPr algn="ctr"/>
+            <a:r>
+              <a:rPr lang="en-CA" sz="1400" b="1" dirty="0"/>
+              <a:t>“NEW USER”</a:t>
+            </a:r>
+          </a:p>
+          <a:p>
+            <a:pPr algn="ctr"/>
+            <a:r>
+              <a:rPr lang="en-CA" sz="1400" b="1" dirty="0"/>
+              <a:t>is clicked</a:t>
+            </a:r>
+          </a:p>
+        </p:txBody>
+      </p:sp>
+      <p:cxnSp>
+        <p:nvCxnSpPr>
+          <p:cNvPr id="73" name="Connector: Elbow 72">
+            <a:extLst>
+              <a:ext uri="{FF2B5EF4-FFF2-40B4-BE49-F238E27FC236}">
+                <a16:creationId xmlns:a16="http://schemas.microsoft.com/office/drawing/2014/main" id="{E5293DC4-056F-4157-B0C4-606EF6A279F8}"/>
+              </a:ext>
+            </a:extLst>
+          </p:cNvPr>
+          <p:cNvCxnSpPr>
+            <a:cxnSpLocks/>
+            <a:stCxn id="21" idx="2"/>
+            <a:endCxn id="72" idx="0"/>
+          </p:cNvCxnSpPr>
+          <p:nvPr/>
+        </p:nvCxnSpPr>
+        <p:spPr>
+          <a:xfrm rot="16200000" flipH="1">
+            <a:off x="6561266" y="2626984"/>
+            <a:ext cx="306888" cy="925276"/>
+          </a:xfrm>
+          <a:prstGeom prst="bentConnector3">
+            <a:avLst>
+              <a:gd name="adj1" fmla="val 50000"/>
+            </a:avLst>
+          </a:prstGeom>
+          <a:ln>
+            <a:solidFill>
+              <a:schemeClr val="tx1"/>
+            </a:solidFill>
+            <a:tailEnd type="triangle"/>
+          </a:ln>
+        </p:spPr>
+        <p:style>
+          <a:lnRef idx="1">
+            <a:schemeClr val="accent1"/>
+          </a:lnRef>
+          <a:fillRef idx="0">
+            <a:schemeClr val="accent1"/>
+          </a:fillRef>
+          <a:effectRef idx="0">
+            <a:schemeClr val="accent1"/>
+          </a:effectRef>
+          <a:fontRef idx="minor">
+            <a:schemeClr val="tx1"/>
+          </a:fontRef>
+        </p:style>
+      </p:cxnSp>
+      <p:sp>
+        <p:nvSpPr>
+          <p:cNvPr id="87" name="Flowchart: Process 86">
+            <a:extLst>
+              <a:ext uri="{FF2B5EF4-FFF2-40B4-BE49-F238E27FC236}">
+                <a16:creationId xmlns:a16="http://schemas.microsoft.com/office/drawing/2014/main" id="{EC16F522-BE27-49C2-8DED-B14234BE8DCA}"/>
+              </a:ext>
+            </a:extLst>
+          </p:cNvPr>
+          <p:cNvSpPr/>
+          <p:nvPr/>
+        </p:nvSpPr>
+        <p:spPr>
+          <a:xfrm>
+            <a:off x="6457101" y="4044732"/>
+            <a:ext cx="1440494" cy="726509"/>
+          </a:xfrm>
+          <a:prstGeom prst="flowChartProcess">
+            <a:avLst/>
+          </a:prstGeom>
+        </p:spPr>
+        <p:style>
+          <a:lnRef idx="2">
+            <a:schemeClr val="accent5">
+              <a:shade val="50000"/>
+            </a:schemeClr>
+          </a:lnRef>
+          <a:fillRef idx="1">
+            <a:schemeClr val="accent5"/>
+          </a:fillRef>
+          <a:effectRef idx="0">
+            <a:schemeClr val="accent5"/>
+          </a:effectRef>
+          <a:fontRef idx="minor">
+            <a:schemeClr val="lt1"/>
+          </a:fontRef>
+        </p:style>
+        <p:txBody>
+          <a:bodyPr rtlCol="0" anchor="ctr"/>
+          <a:lstStyle/>
+          <a:p>
+            <a:pPr algn="ctr"/>
+            <a:r>
+              <a:rPr lang="en-CA" sz="1400" b="1" dirty="0"/>
+              <a:t>Present “new client” modal</a:t>
+            </a:r>
+          </a:p>
+        </p:txBody>
+      </p:sp>
+      <p:sp>
+        <p:nvSpPr>
+          <p:cNvPr id="90" name="Flowchart: Decision 89">
+            <a:extLst>
+              <a:ext uri="{FF2B5EF4-FFF2-40B4-BE49-F238E27FC236}">
+                <a16:creationId xmlns:a16="http://schemas.microsoft.com/office/drawing/2014/main" id="{B528076E-C954-473A-9F47-D9A4D08F2D21}"/>
+              </a:ext>
+            </a:extLst>
+          </p:cNvPr>
+          <p:cNvSpPr/>
+          <p:nvPr/>
+        </p:nvSpPr>
+        <p:spPr>
+          <a:xfrm>
+            <a:off x="6457100" y="4996710"/>
+            <a:ext cx="1440494" cy="864296"/>
+          </a:xfrm>
+          <a:prstGeom prst="flowChartDecision">
+            <a:avLst/>
+          </a:prstGeom>
+        </p:spPr>
+        <p:style>
+          <a:lnRef idx="2">
+            <a:schemeClr val="accent5">
+              <a:shade val="50000"/>
+            </a:schemeClr>
+          </a:lnRef>
+          <a:fillRef idx="1">
+            <a:schemeClr val="accent5"/>
+          </a:fillRef>
+          <a:effectRef idx="0">
+            <a:schemeClr val="accent5"/>
+          </a:effectRef>
+          <a:fontRef idx="minor">
+            <a:schemeClr val="lt1"/>
+          </a:fontRef>
+        </p:style>
+        <p:txBody>
+          <a:bodyPr lIns="0" tIns="0" rIns="0" bIns="0" rtlCol="0" anchor="ctr"/>
+          <a:lstStyle/>
+          <a:p>
+            <a:pPr algn="ctr"/>
+            <a:r>
+              <a:rPr lang="en-CA" sz="1400" b="1" dirty="0"/>
+              <a:t>Check if user exist</a:t>
+            </a:r>
+          </a:p>
+        </p:txBody>
+      </p:sp>
+      <p:cxnSp>
+        <p:nvCxnSpPr>
+          <p:cNvPr id="91" name="Connector: Elbow 32">
+            <a:extLst>
+              <a:ext uri="{FF2B5EF4-FFF2-40B4-BE49-F238E27FC236}">
+                <a16:creationId xmlns:a16="http://schemas.microsoft.com/office/drawing/2014/main" id="{975581E2-6FA3-46ED-90A3-2BC85630795D}"/>
+              </a:ext>
+            </a:extLst>
+          </p:cNvPr>
+          <p:cNvCxnSpPr>
+            <a:cxnSpLocks/>
+            <a:stCxn id="90" idx="2"/>
+            <a:endCxn id="117" idx="0"/>
+          </p:cNvCxnSpPr>
+          <p:nvPr/>
+        </p:nvCxnSpPr>
+        <p:spPr>
+          <a:xfrm>
+            <a:off x="7177347" y="5861006"/>
+            <a:ext cx="1" cy="162839"/>
+          </a:xfrm>
+          <a:prstGeom prst="straightConnector1">
+            <a:avLst/>
+          </a:prstGeom>
+          <a:ln>
+            <a:solidFill>
+              <a:schemeClr val="tx1"/>
+            </a:solidFill>
+            <a:tailEnd type="triangle"/>
+          </a:ln>
+        </p:spPr>
+        <p:style>
+          <a:lnRef idx="1">
+            <a:schemeClr val="accent1"/>
+          </a:lnRef>
+          <a:fillRef idx="0">
+            <a:schemeClr val="accent1"/>
+          </a:fillRef>
+          <a:effectRef idx="0">
+            <a:schemeClr val="accent1"/>
+          </a:effectRef>
+          <a:fontRef idx="minor">
+            <a:schemeClr val="tx1"/>
+          </a:fontRef>
+        </p:style>
+      </p:cxnSp>
+      <p:sp>
+        <p:nvSpPr>
+          <p:cNvPr id="92" name="TextBox 91">
+            <a:extLst>
+              <a:ext uri="{FF2B5EF4-FFF2-40B4-BE49-F238E27FC236}">
+                <a16:creationId xmlns:a16="http://schemas.microsoft.com/office/drawing/2014/main" id="{77F808BA-2B91-46BD-B3C8-DC180FAE6AEA}"/>
+              </a:ext>
+            </a:extLst>
+          </p:cNvPr>
+          <p:cNvSpPr txBox="1"/>
+          <p:nvPr/>
+        </p:nvSpPr>
+        <p:spPr>
+          <a:xfrm>
+            <a:off x="8194115" y="5301641"/>
+            <a:ext cx="232497" cy="184666"/>
+          </a:xfrm>
+          <a:prstGeom prst="rect">
+            <a:avLst/>
+          </a:prstGeom>
+          <a:noFill/>
+        </p:spPr>
+        <p:txBody>
+          <a:bodyPr wrap="square" lIns="0" tIns="0" rIns="0" bIns="0" rtlCol="0">
+            <a:spAutoFit/>
+          </a:bodyPr>
+          <a:lstStyle/>
+          <a:p>
+            <a:pPr algn="ctr"/>
+            <a:r>
+              <a:rPr lang="en-CA" sz="1200" b="1" dirty="0"/>
+              <a:t>YES</a:t>
+            </a:r>
+            <a:endParaRPr lang="en-US" sz="1200" b="1" dirty="0"/>
+          </a:p>
+        </p:txBody>
+      </p:sp>
+      <p:sp>
+        <p:nvSpPr>
+          <p:cNvPr id="93" name="TextBox 92">
+            <a:extLst>
+              <a:ext uri="{FF2B5EF4-FFF2-40B4-BE49-F238E27FC236}">
+                <a16:creationId xmlns:a16="http://schemas.microsoft.com/office/drawing/2014/main" id="{05DE0F3A-604F-4967-BF99-0E41A6406209}"/>
+              </a:ext>
+            </a:extLst>
+          </p:cNvPr>
+          <p:cNvSpPr txBox="1"/>
+          <p:nvPr/>
+        </p:nvSpPr>
+        <p:spPr>
+          <a:xfrm>
+            <a:off x="7267239" y="5860708"/>
+            <a:ext cx="205184" cy="184666"/>
+          </a:xfrm>
+          <a:prstGeom prst="rect">
+            <a:avLst/>
+          </a:prstGeom>
+          <a:noFill/>
+        </p:spPr>
+        <p:txBody>
+          <a:bodyPr wrap="none" lIns="0" tIns="0" rIns="0" bIns="0" rtlCol="0">
+            <a:spAutoFit/>
+          </a:bodyPr>
+          <a:lstStyle/>
+          <a:p>
+            <a:pPr algn="ctr"/>
+            <a:r>
+              <a:rPr lang="en-CA" sz="1200" b="1" dirty="0"/>
+              <a:t>NO</a:t>
+            </a:r>
+            <a:endParaRPr lang="en-US" sz="1200" b="1" dirty="0"/>
+          </a:p>
+        </p:txBody>
+      </p:sp>
+      <p:cxnSp>
+        <p:nvCxnSpPr>
+          <p:cNvPr id="94" name="Connector: Elbow 32">
+            <a:extLst>
+              <a:ext uri="{FF2B5EF4-FFF2-40B4-BE49-F238E27FC236}">
+                <a16:creationId xmlns:a16="http://schemas.microsoft.com/office/drawing/2014/main" id="{05F7469F-40A2-4FA4-8C03-BBC44835FAB1}"/>
+              </a:ext>
+            </a:extLst>
+          </p:cNvPr>
+          <p:cNvCxnSpPr>
+            <a:cxnSpLocks/>
+            <a:stCxn id="72" idx="2"/>
+            <a:endCxn id="87" idx="0"/>
+          </p:cNvCxnSpPr>
+          <p:nvPr/>
+        </p:nvCxnSpPr>
+        <p:spPr>
+          <a:xfrm>
+            <a:off x="7177348" y="3819263"/>
+            <a:ext cx="0" cy="225469"/>
+          </a:xfrm>
+          <a:prstGeom prst="straightConnector1">
+            <a:avLst/>
+          </a:prstGeom>
+          <a:ln>
+            <a:solidFill>
+              <a:schemeClr val="tx1"/>
+            </a:solidFill>
+            <a:tailEnd type="triangle"/>
+          </a:ln>
+        </p:spPr>
+        <p:style>
+          <a:lnRef idx="1">
+            <a:schemeClr val="accent1"/>
+          </a:lnRef>
+          <a:fillRef idx="0">
+            <a:schemeClr val="accent1"/>
+          </a:fillRef>
+          <a:effectRef idx="0">
+            <a:schemeClr val="accent1"/>
+          </a:effectRef>
+          <a:fontRef idx="minor">
+            <a:schemeClr val="tx1"/>
+          </a:fontRef>
+        </p:style>
+      </p:cxnSp>
+      <p:cxnSp>
+        <p:nvCxnSpPr>
+          <p:cNvPr id="97" name="Connector: Elbow 32">
+            <a:extLst>
+              <a:ext uri="{FF2B5EF4-FFF2-40B4-BE49-F238E27FC236}">
+                <a16:creationId xmlns:a16="http://schemas.microsoft.com/office/drawing/2014/main" id="{5C014437-3AA9-4C3C-A24B-B3466DCC3510}"/>
+              </a:ext>
+            </a:extLst>
+          </p:cNvPr>
+          <p:cNvCxnSpPr>
+            <a:cxnSpLocks/>
+            <a:stCxn id="87" idx="2"/>
+            <a:endCxn id="90" idx="0"/>
+          </p:cNvCxnSpPr>
+          <p:nvPr/>
+        </p:nvCxnSpPr>
+        <p:spPr>
+          <a:xfrm flipH="1">
+            <a:off x="7177347" y="4771241"/>
+            <a:ext cx="1" cy="225469"/>
+          </a:xfrm>
+          <a:prstGeom prst="straightConnector1">
+            <a:avLst/>
+          </a:prstGeom>
+          <a:ln>
+            <a:solidFill>
+              <a:schemeClr val="tx1"/>
+            </a:solidFill>
+            <a:tailEnd type="triangle"/>
+          </a:ln>
+        </p:spPr>
+        <p:style>
+          <a:lnRef idx="1">
+            <a:schemeClr val="accent1"/>
+          </a:lnRef>
+          <a:fillRef idx="0">
+            <a:schemeClr val="accent1"/>
+          </a:fillRef>
+          <a:effectRef idx="0">
+            <a:schemeClr val="accent1"/>
+          </a:effectRef>
+          <a:fontRef idx="minor">
+            <a:schemeClr val="tx1"/>
+          </a:fontRef>
+        </p:style>
+      </p:cxnSp>
+      <p:cxnSp>
+        <p:nvCxnSpPr>
+          <p:cNvPr id="100" name="Connector: Elbow 99">
+            <a:extLst>
+              <a:ext uri="{FF2B5EF4-FFF2-40B4-BE49-F238E27FC236}">
+                <a16:creationId xmlns:a16="http://schemas.microsoft.com/office/drawing/2014/main" id="{F435B7E3-FA4C-47E2-BB4A-2576DD23BE8D}"/>
+              </a:ext>
+            </a:extLst>
+          </p:cNvPr>
+          <p:cNvCxnSpPr>
+            <a:cxnSpLocks/>
+            <a:stCxn id="90" idx="3"/>
+            <a:endCxn id="87" idx="3"/>
+          </p:cNvCxnSpPr>
+          <p:nvPr/>
+        </p:nvCxnSpPr>
+        <p:spPr>
+          <a:xfrm flipV="1">
+            <a:off x="7897594" y="4407987"/>
+            <a:ext cx="1" cy="1020871"/>
+          </a:xfrm>
+          <a:prstGeom prst="bentConnector3">
+            <a:avLst>
+              <a:gd name="adj1" fmla="val 22860100000"/>
+            </a:avLst>
+          </a:prstGeom>
+          <a:ln>
+            <a:solidFill>
+              <a:schemeClr val="tx1"/>
+            </a:solidFill>
+            <a:tailEnd type="triangle"/>
+          </a:ln>
+        </p:spPr>
+        <p:style>
+          <a:lnRef idx="1">
+            <a:schemeClr val="accent1"/>
+          </a:lnRef>
+          <a:fillRef idx="0">
+            <a:schemeClr val="accent1"/>
+          </a:fillRef>
+          <a:effectRef idx="0">
+            <a:schemeClr val="accent1"/>
+          </a:effectRef>
+          <a:fontRef idx="minor">
+            <a:schemeClr val="tx1"/>
+          </a:fontRef>
+        </p:style>
+      </p:cxnSp>
+      <p:sp>
+        <p:nvSpPr>
+          <p:cNvPr id="111" name="TextBox 110">
+            <a:extLst>
+              <a:ext uri="{FF2B5EF4-FFF2-40B4-BE49-F238E27FC236}">
+                <a16:creationId xmlns:a16="http://schemas.microsoft.com/office/drawing/2014/main" id="{10603D50-5EB7-46CA-92BD-0ED42BD1F1CA}"/>
+              </a:ext>
+            </a:extLst>
+          </p:cNvPr>
+          <p:cNvSpPr txBox="1"/>
+          <p:nvPr/>
+        </p:nvSpPr>
+        <p:spPr>
+          <a:xfrm>
+            <a:off x="8222540" y="4407986"/>
+            <a:ext cx="955297" cy="553998"/>
+          </a:xfrm>
+          <a:prstGeom prst="rect">
+            <a:avLst/>
+          </a:prstGeom>
+          <a:noFill/>
+        </p:spPr>
+        <p:txBody>
+          <a:bodyPr wrap="square" lIns="0" tIns="0" rIns="0" bIns="0" rtlCol="0">
+            <a:spAutoFit/>
+          </a:bodyPr>
+          <a:lstStyle/>
+          <a:p>
+            <a:r>
+              <a:rPr lang="en-CA" sz="1200" i="1" dirty="0"/>
+              <a:t>Choose</a:t>
+            </a:r>
+          </a:p>
+          <a:p>
+            <a:r>
+              <a:rPr lang="en-CA" sz="1200" i="1" dirty="0"/>
+              <a:t>different</a:t>
+            </a:r>
+          </a:p>
+          <a:p>
+            <a:r>
+              <a:rPr lang="en-CA" sz="1200" i="1" dirty="0"/>
+              <a:t>username </a:t>
+            </a:r>
+            <a:endParaRPr lang="en-US" sz="1200" i="1" dirty="0"/>
+          </a:p>
+        </p:txBody>
+      </p:sp>
+      <p:sp>
+        <p:nvSpPr>
+          <p:cNvPr id="113" name="TextBox 112">
+            <a:extLst>
+              <a:ext uri="{FF2B5EF4-FFF2-40B4-BE49-F238E27FC236}">
+                <a16:creationId xmlns:a16="http://schemas.microsoft.com/office/drawing/2014/main" id="{FEE09F1C-751E-4D0F-ADFC-B0D3E6F7CAFB}"/>
+              </a:ext>
+            </a:extLst>
+          </p:cNvPr>
+          <p:cNvSpPr txBox="1"/>
+          <p:nvPr/>
+        </p:nvSpPr>
+        <p:spPr>
+          <a:xfrm>
+            <a:off x="3126736" y="3089621"/>
+            <a:ext cx="803064" cy="738664"/>
+          </a:xfrm>
+          <a:prstGeom prst="rect">
+            <a:avLst/>
+          </a:prstGeom>
+          <a:noFill/>
+        </p:spPr>
+        <p:txBody>
+          <a:bodyPr wrap="square" lIns="0" tIns="0" rIns="0" bIns="0" rtlCol="0">
+            <a:spAutoFit/>
+          </a:bodyPr>
+          <a:lstStyle/>
+          <a:p>
+            <a:pPr algn="r"/>
+            <a:r>
+              <a:rPr lang="en-CA" sz="1200" i="1" dirty="0"/>
+              <a:t>Wrong password or user doesn’t exist </a:t>
+            </a:r>
+            <a:endParaRPr lang="en-US" sz="1200" i="1" dirty="0"/>
+          </a:p>
+        </p:txBody>
+      </p:sp>
+      <p:sp>
+        <p:nvSpPr>
+          <p:cNvPr id="117" name="Flowchart: Process 116">
+            <a:extLst>
+              <a:ext uri="{FF2B5EF4-FFF2-40B4-BE49-F238E27FC236}">
+                <a16:creationId xmlns:a16="http://schemas.microsoft.com/office/drawing/2014/main" id="{1E095996-0A34-4331-ABAD-3CFFB9C760D5}"/>
+              </a:ext>
+            </a:extLst>
+          </p:cNvPr>
+          <p:cNvSpPr/>
+          <p:nvPr/>
+        </p:nvSpPr>
+        <p:spPr>
+          <a:xfrm>
+            <a:off x="6457101" y="6023845"/>
+            <a:ext cx="1440494" cy="726509"/>
+          </a:xfrm>
+          <a:prstGeom prst="flowChartProcess">
+            <a:avLst/>
+          </a:prstGeom>
+        </p:spPr>
+        <p:style>
+          <a:lnRef idx="2">
+            <a:schemeClr val="accent5">
+              <a:shade val="50000"/>
+            </a:schemeClr>
+          </a:lnRef>
+          <a:fillRef idx="1">
+            <a:schemeClr val="accent5"/>
+          </a:fillRef>
+          <a:effectRef idx="0">
+            <a:schemeClr val="accent5"/>
+          </a:effectRef>
+          <a:fontRef idx="minor">
+            <a:schemeClr val="lt1"/>
+          </a:fontRef>
+        </p:style>
+        <p:txBody>
+          <a:bodyPr rtlCol="0" anchor="ctr"/>
+          <a:lstStyle/>
+          <a:p>
+            <a:pPr algn="ctr"/>
+            <a:r>
+              <a:rPr lang="en-CA" sz="1400" b="1" dirty="0"/>
+              <a:t>Create new user in “client” table</a:t>
+            </a:r>
+          </a:p>
+        </p:txBody>
+      </p:sp>
+      <p:cxnSp>
+        <p:nvCxnSpPr>
+          <p:cNvPr id="127" name="Connector: Elbow 32">
+            <a:extLst>
+              <a:ext uri="{FF2B5EF4-FFF2-40B4-BE49-F238E27FC236}">
+                <a16:creationId xmlns:a16="http://schemas.microsoft.com/office/drawing/2014/main" id="{47E8DC30-28E3-4786-BE6F-092CCC02F0E0}"/>
+              </a:ext>
+            </a:extLst>
+          </p:cNvPr>
+          <p:cNvCxnSpPr>
+            <a:cxnSpLocks/>
+            <a:stCxn id="32" idx="2"/>
+            <a:endCxn id="130" idx="0"/>
+          </p:cNvCxnSpPr>
+          <p:nvPr/>
+        </p:nvCxnSpPr>
+        <p:spPr>
+          <a:xfrm rot="16200000" flipH="1">
+            <a:off x="5180810" y="6054383"/>
+            <a:ext cx="1299484" cy="912731"/>
+          </a:xfrm>
+          <a:prstGeom prst="bentConnector3">
+            <a:avLst>
+              <a:gd name="adj1" fmla="val 84010"/>
+            </a:avLst>
+          </a:prstGeom>
+          <a:ln>
+            <a:solidFill>
+              <a:schemeClr val="tx1"/>
+            </a:solidFill>
+            <a:tailEnd type="triangle"/>
+          </a:ln>
+        </p:spPr>
+        <p:style>
+          <a:lnRef idx="1">
+            <a:schemeClr val="accent1"/>
+          </a:lnRef>
+          <a:fillRef idx="0">
+            <a:schemeClr val="accent1"/>
+          </a:fillRef>
+          <a:effectRef idx="0">
+            <a:schemeClr val="accent1"/>
+          </a:effectRef>
+          <a:fontRef idx="minor">
+            <a:schemeClr val="tx1"/>
+          </a:fontRef>
+        </p:style>
+      </p:cxnSp>
+      <p:sp>
+        <p:nvSpPr>
+          <p:cNvPr id="128" name="Flowchart: Process 127">
+            <a:extLst>
+              <a:ext uri="{FF2B5EF4-FFF2-40B4-BE49-F238E27FC236}">
+                <a16:creationId xmlns:a16="http://schemas.microsoft.com/office/drawing/2014/main" id="{8CEABC10-B85F-4B2B-B0D2-1C9A295FC1CE}"/>
+              </a:ext>
+            </a:extLst>
+          </p:cNvPr>
+          <p:cNvSpPr/>
+          <p:nvPr/>
+        </p:nvSpPr>
+        <p:spPr>
+          <a:xfrm>
+            <a:off x="5569944" y="8099943"/>
+            <a:ext cx="1440494" cy="726509"/>
+          </a:xfrm>
+          <a:prstGeom prst="flowChartProcess">
+            <a:avLst/>
+          </a:prstGeom>
+        </p:spPr>
+        <p:style>
+          <a:lnRef idx="2">
+            <a:schemeClr val="accent5">
+              <a:shade val="50000"/>
+            </a:schemeClr>
+          </a:lnRef>
+          <a:fillRef idx="1">
+            <a:schemeClr val="accent5"/>
+          </a:fillRef>
+          <a:effectRef idx="0">
+            <a:schemeClr val="accent5"/>
+          </a:effectRef>
+          <a:fontRef idx="minor">
+            <a:schemeClr val="lt1"/>
+          </a:fontRef>
+        </p:style>
+        <p:txBody>
+          <a:bodyPr rtlCol="0" anchor="ctr"/>
+          <a:lstStyle/>
+          <a:p>
+            <a:pPr algn="ctr"/>
+            <a:r>
+              <a:rPr lang="en-CA" sz="1400" b="1" dirty="0"/>
+              <a:t>Go to /client/:id page</a:t>
+            </a:r>
+          </a:p>
+        </p:txBody>
+      </p:sp>
+      <p:cxnSp>
+        <p:nvCxnSpPr>
+          <p:cNvPr id="129" name="Connector: Elbow 32">
+            <a:extLst>
+              <a:ext uri="{FF2B5EF4-FFF2-40B4-BE49-F238E27FC236}">
+                <a16:creationId xmlns:a16="http://schemas.microsoft.com/office/drawing/2014/main" id="{119AC89C-9F74-48F0-9B93-A598593ACA93}"/>
+              </a:ext>
+            </a:extLst>
+          </p:cNvPr>
+          <p:cNvCxnSpPr>
+            <a:cxnSpLocks/>
+            <a:stCxn id="117" idx="2"/>
+            <a:endCxn id="130" idx="0"/>
+          </p:cNvCxnSpPr>
+          <p:nvPr/>
+        </p:nvCxnSpPr>
+        <p:spPr>
+          <a:xfrm rot="5400000">
+            <a:off x="6527065" y="6510207"/>
+            <a:ext cx="410137" cy="890430"/>
+          </a:xfrm>
+          <a:prstGeom prst="bentConnector3">
+            <a:avLst>
+              <a:gd name="adj1" fmla="val 50000"/>
+            </a:avLst>
+          </a:prstGeom>
+          <a:ln>
+            <a:solidFill>
+              <a:schemeClr val="tx1"/>
+            </a:solidFill>
+            <a:tailEnd type="triangle"/>
+          </a:ln>
+        </p:spPr>
+        <p:style>
+          <a:lnRef idx="1">
+            <a:schemeClr val="accent1"/>
+          </a:lnRef>
+          <a:fillRef idx="0">
+            <a:schemeClr val="accent1"/>
+          </a:fillRef>
+          <a:effectRef idx="0">
+            <a:schemeClr val="accent1"/>
+          </a:effectRef>
+          <a:fontRef idx="minor">
+            <a:schemeClr val="tx1"/>
+          </a:fontRef>
+        </p:style>
+      </p:cxnSp>
+      <p:sp>
+        <p:nvSpPr>
+          <p:cNvPr id="130" name="Flowchart: Process 129">
+            <a:extLst>
+              <a:ext uri="{FF2B5EF4-FFF2-40B4-BE49-F238E27FC236}">
+                <a16:creationId xmlns:a16="http://schemas.microsoft.com/office/drawing/2014/main" id="{E5468B24-916F-4675-8F84-96C94CA1622E}"/>
+              </a:ext>
+            </a:extLst>
+          </p:cNvPr>
+          <p:cNvSpPr/>
+          <p:nvPr/>
+        </p:nvSpPr>
+        <p:spPr>
+          <a:xfrm>
+            <a:off x="5566671" y="7160491"/>
+            <a:ext cx="1440494" cy="726509"/>
+          </a:xfrm>
+          <a:prstGeom prst="flowChartProcess">
+            <a:avLst/>
+          </a:prstGeom>
+        </p:spPr>
+        <p:style>
+          <a:lnRef idx="2">
+            <a:schemeClr val="accent5">
+              <a:shade val="50000"/>
+            </a:schemeClr>
+          </a:lnRef>
+          <a:fillRef idx="1">
+            <a:schemeClr val="accent5"/>
+          </a:fillRef>
+          <a:effectRef idx="0">
+            <a:schemeClr val="accent5"/>
+          </a:effectRef>
+          <a:fontRef idx="minor">
+            <a:schemeClr val="lt1"/>
+          </a:fontRef>
+        </p:style>
+        <p:txBody>
+          <a:bodyPr rtlCol="0" anchor="ctr"/>
+          <a:lstStyle/>
+          <a:p>
+            <a:pPr algn="ctr"/>
+            <a:r>
+              <a:rPr lang="en-CA" sz="1400" b="1" dirty="0"/>
+              <a:t>Retrieve ID from “client” table</a:t>
+            </a:r>
+          </a:p>
+        </p:txBody>
+      </p:sp>
+      <p:cxnSp>
+        <p:nvCxnSpPr>
+          <p:cNvPr id="131" name="Connector: Elbow 32">
+            <a:extLst>
+              <a:ext uri="{FF2B5EF4-FFF2-40B4-BE49-F238E27FC236}">
+                <a16:creationId xmlns:a16="http://schemas.microsoft.com/office/drawing/2014/main" id="{F03943B7-A180-4265-B0C5-561260BD5C4A}"/>
+              </a:ext>
+            </a:extLst>
+          </p:cNvPr>
+          <p:cNvCxnSpPr>
+            <a:cxnSpLocks/>
+            <a:stCxn id="130" idx="2"/>
+            <a:endCxn id="128" idx="0"/>
+          </p:cNvCxnSpPr>
+          <p:nvPr/>
+        </p:nvCxnSpPr>
+        <p:spPr>
+          <a:xfrm>
+            <a:off x="6286918" y="7887000"/>
+            <a:ext cx="3273" cy="212943"/>
+          </a:xfrm>
+          <a:prstGeom prst="straightConnector1">
+            <a:avLst/>
+          </a:prstGeom>
+          <a:ln>
+            <a:solidFill>
+              <a:schemeClr val="tx1"/>
+            </a:solidFill>
+            <a:tailEnd type="triangle"/>
+          </a:ln>
+        </p:spPr>
+        <p:style>
+          <a:lnRef idx="1">
+            <a:schemeClr val="accent1"/>
+          </a:lnRef>
+          <a:fillRef idx="0">
+            <a:schemeClr val="accent1"/>
+          </a:fillRef>
+          <a:effectRef idx="0">
+            <a:schemeClr val="accent1"/>
+          </a:effectRef>
+          <a:fontRef idx="minor">
+            <a:schemeClr val="tx1"/>
+          </a:fontRef>
+        </p:style>
+      </p:cxnSp>
+    </p:spTree>
+    <p:extLst>
+      <p:ext uri="{BB962C8B-B14F-4D97-AF65-F5344CB8AC3E}">
+        <p14:creationId xmlns:p14="http://schemas.microsoft.com/office/powerpoint/2010/main" val="226735267"/>
+      </p:ext>
+    </p:extLst>
+  </p:cSld>
+  <p:clrMapOvr>
+    <a:masterClrMapping/>
+  </p:clrMapOvr>
+</p:sld>
+</file>
+
+<file path=ppt/slides/slide9.xml><?xml version="1.0" encoding="utf-8"?>
+<p:sld xmlns:a="http://schemas.openxmlformats.org/drawingml/2006/main" xmlns:r="http://schemas.openxmlformats.org/officeDocument/2006/relationships" xmlns:p="http://schemas.openxmlformats.org/presentationml/2006/main">
+  <p:cSld>
+    <p:spTree>
+      <p:nvGrpSpPr>
+        <p:cNvPr id="1" name=""/>
+        <p:cNvGrpSpPr/>
+        <p:nvPr/>
+      </p:nvGrpSpPr>
+      <p:grpSpPr>
+        <a:xfrm>
+          <a:off x="0" y="0"/>
+          <a:ext cx="0" cy="0"/>
+          <a:chOff x="0" y="0"/>
+          <a:chExt cx="0" cy="0"/>
+        </a:xfrm>
+      </p:grpSpPr>
+      <p:sp>
+        <p:nvSpPr>
+          <p:cNvPr id="2" name="Title 1">
+            <a:extLst>
+              <a:ext uri="{FF2B5EF4-FFF2-40B4-BE49-F238E27FC236}">
+                <a16:creationId xmlns:a16="http://schemas.microsoft.com/office/drawing/2014/main" id="{E20023E2-BDF7-43CE-A334-AB8DAEB6790B}"/>
+              </a:ext>
+            </a:extLst>
+          </p:cNvPr>
+          <p:cNvSpPr>
+            <a:spLocks noGrp="1"/>
+          </p:cNvSpPr>
+          <p:nvPr>
+            <p:ph type="title"/>
+          </p:nvPr>
+        </p:nvSpPr>
+        <p:spPr>
+          <a:xfrm>
+            <a:off x="714768" y="183840"/>
+            <a:ext cx="3610448" cy="481394"/>
+          </a:xfrm>
+        </p:spPr>
+        <p:txBody>
+          <a:bodyPr/>
+          <a:lstStyle/>
+          <a:p>
+            <a:r>
+              <a:rPr lang="en-CA" dirty="0"/>
+              <a:t>Modal logic - Owner</a:t>
+            </a:r>
+            <a:endParaRPr lang="en-US" dirty="0"/>
+          </a:p>
+        </p:txBody>
+      </p:sp>
+      <p:sp>
+        <p:nvSpPr>
+          <p:cNvPr id="20" name="Flowchart: Manual Operation 19">
+            <a:extLst>
+              <a:ext uri="{FF2B5EF4-FFF2-40B4-BE49-F238E27FC236}">
+                <a16:creationId xmlns:a16="http://schemas.microsoft.com/office/drawing/2014/main" id="{E513D03A-878B-4D9D-8860-58A16351DC9D}"/>
+              </a:ext>
+            </a:extLst>
+          </p:cNvPr>
+          <p:cNvSpPr/>
+          <p:nvPr/>
+        </p:nvSpPr>
+        <p:spPr>
+          <a:xfrm>
+            <a:off x="5531826" y="1326584"/>
+            <a:ext cx="1440493" cy="576197"/>
+          </a:xfrm>
+          <a:prstGeom prst="flowChartManualOperation">
+            <a:avLst/>
+          </a:prstGeom>
+        </p:spPr>
+        <p:style>
+          <a:lnRef idx="2">
+            <a:schemeClr val="accent6">
+              <a:shade val="50000"/>
+            </a:schemeClr>
+          </a:lnRef>
+          <a:fillRef idx="1">
+            <a:schemeClr val="accent6"/>
+          </a:fillRef>
+          <a:effectRef idx="0">
+            <a:schemeClr val="accent6"/>
+          </a:effectRef>
+          <a:fontRef idx="minor">
+            <a:schemeClr val="lt1"/>
+          </a:fontRef>
+        </p:style>
+        <p:txBody>
+          <a:bodyPr wrap="none" lIns="0" tIns="0" rIns="0" bIns="0" rtlCol="0" anchor="ctr"/>
+          <a:lstStyle/>
+          <a:p>
+            <a:pPr algn="ctr"/>
+            <a:r>
+              <a:rPr lang="en-CA" sz="1400" b="1" dirty="0"/>
+              <a:t>“OWNER LOG</a:t>
+            </a:r>
+          </a:p>
+          <a:p>
+            <a:pPr algn="ctr"/>
+            <a:r>
+              <a:rPr lang="en-CA" sz="1400" b="1" dirty="0"/>
+              <a:t>IN” is clicked</a:t>
+            </a:r>
+          </a:p>
+        </p:txBody>
+      </p:sp>
+      <p:sp>
+        <p:nvSpPr>
+          <p:cNvPr id="21" name="Flowchart: Process 20">
+            <a:extLst>
+              <a:ext uri="{FF2B5EF4-FFF2-40B4-BE49-F238E27FC236}">
+                <a16:creationId xmlns:a16="http://schemas.microsoft.com/office/drawing/2014/main" id="{C128FC54-AE62-471A-ADD2-14CF944F959A}"/>
+              </a:ext>
+            </a:extLst>
+          </p:cNvPr>
+          <p:cNvSpPr/>
+          <p:nvPr/>
+        </p:nvSpPr>
+        <p:spPr>
+          <a:xfrm>
+            <a:off x="5531825" y="2209669"/>
+            <a:ext cx="1440494" cy="726509"/>
+          </a:xfrm>
+          <a:prstGeom prst="flowChartProcess">
+            <a:avLst/>
+          </a:prstGeom>
+        </p:spPr>
+        <p:style>
+          <a:lnRef idx="2">
+            <a:schemeClr val="accent6">
+              <a:shade val="50000"/>
+            </a:schemeClr>
+          </a:lnRef>
+          <a:fillRef idx="1">
+            <a:schemeClr val="accent6"/>
+          </a:fillRef>
+          <a:effectRef idx="0">
+            <a:schemeClr val="accent6"/>
+          </a:effectRef>
+          <a:fontRef idx="minor">
+            <a:schemeClr val="lt1"/>
+          </a:fontRef>
+        </p:style>
+        <p:txBody>
+          <a:bodyPr rtlCol="0" anchor="ctr"/>
+          <a:lstStyle/>
+          <a:p>
+            <a:pPr algn="ctr"/>
+            <a:r>
+              <a:rPr lang="en-CA" sz="1400" b="1" dirty="0"/>
+              <a:t>Present “owner” modal</a:t>
+            </a:r>
+          </a:p>
+        </p:txBody>
+      </p:sp>
+      <p:sp>
+        <p:nvSpPr>
+          <p:cNvPr id="23" name="Flowchart: Decision 22">
+            <a:extLst>
+              <a:ext uri="{FF2B5EF4-FFF2-40B4-BE49-F238E27FC236}">
+                <a16:creationId xmlns:a16="http://schemas.microsoft.com/office/drawing/2014/main" id="{A4A80A9A-8E39-4331-967B-1AECB7D7044F}"/>
+              </a:ext>
+            </a:extLst>
+          </p:cNvPr>
+          <p:cNvSpPr/>
+          <p:nvPr/>
+        </p:nvSpPr>
+        <p:spPr>
+          <a:xfrm>
+            <a:off x="4653940" y="3975839"/>
+            <a:ext cx="1440494" cy="864296"/>
+          </a:xfrm>
+          <a:prstGeom prst="flowChartDecision">
+            <a:avLst/>
+          </a:prstGeom>
+        </p:spPr>
+        <p:style>
+          <a:lnRef idx="2">
+            <a:schemeClr val="accent6">
+              <a:shade val="50000"/>
+            </a:schemeClr>
+          </a:lnRef>
+          <a:fillRef idx="1">
+            <a:schemeClr val="accent6"/>
+          </a:fillRef>
+          <a:effectRef idx="0">
+            <a:schemeClr val="accent6"/>
+          </a:effectRef>
+          <a:fontRef idx="minor">
+            <a:schemeClr val="lt1"/>
+          </a:fontRef>
+        </p:style>
+        <p:txBody>
+          <a:bodyPr wrap="none" lIns="0" tIns="0" rIns="0" bIns="0" rtlCol="0" anchor="ctr"/>
+          <a:lstStyle/>
+          <a:p>
+            <a:pPr algn="ctr"/>
+            <a:r>
+              <a:rPr lang="en-CA" sz="1400" b="1" dirty="0"/>
+              <a:t>Check if</a:t>
+            </a:r>
+          </a:p>
+          <a:p>
+            <a:pPr algn="ctr"/>
+            <a:r>
+              <a:rPr lang="en-CA" sz="1400" b="1" dirty="0"/>
+              <a:t>user exist</a:t>
+            </a:r>
+          </a:p>
+        </p:txBody>
+      </p:sp>
+      <p:sp>
+        <p:nvSpPr>
+          <p:cNvPr id="30" name="Flowchart: Manual Operation 29">
+            <a:extLst>
+              <a:ext uri="{FF2B5EF4-FFF2-40B4-BE49-F238E27FC236}">
+                <a16:creationId xmlns:a16="http://schemas.microsoft.com/office/drawing/2014/main" id="{2BCF2EBD-DC2F-411D-84A7-334D4999602D}"/>
+              </a:ext>
+            </a:extLst>
+          </p:cNvPr>
+          <p:cNvSpPr/>
+          <p:nvPr/>
+        </p:nvSpPr>
+        <p:spPr>
+          <a:xfrm>
+            <a:off x="4653941" y="3243066"/>
+            <a:ext cx="1440493" cy="576197"/>
+          </a:xfrm>
+          <a:prstGeom prst="flowChartManualOperation">
+            <a:avLst/>
+          </a:prstGeom>
+        </p:spPr>
+        <p:style>
+          <a:lnRef idx="2">
+            <a:schemeClr val="accent6">
+              <a:shade val="50000"/>
+            </a:schemeClr>
+          </a:lnRef>
+          <a:fillRef idx="1">
+            <a:schemeClr val="accent6"/>
+          </a:fillRef>
+          <a:effectRef idx="0">
+            <a:schemeClr val="accent6"/>
+          </a:effectRef>
+          <a:fontRef idx="minor">
+            <a:schemeClr val="lt1"/>
+          </a:fontRef>
+        </p:style>
+        <p:txBody>
+          <a:bodyPr lIns="0" tIns="0" rIns="0" bIns="0" rtlCol="0" anchor="ctr"/>
+          <a:lstStyle/>
+          <a:p>
+            <a:pPr algn="ctr"/>
+            <a:r>
+              <a:rPr lang="en-CA" sz="1400" b="1" dirty="0"/>
+              <a:t>“LOG IN” is clicked</a:t>
+            </a:r>
+          </a:p>
+        </p:txBody>
+      </p:sp>
+      <p:sp>
+        <p:nvSpPr>
+          <p:cNvPr id="32" name="Flowchart: Decision 31">
+            <a:extLst>
+              <a:ext uri="{FF2B5EF4-FFF2-40B4-BE49-F238E27FC236}">
+                <a16:creationId xmlns:a16="http://schemas.microsoft.com/office/drawing/2014/main" id="{AFFF8365-8A52-4C5A-8555-E2CDBB4D831A}"/>
+              </a:ext>
+            </a:extLst>
+          </p:cNvPr>
+          <p:cNvSpPr/>
+          <p:nvPr/>
+        </p:nvSpPr>
+        <p:spPr>
+          <a:xfrm>
+            <a:off x="4653940" y="4996711"/>
+            <a:ext cx="1440494" cy="864296"/>
+          </a:xfrm>
+          <a:prstGeom prst="flowChartDecision">
+            <a:avLst/>
+          </a:prstGeom>
+        </p:spPr>
+        <p:style>
+          <a:lnRef idx="2">
+            <a:schemeClr val="accent6">
+              <a:shade val="50000"/>
+            </a:schemeClr>
+          </a:lnRef>
+          <a:fillRef idx="1">
+            <a:schemeClr val="accent6"/>
+          </a:fillRef>
+          <a:effectRef idx="0">
+            <a:schemeClr val="accent6"/>
+          </a:effectRef>
+          <a:fontRef idx="minor">
+            <a:schemeClr val="lt1"/>
+          </a:fontRef>
+        </p:style>
+        <p:txBody>
+          <a:bodyPr lIns="0" tIns="0" rIns="0" bIns="0" rtlCol="0" anchor="ctr"/>
+          <a:lstStyle/>
+          <a:p>
+            <a:pPr algn="ctr"/>
+            <a:r>
+              <a:rPr lang="en-CA" sz="1400" b="1" dirty="0"/>
+              <a:t>Check </a:t>
+            </a:r>
+          </a:p>
+          <a:p>
+            <a:pPr algn="ctr"/>
+            <a:r>
+              <a:rPr lang="en-CA" sz="1400" b="1" dirty="0"/>
+              <a:t>password</a:t>
+            </a:r>
+          </a:p>
+        </p:txBody>
+      </p:sp>
+      <p:cxnSp>
+        <p:nvCxnSpPr>
+          <p:cNvPr id="33" name="Connector: Elbow 32">
+            <a:extLst>
+              <a:ext uri="{FF2B5EF4-FFF2-40B4-BE49-F238E27FC236}">
+                <a16:creationId xmlns:a16="http://schemas.microsoft.com/office/drawing/2014/main" id="{C3A6F152-5949-412A-847A-22C594F4B304}"/>
+              </a:ext>
+            </a:extLst>
+          </p:cNvPr>
+          <p:cNvCxnSpPr>
+            <a:cxnSpLocks/>
+            <a:stCxn id="20" idx="2"/>
+            <a:endCxn id="21" idx="0"/>
+          </p:cNvCxnSpPr>
+          <p:nvPr/>
+        </p:nvCxnSpPr>
+        <p:spPr>
+          <a:xfrm flipH="1">
+            <a:off x="6252072" y="1902781"/>
+            <a:ext cx="1" cy="306888"/>
+          </a:xfrm>
+          <a:prstGeom prst="straightConnector1">
+            <a:avLst/>
+          </a:prstGeom>
+          <a:ln>
+            <a:solidFill>
+              <a:schemeClr val="tx1"/>
+            </a:solidFill>
+            <a:tailEnd type="triangle"/>
+          </a:ln>
+        </p:spPr>
+        <p:style>
+          <a:lnRef idx="1">
+            <a:schemeClr val="accent1"/>
+          </a:lnRef>
+          <a:fillRef idx="0">
+            <a:schemeClr val="accent1"/>
+          </a:fillRef>
+          <a:effectRef idx="0">
+            <a:schemeClr val="accent1"/>
+          </a:effectRef>
+          <a:fontRef idx="minor">
+            <a:schemeClr val="tx1"/>
+          </a:fontRef>
+        </p:style>
+      </p:cxnSp>
+      <p:cxnSp>
+        <p:nvCxnSpPr>
+          <p:cNvPr id="38" name="Connector: Elbow 37">
+            <a:extLst>
+              <a:ext uri="{FF2B5EF4-FFF2-40B4-BE49-F238E27FC236}">
+                <a16:creationId xmlns:a16="http://schemas.microsoft.com/office/drawing/2014/main" id="{6AFA7DBF-4321-439C-B790-EA7952D58567}"/>
+              </a:ext>
+            </a:extLst>
+          </p:cNvPr>
+          <p:cNvCxnSpPr>
+            <a:cxnSpLocks/>
+            <a:stCxn id="23" idx="1"/>
+            <a:endCxn id="21" idx="1"/>
+          </p:cNvCxnSpPr>
+          <p:nvPr/>
+        </p:nvCxnSpPr>
+        <p:spPr>
+          <a:xfrm rot="10800000" flipH="1">
+            <a:off x="4653939" y="2572925"/>
+            <a:ext cx="877885" cy="1835063"/>
+          </a:xfrm>
+          <a:prstGeom prst="bentConnector3">
+            <a:avLst>
+              <a:gd name="adj1" fmla="val -74865"/>
+            </a:avLst>
+          </a:prstGeom>
+          <a:ln>
+            <a:solidFill>
+              <a:schemeClr val="tx1"/>
+            </a:solidFill>
+            <a:tailEnd type="triangle"/>
+          </a:ln>
+        </p:spPr>
+        <p:style>
+          <a:lnRef idx="1">
+            <a:schemeClr val="accent1"/>
+          </a:lnRef>
+          <a:fillRef idx="0">
+            <a:schemeClr val="accent1"/>
+          </a:fillRef>
+          <a:effectRef idx="0">
+            <a:schemeClr val="accent1"/>
+          </a:effectRef>
+          <a:fontRef idx="minor">
+            <a:schemeClr val="tx1"/>
+          </a:fontRef>
+        </p:style>
+      </p:cxnSp>
+      <p:cxnSp>
+        <p:nvCxnSpPr>
+          <p:cNvPr id="41" name="Connector: Elbow 40">
+            <a:extLst>
+              <a:ext uri="{FF2B5EF4-FFF2-40B4-BE49-F238E27FC236}">
+                <a16:creationId xmlns:a16="http://schemas.microsoft.com/office/drawing/2014/main" id="{0B893C46-75E3-4706-975C-AD4DACCB4308}"/>
+              </a:ext>
+            </a:extLst>
+          </p:cNvPr>
+          <p:cNvCxnSpPr>
+            <a:cxnSpLocks/>
+            <a:stCxn id="32" idx="1"/>
+            <a:endCxn id="21" idx="1"/>
+          </p:cNvCxnSpPr>
+          <p:nvPr/>
+        </p:nvCxnSpPr>
+        <p:spPr>
+          <a:xfrm rot="10800000" flipH="1">
+            <a:off x="4653939" y="2572925"/>
+            <a:ext cx="877885" cy="2855935"/>
+          </a:xfrm>
+          <a:prstGeom prst="bentConnector3">
+            <a:avLst>
+              <a:gd name="adj1" fmla="val -74865"/>
+            </a:avLst>
+          </a:prstGeom>
+          <a:ln>
+            <a:solidFill>
+              <a:schemeClr val="tx1"/>
+            </a:solidFill>
+            <a:tailEnd type="triangle"/>
+          </a:ln>
+        </p:spPr>
+        <p:style>
+          <a:lnRef idx="1">
+            <a:schemeClr val="accent1"/>
+          </a:lnRef>
+          <a:fillRef idx="0">
+            <a:schemeClr val="accent1"/>
+          </a:fillRef>
+          <a:effectRef idx="0">
+            <a:schemeClr val="accent1"/>
+          </a:effectRef>
+          <a:fontRef idx="minor">
+            <a:schemeClr val="tx1"/>
+          </a:fontRef>
+        </p:style>
+      </p:cxnSp>
+      <p:cxnSp>
+        <p:nvCxnSpPr>
+          <p:cNvPr id="51" name="Connector: Elbow 32">
+            <a:extLst>
+              <a:ext uri="{FF2B5EF4-FFF2-40B4-BE49-F238E27FC236}">
+                <a16:creationId xmlns:a16="http://schemas.microsoft.com/office/drawing/2014/main" id="{E0903A00-538D-44B7-9BB9-B9160D7749D0}"/>
+              </a:ext>
+            </a:extLst>
+          </p:cNvPr>
+          <p:cNvCxnSpPr>
+            <a:cxnSpLocks/>
+            <a:stCxn id="21" idx="2"/>
+            <a:endCxn id="30" idx="0"/>
+          </p:cNvCxnSpPr>
+          <p:nvPr/>
+        </p:nvCxnSpPr>
+        <p:spPr>
+          <a:xfrm rot="5400000">
+            <a:off x="5659686" y="2650680"/>
+            <a:ext cx="306888" cy="877884"/>
+          </a:xfrm>
+          <a:prstGeom prst="bentConnector3">
+            <a:avLst>
+              <a:gd name="adj1" fmla="val 50000"/>
+            </a:avLst>
+          </a:prstGeom>
+          <a:ln>
+            <a:solidFill>
+              <a:schemeClr val="tx1"/>
+            </a:solidFill>
+            <a:tailEnd type="triangle"/>
+          </a:ln>
+        </p:spPr>
+        <p:style>
+          <a:lnRef idx="1">
+            <a:schemeClr val="accent1"/>
+          </a:lnRef>
+          <a:fillRef idx="0">
+            <a:schemeClr val="accent1"/>
+          </a:fillRef>
+          <a:effectRef idx="0">
+            <a:schemeClr val="accent1"/>
+          </a:effectRef>
+          <a:fontRef idx="minor">
+            <a:schemeClr val="tx1"/>
+          </a:fontRef>
+        </p:style>
+      </p:cxnSp>
+      <p:cxnSp>
+        <p:nvCxnSpPr>
+          <p:cNvPr id="52" name="Connector: Elbow 32">
+            <a:extLst>
+              <a:ext uri="{FF2B5EF4-FFF2-40B4-BE49-F238E27FC236}">
+                <a16:creationId xmlns:a16="http://schemas.microsoft.com/office/drawing/2014/main" id="{15C4A924-21D6-4EE1-88B0-9C3E7E812184}"/>
+              </a:ext>
+            </a:extLst>
+          </p:cNvPr>
+          <p:cNvCxnSpPr>
+            <a:cxnSpLocks/>
+            <a:stCxn id="30" idx="2"/>
+            <a:endCxn id="23" idx="0"/>
+          </p:cNvCxnSpPr>
+          <p:nvPr/>
+        </p:nvCxnSpPr>
+        <p:spPr>
+          <a:xfrm flipH="1">
+            <a:off x="5374187" y="3819263"/>
+            <a:ext cx="1" cy="156576"/>
+          </a:xfrm>
+          <a:prstGeom prst="straightConnector1">
+            <a:avLst/>
+          </a:prstGeom>
+          <a:ln>
+            <a:solidFill>
+              <a:schemeClr val="tx1"/>
+            </a:solidFill>
+            <a:tailEnd type="triangle"/>
+          </a:ln>
+        </p:spPr>
+        <p:style>
+          <a:lnRef idx="1">
+            <a:schemeClr val="accent1"/>
+          </a:lnRef>
+          <a:fillRef idx="0">
+            <a:schemeClr val="accent1"/>
+          </a:fillRef>
+          <a:effectRef idx="0">
+            <a:schemeClr val="accent1"/>
+          </a:effectRef>
+          <a:fontRef idx="minor">
+            <a:schemeClr val="tx1"/>
+          </a:fontRef>
+        </p:style>
+      </p:cxnSp>
+      <p:cxnSp>
+        <p:nvCxnSpPr>
+          <p:cNvPr id="53" name="Connector: Elbow 32">
+            <a:extLst>
+              <a:ext uri="{FF2B5EF4-FFF2-40B4-BE49-F238E27FC236}">
+                <a16:creationId xmlns:a16="http://schemas.microsoft.com/office/drawing/2014/main" id="{B23CE2A6-14BA-4A28-AE6B-7448A474D6AA}"/>
+              </a:ext>
+            </a:extLst>
+          </p:cNvPr>
+          <p:cNvCxnSpPr>
+            <a:cxnSpLocks/>
+            <a:stCxn id="23" idx="2"/>
+            <a:endCxn id="32" idx="0"/>
+          </p:cNvCxnSpPr>
+          <p:nvPr/>
+        </p:nvCxnSpPr>
+        <p:spPr>
+          <a:xfrm>
+            <a:off x="5374187" y="4840135"/>
+            <a:ext cx="0" cy="156576"/>
+          </a:xfrm>
+          <a:prstGeom prst="straightConnector1">
+            <a:avLst/>
+          </a:prstGeom>
+          <a:ln>
+            <a:solidFill>
+              <a:schemeClr val="tx1"/>
+            </a:solidFill>
+            <a:tailEnd type="triangle"/>
+          </a:ln>
+        </p:spPr>
+        <p:style>
+          <a:lnRef idx="1">
+            <a:schemeClr val="accent1"/>
+          </a:lnRef>
+          <a:fillRef idx="0">
+            <a:schemeClr val="accent1"/>
+          </a:fillRef>
+          <a:effectRef idx="0">
+            <a:schemeClr val="accent1"/>
+          </a:effectRef>
+          <a:fontRef idx="minor">
+            <a:schemeClr val="tx1"/>
+          </a:fontRef>
+        </p:style>
+      </p:cxnSp>
+      <p:sp>
+        <p:nvSpPr>
+          <p:cNvPr id="61" name="TextBox 60">
+            <a:extLst>
+              <a:ext uri="{FF2B5EF4-FFF2-40B4-BE49-F238E27FC236}">
+                <a16:creationId xmlns:a16="http://schemas.microsoft.com/office/drawing/2014/main" id="{EE5ED381-3B72-4022-9A8C-57BCEEF673A5}"/>
+              </a:ext>
+            </a:extLst>
+          </p:cNvPr>
+          <p:cNvSpPr txBox="1"/>
+          <p:nvPr/>
+        </p:nvSpPr>
+        <p:spPr>
+          <a:xfrm>
+            <a:off x="4358865" y="4223321"/>
+            <a:ext cx="205184" cy="184666"/>
+          </a:xfrm>
+          <a:prstGeom prst="rect">
+            <a:avLst/>
+          </a:prstGeom>
+          <a:noFill/>
+        </p:spPr>
+        <p:txBody>
+          <a:bodyPr wrap="none" lIns="0" tIns="0" rIns="0" bIns="0" rtlCol="0">
+            <a:spAutoFit/>
+          </a:bodyPr>
+          <a:lstStyle/>
+          <a:p>
+            <a:pPr algn="ctr"/>
+            <a:r>
+              <a:rPr lang="en-CA" sz="1200" b="1" dirty="0"/>
+              <a:t>NO</a:t>
+            </a:r>
+            <a:endParaRPr lang="en-US" sz="1200" b="1" dirty="0"/>
+          </a:p>
+        </p:txBody>
+      </p:sp>
+      <p:sp>
+        <p:nvSpPr>
+          <p:cNvPr id="62" name="TextBox 61">
+            <a:extLst>
+              <a:ext uri="{FF2B5EF4-FFF2-40B4-BE49-F238E27FC236}">
+                <a16:creationId xmlns:a16="http://schemas.microsoft.com/office/drawing/2014/main" id="{E24F50A0-4A1E-40D8-8344-ED8AC9B9F783}"/>
+              </a:ext>
+            </a:extLst>
+          </p:cNvPr>
+          <p:cNvSpPr txBox="1"/>
+          <p:nvPr/>
+        </p:nvSpPr>
+        <p:spPr>
+          <a:xfrm>
+            <a:off x="4358865" y="5244193"/>
+            <a:ext cx="205184" cy="184666"/>
+          </a:xfrm>
+          <a:prstGeom prst="rect">
+            <a:avLst/>
+          </a:prstGeom>
+          <a:noFill/>
+        </p:spPr>
+        <p:txBody>
+          <a:bodyPr wrap="none" lIns="0" tIns="0" rIns="0" bIns="0" rtlCol="0">
+            <a:spAutoFit/>
+          </a:bodyPr>
+          <a:lstStyle/>
+          <a:p>
+            <a:pPr algn="ctr"/>
+            <a:r>
+              <a:rPr lang="en-CA" sz="1200" b="1" dirty="0"/>
+              <a:t>NO</a:t>
+            </a:r>
+            <a:endParaRPr lang="en-US" sz="1200" b="1" dirty="0"/>
+          </a:p>
+        </p:txBody>
+      </p:sp>
+      <p:sp>
+        <p:nvSpPr>
+          <p:cNvPr id="63" name="TextBox 62">
+            <a:extLst>
+              <a:ext uri="{FF2B5EF4-FFF2-40B4-BE49-F238E27FC236}">
+                <a16:creationId xmlns:a16="http://schemas.microsoft.com/office/drawing/2014/main" id="{9CE241DA-F6C0-4DE0-9B87-308EAC3C706B}"/>
+              </a:ext>
+            </a:extLst>
+          </p:cNvPr>
+          <p:cNvSpPr txBox="1"/>
+          <p:nvPr/>
+        </p:nvSpPr>
+        <p:spPr>
+          <a:xfrm>
+            <a:off x="5453595" y="4839837"/>
+            <a:ext cx="226152" cy="184666"/>
+          </a:xfrm>
+          <a:prstGeom prst="rect">
+            <a:avLst/>
+          </a:prstGeom>
+          <a:noFill/>
+        </p:spPr>
+        <p:txBody>
+          <a:bodyPr wrap="none" lIns="0" tIns="0" rIns="0" bIns="0" rtlCol="0">
+            <a:spAutoFit/>
+          </a:bodyPr>
+          <a:lstStyle/>
+          <a:p>
+            <a:pPr algn="ctr"/>
+            <a:r>
+              <a:rPr lang="en-CA" sz="1200" b="1" dirty="0"/>
+              <a:t>YES</a:t>
+            </a:r>
+            <a:endParaRPr lang="en-US" sz="1200" b="1" dirty="0"/>
+          </a:p>
+        </p:txBody>
+      </p:sp>
+      <p:cxnSp>
+        <p:nvCxnSpPr>
+          <p:cNvPr id="67" name="Connector: Elbow 32">
+            <a:extLst>
+              <a:ext uri="{FF2B5EF4-FFF2-40B4-BE49-F238E27FC236}">
+                <a16:creationId xmlns:a16="http://schemas.microsoft.com/office/drawing/2014/main" id="{E0ECA524-1984-4133-90FD-8D7327FE4E33}"/>
+              </a:ext>
+            </a:extLst>
+          </p:cNvPr>
+          <p:cNvCxnSpPr>
+            <a:cxnSpLocks/>
+            <a:stCxn id="32" idx="2"/>
+            <a:endCxn id="36" idx="0"/>
+          </p:cNvCxnSpPr>
+          <p:nvPr/>
+        </p:nvCxnSpPr>
+        <p:spPr>
+          <a:xfrm rot="16200000" flipH="1">
+            <a:off x="5180810" y="6054383"/>
+            <a:ext cx="1299484" cy="912731"/>
+          </a:xfrm>
+          <a:prstGeom prst="bentConnector3">
+            <a:avLst>
+              <a:gd name="adj1" fmla="val 84010"/>
+            </a:avLst>
+          </a:prstGeom>
+          <a:ln>
+            <a:solidFill>
+              <a:schemeClr val="tx1"/>
+            </a:solidFill>
+            <a:tailEnd type="triangle"/>
+          </a:ln>
+        </p:spPr>
+        <p:style>
+          <a:lnRef idx="1">
+            <a:schemeClr val="accent1"/>
+          </a:lnRef>
+          <a:fillRef idx="0">
+            <a:schemeClr val="accent1"/>
+          </a:fillRef>
+          <a:effectRef idx="0">
+            <a:schemeClr val="accent1"/>
+          </a:effectRef>
+          <a:fontRef idx="minor">
+            <a:schemeClr val="tx1"/>
+          </a:fontRef>
+        </p:style>
+      </p:cxnSp>
+      <p:sp>
+        <p:nvSpPr>
+          <p:cNvPr id="68" name="TextBox 67">
+            <a:extLst>
+              <a:ext uri="{FF2B5EF4-FFF2-40B4-BE49-F238E27FC236}">
+                <a16:creationId xmlns:a16="http://schemas.microsoft.com/office/drawing/2014/main" id="{B4BE916A-813E-4A16-8DC9-DB0CCB984A31}"/>
+              </a:ext>
+            </a:extLst>
+          </p:cNvPr>
+          <p:cNvSpPr txBox="1"/>
+          <p:nvPr/>
+        </p:nvSpPr>
+        <p:spPr>
+          <a:xfrm>
+            <a:off x="5453595" y="5861007"/>
+            <a:ext cx="226152" cy="184666"/>
+          </a:xfrm>
+          <a:prstGeom prst="rect">
+            <a:avLst/>
+          </a:prstGeom>
+          <a:noFill/>
+        </p:spPr>
+        <p:txBody>
+          <a:bodyPr wrap="none" lIns="0" tIns="0" rIns="0" bIns="0" rtlCol="0">
+            <a:spAutoFit/>
+          </a:bodyPr>
+          <a:lstStyle/>
+          <a:p>
+            <a:pPr algn="ctr"/>
+            <a:r>
+              <a:rPr lang="en-CA" sz="1200" b="1" dirty="0"/>
+              <a:t>YES</a:t>
+            </a:r>
+            <a:endParaRPr lang="en-US" sz="1200" b="1" dirty="0"/>
+          </a:p>
+        </p:txBody>
+      </p:sp>
+      <p:sp>
+        <p:nvSpPr>
+          <p:cNvPr id="72" name="Flowchart: Manual Operation 71">
+            <a:extLst>
+              <a:ext uri="{FF2B5EF4-FFF2-40B4-BE49-F238E27FC236}">
+                <a16:creationId xmlns:a16="http://schemas.microsoft.com/office/drawing/2014/main" id="{18656EF9-3875-4A13-9334-A11C96D384AB}"/>
+              </a:ext>
+            </a:extLst>
+          </p:cNvPr>
+          <p:cNvSpPr/>
+          <p:nvPr/>
+        </p:nvSpPr>
+        <p:spPr>
+          <a:xfrm>
+            <a:off x="6457101" y="3243066"/>
+            <a:ext cx="1440493" cy="576197"/>
+          </a:xfrm>
+          <a:prstGeom prst="flowChartManualOperation">
+            <a:avLst/>
+          </a:prstGeom>
+        </p:spPr>
+        <p:style>
+          <a:lnRef idx="2">
+            <a:schemeClr val="accent6">
+              <a:shade val="50000"/>
+            </a:schemeClr>
+          </a:lnRef>
+          <a:fillRef idx="1">
+            <a:schemeClr val="accent6"/>
+          </a:fillRef>
+          <a:effectRef idx="0">
+            <a:schemeClr val="accent6"/>
+          </a:effectRef>
+          <a:fontRef idx="minor">
+            <a:schemeClr val="lt1"/>
+          </a:fontRef>
+        </p:style>
+        <p:txBody>
+          <a:bodyPr wrap="none" lIns="0" tIns="0" rIns="0" bIns="0" rtlCol="0" anchor="ctr"/>
+          <a:lstStyle/>
+          <a:p>
+            <a:pPr algn="ctr"/>
+            <a:r>
+              <a:rPr lang="en-CA" sz="1400" b="1" dirty="0"/>
+              <a:t>“NEW OWNER”</a:t>
+            </a:r>
+          </a:p>
+          <a:p>
+            <a:pPr algn="ctr"/>
+            <a:r>
+              <a:rPr lang="en-CA" sz="1400" b="1" dirty="0"/>
+              <a:t>is clicked</a:t>
+            </a:r>
+          </a:p>
+        </p:txBody>
+      </p:sp>
+      <p:cxnSp>
+        <p:nvCxnSpPr>
+          <p:cNvPr id="73" name="Connector: Elbow 72">
+            <a:extLst>
+              <a:ext uri="{FF2B5EF4-FFF2-40B4-BE49-F238E27FC236}">
+                <a16:creationId xmlns:a16="http://schemas.microsoft.com/office/drawing/2014/main" id="{E5293DC4-056F-4157-B0C4-606EF6A279F8}"/>
+              </a:ext>
+            </a:extLst>
+          </p:cNvPr>
+          <p:cNvCxnSpPr>
+            <a:cxnSpLocks/>
+            <a:stCxn id="21" idx="2"/>
+            <a:endCxn id="72" idx="0"/>
+          </p:cNvCxnSpPr>
+          <p:nvPr/>
+        </p:nvCxnSpPr>
+        <p:spPr>
+          <a:xfrm rot="16200000" flipH="1">
+            <a:off x="6561266" y="2626984"/>
+            <a:ext cx="306888" cy="925276"/>
+          </a:xfrm>
+          <a:prstGeom prst="bentConnector3">
+            <a:avLst>
+              <a:gd name="adj1" fmla="val 50000"/>
+            </a:avLst>
+          </a:prstGeom>
+          <a:ln>
+            <a:solidFill>
+              <a:schemeClr val="tx1"/>
+            </a:solidFill>
+            <a:tailEnd type="triangle"/>
+          </a:ln>
+        </p:spPr>
+        <p:style>
+          <a:lnRef idx="1">
+            <a:schemeClr val="accent1"/>
+          </a:lnRef>
+          <a:fillRef idx="0">
+            <a:schemeClr val="accent1"/>
+          </a:fillRef>
+          <a:effectRef idx="0">
+            <a:schemeClr val="accent1"/>
+          </a:effectRef>
+          <a:fontRef idx="minor">
+            <a:schemeClr val="tx1"/>
+          </a:fontRef>
+        </p:style>
+      </p:cxnSp>
+      <p:sp>
+        <p:nvSpPr>
+          <p:cNvPr id="87" name="Flowchart: Process 86">
+            <a:extLst>
+              <a:ext uri="{FF2B5EF4-FFF2-40B4-BE49-F238E27FC236}">
+                <a16:creationId xmlns:a16="http://schemas.microsoft.com/office/drawing/2014/main" id="{EC16F522-BE27-49C2-8DED-B14234BE8DCA}"/>
+              </a:ext>
+            </a:extLst>
+          </p:cNvPr>
+          <p:cNvSpPr/>
+          <p:nvPr/>
+        </p:nvSpPr>
+        <p:spPr>
+          <a:xfrm>
+            <a:off x="6457101" y="4044732"/>
+            <a:ext cx="1440494" cy="726509"/>
+          </a:xfrm>
+          <a:prstGeom prst="flowChartProcess">
+            <a:avLst/>
+          </a:prstGeom>
+        </p:spPr>
+        <p:style>
+          <a:lnRef idx="2">
+            <a:schemeClr val="accent6">
+              <a:shade val="50000"/>
+            </a:schemeClr>
+          </a:lnRef>
+          <a:fillRef idx="1">
+            <a:schemeClr val="accent6"/>
+          </a:fillRef>
+          <a:effectRef idx="0">
+            <a:schemeClr val="accent6"/>
+          </a:effectRef>
+          <a:fontRef idx="minor">
+            <a:schemeClr val="lt1"/>
+          </a:fontRef>
+        </p:style>
+        <p:txBody>
+          <a:bodyPr rtlCol="0" anchor="ctr"/>
+          <a:lstStyle/>
+          <a:p>
+            <a:pPr algn="ctr"/>
+            <a:r>
+              <a:rPr lang="en-CA" sz="1400" b="1" dirty="0"/>
+              <a:t>Present “new owner” modal</a:t>
+            </a:r>
+          </a:p>
+        </p:txBody>
+      </p:sp>
+      <p:sp>
+        <p:nvSpPr>
+          <p:cNvPr id="90" name="Flowchart: Decision 89">
+            <a:extLst>
+              <a:ext uri="{FF2B5EF4-FFF2-40B4-BE49-F238E27FC236}">
+                <a16:creationId xmlns:a16="http://schemas.microsoft.com/office/drawing/2014/main" id="{B528076E-C954-473A-9F47-D9A4D08F2D21}"/>
+              </a:ext>
+            </a:extLst>
+          </p:cNvPr>
+          <p:cNvSpPr/>
+          <p:nvPr/>
+        </p:nvSpPr>
+        <p:spPr>
+          <a:xfrm>
+            <a:off x="6457100" y="4996710"/>
+            <a:ext cx="1440494" cy="864296"/>
+          </a:xfrm>
+          <a:prstGeom prst="flowChartDecision">
+            <a:avLst/>
+          </a:prstGeom>
+        </p:spPr>
+        <p:style>
+          <a:lnRef idx="2">
+            <a:schemeClr val="accent6">
+              <a:shade val="50000"/>
+            </a:schemeClr>
+          </a:lnRef>
+          <a:fillRef idx="1">
+            <a:schemeClr val="accent6"/>
+          </a:fillRef>
+          <a:effectRef idx="0">
+            <a:schemeClr val="accent6"/>
+          </a:effectRef>
+          <a:fontRef idx="minor">
+            <a:schemeClr val="lt1"/>
+          </a:fontRef>
+        </p:style>
+        <p:txBody>
+          <a:bodyPr wrap="none" lIns="0" tIns="0" rIns="0" bIns="0" rtlCol="0" anchor="ctr"/>
+          <a:lstStyle/>
+          <a:p>
+            <a:pPr algn="ctr"/>
+            <a:r>
+              <a:rPr lang="en-CA" sz="1400" b="1" dirty="0"/>
+              <a:t>Check if</a:t>
+            </a:r>
+          </a:p>
+          <a:p>
+            <a:pPr algn="ctr"/>
+            <a:r>
+              <a:rPr lang="en-CA" sz="1400" b="1" dirty="0"/>
+              <a:t>owner exist</a:t>
+            </a:r>
+          </a:p>
+        </p:txBody>
+      </p:sp>
+      <p:cxnSp>
+        <p:nvCxnSpPr>
+          <p:cNvPr id="91" name="Connector: Elbow 32">
+            <a:extLst>
+              <a:ext uri="{FF2B5EF4-FFF2-40B4-BE49-F238E27FC236}">
+                <a16:creationId xmlns:a16="http://schemas.microsoft.com/office/drawing/2014/main" id="{975581E2-6FA3-46ED-90A3-2BC85630795D}"/>
+              </a:ext>
+            </a:extLst>
+          </p:cNvPr>
+          <p:cNvCxnSpPr>
+            <a:cxnSpLocks/>
+            <a:stCxn id="90" idx="2"/>
+            <a:endCxn id="117" idx="0"/>
+          </p:cNvCxnSpPr>
+          <p:nvPr/>
+        </p:nvCxnSpPr>
+        <p:spPr>
+          <a:xfrm>
+            <a:off x="7177347" y="5861006"/>
+            <a:ext cx="1" cy="162839"/>
+          </a:xfrm>
+          <a:prstGeom prst="straightConnector1">
+            <a:avLst/>
+          </a:prstGeom>
+          <a:ln>
+            <a:solidFill>
+              <a:schemeClr val="tx1"/>
+            </a:solidFill>
+            <a:tailEnd type="triangle"/>
+          </a:ln>
+        </p:spPr>
+        <p:style>
+          <a:lnRef idx="1">
+            <a:schemeClr val="accent1"/>
+          </a:lnRef>
+          <a:fillRef idx="0">
+            <a:schemeClr val="accent1"/>
+          </a:fillRef>
+          <a:effectRef idx="0">
+            <a:schemeClr val="accent1"/>
+          </a:effectRef>
+          <a:fontRef idx="minor">
+            <a:schemeClr val="tx1"/>
+          </a:fontRef>
+        </p:style>
+      </p:cxnSp>
+      <p:sp>
+        <p:nvSpPr>
+          <p:cNvPr id="92" name="TextBox 91">
+            <a:extLst>
+              <a:ext uri="{FF2B5EF4-FFF2-40B4-BE49-F238E27FC236}">
+                <a16:creationId xmlns:a16="http://schemas.microsoft.com/office/drawing/2014/main" id="{77F808BA-2B91-46BD-B3C8-DC180FAE6AEA}"/>
+              </a:ext>
+            </a:extLst>
+          </p:cNvPr>
+          <p:cNvSpPr txBox="1"/>
+          <p:nvPr/>
+        </p:nvSpPr>
+        <p:spPr>
+          <a:xfrm>
+            <a:off x="8194115" y="5301641"/>
+            <a:ext cx="232497" cy="184666"/>
+          </a:xfrm>
+          <a:prstGeom prst="rect">
+            <a:avLst/>
+          </a:prstGeom>
+          <a:noFill/>
+        </p:spPr>
+        <p:txBody>
+          <a:bodyPr wrap="square" lIns="0" tIns="0" rIns="0" bIns="0" rtlCol="0">
+            <a:spAutoFit/>
+          </a:bodyPr>
+          <a:lstStyle/>
+          <a:p>
+            <a:pPr algn="ctr"/>
+            <a:r>
+              <a:rPr lang="en-CA" sz="1200" b="1" dirty="0"/>
+              <a:t>YES</a:t>
+            </a:r>
+            <a:endParaRPr lang="en-US" sz="1200" b="1" dirty="0"/>
+          </a:p>
+        </p:txBody>
+      </p:sp>
+      <p:sp>
+        <p:nvSpPr>
+          <p:cNvPr id="93" name="TextBox 92">
+            <a:extLst>
+              <a:ext uri="{FF2B5EF4-FFF2-40B4-BE49-F238E27FC236}">
+                <a16:creationId xmlns:a16="http://schemas.microsoft.com/office/drawing/2014/main" id="{05DE0F3A-604F-4967-BF99-0E41A6406209}"/>
+              </a:ext>
+            </a:extLst>
+          </p:cNvPr>
+          <p:cNvSpPr txBox="1"/>
+          <p:nvPr/>
+        </p:nvSpPr>
+        <p:spPr>
+          <a:xfrm>
+            <a:off x="7267239" y="5860708"/>
+            <a:ext cx="205184" cy="184666"/>
+          </a:xfrm>
+          <a:prstGeom prst="rect">
+            <a:avLst/>
+          </a:prstGeom>
+          <a:noFill/>
+        </p:spPr>
+        <p:txBody>
+          <a:bodyPr wrap="none" lIns="0" tIns="0" rIns="0" bIns="0" rtlCol="0">
+            <a:spAutoFit/>
+          </a:bodyPr>
+          <a:lstStyle/>
+          <a:p>
+            <a:pPr algn="ctr"/>
+            <a:r>
+              <a:rPr lang="en-CA" sz="1200" b="1" dirty="0"/>
+              <a:t>NO</a:t>
+            </a:r>
+            <a:endParaRPr lang="en-US" sz="1200" b="1" dirty="0"/>
+          </a:p>
+        </p:txBody>
+      </p:sp>
+      <p:cxnSp>
+        <p:nvCxnSpPr>
+          <p:cNvPr id="94" name="Connector: Elbow 32">
+            <a:extLst>
+              <a:ext uri="{FF2B5EF4-FFF2-40B4-BE49-F238E27FC236}">
+                <a16:creationId xmlns:a16="http://schemas.microsoft.com/office/drawing/2014/main" id="{05F7469F-40A2-4FA4-8C03-BBC44835FAB1}"/>
+              </a:ext>
+            </a:extLst>
+          </p:cNvPr>
+          <p:cNvCxnSpPr>
+            <a:cxnSpLocks/>
+            <a:stCxn id="72" idx="2"/>
+            <a:endCxn id="87" idx="0"/>
+          </p:cNvCxnSpPr>
+          <p:nvPr/>
+        </p:nvCxnSpPr>
+        <p:spPr>
+          <a:xfrm>
+            <a:off x="7177348" y="3819263"/>
+            <a:ext cx="0" cy="225469"/>
+          </a:xfrm>
+          <a:prstGeom prst="straightConnector1">
+            <a:avLst/>
+          </a:prstGeom>
+          <a:ln>
+            <a:solidFill>
+              <a:schemeClr val="tx1"/>
+            </a:solidFill>
+            <a:tailEnd type="triangle"/>
+          </a:ln>
+        </p:spPr>
+        <p:style>
+          <a:lnRef idx="1">
+            <a:schemeClr val="accent1"/>
+          </a:lnRef>
+          <a:fillRef idx="0">
+            <a:schemeClr val="accent1"/>
+          </a:fillRef>
+          <a:effectRef idx="0">
+            <a:schemeClr val="accent1"/>
+          </a:effectRef>
+          <a:fontRef idx="minor">
+            <a:schemeClr val="tx1"/>
+          </a:fontRef>
+        </p:style>
+      </p:cxnSp>
+      <p:cxnSp>
+        <p:nvCxnSpPr>
+          <p:cNvPr id="97" name="Connector: Elbow 32">
+            <a:extLst>
+              <a:ext uri="{FF2B5EF4-FFF2-40B4-BE49-F238E27FC236}">
+                <a16:creationId xmlns:a16="http://schemas.microsoft.com/office/drawing/2014/main" id="{5C014437-3AA9-4C3C-A24B-B3466DCC3510}"/>
+              </a:ext>
+            </a:extLst>
+          </p:cNvPr>
+          <p:cNvCxnSpPr>
+            <a:cxnSpLocks/>
+            <a:stCxn id="87" idx="2"/>
+            <a:endCxn id="90" idx="0"/>
+          </p:cNvCxnSpPr>
+          <p:nvPr/>
+        </p:nvCxnSpPr>
+        <p:spPr>
+          <a:xfrm flipH="1">
+            <a:off x="7177347" y="4771241"/>
+            <a:ext cx="1" cy="225469"/>
+          </a:xfrm>
+          <a:prstGeom prst="straightConnector1">
+            <a:avLst/>
+          </a:prstGeom>
+          <a:ln>
+            <a:solidFill>
+              <a:schemeClr val="tx1"/>
+            </a:solidFill>
+            <a:tailEnd type="triangle"/>
+          </a:ln>
+        </p:spPr>
+        <p:style>
+          <a:lnRef idx="1">
+            <a:schemeClr val="accent1"/>
+          </a:lnRef>
+          <a:fillRef idx="0">
+            <a:schemeClr val="accent1"/>
+          </a:fillRef>
+          <a:effectRef idx="0">
+            <a:schemeClr val="accent1"/>
+          </a:effectRef>
+          <a:fontRef idx="minor">
+            <a:schemeClr val="tx1"/>
+          </a:fontRef>
+        </p:style>
+      </p:cxnSp>
+      <p:cxnSp>
+        <p:nvCxnSpPr>
+          <p:cNvPr id="100" name="Connector: Elbow 99">
+            <a:extLst>
+              <a:ext uri="{FF2B5EF4-FFF2-40B4-BE49-F238E27FC236}">
+                <a16:creationId xmlns:a16="http://schemas.microsoft.com/office/drawing/2014/main" id="{F435B7E3-FA4C-47E2-BB4A-2576DD23BE8D}"/>
+              </a:ext>
+            </a:extLst>
+          </p:cNvPr>
+          <p:cNvCxnSpPr>
+            <a:cxnSpLocks/>
+            <a:stCxn id="90" idx="3"/>
+            <a:endCxn id="87" idx="3"/>
+          </p:cNvCxnSpPr>
+          <p:nvPr/>
+        </p:nvCxnSpPr>
+        <p:spPr>
+          <a:xfrm flipV="1">
+            <a:off x="7897594" y="4407987"/>
+            <a:ext cx="1" cy="1020871"/>
+          </a:xfrm>
+          <a:prstGeom prst="bentConnector3">
+            <a:avLst>
+              <a:gd name="adj1" fmla="val 22860100000"/>
+            </a:avLst>
+          </a:prstGeom>
+          <a:ln>
+            <a:solidFill>
+              <a:schemeClr val="tx1"/>
+            </a:solidFill>
+            <a:tailEnd type="triangle"/>
+          </a:ln>
+        </p:spPr>
+        <p:style>
+          <a:lnRef idx="1">
+            <a:schemeClr val="accent1"/>
+          </a:lnRef>
+          <a:fillRef idx="0">
+            <a:schemeClr val="accent1"/>
+          </a:fillRef>
+          <a:effectRef idx="0">
+            <a:schemeClr val="accent1"/>
+          </a:effectRef>
+          <a:fontRef idx="minor">
+            <a:schemeClr val="tx1"/>
+          </a:fontRef>
+        </p:style>
+      </p:cxnSp>
+      <p:sp>
+        <p:nvSpPr>
+          <p:cNvPr id="113" name="TextBox 112">
+            <a:extLst>
+              <a:ext uri="{FF2B5EF4-FFF2-40B4-BE49-F238E27FC236}">
+                <a16:creationId xmlns:a16="http://schemas.microsoft.com/office/drawing/2014/main" id="{FEE09F1C-751E-4D0F-ADFC-B0D3E6F7CAFB}"/>
+              </a:ext>
+            </a:extLst>
+          </p:cNvPr>
+          <p:cNvSpPr txBox="1"/>
+          <p:nvPr/>
+        </p:nvSpPr>
+        <p:spPr>
+          <a:xfrm>
+            <a:off x="3126736" y="3089621"/>
+            <a:ext cx="803064" cy="738664"/>
+          </a:xfrm>
+          <a:prstGeom prst="rect">
+            <a:avLst/>
+          </a:prstGeom>
+          <a:noFill/>
+        </p:spPr>
+        <p:txBody>
+          <a:bodyPr wrap="square" lIns="0" tIns="0" rIns="0" bIns="0" rtlCol="0">
+            <a:spAutoFit/>
+          </a:bodyPr>
+          <a:lstStyle/>
+          <a:p>
+            <a:pPr algn="r"/>
+            <a:r>
+              <a:rPr lang="en-CA" sz="1200" i="1" dirty="0"/>
+              <a:t>Wrong password or user doesn’t exist </a:t>
+            </a:r>
+            <a:endParaRPr lang="en-US" sz="1200" i="1" dirty="0"/>
+          </a:p>
+        </p:txBody>
+      </p:sp>
+      <p:sp>
+        <p:nvSpPr>
+          <p:cNvPr id="117" name="Flowchart: Process 116">
+            <a:extLst>
+              <a:ext uri="{FF2B5EF4-FFF2-40B4-BE49-F238E27FC236}">
+                <a16:creationId xmlns:a16="http://schemas.microsoft.com/office/drawing/2014/main" id="{1E095996-0A34-4331-ABAD-3CFFB9C760D5}"/>
+              </a:ext>
+            </a:extLst>
+          </p:cNvPr>
+          <p:cNvSpPr/>
+          <p:nvPr/>
+        </p:nvSpPr>
+        <p:spPr>
+          <a:xfrm>
+            <a:off x="6457101" y="6023845"/>
+            <a:ext cx="1440494" cy="726509"/>
+          </a:xfrm>
+          <a:prstGeom prst="flowChartProcess">
+            <a:avLst/>
+          </a:prstGeom>
+        </p:spPr>
+        <p:style>
+          <a:lnRef idx="2">
+            <a:schemeClr val="accent6">
+              <a:shade val="50000"/>
+            </a:schemeClr>
+          </a:lnRef>
+          <a:fillRef idx="1">
+            <a:schemeClr val="accent6"/>
+          </a:fillRef>
+          <a:effectRef idx="0">
+            <a:schemeClr val="accent6"/>
+          </a:effectRef>
+          <a:fontRef idx="minor">
+            <a:schemeClr val="lt1"/>
+          </a:fontRef>
+        </p:style>
+        <p:txBody>
+          <a:bodyPr rtlCol="0" anchor="ctr"/>
+          <a:lstStyle/>
+          <a:p>
+            <a:pPr algn="ctr"/>
+            <a:r>
+              <a:rPr lang="en-CA" sz="1400" b="1" dirty="0"/>
+              <a:t>Create new owner in “owner” table</a:t>
+            </a:r>
+          </a:p>
+        </p:txBody>
+      </p:sp>
+      <p:sp>
+        <p:nvSpPr>
+          <p:cNvPr id="120" name="Flowchart: Process 119">
+            <a:extLst>
+              <a:ext uri="{FF2B5EF4-FFF2-40B4-BE49-F238E27FC236}">
+                <a16:creationId xmlns:a16="http://schemas.microsoft.com/office/drawing/2014/main" id="{51306B36-F494-4AEC-9F64-F6184F2BBDA2}"/>
+              </a:ext>
+            </a:extLst>
+          </p:cNvPr>
+          <p:cNvSpPr/>
+          <p:nvPr/>
+        </p:nvSpPr>
+        <p:spPr>
+          <a:xfrm>
+            <a:off x="5569944" y="8099943"/>
+            <a:ext cx="1440494" cy="726509"/>
+          </a:xfrm>
+          <a:prstGeom prst="flowChartProcess">
+            <a:avLst/>
+          </a:prstGeom>
+        </p:spPr>
+        <p:style>
+          <a:lnRef idx="2">
+            <a:schemeClr val="accent6">
+              <a:shade val="50000"/>
+            </a:schemeClr>
+          </a:lnRef>
+          <a:fillRef idx="1">
+            <a:schemeClr val="accent6"/>
+          </a:fillRef>
+          <a:effectRef idx="0">
+            <a:schemeClr val="accent6"/>
+          </a:effectRef>
+          <a:fontRef idx="minor">
+            <a:schemeClr val="lt1"/>
+          </a:fontRef>
+        </p:style>
+        <p:txBody>
+          <a:bodyPr rtlCol="0" anchor="ctr"/>
+          <a:lstStyle/>
+          <a:p>
+            <a:pPr algn="ctr"/>
+            <a:r>
+              <a:rPr lang="en-CA" sz="1400" b="1" dirty="0"/>
+              <a:t>Go to /owner/:id page</a:t>
+            </a:r>
+          </a:p>
+        </p:txBody>
+      </p:sp>
+      <p:cxnSp>
+        <p:nvCxnSpPr>
+          <p:cNvPr id="122" name="Connector: Elbow 32">
+            <a:extLst>
+              <a:ext uri="{FF2B5EF4-FFF2-40B4-BE49-F238E27FC236}">
+                <a16:creationId xmlns:a16="http://schemas.microsoft.com/office/drawing/2014/main" id="{47B71685-1A63-4F65-A353-132F80B1B327}"/>
+              </a:ext>
+            </a:extLst>
+          </p:cNvPr>
+          <p:cNvCxnSpPr>
+            <a:cxnSpLocks/>
+            <a:stCxn id="117" idx="2"/>
+            <a:endCxn id="36" idx="0"/>
+          </p:cNvCxnSpPr>
+          <p:nvPr/>
+        </p:nvCxnSpPr>
+        <p:spPr>
+          <a:xfrm rot="5400000">
+            <a:off x="6527065" y="6510207"/>
+            <a:ext cx="410137" cy="890430"/>
+          </a:xfrm>
+          <a:prstGeom prst="bentConnector3">
+            <a:avLst>
+              <a:gd name="adj1" fmla="val 50000"/>
+            </a:avLst>
+          </a:prstGeom>
+          <a:ln>
+            <a:solidFill>
+              <a:schemeClr val="tx1"/>
+            </a:solidFill>
+            <a:tailEnd type="triangle"/>
+          </a:ln>
+        </p:spPr>
+        <p:style>
+          <a:lnRef idx="1">
+            <a:schemeClr val="accent1"/>
+          </a:lnRef>
+          <a:fillRef idx="0">
+            <a:schemeClr val="accent1"/>
+          </a:fillRef>
+          <a:effectRef idx="0">
+            <a:schemeClr val="accent1"/>
+          </a:effectRef>
+          <a:fontRef idx="minor">
+            <a:schemeClr val="tx1"/>
+          </a:fontRef>
+        </p:style>
+      </p:cxnSp>
+      <p:sp>
+        <p:nvSpPr>
+          <p:cNvPr id="36" name="Flowchart: Process 35">
+            <a:extLst>
+              <a:ext uri="{FF2B5EF4-FFF2-40B4-BE49-F238E27FC236}">
+                <a16:creationId xmlns:a16="http://schemas.microsoft.com/office/drawing/2014/main" id="{5493B0DE-85A8-4F1E-B98A-A2582D94348D}"/>
+              </a:ext>
+            </a:extLst>
+          </p:cNvPr>
+          <p:cNvSpPr/>
+          <p:nvPr/>
+        </p:nvSpPr>
+        <p:spPr>
+          <a:xfrm>
+            <a:off x="5566671" y="7160491"/>
+            <a:ext cx="1440494" cy="726509"/>
+          </a:xfrm>
+          <a:prstGeom prst="flowChartProcess">
+            <a:avLst/>
+          </a:prstGeom>
+        </p:spPr>
+        <p:style>
+          <a:lnRef idx="2">
+            <a:schemeClr val="accent6">
+              <a:shade val="50000"/>
+            </a:schemeClr>
+          </a:lnRef>
+          <a:fillRef idx="1">
+            <a:schemeClr val="accent6"/>
+          </a:fillRef>
+          <a:effectRef idx="0">
+            <a:schemeClr val="accent6"/>
+          </a:effectRef>
+          <a:fontRef idx="minor">
+            <a:schemeClr val="lt1"/>
+          </a:fontRef>
+        </p:style>
+        <p:txBody>
+          <a:bodyPr rtlCol="0" anchor="ctr"/>
+          <a:lstStyle/>
+          <a:p>
+            <a:pPr algn="ctr"/>
+            <a:r>
+              <a:rPr lang="en-CA" sz="1400" b="1" dirty="0"/>
+              <a:t>Retrieve ID from “owner” table</a:t>
+            </a:r>
+          </a:p>
+        </p:txBody>
+      </p:sp>
+      <p:cxnSp>
+        <p:nvCxnSpPr>
+          <p:cNvPr id="46" name="Connector: Elbow 32">
+            <a:extLst>
+              <a:ext uri="{FF2B5EF4-FFF2-40B4-BE49-F238E27FC236}">
+                <a16:creationId xmlns:a16="http://schemas.microsoft.com/office/drawing/2014/main" id="{0CAE976F-ED36-4BF1-A936-981790CD4977}"/>
+              </a:ext>
+            </a:extLst>
+          </p:cNvPr>
+          <p:cNvCxnSpPr>
+            <a:cxnSpLocks/>
+            <a:stCxn id="36" idx="2"/>
+            <a:endCxn id="120" idx="0"/>
+          </p:cNvCxnSpPr>
+          <p:nvPr/>
+        </p:nvCxnSpPr>
+        <p:spPr>
+          <a:xfrm>
+            <a:off x="6286918" y="7887000"/>
+            <a:ext cx="3273" cy="212943"/>
+          </a:xfrm>
+          <a:prstGeom prst="straightConnector1">
+            <a:avLst/>
+          </a:prstGeom>
+          <a:ln>
+            <a:solidFill>
+              <a:schemeClr val="tx1"/>
+            </a:solidFill>
+            <a:tailEnd type="triangle"/>
+          </a:ln>
+        </p:spPr>
+        <p:style>
+          <a:lnRef idx="1">
+            <a:schemeClr val="accent1"/>
+          </a:lnRef>
+          <a:fillRef idx="0">
+            <a:schemeClr val="accent1"/>
+          </a:fillRef>
+          <a:effectRef idx="0">
+            <a:schemeClr val="accent1"/>
+          </a:effectRef>
+          <a:fontRef idx="minor">
+            <a:schemeClr val="tx1"/>
+          </a:fontRef>
+        </p:style>
+      </p:cxnSp>
+      <p:sp>
+        <p:nvSpPr>
+          <p:cNvPr id="50" name="TextBox 49">
+            <a:extLst>
+              <a:ext uri="{FF2B5EF4-FFF2-40B4-BE49-F238E27FC236}">
+                <a16:creationId xmlns:a16="http://schemas.microsoft.com/office/drawing/2014/main" id="{3BDF4260-5BEB-4E84-83EA-31C7950B7DF8}"/>
+              </a:ext>
+            </a:extLst>
+          </p:cNvPr>
+          <p:cNvSpPr txBox="1"/>
+          <p:nvPr/>
+        </p:nvSpPr>
+        <p:spPr>
+          <a:xfrm>
+            <a:off x="8222540" y="4407986"/>
+            <a:ext cx="955297" cy="553998"/>
+          </a:xfrm>
+          <a:prstGeom prst="rect">
+            <a:avLst/>
+          </a:prstGeom>
+          <a:noFill/>
+        </p:spPr>
+        <p:txBody>
+          <a:bodyPr wrap="square" lIns="0" tIns="0" rIns="0" bIns="0" rtlCol="0">
+            <a:spAutoFit/>
+          </a:bodyPr>
+          <a:lstStyle/>
+          <a:p>
+            <a:r>
+              <a:rPr lang="en-CA" sz="1200" i="1" dirty="0"/>
+              <a:t>Choose</a:t>
+            </a:r>
+          </a:p>
+          <a:p>
+            <a:r>
+              <a:rPr lang="en-CA" sz="1200" i="1" dirty="0"/>
+              <a:t>different</a:t>
+            </a:r>
+          </a:p>
+          <a:p>
+            <a:r>
+              <a:rPr lang="en-CA" sz="1200" i="1" dirty="0"/>
+              <a:t>username </a:t>
+            </a:r>
+            <a:endParaRPr lang="en-US" sz="1200" i="1" dirty="0"/>
+          </a:p>
+        </p:txBody>
+      </p:sp>
+    </p:spTree>
+    <p:extLst>
+      <p:ext uri="{BB962C8B-B14F-4D97-AF65-F5344CB8AC3E}">
+        <p14:creationId xmlns:p14="http://schemas.microsoft.com/office/powerpoint/2010/main" val="389733276"/>
       </p:ext>
     </p:extLst>
   </p:cSld>

--- a/ProjectIdea_2.pptx
+++ b/ProjectIdea_2.pptx
@@ -15,8 +15,8 @@
     <p:sldId id="261" r:id="rId6"/>
     <p:sldId id="262" r:id="rId7"/>
     <p:sldId id="263" r:id="rId8"/>
-    <p:sldId id="264" r:id="rId9"/>
-    <p:sldId id="265" r:id="rId10"/>
+    <p:sldId id="266" r:id="rId9"/>
+    <p:sldId id="267" r:id="rId10"/>
   </p:sldIdLst>
   <p:sldSz cx="12801600" cy="9601200" type="A3"/>
   <p:notesSz cx="7010400" cy="9296400"/>
@@ -16331,7 +16331,7 @@
           <a:p>
             <a:r>
               <a:rPr lang="en-CA" dirty="0"/>
-              <a:t>Modal logic - Client</a:t>
+              <a:t>Modal logic</a:t>
             </a:r>
             <a:endParaRPr lang="en-US" dirty="0"/>
           </a:p>
@@ -16351,7 +16351,7 @@
         </p:nvSpPr>
         <p:spPr>
           <a:xfrm>
-            <a:off x="5531826" y="1326584"/>
+            <a:off x="2625787" y="1326584"/>
             <a:ext cx="1440493" cy="576197"/>
           </a:xfrm>
           <a:prstGeom prst="flowChartManualOperation">
@@ -16400,7 +16400,7 @@
         </p:nvSpPr>
         <p:spPr>
           <a:xfrm>
-            <a:off x="5531825" y="2209669"/>
+            <a:off x="2625786" y="2209669"/>
             <a:ext cx="1440494" cy="726509"/>
           </a:xfrm>
           <a:prstGeom prst="flowChartProcess">
@@ -16449,7 +16449,7 @@
         </p:nvSpPr>
         <p:spPr>
           <a:xfrm>
-            <a:off x="4653940" y="3975839"/>
+            <a:off x="1747901" y="3975839"/>
             <a:ext cx="1440494" cy="864296"/>
           </a:xfrm>
           <a:prstGeom prst="flowChartDecision">
@@ -16498,7 +16498,7 @@
         </p:nvSpPr>
         <p:spPr>
           <a:xfrm>
-            <a:off x="4653941" y="3243066"/>
+            <a:off x="1747902" y="3243066"/>
             <a:ext cx="1440493" cy="576197"/>
           </a:xfrm>
           <a:prstGeom prst="flowChartManualOperation">
@@ -16547,7 +16547,7 @@
         </p:nvSpPr>
         <p:spPr>
           <a:xfrm>
-            <a:off x="4653940" y="4996711"/>
+            <a:off x="1747901" y="4996711"/>
             <a:ext cx="1440494" cy="864296"/>
           </a:xfrm>
           <a:prstGeom prst="flowChartDecision">
@@ -16607,7 +16607,7 @@
         </p:nvCxnSpPr>
         <p:spPr>
           <a:xfrm flipH="1">
-            <a:off x="6252072" y="1902781"/>
+            <a:off x="3346033" y="1902781"/>
             <a:ext cx="1" cy="306888"/>
           </a:xfrm>
           <a:prstGeom prst="straightConnector1">
@@ -16653,7 +16653,7 @@
         </p:nvCxnSpPr>
         <p:spPr>
           <a:xfrm rot="10800000" flipH="1">
-            <a:off x="4653939" y="2572925"/>
+            <a:off x="1747900" y="2572925"/>
             <a:ext cx="877885" cy="1835063"/>
           </a:xfrm>
           <a:prstGeom prst="bentConnector3">
@@ -16701,7 +16701,7 @@
         </p:nvCxnSpPr>
         <p:spPr>
           <a:xfrm rot="10800000" flipH="1">
-            <a:off x="4653939" y="2572925"/>
+            <a:off x="1747900" y="2572925"/>
             <a:ext cx="877885" cy="2855935"/>
           </a:xfrm>
           <a:prstGeom prst="bentConnector3">
@@ -16749,7 +16749,7 @@
         </p:nvCxnSpPr>
         <p:spPr>
           <a:xfrm rot="5400000">
-            <a:off x="5659686" y="2650680"/>
+            <a:off x="2753647" y="2650680"/>
             <a:ext cx="306888" cy="877884"/>
           </a:xfrm>
           <a:prstGeom prst="bentConnector3">
@@ -16797,7 +16797,7 @@
         </p:nvCxnSpPr>
         <p:spPr>
           <a:xfrm flipH="1">
-            <a:off x="5374187" y="3819263"/>
+            <a:off x="2468148" y="3819263"/>
             <a:ext cx="1" cy="156576"/>
           </a:xfrm>
           <a:prstGeom prst="straightConnector1">
@@ -16843,7 +16843,7 @@
         </p:nvCxnSpPr>
         <p:spPr>
           <a:xfrm>
-            <a:off x="5374187" y="4840135"/>
+            <a:off x="2468148" y="4840135"/>
             <a:ext cx="0" cy="156576"/>
           </a:xfrm>
           <a:prstGeom prst="straightConnector1">
@@ -16885,7 +16885,7 @@
         </p:nvSpPr>
         <p:spPr>
           <a:xfrm>
-            <a:off x="4358865" y="4223321"/>
+            <a:off x="1452826" y="4223321"/>
             <a:ext cx="205184" cy="184666"/>
           </a:xfrm>
           <a:prstGeom prst="rect">
@@ -16922,7 +16922,7 @@
         </p:nvSpPr>
         <p:spPr>
           <a:xfrm>
-            <a:off x="4358865" y="5244193"/>
+            <a:off x="1452826" y="5244193"/>
             <a:ext cx="205184" cy="184666"/>
           </a:xfrm>
           <a:prstGeom prst="rect">
@@ -16959,7 +16959,7 @@
         </p:nvSpPr>
         <p:spPr>
           <a:xfrm>
-            <a:off x="5453595" y="4839837"/>
+            <a:off x="2547556" y="4839837"/>
             <a:ext cx="226152" cy="184666"/>
           </a:xfrm>
           <a:prstGeom prst="rect">
@@ -16996,7 +16996,7 @@
         </p:nvSpPr>
         <p:spPr>
           <a:xfrm>
-            <a:off x="5453595" y="5861007"/>
+            <a:off x="2547556" y="5861007"/>
             <a:ext cx="226152" cy="184666"/>
           </a:xfrm>
           <a:prstGeom prst="rect">
@@ -17033,7 +17033,7 @@
         </p:nvSpPr>
         <p:spPr>
           <a:xfrm>
-            <a:off x="6457101" y="3243066"/>
+            <a:off x="3551062" y="3243066"/>
             <a:ext cx="1440493" cy="576197"/>
           </a:xfrm>
           <a:prstGeom prst="flowChartManualOperation">
@@ -17093,7 +17093,7 @@
         </p:nvCxnSpPr>
         <p:spPr>
           <a:xfrm rot="16200000" flipH="1">
-            <a:off x="6561266" y="2626984"/>
+            <a:off x="3655227" y="2626984"/>
             <a:ext cx="306888" cy="925276"/>
           </a:xfrm>
           <a:prstGeom prst="bentConnector3">
@@ -17137,7 +17137,7 @@
         </p:nvSpPr>
         <p:spPr>
           <a:xfrm>
-            <a:off x="6457101" y="4044732"/>
+            <a:off x="3551062" y="4044732"/>
             <a:ext cx="1440494" cy="726509"/>
           </a:xfrm>
           <a:prstGeom prst="flowChartProcess">
@@ -17186,7 +17186,7 @@
         </p:nvSpPr>
         <p:spPr>
           <a:xfrm>
-            <a:off x="6457100" y="4996710"/>
+            <a:off x="3551061" y="4996710"/>
             <a:ext cx="1440494" cy="864296"/>
           </a:xfrm>
           <a:prstGeom prst="flowChartDecision">
@@ -17239,7 +17239,7 @@
         </p:nvCxnSpPr>
         <p:spPr>
           <a:xfrm>
-            <a:off x="7177347" y="5861006"/>
+            <a:off x="4271308" y="5861006"/>
             <a:ext cx="1" cy="162839"/>
           </a:xfrm>
           <a:prstGeom prst="straightConnector1">
@@ -17281,7 +17281,7 @@
         </p:nvSpPr>
         <p:spPr>
           <a:xfrm>
-            <a:off x="8194115" y="5301641"/>
+            <a:off x="5288076" y="5301641"/>
             <a:ext cx="232497" cy="184666"/>
           </a:xfrm>
           <a:prstGeom prst="rect">
@@ -17318,7 +17318,7 @@
         </p:nvSpPr>
         <p:spPr>
           <a:xfrm>
-            <a:off x="7267239" y="5860708"/>
+            <a:off x="4361200" y="5860708"/>
             <a:ext cx="205184" cy="184666"/>
           </a:xfrm>
           <a:prstGeom prst="rect">
@@ -17359,7 +17359,7 @@
         </p:nvCxnSpPr>
         <p:spPr>
           <a:xfrm>
-            <a:off x="7177348" y="3819263"/>
+            <a:off x="4271309" y="3819263"/>
             <a:ext cx="0" cy="225469"/>
           </a:xfrm>
           <a:prstGeom prst="straightConnector1">
@@ -17405,7 +17405,7 @@
         </p:nvCxnSpPr>
         <p:spPr>
           <a:xfrm flipH="1">
-            <a:off x="7177347" y="4771241"/>
+            <a:off x="4271308" y="4771241"/>
             <a:ext cx="1" cy="225469"/>
           </a:xfrm>
           <a:prstGeom prst="straightConnector1">
@@ -17451,7 +17451,7 @@
         </p:nvCxnSpPr>
         <p:spPr>
           <a:xfrm flipV="1">
-            <a:off x="7897594" y="4407987"/>
+            <a:off x="4991555" y="4407987"/>
             <a:ext cx="1" cy="1020871"/>
           </a:xfrm>
           <a:prstGeom prst="bentConnector3">
@@ -17495,7 +17495,7 @@
         </p:nvSpPr>
         <p:spPr>
           <a:xfrm>
-            <a:off x="8222540" y="4407986"/>
+            <a:off x="5316501" y="4407986"/>
             <a:ext cx="955297" cy="553998"/>
           </a:xfrm>
           <a:prstGeom prst="rect">
@@ -17543,7 +17543,7 @@
         </p:nvSpPr>
         <p:spPr>
           <a:xfrm>
-            <a:off x="3126736" y="3089621"/>
+            <a:off x="220697" y="3089621"/>
             <a:ext cx="803064" cy="738664"/>
           </a:xfrm>
           <a:prstGeom prst="rect">
@@ -17580,7 +17580,7 @@
         </p:nvSpPr>
         <p:spPr>
           <a:xfrm>
-            <a:off x="6457101" y="6023845"/>
+            <a:off x="3551062" y="6023845"/>
             <a:ext cx="1440494" cy="726509"/>
           </a:xfrm>
           <a:prstGeom prst="flowChartProcess">
@@ -17633,7 +17633,7 @@
         </p:nvCxnSpPr>
         <p:spPr>
           <a:xfrm rot="16200000" flipH="1">
-            <a:off x="5180810" y="6054383"/>
+            <a:off x="2274771" y="6054383"/>
             <a:ext cx="1299484" cy="912731"/>
           </a:xfrm>
           <a:prstGeom prst="bentConnector3">
@@ -17677,7 +17677,7 @@
         </p:nvSpPr>
         <p:spPr>
           <a:xfrm>
-            <a:off x="5569944" y="8099943"/>
+            <a:off x="2663905" y="8099943"/>
             <a:ext cx="1440494" cy="726509"/>
           </a:xfrm>
           <a:prstGeom prst="flowChartProcess">
@@ -17730,7 +17730,7 @@
         </p:nvCxnSpPr>
         <p:spPr>
           <a:xfrm rot="5400000">
-            <a:off x="6527065" y="6510207"/>
+            <a:off x="3621026" y="6510207"/>
             <a:ext cx="410137" cy="890430"/>
           </a:xfrm>
           <a:prstGeom prst="bentConnector3">
@@ -17774,7 +17774,7 @@
         </p:nvSpPr>
         <p:spPr>
           <a:xfrm>
-            <a:off x="5566671" y="7160491"/>
+            <a:off x="2660632" y="7160491"/>
             <a:ext cx="1440494" cy="726509"/>
           </a:xfrm>
           <a:prstGeom prst="flowChartProcess">
@@ -17827,7 +17827,7 @@
         </p:nvCxnSpPr>
         <p:spPr>
           <a:xfrm>
-            <a:off x="6286918" y="7887000"/>
+            <a:off x="3380879" y="7887000"/>
             <a:ext cx="3273" cy="212943"/>
           </a:xfrm>
           <a:prstGeom prst="straightConnector1">
@@ -17855,10 +17855,1549 @@
           </a:fontRef>
         </p:style>
       </p:cxnSp>
+      <p:sp>
+        <p:nvSpPr>
+          <p:cNvPr id="36" name="Flowchart: Manual Operation 35">
+            <a:extLst>
+              <a:ext uri="{FF2B5EF4-FFF2-40B4-BE49-F238E27FC236}">
+                <a16:creationId xmlns:a16="http://schemas.microsoft.com/office/drawing/2014/main" id="{0D85FD96-3448-4655-869C-6D3AEB5F4E51}"/>
+              </a:ext>
+            </a:extLst>
+          </p:cNvPr>
+          <p:cNvSpPr/>
+          <p:nvPr/>
+        </p:nvSpPr>
+        <p:spPr>
+          <a:xfrm>
+            <a:off x="8530292" y="1326584"/>
+            <a:ext cx="1440493" cy="576197"/>
+          </a:xfrm>
+          <a:prstGeom prst="flowChartManualOperation">
+            <a:avLst/>
+          </a:prstGeom>
+        </p:spPr>
+        <p:style>
+          <a:lnRef idx="2">
+            <a:schemeClr val="accent6">
+              <a:shade val="50000"/>
+            </a:schemeClr>
+          </a:lnRef>
+          <a:fillRef idx="1">
+            <a:schemeClr val="accent6"/>
+          </a:fillRef>
+          <a:effectRef idx="0">
+            <a:schemeClr val="accent6"/>
+          </a:effectRef>
+          <a:fontRef idx="minor">
+            <a:schemeClr val="lt1"/>
+          </a:fontRef>
+        </p:style>
+        <p:txBody>
+          <a:bodyPr wrap="none" lIns="0" tIns="0" rIns="0" bIns="0" rtlCol="0" anchor="ctr"/>
+          <a:lstStyle/>
+          <a:p>
+            <a:pPr algn="ctr"/>
+            <a:r>
+              <a:rPr lang="en-CA" sz="1400" b="1" dirty="0"/>
+              <a:t>“OWNER LOG</a:t>
+            </a:r>
+          </a:p>
+          <a:p>
+            <a:pPr algn="ctr"/>
+            <a:r>
+              <a:rPr lang="en-CA" sz="1400" b="1" dirty="0"/>
+              <a:t>IN” is clicked</a:t>
+            </a:r>
+          </a:p>
+        </p:txBody>
+      </p:sp>
+      <p:sp>
+        <p:nvSpPr>
+          <p:cNvPr id="37" name="Flowchart: Process 36">
+            <a:extLst>
+              <a:ext uri="{FF2B5EF4-FFF2-40B4-BE49-F238E27FC236}">
+                <a16:creationId xmlns:a16="http://schemas.microsoft.com/office/drawing/2014/main" id="{B364FEAB-68A5-470E-A6C6-6A7A4ABFEA59}"/>
+              </a:ext>
+            </a:extLst>
+          </p:cNvPr>
+          <p:cNvSpPr/>
+          <p:nvPr/>
+        </p:nvSpPr>
+        <p:spPr>
+          <a:xfrm>
+            <a:off x="8530291" y="2209669"/>
+            <a:ext cx="1440494" cy="726509"/>
+          </a:xfrm>
+          <a:prstGeom prst="flowChartProcess">
+            <a:avLst/>
+          </a:prstGeom>
+        </p:spPr>
+        <p:style>
+          <a:lnRef idx="2">
+            <a:schemeClr val="accent6">
+              <a:shade val="50000"/>
+            </a:schemeClr>
+          </a:lnRef>
+          <a:fillRef idx="1">
+            <a:schemeClr val="accent6"/>
+          </a:fillRef>
+          <a:effectRef idx="0">
+            <a:schemeClr val="accent6"/>
+          </a:effectRef>
+          <a:fontRef idx="minor">
+            <a:schemeClr val="lt1"/>
+          </a:fontRef>
+        </p:style>
+        <p:txBody>
+          <a:bodyPr rtlCol="0" anchor="ctr"/>
+          <a:lstStyle/>
+          <a:p>
+            <a:pPr algn="ctr"/>
+            <a:r>
+              <a:rPr lang="en-CA" sz="1400" b="1" dirty="0"/>
+              <a:t>Present “owner” modal</a:t>
+            </a:r>
+          </a:p>
+        </p:txBody>
+      </p:sp>
+      <p:sp>
+        <p:nvSpPr>
+          <p:cNvPr id="39" name="Flowchart: Decision 38">
+            <a:extLst>
+              <a:ext uri="{FF2B5EF4-FFF2-40B4-BE49-F238E27FC236}">
+                <a16:creationId xmlns:a16="http://schemas.microsoft.com/office/drawing/2014/main" id="{B808F635-6285-4B18-AB16-963A2420A1FE}"/>
+              </a:ext>
+            </a:extLst>
+          </p:cNvPr>
+          <p:cNvSpPr/>
+          <p:nvPr/>
+        </p:nvSpPr>
+        <p:spPr>
+          <a:xfrm>
+            <a:off x="7652406" y="3975839"/>
+            <a:ext cx="1440494" cy="864296"/>
+          </a:xfrm>
+          <a:prstGeom prst="flowChartDecision">
+            <a:avLst/>
+          </a:prstGeom>
+        </p:spPr>
+        <p:style>
+          <a:lnRef idx="2">
+            <a:schemeClr val="accent6">
+              <a:shade val="50000"/>
+            </a:schemeClr>
+          </a:lnRef>
+          <a:fillRef idx="1">
+            <a:schemeClr val="accent6"/>
+          </a:fillRef>
+          <a:effectRef idx="0">
+            <a:schemeClr val="accent6"/>
+          </a:effectRef>
+          <a:fontRef idx="minor">
+            <a:schemeClr val="lt1"/>
+          </a:fontRef>
+        </p:style>
+        <p:txBody>
+          <a:bodyPr wrap="none" lIns="0" tIns="0" rIns="0" bIns="0" rtlCol="0" anchor="ctr"/>
+          <a:lstStyle/>
+          <a:p>
+            <a:pPr algn="ctr"/>
+            <a:r>
+              <a:rPr lang="en-CA" sz="1400" b="1" dirty="0"/>
+              <a:t>Check if</a:t>
+            </a:r>
+          </a:p>
+          <a:p>
+            <a:pPr algn="ctr"/>
+            <a:r>
+              <a:rPr lang="en-CA" sz="1400" b="1" dirty="0"/>
+              <a:t>user exist</a:t>
+            </a:r>
+          </a:p>
+        </p:txBody>
+      </p:sp>
+      <p:sp>
+        <p:nvSpPr>
+          <p:cNvPr id="40" name="Flowchart: Manual Operation 39">
+            <a:extLst>
+              <a:ext uri="{FF2B5EF4-FFF2-40B4-BE49-F238E27FC236}">
+                <a16:creationId xmlns:a16="http://schemas.microsoft.com/office/drawing/2014/main" id="{DA193CF5-3513-49AE-929F-9398EFDA8351}"/>
+              </a:ext>
+            </a:extLst>
+          </p:cNvPr>
+          <p:cNvSpPr/>
+          <p:nvPr/>
+        </p:nvSpPr>
+        <p:spPr>
+          <a:xfrm>
+            <a:off x="7652407" y="3243066"/>
+            <a:ext cx="1440493" cy="576197"/>
+          </a:xfrm>
+          <a:prstGeom prst="flowChartManualOperation">
+            <a:avLst/>
+          </a:prstGeom>
+        </p:spPr>
+        <p:style>
+          <a:lnRef idx="2">
+            <a:schemeClr val="accent6">
+              <a:shade val="50000"/>
+            </a:schemeClr>
+          </a:lnRef>
+          <a:fillRef idx="1">
+            <a:schemeClr val="accent6"/>
+          </a:fillRef>
+          <a:effectRef idx="0">
+            <a:schemeClr val="accent6"/>
+          </a:effectRef>
+          <a:fontRef idx="minor">
+            <a:schemeClr val="lt1"/>
+          </a:fontRef>
+        </p:style>
+        <p:txBody>
+          <a:bodyPr lIns="0" tIns="0" rIns="0" bIns="0" rtlCol="0" anchor="ctr"/>
+          <a:lstStyle/>
+          <a:p>
+            <a:pPr algn="ctr"/>
+            <a:r>
+              <a:rPr lang="en-CA" sz="1400" b="1" dirty="0"/>
+              <a:t>“LOG IN” is clicked</a:t>
+            </a:r>
+          </a:p>
+        </p:txBody>
+      </p:sp>
+      <p:sp>
+        <p:nvSpPr>
+          <p:cNvPr id="42" name="Flowchart: Decision 41">
+            <a:extLst>
+              <a:ext uri="{FF2B5EF4-FFF2-40B4-BE49-F238E27FC236}">
+                <a16:creationId xmlns:a16="http://schemas.microsoft.com/office/drawing/2014/main" id="{9C3FA0AC-B5E3-423C-8741-35F73B1AE7AF}"/>
+              </a:ext>
+            </a:extLst>
+          </p:cNvPr>
+          <p:cNvSpPr/>
+          <p:nvPr/>
+        </p:nvSpPr>
+        <p:spPr>
+          <a:xfrm>
+            <a:off x="7652406" y="4996711"/>
+            <a:ext cx="1440494" cy="864296"/>
+          </a:xfrm>
+          <a:prstGeom prst="flowChartDecision">
+            <a:avLst/>
+          </a:prstGeom>
+        </p:spPr>
+        <p:style>
+          <a:lnRef idx="2">
+            <a:schemeClr val="accent6">
+              <a:shade val="50000"/>
+            </a:schemeClr>
+          </a:lnRef>
+          <a:fillRef idx="1">
+            <a:schemeClr val="accent6"/>
+          </a:fillRef>
+          <a:effectRef idx="0">
+            <a:schemeClr val="accent6"/>
+          </a:effectRef>
+          <a:fontRef idx="minor">
+            <a:schemeClr val="lt1"/>
+          </a:fontRef>
+        </p:style>
+        <p:txBody>
+          <a:bodyPr lIns="0" tIns="0" rIns="0" bIns="0" rtlCol="0" anchor="ctr"/>
+          <a:lstStyle/>
+          <a:p>
+            <a:pPr algn="ctr"/>
+            <a:r>
+              <a:rPr lang="en-CA" sz="1400" b="1" dirty="0"/>
+              <a:t>Check </a:t>
+            </a:r>
+          </a:p>
+          <a:p>
+            <a:pPr algn="ctr"/>
+            <a:r>
+              <a:rPr lang="en-CA" sz="1400" b="1" dirty="0"/>
+              <a:t>password</a:t>
+            </a:r>
+          </a:p>
+        </p:txBody>
+      </p:sp>
+      <p:cxnSp>
+        <p:nvCxnSpPr>
+          <p:cNvPr id="43" name="Connector: Elbow 32">
+            <a:extLst>
+              <a:ext uri="{FF2B5EF4-FFF2-40B4-BE49-F238E27FC236}">
+                <a16:creationId xmlns:a16="http://schemas.microsoft.com/office/drawing/2014/main" id="{8236C7B8-2BE7-4DCD-8B3C-ED9AE64FC9AA}"/>
+              </a:ext>
+            </a:extLst>
+          </p:cNvPr>
+          <p:cNvCxnSpPr>
+            <a:cxnSpLocks/>
+            <a:stCxn id="36" idx="2"/>
+            <a:endCxn id="37" idx="0"/>
+          </p:cNvCxnSpPr>
+          <p:nvPr/>
+        </p:nvCxnSpPr>
+        <p:spPr>
+          <a:xfrm flipH="1">
+            <a:off x="9250538" y="1902781"/>
+            <a:ext cx="1" cy="306888"/>
+          </a:xfrm>
+          <a:prstGeom prst="straightConnector1">
+            <a:avLst/>
+          </a:prstGeom>
+          <a:ln>
+            <a:solidFill>
+              <a:schemeClr val="tx1"/>
+            </a:solidFill>
+            <a:tailEnd type="triangle"/>
+          </a:ln>
+        </p:spPr>
+        <p:style>
+          <a:lnRef idx="1">
+            <a:schemeClr val="accent1"/>
+          </a:lnRef>
+          <a:fillRef idx="0">
+            <a:schemeClr val="accent1"/>
+          </a:fillRef>
+          <a:effectRef idx="0">
+            <a:schemeClr val="accent1"/>
+          </a:effectRef>
+          <a:fontRef idx="minor">
+            <a:schemeClr val="tx1"/>
+          </a:fontRef>
+        </p:style>
+      </p:cxnSp>
+      <p:cxnSp>
+        <p:nvCxnSpPr>
+          <p:cNvPr id="44" name="Connector: Elbow 43">
+            <a:extLst>
+              <a:ext uri="{FF2B5EF4-FFF2-40B4-BE49-F238E27FC236}">
+                <a16:creationId xmlns:a16="http://schemas.microsoft.com/office/drawing/2014/main" id="{6BADAE9F-E51F-443C-B3B0-3A1560285732}"/>
+              </a:ext>
+            </a:extLst>
+          </p:cNvPr>
+          <p:cNvCxnSpPr>
+            <a:cxnSpLocks/>
+            <a:stCxn id="39" idx="1"/>
+            <a:endCxn id="37" idx="1"/>
+          </p:cNvCxnSpPr>
+          <p:nvPr/>
+        </p:nvCxnSpPr>
+        <p:spPr>
+          <a:xfrm rot="10800000" flipH="1">
+            <a:off x="7652405" y="2572925"/>
+            <a:ext cx="877885" cy="1835063"/>
+          </a:xfrm>
+          <a:prstGeom prst="bentConnector3">
+            <a:avLst>
+              <a:gd name="adj1" fmla="val -74865"/>
+            </a:avLst>
+          </a:prstGeom>
+          <a:ln>
+            <a:solidFill>
+              <a:schemeClr val="tx1"/>
+            </a:solidFill>
+            <a:tailEnd type="triangle"/>
+          </a:ln>
+        </p:spPr>
+        <p:style>
+          <a:lnRef idx="1">
+            <a:schemeClr val="accent1"/>
+          </a:lnRef>
+          <a:fillRef idx="0">
+            <a:schemeClr val="accent1"/>
+          </a:fillRef>
+          <a:effectRef idx="0">
+            <a:schemeClr val="accent1"/>
+          </a:effectRef>
+          <a:fontRef idx="minor">
+            <a:schemeClr val="tx1"/>
+          </a:fontRef>
+        </p:style>
+      </p:cxnSp>
+      <p:cxnSp>
+        <p:nvCxnSpPr>
+          <p:cNvPr id="45" name="Connector: Elbow 44">
+            <a:extLst>
+              <a:ext uri="{FF2B5EF4-FFF2-40B4-BE49-F238E27FC236}">
+                <a16:creationId xmlns:a16="http://schemas.microsoft.com/office/drawing/2014/main" id="{CC3B0877-C3A0-4A2E-A582-BBA869809551}"/>
+              </a:ext>
+            </a:extLst>
+          </p:cNvPr>
+          <p:cNvCxnSpPr>
+            <a:cxnSpLocks/>
+            <a:stCxn id="42" idx="1"/>
+            <a:endCxn id="37" idx="1"/>
+          </p:cNvCxnSpPr>
+          <p:nvPr/>
+        </p:nvCxnSpPr>
+        <p:spPr>
+          <a:xfrm rot="10800000" flipH="1">
+            <a:off x="7652405" y="2572925"/>
+            <a:ext cx="877885" cy="2855935"/>
+          </a:xfrm>
+          <a:prstGeom prst="bentConnector3">
+            <a:avLst>
+              <a:gd name="adj1" fmla="val -74865"/>
+            </a:avLst>
+          </a:prstGeom>
+          <a:ln>
+            <a:solidFill>
+              <a:schemeClr val="tx1"/>
+            </a:solidFill>
+            <a:tailEnd type="triangle"/>
+          </a:ln>
+        </p:spPr>
+        <p:style>
+          <a:lnRef idx="1">
+            <a:schemeClr val="accent1"/>
+          </a:lnRef>
+          <a:fillRef idx="0">
+            <a:schemeClr val="accent1"/>
+          </a:fillRef>
+          <a:effectRef idx="0">
+            <a:schemeClr val="accent1"/>
+          </a:effectRef>
+          <a:fontRef idx="minor">
+            <a:schemeClr val="tx1"/>
+          </a:fontRef>
+        </p:style>
+      </p:cxnSp>
+      <p:cxnSp>
+        <p:nvCxnSpPr>
+          <p:cNvPr id="46" name="Connector: Elbow 32">
+            <a:extLst>
+              <a:ext uri="{FF2B5EF4-FFF2-40B4-BE49-F238E27FC236}">
+                <a16:creationId xmlns:a16="http://schemas.microsoft.com/office/drawing/2014/main" id="{B2F32A8C-CCBC-4D98-BD5D-5F8A63AFF90B}"/>
+              </a:ext>
+            </a:extLst>
+          </p:cNvPr>
+          <p:cNvCxnSpPr>
+            <a:cxnSpLocks/>
+            <a:stCxn id="37" idx="2"/>
+            <a:endCxn id="40" idx="0"/>
+          </p:cNvCxnSpPr>
+          <p:nvPr/>
+        </p:nvCxnSpPr>
+        <p:spPr>
+          <a:xfrm rot="5400000">
+            <a:off x="8658152" y="2650680"/>
+            <a:ext cx="306888" cy="877884"/>
+          </a:xfrm>
+          <a:prstGeom prst="bentConnector3">
+            <a:avLst>
+              <a:gd name="adj1" fmla="val 50000"/>
+            </a:avLst>
+          </a:prstGeom>
+          <a:ln>
+            <a:solidFill>
+              <a:schemeClr val="tx1"/>
+            </a:solidFill>
+            <a:tailEnd type="triangle"/>
+          </a:ln>
+        </p:spPr>
+        <p:style>
+          <a:lnRef idx="1">
+            <a:schemeClr val="accent1"/>
+          </a:lnRef>
+          <a:fillRef idx="0">
+            <a:schemeClr val="accent1"/>
+          </a:fillRef>
+          <a:effectRef idx="0">
+            <a:schemeClr val="accent1"/>
+          </a:effectRef>
+          <a:fontRef idx="minor">
+            <a:schemeClr val="tx1"/>
+          </a:fontRef>
+        </p:style>
+      </p:cxnSp>
+      <p:cxnSp>
+        <p:nvCxnSpPr>
+          <p:cNvPr id="47" name="Connector: Elbow 32">
+            <a:extLst>
+              <a:ext uri="{FF2B5EF4-FFF2-40B4-BE49-F238E27FC236}">
+                <a16:creationId xmlns:a16="http://schemas.microsoft.com/office/drawing/2014/main" id="{DA45C421-66C9-49CE-865E-42EF4B01FA80}"/>
+              </a:ext>
+            </a:extLst>
+          </p:cNvPr>
+          <p:cNvCxnSpPr>
+            <a:cxnSpLocks/>
+            <a:stCxn id="40" idx="2"/>
+            <a:endCxn id="39" idx="0"/>
+          </p:cNvCxnSpPr>
+          <p:nvPr/>
+        </p:nvCxnSpPr>
+        <p:spPr>
+          <a:xfrm flipH="1">
+            <a:off x="8372653" y="3819263"/>
+            <a:ext cx="1" cy="156576"/>
+          </a:xfrm>
+          <a:prstGeom prst="straightConnector1">
+            <a:avLst/>
+          </a:prstGeom>
+          <a:ln>
+            <a:solidFill>
+              <a:schemeClr val="tx1"/>
+            </a:solidFill>
+            <a:tailEnd type="triangle"/>
+          </a:ln>
+        </p:spPr>
+        <p:style>
+          <a:lnRef idx="1">
+            <a:schemeClr val="accent1"/>
+          </a:lnRef>
+          <a:fillRef idx="0">
+            <a:schemeClr val="accent1"/>
+          </a:fillRef>
+          <a:effectRef idx="0">
+            <a:schemeClr val="accent1"/>
+          </a:effectRef>
+          <a:fontRef idx="minor">
+            <a:schemeClr val="tx1"/>
+          </a:fontRef>
+        </p:style>
+      </p:cxnSp>
+      <p:cxnSp>
+        <p:nvCxnSpPr>
+          <p:cNvPr id="48" name="Connector: Elbow 32">
+            <a:extLst>
+              <a:ext uri="{FF2B5EF4-FFF2-40B4-BE49-F238E27FC236}">
+                <a16:creationId xmlns:a16="http://schemas.microsoft.com/office/drawing/2014/main" id="{9B0CE521-1802-49A8-8114-407467E50FF4}"/>
+              </a:ext>
+            </a:extLst>
+          </p:cNvPr>
+          <p:cNvCxnSpPr>
+            <a:cxnSpLocks/>
+            <a:stCxn id="39" idx="2"/>
+            <a:endCxn id="42" idx="0"/>
+          </p:cNvCxnSpPr>
+          <p:nvPr/>
+        </p:nvCxnSpPr>
+        <p:spPr>
+          <a:xfrm>
+            <a:off x="8372653" y="4840135"/>
+            <a:ext cx="0" cy="156576"/>
+          </a:xfrm>
+          <a:prstGeom prst="straightConnector1">
+            <a:avLst/>
+          </a:prstGeom>
+          <a:ln>
+            <a:solidFill>
+              <a:schemeClr val="tx1"/>
+            </a:solidFill>
+            <a:tailEnd type="triangle"/>
+          </a:ln>
+        </p:spPr>
+        <p:style>
+          <a:lnRef idx="1">
+            <a:schemeClr val="accent1"/>
+          </a:lnRef>
+          <a:fillRef idx="0">
+            <a:schemeClr val="accent1"/>
+          </a:fillRef>
+          <a:effectRef idx="0">
+            <a:schemeClr val="accent1"/>
+          </a:effectRef>
+          <a:fontRef idx="minor">
+            <a:schemeClr val="tx1"/>
+          </a:fontRef>
+        </p:style>
+      </p:cxnSp>
+      <p:sp>
+        <p:nvSpPr>
+          <p:cNvPr id="49" name="TextBox 48">
+            <a:extLst>
+              <a:ext uri="{FF2B5EF4-FFF2-40B4-BE49-F238E27FC236}">
+                <a16:creationId xmlns:a16="http://schemas.microsoft.com/office/drawing/2014/main" id="{D4284CBE-E419-4F34-BBAA-E60D202C351D}"/>
+              </a:ext>
+            </a:extLst>
+          </p:cNvPr>
+          <p:cNvSpPr txBox="1"/>
+          <p:nvPr/>
+        </p:nvSpPr>
+        <p:spPr>
+          <a:xfrm>
+            <a:off x="7357331" y="4223321"/>
+            <a:ext cx="205184" cy="184666"/>
+          </a:xfrm>
+          <a:prstGeom prst="rect">
+            <a:avLst/>
+          </a:prstGeom>
+          <a:noFill/>
+        </p:spPr>
+        <p:txBody>
+          <a:bodyPr wrap="none" lIns="0" tIns="0" rIns="0" bIns="0" rtlCol="0">
+            <a:spAutoFit/>
+          </a:bodyPr>
+          <a:lstStyle/>
+          <a:p>
+            <a:pPr algn="ctr"/>
+            <a:r>
+              <a:rPr lang="en-CA" sz="1200" b="1" dirty="0"/>
+              <a:t>NO</a:t>
+            </a:r>
+            <a:endParaRPr lang="en-US" sz="1200" b="1" dirty="0"/>
+          </a:p>
+        </p:txBody>
+      </p:sp>
+      <p:sp>
+        <p:nvSpPr>
+          <p:cNvPr id="50" name="TextBox 49">
+            <a:extLst>
+              <a:ext uri="{FF2B5EF4-FFF2-40B4-BE49-F238E27FC236}">
+                <a16:creationId xmlns:a16="http://schemas.microsoft.com/office/drawing/2014/main" id="{04C360B5-47D4-4477-9AD8-5C7A415207BF}"/>
+              </a:ext>
+            </a:extLst>
+          </p:cNvPr>
+          <p:cNvSpPr txBox="1"/>
+          <p:nvPr/>
+        </p:nvSpPr>
+        <p:spPr>
+          <a:xfrm>
+            <a:off x="7357331" y="5244193"/>
+            <a:ext cx="205184" cy="184666"/>
+          </a:xfrm>
+          <a:prstGeom prst="rect">
+            <a:avLst/>
+          </a:prstGeom>
+          <a:noFill/>
+        </p:spPr>
+        <p:txBody>
+          <a:bodyPr wrap="none" lIns="0" tIns="0" rIns="0" bIns="0" rtlCol="0">
+            <a:spAutoFit/>
+          </a:bodyPr>
+          <a:lstStyle/>
+          <a:p>
+            <a:pPr algn="ctr"/>
+            <a:r>
+              <a:rPr lang="en-CA" sz="1200" b="1" dirty="0"/>
+              <a:t>NO</a:t>
+            </a:r>
+            <a:endParaRPr lang="en-US" sz="1200" b="1" dirty="0"/>
+          </a:p>
+        </p:txBody>
+      </p:sp>
+      <p:sp>
+        <p:nvSpPr>
+          <p:cNvPr id="54" name="TextBox 53">
+            <a:extLst>
+              <a:ext uri="{FF2B5EF4-FFF2-40B4-BE49-F238E27FC236}">
+                <a16:creationId xmlns:a16="http://schemas.microsoft.com/office/drawing/2014/main" id="{D5EE5CAF-54F0-465D-A86C-CD6A460162B7}"/>
+              </a:ext>
+            </a:extLst>
+          </p:cNvPr>
+          <p:cNvSpPr txBox="1"/>
+          <p:nvPr/>
+        </p:nvSpPr>
+        <p:spPr>
+          <a:xfrm>
+            <a:off x="8452061" y="4839837"/>
+            <a:ext cx="226152" cy="184666"/>
+          </a:xfrm>
+          <a:prstGeom prst="rect">
+            <a:avLst/>
+          </a:prstGeom>
+          <a:noFill/>
+        </p:spPr>
+        <p:txBody>
+          <a:bodyPr wrap="none" lIns="0" tIns="0" rIns="0" bIns="0" rtlCol="0">
+            <a:spAutoFit/>
+          </a:bodyPr>
+          <a:lstStyle/>
+          <a:p>
+            <a:pPr algn="ctr"/>
+            <a:r>
+              <a:rPr lang="en-CA" sz="1200" b="1" dirty="0"/>
+              <a:t>YES</a:t>
+            </a:r>
+            <a:endParaRPr lang="en-US" sz="1200" b="1" dirty="0"/>
+          </a:p>
+        </p:txBody>
+      </p:sp>
+      <p:cxnSp>
+        <p:nvCxnSpPr>
+          <p:cNvPr id="55" name="Connector: Elbow 32">
+            <a:extLst>
+              <a:ext uri="{FF2B5EF4-FFF2-40B4-BE49-F238E27FC236}">
+                <a16:creationId xmlns:a16="http://schemas.microsoft.com/office/drawing/2014/main" id="{CFBBFE3B-BC17-4DBB-BDE3-ED3EB15BE5F7}"/>
+              </a:ext>
+            </a:extLst>
+          </p:cNvPr>
+          <p:cNvCxnSpPr>
+            <a:cxnSpLocks/>
+            <a:stCxn id="42" idx="2"/>
+            <a:endCxn id="77" idx="0"/>
+          </p:cNvCxnSpPr>
+          <p:nvPr/>
+        </p:nvCxnSpPr>
+        <p:spPr>
+          <a:xfrm rot="16200000" flipH="1">
+            <a:off x="8179276" y="6054383"/>
+            <a:ext cx="1299484" cy="912731"/>
+          </a:xfrm>
+          <a:prstGeom prst="bentConnector3">
+            <a:avLst>
+              <a:gd name="adj1" fmla="val 84010"/>
+            </a:avLst>
+          </a:prstGeom>
+          <a:ln>
+            <a:solidFill>
+              <a:schemeClr val="tx1"/>
+            </a:solidFill>
+            <a:tailEnd type="triangle"/>
+          </a:ln>
+        </p:spPr>
+        <p:style>
+          <a:lnRef idx="1">
+            <a:schemeClr val="accent1"/>
+          </a:lnRef>
+          <a:fillRef idx="0">
+            <a:schemeClr val="accent1"/>
+          </a:fillRef>
+          <a:effectRef idx="0">
+            <a:schemeClr val="accent1"/>
+          </a:effectRef>
+          <a:fontRef idx="minor">
+            <a:schemeClr val="tx1"/>
+          </a:fontRef>
+        </p:style>
+      </p:cxnSp>
+      <p:sp>
+        <p:nvSpPr>
+          <p:cNvPr id="56" name="TextBox 55">
+            <a:extLst>
+              <a:ext uri="{FF2B5EF4-FFF2-40B4-BE49-F238E27FC236}">
+                <a16:creationId xmlns:a16="http://schemas.microsoft.com/office/drawing/2014/main" id="{8E811863-C4AE-4020-A809-DC68BE41C540}"/>
+              </a:ext>
+            </a:extLst>
+          </p:cNvPr>
+          <p:cNvSpPr txBox="1"/>
+          <p:nvPr/>
+        </p:nvSpPr>
+        <p:spPr>
+          <a:xfrm>
+            <a:off x="8452061" y="5861007"/>
+            <a:ext cx="226152" cy="184666"/>
+          </a:xfrm>
+          <a:prstGeom prst="rect">
+            <a:avLst/>
+          </a:prstGeom>
+          <a:noFill/>
+        </p:spPr>
+        <p:txBody>
+          <a:bodyPr wrap="none" lIns="0" tIns="0" rIns="0" bIns="0" rtlCol="0">
+            <a:spAutoFit/>
+          </a:bodyPr>
+          <a:lstStyle/>
+          <a:p>
+            <a:pPr algn="ctr"/>
+            <a:r>
+              <a:rPr lang="en-CA" sz="1200" b="1" dirty="0"/>
+              <a:t>YES</a:t>
+            </a:r>
+            <a:endParaRPr lang="en-US" sz="1200" b="1" dirty="0"/>
+          </a:p>
+        </p:txBody>
+      </p:sp>
+      <p:sp>
+        <p:nvSpPr>
+          <p:cNvPr id="57" name="Flowchart: Manual Operation 56">
+            <a:extLst>
+              <a:ext uri="{FF2B5EF4-FFF2-40B4-BE49-F238E27FC236}">
+                <a16:creationId xmlns:a16="http://schemas.microsoft.com/office/drawing/2014/main" id="{C32E20E6-FBEB-4CEF-B431-5FA6C6A2F245}"/>
+              </a:ext>
+            </a:extLst>
+          </p:cNvPr>
+          <p:cNvSpPr/>
+          <p:nvPr/>
+        </p:nvSpPr>
+        <p:spPr>
+          <a:xfrm>
+            <a:off x="9455567" y="3243066"/>
+            <a:ext cx="1440493" cy="576197"/>
+          </a:xfrm>
+          <a:prstGeom prst="flowChartManualOperation">
+            <a:avLst/>
+          </a:prstGeom>
+        </p:spPr>
+        <p:style>
+          <a:lnRef idx="2">
+            <a:schemeClr val="accent6">
+              <a:shade val="50000"/>
+            </a:schemeClr>
+          </a:lnRef>
+          <a:fillRef idx="1">
+            <a:schemeClr val="accent6"/>
+          </a:fillRef>
+          <a:effectRef idx="0">
+            <a:schemeClr val="accent6"/>
+          </a:effectRef>
+          <a:fontRef idx="minor">
+            <a:schemeClr val="lt1"/>
+          </a:fontRef>
+        </p:style>
+        <p:txBody>
+          <a:bodyPr wrap="none" lIns="0" tIns="0" rIns="0" bIns="0" rtlCol="0" anchor="ctr"/>
+          <a:lstStyle/>
+          <a:p>
+            <a:pPr algn="ctr"/>
+            <a:r>
+              <a:rPr lang="en-CA" sz="1400" b="1" dirty="0"/>
+              <a:t>“NEW OWNER”</a:t>
+            </a:r>
+          </a:p>
+          <a:p>
+            <a:pPr algn="ctr"/>
+            <a:r>
+              <a:rPr lang="en-CA" sz="1400" b="1" dirty="0"/>
+              <a:t>is clicked</a:t>
+            </a:r>
+          </a:p>
+        </p:txBody>
+      </p:sp>
+      <p:cxnSp>
+        <p:nvCxnSpPr>
+          <p:cNvPr id="58" name="Connector: Elbow 57">
+            <a:extLst>
+              <a:ext uri="{FF2B5EF4-FFF2-40B4-BE49-F238E27FC236}">
+                <a16:creationId xmlns:a16="http://schemas.microsoft.com/office/drawing/2014/main" id="{D0D8F65F-A81D-4BD2-91F2-8AD81FDD2DF2}"/>
+              </a:ext>
+            </a:extLst>
+          </p:cNvPr>
+          <p:cNvCxnSpPr>
+            <a:cxnSpLocks/>
+            <a:stCxn id="37" idx="2"/>
+            <a:endCxn id="57" idx="0"/>
+          </p:cNvCxnSpPr>
+          <p:nvPr/>
+        </p:nvCxnSpPr>
+        <p:spPr>
+          <a:xfrm rot="16200000" flipH="1">
+            <a:off x="9559732" y="2626984"/>
+            <a:ext cx="306888" cy="925276"/>
+          </a:xfrm>
+          <a:prstGeom prst="bentConnector3">
+            <a:avLst>
+              <a:gd name="adj1" fmla="val 50000"/>
+            </a:avLst>
+          </a:prstGeom>
+          <a:ln>
+            <a:solidFill>
+              <a:schemeClr val="tx1"/>
+            </a:solidFill>
+            <a:tailEnd type="triangle"/>
+          </a:ln>
+        </p:spPr>
+        <p:style>
+          <a:lnRef idx="1">
+            <a:schemeClr val="accent1"/>
+          </a:lnRef>
+          <a:fillRef idx="0">
+            <a:schemeClr val="accent1"/>
+          </a:fillRef>
+          <a:effectRef idx="0">
+            <a:schemeClr val="accent1"/>
+          </a:effectRef>
+          <a:fontRef idx="minor">
+            <a:schemeClr val="tx1"/>
+          </a:fontRef>
+        </p:style>
+      </p:cxnSp>
+      <p:sp>
+        <p:nvSpPr>
+          <p:cNvPr id="59" name="Flowchart: Process 58">
+            <a:extLst>
+              <a:ext uri="{FF2B5EF4-FFF2-40B4-BE49-F238E27FC236}">
+                <a16:creationId xmlns:a16="http://schemas.microsoft.com/office/drawing/2014/main" id="{7A5AC7D3-5779-40BC-A853-1DC4E208EC6A}"/>
+              </a:ext>
+            </a:extLst>
+          </p:cNvPr>
+          <p:cNvSpPr/>
+          <p:nvPr/>
+        </p:nvSpPr>
+        <p:spPr>
+          <a:xfrm>
+            <a:off x="9455567" y="4044732"/>
+            <a:ext cx="1440494" cy="726509"/>
+          </a:xfrm>
+          <a:prstGeom prst="flowChartProcess">
+            <a:avLst/>
+          </a:prstGeom>
+        </p:spPr>
+        <p:style>
+          <a:lnRef idx="2">
+            <a:schemeClr val="accent6">
+              <a:shade val="50000"/>
+            </a:schemeClr>
+          </a:lnRef>
+          <a:fillRef idx="1">
+            <a:schemeClr val="accent6"/>
+          </a:fillRef>
+          <a:effectRef idx="0">
+            <a:schemeClr val="accent6"/>
+          </a:effectRef>
+          <a:fontRef idx="minor">
+            <a:schemeClr val="lt1"/>
+          </a:fontRef>
+        </p:style>
+        <p:txBody>
+          <a:bodyPr rtlCol="0" anchor="ctr"/>
+          <a:lstStyle/>
+          <a:p>
+            <a:pPr algn="ctr"/>
+            <a:r>
+              <a:rPr lang="en-CA" sz="1400" b="1" dirty="0"/>
+              <a:t>Present “new owner” modal</a:t>
+            </a:r>
+          </a:p>
+        </p:txBody>
+      </p:sp>
+      <p:sp>
+        <p:nvSpPr>
+          <p:cNvPr id="60" name="Flowchart: Decision 59">
+            <a:extLst>
+              <a:ext uri="{FF2B5EF4-FFF2-40B4-BE49-F238E27FC236}">
+                <a16:creationId xmlns:a16="http://schemas.microsoft.com/office/drawing/2014/main" id="{B57972B4-B1C3-49B2-B0F1-5230F2705724}"/>
+              </a:ext>
+            </a:extLst>
+          </p:cNvPr>
+          <p:cNvSpPr/>
+          <p:nvPr/>
+        </p:nvSpPr>
+        <p:spPr>
+          <a:xfrm>
+            <a:off x="9455566" y="4996710"/>
+            <a:ext cx="1440494" cy="864296"/>
+          </a:xfrm>
+          <a:prstGeom prst="flowChartDecision">
+            <a:avLst/>
+          </a:prstGeom>
+        </p:spPr>
+        <p:style>
+          <a:lnRef idx="2">
+            <a:schemeClr val="accent6">
+              <a:shade val="50000"/>
+            </a:schemeClr>
+          </a:lnRef>
+          <a:fillRef idx="1">
+            <a:schemeClr val="accent6"/>
+          </a:fillRef>
+          <a:effectRef idx="0">
+            <a:schemeClr val="accent6"/>
+          </a:effectRef>
+          <a:fontRef idx="minor">
+            <a:schemeClr val="lt1"/>
+          </a:fontRef>
+        </p:style>
+        <p:txBody>
+          <a:bodyPr wrap="none" lIns="0" tIns="0" rIns="0" bIns="0" rtlCol="0" anchor="ctr"/>
+          <a:lstStyle/>
+          <a:p>
+            <a:pPr algn="ctr"/>
+            <a:r>
+              <a:rPr lang="en-CA" sz="1400" b="1" dirty="0"/>
+              <a:t>Check if</a:t>
+            </a:r>
+          </a:p>
+          <a:p>
+            <a:pPr algn="ctr"/>
+            <a:r>
+              <a:rPr lang="en-CA" sz="1400" b="1" dirty="0"/>
+              <a:t>owner exist</a:t>
+            </a:r>
+          </a:p>
+        </p:txBody>
+      </p:sp>
+      <p:cxnSp>
+        <p:nvCxnSpPr>
+          <p:cNvPr id="64" name="Connector: Elbow 32">
+            <a:extLst>
+              <a:ext uri="{FF2B5EF4-FFF2-40B4-BE49-F238E27FC236}">
+                <a16:creationId xmlns:a16="http://schemas.microsoft.com/office/drawing/2014/main" id="{F2351596-1D23-46D1-A5B7-82AF65CFFF95}"/>
+              </a:ext>
+            </a:extLst>
+          </p:cNvPr>
+          <p:cNvCxnSpPr>
+            <a:cxnSpLocks/>
+            <a:stCxn id="60" idx="2"/>
+            <a:endCxn id="74" idx="0"/>
+          </p:cNvCxnSpPr>
+          <p:nvPr/>
+        </p:nvCxnSpPr>
+        <p:spPr>
+          <a:xfrm>
+            <a:off x="10175813" y="5861006"/>
+            <a:ext cx="1" cy="162839"/>
+          </a:xfrm>
+          <a:prstGeom prst="straightConnector1">
+            <a:avLst/>
+          </a:prstGeom>
+          <a:ln>
+            <a:solidFill>
+              <a:schemeClr val="tx1"/>
+            </a:solidFill>
+            <a:tailEnd type="triangle"/>
+          </a:ln>
+        </p:spPr>
+        <p:style>
+          <a:lnRef idx="1">
+            <a:schemeClr val="accent1"/>
+          </a:lnRef>
+          <a:fillRef idx="0">
+            <a:schemeClr val="accent1"/>
+          </a:fillRef>
+          <a:effectRef idx="0">
+            <a:schemeClr val="accent1"/>
+          </a:effectRef>
+          <a:fontRef idx="minor">
+            <a:schemeClr val="tx1"/>
+          </a:fontRef>
+        </p:style>
+      </p:cxnSp>
+      <p:sp>
+        <p:nvSpPr>
+          <p:cNvPr id="65" name="TextBox 64">
+            <a:extLst>
+              <a:ext uri="{FF2B5EF4-FFF2-40B4-BE49-F238E27FC236}">
+                <a16:creationId xmlns:a16="http://schemas.microsoft.com/office/drawing/2014/main" id="{3AFD1697-7BE2-444C-B1DB-B6C32AD45E96}"/>
+              </a:ext>
+            </a:extLst>
+          </p:cNvPr>
+          <p:cNvSpPr txBox="1"/>
+          <p:nvPr/>
+        </p:nvSpPr>
+        <p:spPr>
+          <a:xfrm>
+            <a:off x="11192581" y="5301641"/>
+            <a:ext cx="232497" cy="184666"/>
+          </a:xfrm>
+          <a:prstGeom prst="rect">
+            <a:avLst/>
+          </a:prstGeom>
+          <a:noFill/>
+        </p:spPr>
+        <p:txBody>
+          <a:bodyPr wrap="square" lIns="0" tIns="0" rIns="0" bIns="0" rtlCol="0">
+            <a:spAutoFit/>
+          </a:bodyPr>
+          <a:lstStyle/>
+          <a:p>
+            <a:pPr algn="ctr"/>
+            <a:r>
+              <a:rPr lang="en-CA" sz="1200" b="1" dirty="0"/>
+              <a:t>YES</a:t>
+            </a:r>
+            <a:endParaRPr lang="en-US" sz="1200" b="1" dirty="0"/>
+          </a:p>
+        </p:txBody>
+      </p:sp>
+      <p:sp>
+        <p:nvSpPr>
+          <p:cNvPr id="66" name="TextBox 65">
+            <a:extLst>
+              <a:ext uri="{FF2B5EF4-FFF2-40B4-BE49-F238E27FC236}">
+                <a16:creationId xmlns:a16="http://schemas.microsoft.com/office/drawing/2014/main" id="{6B4D1D8A-0CD9-4BDA-A2B2-C6744BBDC738}"/>
+              </a:ext>
+            </a:extLst>
+          </p:cNvPr>
+          <p:cNvSpPr txBox="1"/>
+          <p:nvPr/>
+        </p:nvSpPr>
+        <p:spPr>
+          <a:xfrm>
+            <a:off x="10265705" y="5860708"/>
+            <a:ext cx="205184" cy="184666"/>
+          </a:xfrm>
+          <a:prstGeom prst="rect">
+            <a:avLst/>
+          </a:prstGeom>
+          <a:noFill/>
+        </p:spPr>
+        <p:txBody>
+          <a:bodyPr wrap="none" lIns="0" tIns="0" rIns="0" bIns="0" rtlCol="0">
+            <a:spAutoFit/>
+          </a:bodyPr>
+          <a:lstStyle/>
+          <a:p>
+            <a:pPr algn="ctr"/>
+            <a:r>
+              <a:rPr lang="en-CA" sz="1200" b="1" dirty="0"/>
+              <a:t>NO</a:t>
+            </a:r>
+            <a:endParaRPr lang="en-US" sz="1200" b="1" dirty="0"/>
+          </a:p>
+        </p:txBody>
+      </p:sp>
+      <p:cxnSp>
+        <p:nvCxnSpPr>
+          <p:cNvPr id="67" name="Connector: Elbow 32">
+            <a:extLst>
+              <a:ext uri="{FF2B5EF4-FFF2-40B4-BE49-F238E27FC236}">
+                <a16:creationId xmlns:a16="http://schemas.microsoft.com/office/drawing/2014/main" id="{9CF2EA0B-243F-4794-923E-675F2ED80429}"/>
+              </a:ext>
+            </a:extLst>
+          </p:cNvPr>
+          <p:cNvCxnSpPr>
+            <a:cxnSpLocks/>
+            <a:stCxn id="57" idx="2"/>
+            <a:endCxn id="59" idx="0"/>
+          </p:cNvCxnSpPr>
+          <p:nvPr/>
+        </p:nvCxnSpPr>
+        <p:spPr>
+          <a:xfrm>
+            <a:off x="10175814" y="3819263"/>
+            <a:ext cx="0" cy="225469"/>
+          </a:xfrm>
+          <a:prstGeom prst="straightConnector1">
+            <a:avLst/>
+          </a:prstGeom>
+          <a:ln>
+            <a:solidFill>
+              <a:schemeClr val="tx1"/>
+            </a:solidFill>
+            <a:tailEnd type="triangle"/>
+          </a:ln>
+        </p:spPr>
+        <p:style>
+          <a:lnRef idx="1">
+            <a:schemeClr val="accent1"/>
+          </a:lnRef>
+          <a:fillRef idx="0">
+            <a:schemeClr val="accent1"/>
+          </a:fillRef>
+          <a:effectRef idx="0">
+            <a:schemeClr val="accent1"/>
+          </a:effectRef>
+          <a:fontRef idx="minor">
+            <a:schemeClr val="tx1"/>
+          </a:fontRef>
+        </p:style>
+      </p:cxnSp>
+      <p:cxnSp>
+        <p:nvCxnSpPr>
+          <p:cNvPr id="69" name="Connector: Elbow 32">
+            <a:extLst>
+              <a:ext uri="{FF2B5EF4-FFF2-40B4-BE49-F238E27FC236}">
+                <a16:creationId xmlns:a16="http://schemas.microsoft.com/office/drawing/2014/main" id="{C025CD8C-521F-4ED9-BF7B-D91224E84B0C}"/>
+              </a:ext>
+            </a:extLst>
+          </p:cNvPr>
+          <p:cNvCxnSpPr>
+            <a:cxnSpLocks/>
+            <a:stCxn id="59" idx="2"/>
+            <a:endCxn id="60" idx="0"/>
+          </p:cNvCxnSpPr>
+          <p:nvPr/>
+        </p:nvCxnSpPr>
+        <p:spPr>
+          <a:xfrm flipH="1">
+            <a:off x="10175813" y="4771241"/>
+            <a:ext cx="1" cy="225469"/>
+          </a:xfrm>
+          <a:prstGeom prst="straightConnector1">
+            <a:avLst/>
+          </a:prstGeom>
+          <a:ln>
+            <a:solidFill>
+              <a:schemeClr val="tx1"/>
+            </a:solidFill>
+            <a:tailEnd type="triangle"/>
+          </a:ln>
+        </p:spPr>
+        <p:style>
+          <a:lnRef idx="1">
+            <a:schemeClr val="accent1"/>
+          </a:lnRef>
+          <a:fillRef idx="0">
+            <a:schemeClr val="accent1"/>
+          </a:fillRef>
+          <a:effectRef idx="0">
+            <a:schemeClr val="accent1"/>
+          </a:effectRef>
+          <a:fontRef idx="minor">
+            <a:schemeClr val="tx1"/>
+          </a:fontRef>
+        </p:style>
+      </p:cxnSp>
+      <p:cxnSp>
+        <p:nvCxnSpPr>
+          <p:cNvPr id="70" name="Connector: Elbow 69">
+            <a:extLst>
+              <a:ext uri="{FF2B5EF4-FFF2-40B4-BE49-F238E27FC236}">
+                <a16:creationId xmlns:a16="http://schemas.microsoft.com/office/drawing/2014/main" id="{E3E9317C-13D4-4C0F-BB24-E389444BA429}"/>
+              </a:ext>
+            </a:extLst>
+          </p:cNvPr>
+          <p:cNvCxnSpPr>
+            <a:cxnSpLocks/>
+            <a:stCxn id="60" idx="3"/>
+            <a:endCxn id="59" idx="3"/>
+          </p:cNvCxnSpPr>
+          <p:nvPr/>
+        </p:nvCxnSpPr>
+        <p:spPr>
+          <a:xfrm flipV="1">
+            <a:off x="10896060" y="4407987"/>
+            <a:ext cx="1" cy="1020871"/>
+          </a:xfrm>
+          <a:prstGeom prst="bentConnector3">
+            <a:avLst>
+              <a:gd name="adj1" fmla="val 22860100000"/>
+            </a:avLst>
+          </a:prstGeom>
+          <a:ln>
+            <a:solidFill>
+              <a:schemeClr val="tx1"/>
+            </a:solidFill>
+            <a:tailEnd type="triangle"/>
+          </a:ln>
+        </p:spPr>
+        <p:style>
+          <a:lnRef idx="1">
+            <a:schemeClr val="accent1"/>
+          </a:lnRef>
+          <a:fillRef idx="0">
+            <a:schemeClr val="accent1"/>
+          </a:fillRef>
+          <a:effectRef idx="0">
+            <a:schemeClr val="accent1"/>
+          </a:effectRef>
+          <a:fontRef idx="minor">
+            <a:schemeClr val="tx1"/>
+          </a:fontRef>
+        </p:style>
+      </p:cxnSp>
+      <p:sp>
+        <p:nvSpPr>
+          <p:cNvPr id="71" name="TextBox 70">
+            <a:extLst>
+              <a:ext uri="{FF2B5EF4-FFF2-40B4-BE49-F238E27FC236}">
+                <a16:creationId xmlns:a16="http://schemas.microsoft.com/office/drawing/2014/main" id="{A8F9C87D-540B-4728-BC14-5B59C320BC57}"/>
+              </a:ext>
+            </a:extLst>
+          </p:cNvPr>
+          <p:cNvSpPr txBox="1"/>
+          <p:nvPr/>
+        </p:nvSpPr>
+        <p:spPr>
+          <a:xfrm>
+            <a:off x="6125202" y="3089621"/>
+            <a:ext cx="803064" cy="738664"/>
+          </a:xfrm>
+          <a:prstGeom prst="rect">
+            <a:avLst/>
+          </a:prstGeom>
+          <a:noFill/>
+        </p:spPr>
+        <p:txBody>
+          <a:bodyPr wrap="square" lIns="0" tIns="0" rIns="0" bIns="0" rtlCol="0">
+            <a:spAutoFit/>
+          </a:bodyPr>
+          <a:lstStyle/>
+          <a:p>
+            <a:pPr algn="r"/>
+            <a:r>
+              <a:rPr lang="en-CA" sz="1200" i="1" dirty="0"/>
+              <a:t>Wrong password or user doesn’t exist </a:t>
+            </a:r>
+            <a:endParaRPr lang="en-US" sz="1200" i="1" dirty="0"/>
+          </a:p>
+        </p:txBody>
+      </p:sp>
+      <p:sp>
+        <p:nvSpPr>
+          <p:cNvPr id="74" name="Flowchart: Process 73">
+            <a:extLst>
+              <a:ext uri="{FF2B5EF4-FFF2-40B4-BE49-F238E27FC236}">
+                <a16:creationId xmlns:a16="http://schemas.microsoft.com/office/drawing/2014/main" id="{075BA629-5C53-43F8-8250-4CABAC1BA18C}"/>
+              </a:ext>
+            </a:extLst>
+          </p:cNvPr>
+          <p:cNvSpPr/>
+          <p:nvPr/>
+        </p:nvSpPr>
+        <p:spPr>
+          <a:xfrm>
+            <a:off x="9455567" y="6023845"/>
+            <a:ext cx="1440494" cy="726509"/>
+          </a:xfrm>
+          <a:prstGeom prst="flowChartProcess">
+            <a:avLst/>
+          </a:prstGeom>
+        </p:spPr>
+        <p:style>
+          <a:lnRef idx="2">
+            <a:schemeClr val="accent6">
+              <a:shade val="50000"/>
+            </a:schemeClr>
+          </a:lnRef>
+          <a:fillRef idx="1">
+            <a:schemeClr val="accent6"/>
+          </a:fillRef>
+          <a:effectRef idx="0">
+            <a:schemeClr val="accent6"/>
+          </a:effectRef>
+          <a:fontRef idx="minor">
+            <a:schemeClr val="lt1"/>
+          </a:fontRef>
+        </p:style>
+        <p:txBody>
+          <a:bodyPr rtlCol="0" anchor="ctr"/>
+          <a:lstStyle/>
+          <a:p>
+            <a:pPr algn="ctr"/>
+            <a:r>
+              <a:rPr lang="en-CA" sz="1400" b="1" dirty="0"/>
+              <a:t>Create new owner in “owner” table</a:t>
+            </a:r>
+          </a:p>
+        </p:txBody>
+      </p:sp>
+      <p:sp>
+        <p:nvSpPr>
+          <p:cNvPr id="75" name="Flowchart: Process 74">
+            <a:extLst>
+              <a:ext uri="{FF2B5EF4-FFF2-40B4-BE49-F238E27FC236}">
+                <a16:creationId xmlns:a16="http://schemas.microsoft.com/office/drawing/2014/main" id="{734D57A6-92A6-4A1C-BC35-D9F72C21CD35}"/>
+              </a:ext>
+            </a:extLst>
+          </p:cNvPr>
+          <p:cNvSpPr/>
+          <p:nvPr/>
+        </p:nvSpPr>
+        <p:spPr>
+          <a:xfrm>
+            <a:off x="8568410" y="8099943"/>
+            <a:ext cx="1440494" cy="726509"/>
+          </a:xfrm>
+          <a:prstGeom prst="flowChartProcess">
+            <a:avLst/>
+          </a:prstGeom>
+        </p:spPr>
+        <p:style>
+          <a:lnRef idx="2">
+            <a:schemeClr val="accent6">
+              <a:shade val="50000"/>
+            </a:schemeClr>
+          </a:lnRef>
+          <a:fillRef idx="1">
+            <a:schemeClr val="accent6"/>
+          </a:fillRef>
+          <a:effectRef idx="0">
+            <a:schemeClr val="accent6"/>
+          </a:effectRef>
+          <a:fontRef idx="minor">
+            <a:schemeClr val="lt1"/>
+          </a:fontRef>
+        </p:style>
+        <p:txBody>
+          <a:bodyPr rtlCol="0" anchor="ctr"/>
+          <a:lstStyle/>
+          <a:p>
+            <a:pPr algn="ctr"/>
+            <a:r>
+              <a:rPr lang="en-CA" sz="1400" b="1" dirty="0"/>
+              <a:t>Go to /owner/:id page</a:t>
+            </a:r>
+          </a:p>
+        </p:txBody>
+      </p:sp>
+      <p:cxnSp>
+        <p:nvCxnSpPr>
+          <p:cNvPr id="76" name="Connector: Elbow 32">
+            <a:extLst>
+              <a:ext uri="{FF2B5EF4-FFF2-40B4-BE49-F238E27FC236}">
+                <a16:creationId xmlns:a16="http://schemas.microsoft.com/office/drawing/2014/main" id="{D416EA54-C65C-469D-936F-4C3BA72AC018}"/>
+              </a:ext>
+            </a:extLst>
+          </p:cNvPr>
+          <p:cNvCxnSpPr>
+            <a:cxnSpLocks/>
+            <a:stCxn id="74" idx="2"/>
+            <a:endCxn id="77" idx="0"/>
+          </p:cNvCxnSpPr>
+          <p:nvPr/>
+        </p:nvCxnSpPr>
+        <p:spPr>
+          <a:xfrm rot="5400000">
+            <a:off x="9525531" y="6510207"/>
+            <a:ext cx="410137" cy="890430"/>
+          </a:xfrm>
+          <a:prstGeom prst="bentConnector3">
+            <a:avLst>
+              <a:gd name="adj1" fmla="val 50000"/>
+            </a:avLst>
+          </a:prstGeom>
+          <a:ln>
+            <a:solidFill>
+              <a:schemeClr val="tx1"/>
+            </a:solidFill>
+            <a:tailEnd type="triangle"/>
+          </a:ln>
+        </p:spPr>
+        <p:style>
+          <a:lnRef idx="1">
+            <a:schemeClr val="accent1"/>
+          </a:lnRef>
+          <a:fillRef idx="0">
+            <a:schemeClr val="accent1"/>
+          </a:fillRef>
+          <a:effectRef idx="0">
+            <a:schemeClr val="accent1"/>
+          </a:effectRef>
+          <a:fontRef idx="minor">
+            <a:schemeClr val="tx1"/>
+          </a:fontRef>
+        </p:style>
+      </p:cxnSp>
+      <p:sp>
+        <p:nvSpPr>
+          <p:cNvPr id="77" name="Flowchart: Process 76">
+            <a:extLst>
+              <a:ext uri="{FF2B5EF4-FFF2-40B4-BE49-F238E27FC236}">
+                <a16:creationId xmlns:a16="http://schemas.microsoft.com/office/drawing/2014/main" id="{F46C2A72-C9E7-41CE-B020-93779FE0A698}"/>
+              </a:ext>
+            </a:extLst>
+          </p:cNvPr>
+          <p:cNvSpPr/>
+          <p:nvPr/>
+        </p:nvSpPr>
+        <p:spPr>
+          <a:xfrm>
+            <a:off x="8565137" y="7160491"/>
+            <a:ext cx="1440494" cy="726509"/>
+          </a:xfrm>
+          <a:prstGeom prst="flowChartProcess">
+            <a:avLst/>
+          </a:prstGeom>
+        </p:spPr>
+        <p:style>
+          <a:lnRef idx="2">
+            <a:schemeClr val="accent6">
+              <a:shade val="50000"/>
+            </a:schemeClr>
+          </a:lnRef>
+          <a:fillRef idx="1">
+            <a:schemeClr val="accent6"/>
+          </a:fillRef>
+          <a:effectRef idx="0">
+            <a:schemeClr val="accent6"/>
+          </a:effectRef>
+          <a:fontRef idx="minor">
+            <a:schemeClr val="lt1"/>
+          </a:fontRef>
+        </p:style>
+        <p:txBody>
+          <a:bodyPr rtlCol="0" anchor="ctr"/>
+          <a:lstStyle/>
+          <a:p>
+            <a:pPr algn="ctr"/>
+            <a:r>
+              <a:rPr lang="en-CA" sz="1400" b="1" dirty="0"/>
+              <a:t>Retrieve ID from “owner” table</a:t>
+            </a:r>
+          </a:p>
+        </p:txBody>
+      </p:sp>
+      <p:cxnSp>
+        <p:nvCxnSpPr>
+          <p:cNvPr id="78" name="Connector: Elbow 32">
+            <a:extLst>
+              <a:ext uri="{FF2B5EF4-FFF2-40B4-BE49-F238E27FC236}">
+                <a16:creationId xmlns:a16="http://schemas.microsoft.com/office/drawing/2014/main" id="{A447F7D9-CC3B-47BB-8FB9-5BB9B64D7F9D}"/>
+              </a:ext>
+            </a:extLst>
+          </p:cNvPr>
+          <p:cNvCxnSpPr>
+            <a:cxnSpLocks/>
+            <a:stCxn id="77" idx="2"/>
+            <a:endCxn id="75" idx="0"/>
+          </p:cNvCxnSpPr>
+          <p:nvPr/>
+        </p:nvCxnSpPr>
+        <p:spPr>
+          <a:xfrm>
+            <a:off x="9285384" y="7887000"/>
+            <a:ext cx="3273" cy="212943"/>
+          </a:xfrm>
+          <a:prstGeom prst="straightConnector1">
+            <a:avLst/>
+          </a:prstGeom>
+          <a:ln>
+            <a:solidFill>
+              <a:schemeClr val="tx1"/>
+            </a:solidFill>
+            <a:tailEnd type="triangle"/>
+          </a:ln>
+        </p:spPr>
+        <p:style>
+          <a:lnRef idx="1">
+            <a:schemeClr val="accent1"/>
+          </a:lnRef>
+          <a:fillRef idx="0">
+            <a:schemeClr val="accent1"/>
+          </a:fillRef>
+          <a:effectRef idx="0">
+            <a:schemeClr val="accent1"/>
+          </a:effectRef>
+          <a:fontRef idx="minor">
+            <a:schemeClr val="tx1"/>
+          </a:fontRef>
+        </p:style>
+      </p:cxnSp>
+      <p:sp>
+        <p:nvSpPr>
+          <p:cNvPr id="79" name="TextBox 78">
+            <a:extLst>
+              <a:ext uri="{FF2B5EF4-FFF2-40B4-BE49-F238E27FC236}">
+                <a16:creationId xmlns:a16="http://schemas.microsoft.com/office/drawing/2014/main" id="{DBB7E3AB-B570-43D2-8775-427784C60419}"/>
+              </a:ext>
+            </a:extLst>
+          </p:cNvPr>
+          <p:cNvSpPr txBox="1"/>
+          <p:nvPr/>
+        </p:nvSpPr>
+        <p:spPr>
+          <a:xfrm>
+            <a:off x="11221006" y="4407986"/>
+            <a:ext cx="955297" cy="553998"/>
+          </a:xfrm>
+          <a:prstGeom prst="rect">
+            <a:avLst/>
+          </a:prstGeom>
+          <a:noFill/>
+        </p:spPr>
+        <p:txBody>
+          <a:bodyPr wrap="square" lIns="0" tIns="0" rIns="0" bIns="0" rtlCol="0">
+            <a:spAutoFit/>
+          </a:bodyPr>
+          <a:lstStyle/>
+          <a:p>
+            <a:r>
+              <a:rPr lang="en-CA" sz="1200" i="1" dirty="0"/>
+              <a:t>Choose</a:t>
+            </a:r>
+          </a:p>
+          <a:p>
+            <a:r>
+              <a:rPr lang="en-CA" sz="1200" i="1" dirty="0"/>
+              <a:t>different</a:t>
+            </a:r>
+          </a:p>
+          <a:p>
+            <a:r>
+              <a:rPr lang="en-CA" sz="1200" i="1" dirty="0"/>
+              <a:t>username </a:t>
+            </a:r>
+            <a:endParaRPr lang="en-US" sz="1200" i="1" dirty="0"/>
+          </a:p>
+        </p:txBody>
+      </p:sp>
     </p:spTree>
     <p:extLst>
       <p:ext uri="{BB962C8B-B14F-4D97-AF65-F5344CB8AC3E}">
-        <p14:creationId xmlns:p14="http://schemas.microsoft.com/office/powerpoint/2010/main" val="226735267"/>
+        <p14:creationId xmlns:p14="http://schemas.microsoft.com/office/powerpoint/2010/main" val="2200195516"/>
       </p:ext>
     </p:extLst>
   </p:cSld>
@@ -17913,7 +19452,7 @@
           <a:p>
             <a:r>
               <a:rPr lang="en-CA" dirty="0"/>
-              <a:t>Modal logic - Owner</a:t>
+              <a:t>Modal logic</a:t>
             </a:r>
             <a:endParaRPr lang="en-US" dirty="0"/>
           </a:p>
@@ -17933,7 +19472,7 @@
         </p:nvSpPr>
         <p:spPr>
           <a:xfrm>
-            <a:off x="5531826" y="1326584"/>
+            <a:off x="5850900" y="1326584"/>
             <a:ext cx="1440493" cy="576197"/>
           </a:xfrm>
           <a:prstGeom prst="flowChartManualOperation">
@@ -17942,35 +19481,28 @@
         </p:spPr>
         <p:style>
           <a:lnRef idx="2">
-            <a:schemeClr val="accent6">
+            <a:schemeClr val="accent5">
               <a:shade val="50000"/>
             </a:schemeClr>
           </a:lnRef>
           <a:fillRef idx="1">
-            <a:schemeClr val="accent6"/>
+            <a:schemeClr val="accent5"/>
           </a:fillRef>
           <a:effectRef idx="0">
-            <a:schemeClr val="accent6"/>
+            <a:schemeClr val="accent5"/>
           </a:effectRef>
           <a:fontRef idx="minor">
             <a:schemeClr val="lt1"/>
           </a:fontRef>
         </p:style>
         <p:txBody>
-          <a:bodyPr wrap="none" lIns="0" tIns="0" rIns="0" bIns="0" rtlCol="0" anchor="ctr"/>
+          <a:bodyPr lIns="0" tIns="0" rIns="0" bIns="0" rtlCol="0" anchor="ctr"/>
           <a:lstStyle/>
           <a:p>
             <a:pPr algn="ctr"/>
             <a:r>
               <a:rPr lang="en-CA" sz="1400" b="1" dirty="0"/>
-              <a:t>“OWNER LOG</a:t>
-            </a:r>
-          </a:p>
-          <a:p>
-            <a:pPr algn="ctr"/>
-            <a:r>
-              <a:rPr lang="en-CA" sz="1400" b="1" dirty="0"/>
-              <a:t>IN” is clicked</a:t>
+              <a:t>“LOG IN” is clicked</a:t>
             </a:r>
           </a:p>
         </p:txBody>
@@ -17989,7 +19521,7 @@
         </p:nvSpPr>
         <p:spPr>
           <a:xfrm>
-            <a:off x="5531825" y="2209669"/>
+            <a:off x="5850899" y="2209669"/>
             <a:ext cx="1440494" cy="726509"/>
           </a:xfrm>
           <a:prstGeom prst="flowChartProcess">
@@ -17998,15 +19530,15 @@
         </p:spPr>
         <p:style>
           <a:lnRef idx="2">
-            <a:schemeClr val="accent6">
+            <a:schemeClr val="accent5">
               <a:shade val="50000"/>
             </a:schemeClr>
           </a:lnRef>
           <a:fillRef idx="1">
-            <a:schemeClr val="accent6"/>
+            <a:schemeClr val="accent5"/>
           </a:fillRef>
           <a:effectRef idx="0">
-            <a:schemeClr val="accent6"/>
+            <a:schemeClr val="accent5"/>
           </a:effectRef>
           <a:fontRef idx="minor">
             <a:schemeClr val="lt1"/>
@@ -18019,7 +19551,7 @@
             <a:pPr algn="ctr"/>
             <a:r>
               <a:rPr lang="en-CA" sz="1400" b="1" dirty="0"/>
-              <a:t>Present “owner” modal</a:t>
+              <a:t>Present “client” modal</a:t>
             </a:r>
           </a:p>
         </p:txBody>
@@ -18038,7 +19570,7 @@
         </p:nvSpPr>
         <p:spPr>
           <a:xfrm>
-            <a:off x="4653940" y="3975839"/>
+            <a:off x="4973014" y="3975839"/>
             <a:ext cx="1440494" cy="864296"/>
           </a:xfrm>
           <a:prstGeom prst="flowChartDecision">
@@ -18047,35 +19579,28 @@
         </p:spPr>
         <p:style>
           <a:lnRef idx="2">
-            <a:schemeClr val="accent6">
+            <a:schemeClr val="accent5">
               <a:shade val="50000"/>
             </a:schemeClr>
           </a:lnRef>
           <a:fillRef idx="1">
-            <a:schemeClr val="accent6"/>
+            <a:schemeClr val="accent5"/>
           </a:fillRef>
           <a:effectRef idx="0">
-            <a:schemeClr val="accent6"/>
+            <a:schemeClr val="accent5"/>
           </a:effectRef>
           <a:fontRef idx="minor">
             <a:schemeClr val="lt1"/>
           </a:fontRef>
         </p:style>
         <p:txBody>
-          <a:bodyPr wrap="none" lIns="0" tIns="0" rIns="0" bIns="0" rtlCol="0" anchor="ctr"/>
+          <a:bodyPr lIns="0" tIns="0" rIns="0" bIns="0" rtlCol="0" anchor="ctr"/>
           <a:lstStyle/>
           <a:p>
             <a:pPr algn="ctr"/>
             <a:r>
               <a:rPr lang="en-CA" sz="1400" b="1" dirty="0"/>
-              <a:t>Check if</a:t>
-            </a:r>
-          </a:p>
-          <a:p>
-            <a:pPr algn="ctr"/>
-            <a:r>
-              <a:rPr lang="en-CA" sz="1400" b="1" dirty="0"/>
-              <a:t>user exist</a:t>
+              <a:t>Check if user exist</a:t>
             </a:r>
           </a:p>
         </p:txBody>
@@ -18094,7 +19619,7 @@
         </p:nvSpPr>
         <p:spPr>
           <a:xfrm>
-            <a:off x="4653941" y="3243066"/>
+            <a:off x="4973015" y="3243066"/>
             <a:ext cx="1440493" cy="576197"/>
           </a:xfrm>
           <a:prstGeom prst="flowChartManualOperation">
@@ -18103,15 +19628,15 @@
         </p:spPr>
         <p:style>
           <a:lnRef idx="2">
-            <a:schemeClr val="accent6">
+            <a:schemeClr val="accent5">
               <a:shade val="50000"/>
             </a:schemeClr>
           </a:lnRef>
           <a:fillRef idx="1">
-            <a:schemeClr val="accent6"/>
+            <a:schemeClr val="accent5"/>
           </a:fillRef>
           <a:effectRef idx="0">
-            <a:schemeClr val="accent6"/>
+            <a:schemeClr val="accent5"/>
           </a:effectRef>
           <a:fontRef idx="minor">
             <a:schemeClr val="lt1"/>
@@ -18143,7 +19668,7 @@
         </p:nvSpPr>
         <p:spPr>
           <a:xfrm>
-            <a:off x="4653940" y="4996711"/>
+            <a:off x="4973014" y="4996711"/>
             <a:ext cx="1440494" cy="864296"/>
           </a:xfrm>
           <a:prstGeom prst="flowChartDecision">
@@ -18152,15 +19677,15 @@
         </p:spPr>
         <p:style>
           <a:lnRef idx="2">
-            <a:schemeClr val="accent6">
+            <a:schemeClr val="accent5">
               <a:shade val="50000"/>
             </a:schemeClr>
           </a:lnRef>
           <a:fillRef idx="1">
-            <a:schemeClr val="accent6"/>
+            <a:schemeClr val="accent5"/>
           </a:fillRef>
           <a:effectRef idx="0">
-            <a:schemeClr val="accent6"/>
+            <a:schemeClr val="accent5"/>
           </a:effectRef>
           <a:fontRef idx="minor">
             <a:schemeClr val="lt1"/>
@@ -18203,7 +19728,7 @@
         </p:nvCxnSpPr>
         <p:spPr>
           <a:xfrm flipH="1">
-            <a:off x="6252072" y="1902781"/>
+            <a:off x="6571146" y="1902781"/>
             <a:ext cx="1" cy="306888"/>
           </a:xfrm>
           <a:prstGeom prst="straightConnector1">
@@ -18249,7 +19774,7 @@
         </p:nvCxnSpPr>
         <p:spPr>
           <a:xfrm rot="10800000" flipH="1">
-            <a:off x="4653939" y="2572925"/>
+            <a:off x="4973013" y="2572925"/>
             <a:ext cx="877885" cy="1835063"/>
           </a:xfrm>
           <a:prstGeom prst="bentConnector3">
@@ -18297,7 +19822,7 @@
         </p:nvCxnSpPr>
         <p:spPr>
           <a:xfrm rot="10800000" flipH="1">
-            <a:off x="4653939" y="2572925"/>
+            <a:off x="4973013" y="2572925"/>
             <a:ext cx="877885" cy="2855935"/>
           </a:xfrm>
           <a:prstGeom prst="bentConnector3">
@@ -18345,7 +19870,7 @@
         </p:nvCxnSpPr>
         <p:spPr>
           <a:xfrm rot="5400000">
-            <a:off x="5659686" y="2650680"/>
+            <a:off x="5978760" y="2650680"/>
             <a:ext cx="306888" cy="877884"/>
           </a:xfrm>
           <a:prstGeom prst="bentConnector3">
@@ -18393,7 +19918,7 @@
         </p:nvCxnSpPr>
         <p:spPr>
           <a:xfrm flipH="1">
-            <a:off x="5374187" y="3819263"/>
+            <a:off x="5693261" y="3819263"/>
             <a:ext cx="1" cy="156576"/>
           </a:xfrm>
           <a:prstGeom prst="straightConnector1">
@@ -18439,7 +19964,7 @@
         </p:nvCxnSpPr>
         <p:spPr>
           <a:xfrm>
-            <a:off x="5374187" y="4840135"/>
+            <a:off x="5693261" y="4840135"/>
             <a:ext cx="0" cy="156576"/>
           </a:xfrm>
           <a:prstGeom prst="straightConnector1">
@@ -18481,7 +20006,7 @@
         </p:nvSpPr>
         <p:spPr>
           <a:xfrm>
-            <a:off x="4358865" y="4223321"/>
+            <a:off x="4677939" y="4223321"/>
             <a:ext cx="205184" cy="184666"/>
           </a:xfrm>
           <a:prstGeom prst="rect">
@@ -18518,7 +20043,7 @@
         </p:nvSpPr>
         <p:spPr>
           <a:xfrm>
-            <a:off x="4358865" y="5244193"/>
+            <a:off x="4677939" y="5244193"/>
             <a:ext cx="205184" cy="184666"/>
           </a:xfrm>
           <a:prstGeom prst="rect">
@@ -18555,7 +20080,7 @@
         </p:nvSpPr>
         <p:spPr>
           <a:xfrm>
-            <a:off x="5453595" y="4839837"/>
+            <a:off x="5772669" y="4839837"/>
             <a:ext cx="226152" cy="184666"/>
           </a:xfrm>
           <a:prstGeom prst="rect">
@@ -18578,54 +20103,6 @@
           </a:p>
         </p:txBody>
       </p:sp>
-      <p:cxnSp>
-        <p:nvCxnSpPr>
-          <p:cNvPr id="67" name="Connector: Elbow 32">
-            <a:extLst>
-              <a:ext uri="{FF2B5EF4-FFF2-40B4-BE49-F238E27FC236}">
-                <a16:creationId xmlns:a16="http://schemas.microsoft.com/office/drawing/2014/main" id="{E0ECA524-1984-4133-90FD-8D7327FE4E33}"/>
-              </a:ext>
-            </a:extLst>
-          </p:cNvPr>
-          <p:cNvCxnSpPr>
-            <a:cxnSpLocks/>
-            <a:stCxn id="32" idx="2"/>
-            <a:endCxn id="36" idx="0"/>
-          </p:cNvCxnSpPr>
-          <p:nvPr/>
-        </p:nvCxnSpPr>
-        <p:spPr>
-          <a:xfrm rot="16200000" flipH="1">
-            <a:off x="5180810" y="6054383"/>
-            <a:ext cx="1299484" cy="912731"/>
-          </a:xfrm>
-          <a:prstGeom prst="bentConnector3">
-            <a:avLst>
-              <a:gd name="adj1" fmla="val 84010"/>
-            </a:avLst>
-          </a:prstGeom>
-          <a:ln>
-            <a:solidFill>
-              <a:schemeClr val="tx1"/>
-            </a:solidFill>
-            <a:tailEnd type="triangle"/>
-          </a:ln>
-        </p:spPr>
-        <p:style>
-          <a:lnRef idx="1">
-            <a:schemeClr val="accent1"/>
-          </a:lnRef>
-          <a:fillRef idx="0">
-            <a:schemeClr val="accent1"/>
-          </a:fillRef>
-          <a:effectRef idx="0">
-            <a:schemeClr val="accent1"/>
-          </a:effectRef>
-          <a:fontRef idx="minor">
-            <a:schemeClr val="tx1"/>
-          </a:fontRef>
-        </p:style>
-      </p:cxnSp>
       <p:sp>
         <p:nvSpPr>
           <p:cNvPr id="68" name="TextBox 67">
@@ -18640,7 +20117,7 @@
         </p:nvSpPr>
         <p:spPr>
           <a:xfrm>
-            <a:off x="5453595" y="5861007"/>
+            <a:off x="5772669" y="5861007"/>
             <a:ext cx="226152" cy="184666"/>
           </a:xfrm>
           <a:prstGeom prst="rect">
@@ -18677,7 +20154,7 @@
         </p:nvSpPr>
         <p:spPr>
           <a:xfrm>
-            <a:off x="6457101" y="3243066"/>
+            <a:off x="6776175" y="3243066"/>
             <a:ext cx="1440493" cy="576197"/>
           </a:xfrm>
           <a:prstGeom prst="flowChartManualOperation">
@@ -18686,15 +20163,15 @@
         </p:spPr>
         <p:style>
           <a:lnRef idx="2">
-            <a:schemeClr val="accent6">
+            <a:schemeClr val="accent5">
               <a:shade val="50000"/>
             </a:schemeClr>
           </a:lnRef>
           <a:fillRef idx="1">
-            <a:schemeClr val="accent6"/>
+            <a:schemeClr val="accent5"/>
           </a:fillRef>
           <a:effectRef idx="0">
-            <a:schemeClr val="accent6"/>
+            <a:schemeClr val="accent5"/>
           </a:effectRef>
           <a:fontRef idx="minor">
             <a:schemeClr val="lt1"/>
@@ -18707,7 +20184,7 @@
             <a:pPr algn="ctr"/>
             <a:r>
               <a:rPr lang="en-CA" sz="1400" b="1" dirty="0"/>
-              <a:t>“NEW OWNER”</a:t>
+              <a:t>“NEW USER”</a:t>
             </a:r>
           </a:p>
           <a:p>
@@ -18737,7 +20214,7 @@
         </p:nvCxnSpPr>
         <p:spPr>
           <a:xfrm rot="16200000" flipH="1">
-            <a:off x="6561266" y="2626984"/>
+            <a:off x="6880340" y="2626984"/>
             <a:ext cx="306888" cy="925276"/>
           </a:xfrm>
           <a:prstGeom prst="bentConnector3">
@@ -18781,7 +20258,7 @@
         </p:nvSpPr>
         <p:spPr>
           <a:xfrm>
-            <a:off x="6457101" y="4044732"/>
+            <a:off x="6776175" y="4044732"/>
             <a:ext cx="1440494" cy="726509"/>
           </a:xfrm>
           <a:prstGeom prst="flowChartProcess">
@@ -18790,15 +20267,15 @@
         </p:spPr>
         <p:style>
           <a:lnRef idx="2">
-            <a:schemeClr val="accent6">
+            <a:schemeClr val="accent5">
               <a:shade val="50000"/>
             </a:schemeClr>
           </a:lnRef>
           <a:fillRef idx="1">
-            <a:schemeClr val="accent6"/>
+            <a:schemeClr val="accent5"/>
           </a:fillRef>
           <a:effectRef idx="0">
-            <a:schemeClr val="accent6"/>
+            <a:schemeClr val="accent5"/>
           </a:effectRef>
           <a:fontRef idx="minor">
             <a:schemeClr val="lt1"/>
@@ -18811,7 +20288,7 @@
             <a:pPr algn="ctr"/>
             <a:r>
               <a:rPr lang="en-CA" sz="1400" b="1" dirty="0"/>
-              <a:t>Present “new owner” modal</a:t>
+              <a:t>Present “new client” modal</a:t>
             </a:r>
           </a:p>
         </p:txBody>
@@ -18830,7 +20307,7 @@
         </p:nvSpPr>
         <p:spPr>
           <a:xfrm>
-            <a:off x="6457100" y="4996710"/>
+            <a:off x="6776174" y="4996710"/>
             <a:ext cx="1440494" cy="864296"/>
           </a:xfrm>
           <a:prstGeom prst="flowChartDecision">
@@ -18839,35 +20316,28 @@
         </p:spPr>
         <p:style>
           <a:lnRef idx="2">
-            <a:schemeClr val="accent6">
+            <a:schemeClr val="accent5">
               <a:shade val="50000"/>
             </a:schemeClr>
           </a:lnRef>
           <a:fillRef idx="1">
-            <a:schemeClr val="accent6"/>
+            <a:schemeClr val="accent5"/>
           </a:fillRef>
           <a:effectRef idx="0">
-            <a:schemeClr val="accent6"/>
+            <a:schemeClr val="accent5"/>
           </a:effectRef>
           <a:fontRef idx="minor">
             <a:schemeClr val="lt1"/>
           </a:fontRef>
         </p:style>
         <p:txBody>
-          <a:bodyPr wrap="none" lIns="0" tIns="0" rIns="0" bIns="0" rtlCol="0" anchor="ctr"/>
+          <a:bodyPr lIns="0" tIns="0" rIns="0" bIns="0" rtlCol="0" anchor="ctr"/>
           <a:lstStyle/>
           <a:p>
             <a:pPr algn="ctr"/>
             <a:r>
               <a:rPr lang="en-CA" sz="1400" b="1" dirty="0"/>
-              <a:t>Check if</a:t>
-            </a:r>
-          </a:p>
-          <a:p>
-            <a:pPr algn="ctr"/>
-            <a:r>
-              <a:rPr lang="en-CA" sz="1400" b="1" dirty="0"/>
-              <a:t>owner exist</a:t>
+              <a:t>Check if user exist</a:t>
             </a:r>
           </a:p>
         </p:txBody>
@@ -18890,7 +20360,7 @@
         </p:nvCxnSpPr>
         <p:spPr>
           <a:xfrm>
-            <a:off x="7177347" y="5861006"/>
+            <a:off x="7496421" y="5861006"/>
             <a:ext cx="1" cy="162839"/>
           </a:xfrm>
           <a:prstGeom prst="straightConnector1">
@@ -18932,7 +20402,7 @@
         </p:nvSpPr>
         <p:spPr>
           <a:xfrm>
-            <a:off x="8194115" y="5301641"/>
+            <a:off x="8513189" y="5301641"/>
             <a:ext cx="232497" cy="184666"/>
           </a:xfrm>
           <a:prstGeom prst="rect">
@@ -18969,7 +20439,7 @@
         </p:nvSpPr>
         <p:spPr>
           <a:xfrm>
-            <a:off x="7267239" y="5860708"/>
+            <a:off x="7586313" y="5860708"/>
             <a:ext cx="205184" cy="184666"/>
           </a:xfrm>
           <a:prstGeom prst="rect">
@@ -19010,7 +20480,7 @@
         </p:nvCxnSpPr>
         <p:spPr>
           <a:xfrm>
-            <a:off x="7177348" y="3819263"/>
+            <a:off x="7496422" y="3819263"/>
             <a:ext cx="0" cy="225469"/>
           </a:xfrm>
           <a:prstGeom prst="straightConnector1">
@@ -19056,7 +20526,7 @@
         </p:nvCxnSpPr>
         <p:spPr>
           <a:xfrm flipH="1">
-            <a:off x="7177347" y="4771241"/>
+            <a:off x="7496421" y="4771241"/>
             <a:ext cx="1" cy="225469"/>
           </a:xfrm>
           <a:prstGeom prst="straightConnector1">
@@ -19102,7 +20572,7 @@
         </p:nvCxnSpPr>
         <p:spPr>
           <a:xfrm flipV="1">
-            <a:off x="7897594" y="4407987"/>
+            <a:off x="8216668" y="4407987"/>
             <a:ext cx="1" cy="1020871"/>
           </a:xfrm>
           <a:prstGeom prst="bentConnector3">
@@ -19134,6 +20604,54 @@
       </p:cxnSp>
       <p:sp>
         <p:nvSpPr>
+          <p:cNvPr id="111" name="TextBox 110">
+            <a:extLst>
+              <a:ext uri="{FF2B5EF4-FFF2-40B4-BE49-F238E27FC236}">
+                <a16:creationId xmlns:a16="http://schemas.microsoft.com/office/drawing/2014/main" id="{10603D50-5EB7-46CA-92BD-0ED42BD1F1CA}"/>
+              </a:ext>
+            </a:extLst>
+          </p:cNvPr>
+          <p:cNvSpPr txBox="1"/>
+          <p:nvPr/>
+        </p:nvSpPr>
+        <p:spPr>
+          <a:xfrm>
+            <a:off x="8541614" y="4407986"/>
+            <a:ext cx="955297" cy="553998"/>
+          </a:xfrm>
+          <a:prstGeom prst="rect">
+            <a:avLst/>
+          </a:prstGeom>
+          <a:noFill/>
+        </p:spPr>
+        <p:txBody>
+          <a:bodyPr wrap="square" lIns="0" tIns="0" rIns="0" bIns="0" rtlCol="0">
+            <a:spAutoFit/>
+          </a:bodyPr>
+          <a:lstStyle/>
+          <a:p>
+            <a:r>
+              <a:rPr lang="en-CA" sz="1200" i="1" dirty="0"/>
+              <a:t>Choose</a:t>
+            </a:r>
+          </a:p>
+          <a:p>
+            <a:r>
+              <a:rPr lang="en-CA" sz="1200" i="1" dirty="0"/>
+              <a:t>different</a:t>
+            </a:r>
+          </a:p>
+          <a:p>
+            <a:r>
+              <a:rPr lang="en-CA" sz="1200" i="1" dirty="0"/>
+              <a:t>username </a:t>
+            </a:r>
+            <a:endParaRPr lang="en-US" sz="1200" i="1" dirty="0"/>
+          </a:p>
+        </p:txBody>
+      </p:sp>
+      <p:sp>
+        <p:nvSpPr>
           <p:cNvPr id="113" name="TextBox 112">
             <a:extLst>
               <a:ext uri="{FF2B5EF4-FFF2-40B4-BE49-F238E27FC236}">
@@ -19146,7 +20664,7 @@
         </p:nvSpPr>
         <p:spPr>
           <a:xfrm>
-            <a:off x="3126736" y="3089621"/>
+            <a:off x="3445810" y="3089621"/>
             <a:ext cx="803064" cy="738664"/>
           </a:xfrm>
           <a:prstGeom prst="rect">
@@ -19183,7 +20701,7 @@
         </p:nvSpPr>
         <p:spPr>
           <a:xfrm>
-            <a:off x="6457101" y="6023845"/>
+            <a:off x="6776175" y="6023845"/>
             <a:ext cx="1440494" cy="726509"/>
           </a:xfrm>
           <a:prstGeom prst="flowChartProcess">
@@ -19192,15 +20710,15 @@
         </p:spPr>
         <p:style>
           <a:lnRef idx="2">
-            <a:schemeClr val="accent6">
+            <a:schemeClr val="accent5">
               <a:shade val="50000"/>
             </a:schemeClr>
           </a:lnRef>
           <a:fillRef idx="1">
-            <a:schemeClr val="accent6"/>
+            <a:schemeClr val="accent5"/>
           </a:fillRef>
           <a:effectRef idx="0">
-            <a:schemeClr val="accent6"/>
+            <a:schemeClr val="accent5"/>
           </a:effectRef>
           <a:fontRef idx="minor">
             <a:schemeClr val="lt1"/>
@@ -19213,17 +20731,65 @@
             <a:pPr algn="ctr"/>
             <a:r>
               <a:rPr lang="en-CA" sz="1400" b="1" dirty="0"/>
-              <a:t>Create new owner in “owner” table</a:t>
+              <a:t>Create new user in “client” table</a:t>
             </a:r>
           </a:p>
         </p:txBody>
       </p:sp>
+      <p:cxnSp>
+        <p:nvCxnSpPr>
+          <p:cNvPr id="127" name="Connector: Elbow 32">
+            <a:extLst>
+              <a:ext uri="{FF2B5EF4-FFF2-40B4-BE49-F238E27FC236}">
+                <a16:creationId xmlns:a16="http://schemas.microsoft.com/office/drawing/2014/main" id="{47E8DC30-28E3-4786-BE6F-092CCC02F0E0}"/>
+              </a:ext>
+            </a:extLst>
+          </p:cNvPr>
+          <p:cNvCxnSpPr>
+            <a:cxnSpLocks/>
+            <a:stCxn id="32" idx="2"/>
+            <a:endCxn id="130" idx="0"/>
+          </p:cNvCxnSpPr>
+          <p:nvPr/>
+        </p:nvCxnSpPr>
+        <p:spPr>
+          <a:xfrm rot="16200000" flipH="1">
+            <a:off x="5499884" y="6054383"/>
+            <a:ext cx="1299484" cy="912731"/>
+          </a:xfrm>
+          <a:prstGeom prst="bentConnector3">
+            <a:avLst>
+              <a:gd name="adj1" fmla="val 84010"/>
+            </a:avLst>
+          </a:prstGeom>
+          <a:ln>
+            <a:solidFill>
+              <a:schemeClr val="tx1"/>
+            </a:solidFill>
+            <a:tailEnd type="triangle"/>
+          </a:ln>
+        </p:spPr>
+        <p:style>
+          <a:lnRef idx="1">
+            <a:schemeClr val="accent1"/>
+          </a:lnRef>
+          <a:fillRef idx="0">
+            <a:schemeClr val="accent1"/>
+          </a:fillRef>
+          <a:effectRef idx="0">
+            <a:schemeClr val="accent1"/>
+          </a:effectRef>
+          <a:fontRef idx="minor">
+            <a:schemeClr val="tx1"/>
+          </a:fontRef>
+        </p:style>
+      </p:cxnSp>
       <p:sp>
         <p:nvSpPr>
-          <p:cNvPr id="120" name="Flowchart: Process 119">
+          <p:cNvPr id="128" name="Flowchart: Process 127">
             <a:extLst>
               <a:ext uri="{FF2B5EF4-FFF2-40B4-BE49-F238E27FC236}">
-                <a16:creationId xmlns:a16="http://schemas.microsoft.com/office/drawing/2014/main" id="{51306B36-F494-4AEC-9F64-F6184F2BBDA2}"/>
+                <a16:creationId xmlns:a16="http://schemas.microsoft.com/office/drawing/2014/main" id="{8CEABC10-B85F-4B2B-B0D2-1C9A295FC1CE}"/>
               </a:ext>
             </a:extLst>
           </p:cNvPr>
@@ -19232,7 +20798,7 @@
         </p:nvSpPr>
         <p:spPr>
           <a:xfrm>
-            <a:off x="5569944" y="8099943"/>
+            <a:off x="5889018" y="8099943"/>
             <a:ext cx="1440494" cy="726509"/>
           </a:xfrm>
           <a:prstGeom prst="flowChartProcess">
@@ -19241,15 +20807,15 @@
         </p:spPr>
         <p:style>
           <a:lnRef idx="2">
-            <a:schemeClr val="accent6">
+            <a:schemeClr val="accent5">
               <a:shade val="50000"/>
             </a:schemeClr>
           </a:lnRef>
           <a:fillRef idx="1">
-            <a:schemeClr val="accent6"/>
+            <a:schemeClr val="accent5"/>
           </a:fillRef>
           <a:effectRef idx="0">
-            <a:schemeClr val="accent6"/>
+            <a:schemeClr val="accent5"/>
           </a:effectRef>
           <a:fontRef idx="minor">
             <a:schemeClr val="lt1"/>
@@ -19262,30 +20828,30 @@
             <a:pPr algn="ctr"/>
             <a:r>
               <a:rPr lang="en-CA" sz="1400" b="1" dirty="0"/>
-              <a:t>Go to /owner/:id page</a:t>
+              <a:t>Go to /client/:id page</a:t>
             </a:r>
           </a:p>
         </p:txBody>
       </p:sp>
       <p:cxnSp>
         <p:nvCxnSpPr>
-          <p:cNvPr id="122" name="Connector: Elbow 32">
+          <p:cNvPr id="129" name="Connector: Elbow 32">
             <a:extLst>
               <a:ext uri="{FF2B5EF4-FFF2-40B4-BE49-F238E27FC236}">
-                <a16:creationId xmlns:a16="http://schemas.microsoft.com/office/drawing/2014/main" id="{47B71685-1A63-4F65-A353-132F80B1B327}"/>
+                <a16:creationId xmlns:a16="http://schemas.microsoft.com/office/drawing/2014/main" id="{119AC89C-9F74-48F0-9B93-A598593ACA93}"/>
               </a:ext>
             </a:extLst>
           </p:cNvPr>
           <p:cNvCxnSpPr>
             <a:cxnSpLocks/>
             <a:stCxn id="117" idx="2"/>
-            <a:endCxn id="36" idx="0"/>
+            <a:endCxn id="130" idx="0"/>
           </p:cNvCxnSpPr>
           <p:nvPr/>
         </p:nvCxnSpPr>
         <p:spPr>
           <a:xfrm rot="5400000">
-            <a:off x="6527065" y="6510207"/>
+            <a:off x="6846139" y="6510207"/>
             <a:ext cx="410137" cy="890430"/>
           </a:xfrm>
           <a:prstGeom prst="bentConnector3">
@@ -19317,10 +20883,10 @@
       </p:cxnSp>
       <p:sp>
         <p:nvSpPr>
-          <p:cNvPr id="36" name="Flowchart: Process 35">
+          <p:cNvPr id="130" name="Flowchart: Process 129">
             <a:extLst>
               <a:ext uri="{FF2B5EF4-FFF2-40B4-BE49-F238E27FC236}">
-                <a16:creationId xmlns:a16="http://schemas.microsoft.com/office/drawing/2014/main" id="{5493B0DE-85A8-4F1E-B98A-A2582D94348D}"/>
+                <a16:creationId xmlns:a16="http://schemas.microsoft.com/office/drawing/2014/main" id="{E5468B24-916F-4675-8F84-96C94CA1622E}"/>
               </a:ext>
             </a:extLst>
           </p:cNvPr>
@@ -19329,7 +20895,7 @@
         </p:nvSpPr>
         <p:spPr>
           <a:xfrm>
-            <a:off x="5566671" y="7160491"/>
+            <a:off x="5885745" y="7160491"/>
             <a:ext cx="1440494" cy="726509"/>
           </a:xfrm>
           <a:prstGeom prst="flowChartProcess">
@@ -19338,15 +20904,15 @@
         </p:spPr>
         <p:style>
           <a:lnRef idx="2">
-            <a:schemeClr val="accent6">
+            <a:schemeClr val="accent5">
               <a:shade val="50000"/>
             </a:schemeClr>
           </a:lnRef>
           <a:fillRef idx="1">
-            <a:schemeClr val="accent6"/>
+            <a:schemeClr val="accent5"/>
           </a:fillRef>
           <a:effectRef idx="0">
-            <a:schemeClr val="accent6"/>
+            <a:schemeClr val="accent5"/>
           </a:effectRef>
           <a:fontRef idx="minor">
             <a:schemeClr val="lt1"/>
@@ -19359,30 +20925,30 @@
             <a:pPr algn="ctr"/>
             <a:r>
               <a:rPr lang="en-CA" sz="1400" b="1" dirty="0"/>
-              <a:t>Retrieve ID from “owner” table</a:t>
+              <a:t>Retrieve ID from “client” table</a:t>
             </a:r>
           </a:p>
         </p:txBody>
       </p:sp>
       <p:cxnSp>
         <p:nvCxnSpPr>
-          <p:cNvPr id="46" name="Connector: Elbow 32">
+          <p:cNvPr id="131" name="Connector: Elbow 32">
             <a:extLst>
               <a:ext uri="{FF2B5EF4-FFF2-40B4-BE49-F238E27FC236}">
-                <a16:creationId xmlns:a16="http://schemas.microsoft.com/office/drawing/2014/main" id="{0CAE976F-ED36-4BF1-A936-981790CD4977}"/>
+                <a16:creationId xmlns:a16="http://schemas.microsoft.com/office/drawing/2014/main" id="{F03943B7-A180-4265-B0C5-561260BD5C4A}"/>
               </a:ext>
             </a:extLst>
           </p:cNvPr>
           <p:cNvCxnSpPr>
             <a:cxnSpLocks/>
-            <a:stCxn id="36" idx="2"/>
-            <a:endCxn id="120" idx="0"/>
+            <a:stCxn id="130" idx="2"/>
+            <a:endCxn id="128" idx="0"/>
           </p:cNvCxnSpPr>
           <p:nvPr/>
         </p:nvCxnSpPr>
         <p:spPr>
           <a:xfrm>
-            <a:off x="6286918" y="7887000"/>
+            <a:off x="6605992" y="7887000"/>
             <a:ext cx="3273" cy="212943"/>
           </a:xfrm>
           <a:prstGeom prst="straightConnector1">
@@ -19410,58 +20976,10 @@
           </a:fontRef>
         </p:style>
       </p:cxnSp>
-      <p:sp>
-        <p:nvSpPr>
-          <p:cNvPr id="50" name="TextBox 49">
-            <a:extLst>
-              <a:ext uri="{FF2B5EF4-FFF2-40B4-BE49-F238E27FC236}">
-                <a16:creationId xmlns:a16="http://schemas.microsoft.com/office/drawing/2014/main" id="{3BDF4260-5BEB-4E84-83EA-31C7950B7DF8}"/>
-              </a:ext>
-            </a:extLst>
-          </p:cNvPr>
-          <p:cNvSpPr txBox="1"/>
-          <p:nvPr/>
-        </p:nvSpPr>
-        <p:spPr>
-          <a:xfrm>
-            <a:off x="8222540" y="4407986"/>
-            <a:ext cx="955297" cy="553998"/>
-          </a:xfrm>
-          <a:prstGeom prst="rect">
-            <a:avLst/>
-          </a:prstGeom>
-          <a:noFill/>
-        </p:spPr>
-        <p:txBody>
-          <a:bodyPr wrap="square" lIns="0" tIns="0" rIns="0" bIns="0" rtlCol="0">
-            <a:spAutoFit/>
-          </a:bodyPr>
-          <a:lstStyle/>
-          <a:p>
-            <a:r>
-              <a:rPr lang="en-CA" sz="1200" i="1" dirty="0"/>
-              <a:t>Choose</a:t>
-            </a:r>
-          </a:p>
-          <a:p>
-            <a:r>
-              <a:rPr lang="en-CA" sz="1200" i="1" dirty="0"/>
-              <a:t>different</a:t>
-            </a:r>
-          </a:p>
-          <a:p>
-            <a:r>
-              <a:rPr lang="en-CA" sz="1200" i="1" dirty="0"/>
-              <a:t>username </a:t>
-            </a:r>
-            <a:endParaRPr lang="en-US" sz="1200" i="1" dirty="0"/>
-          </a:p>
-        </p:txBody>
-      </p:sp>
     </p:spTree>
     <p:extLst>
       <p:ext uri="{BB962C8B-B14F-4D97-AF65-F5344CB8AC3E}">
-        <p14:creationId xmlns:p14="http://schemas.microsoft.com/office/powerpoint/2010/main" val="389733276"/>
+        <p14:creationId xmlns:p14="http://schemas.microsoft.com/office/powerpoint/2010/main" val="3732349269"/>
       </p:ext>
     </p:extLst>
   </p:cSld>

--- a/ProjectIdea_2.pptx
+++ b/ProjectIdea_2.pptx
@@ -5,7 +5,7 @@
     <p:sldMasterId id="2147483660" r:id="rId1"/>
   </p:sldMasterIdLst>
   <p:handoutMasterIdLst>
-    <p:handoutMasterId r:id="rId11"/>
+    <p:handoutMasterId r:id="rId12"/>
   </p:handoutMasterIdLst>
   <p:sldIdLst>
     <p:sldId id="257" r:id="rId2"/>
@@ -15,8 +15,9 @@
     <p:sldId id="261" r:id="rId6"/>
     <p:sldId id="262" r:id="rId7"/>
     <p:sldId id="263" r:id="rId8"/>
-    <p:sldId id="266" r:id="rId9"/>
-    <p:sldId id="267" r:id="rId10"/>
+    <p:sldId id="268" r:id="rId9"/>
+    <p:sldId id="266" r:id="rId10"/>
+    <p:sldId id="267" r:id="rId11"/>
   </p:sldIdLst>
   <p:sldSz cx="12801600" cy="9601200" type="A3"/>
   <p:notesSz cx="7010400" cy="9296400"/>
@@ -220,7 +221,7 @@
           <a:p>
             <a:fld id="{ED88CCEF-24E1-480D-A84C-C09607437982}" type="datetimeFigureOut">
               <a:rPr lang="en-US" smtClean="0"/>
-              <a:t>3/8/2019</a:t>
+              <a:t>3/14/2019</a:t>
             </a:fld>
             <a:endParaRPr lang="en-US"/>
           </a:p>
@@ -449,7 +450,7 @@
           <a:p>
             <a:fld id="{098E4F0A-755F-4942-B06B-E514525FED01}" type="datetimeFigureOut">
               <a:rPr lang="en-US" smtClean="0"/>
-              <a:t>3/8/2019</a:t>
+              <a:t>3/14/2019</a:t>
             </a:fld>
             <a:endParaRPr lang="en-US"/>
           </a:p>
@@ -635,7 +636,7 @@
           <a:p>
             <a:fld id="{098E4F0A-755F-4942-B06B-E514525FED01}" type="datetimeFigureOut">
               <a:rPr lang="en-US" smtClean="0"/>
-              <a:t>3/8/2019</a:t>
+              <a:t>3/14/2019</a:t>
             </a:fld>
             <a:endParaRPr lang="en-US"/>
           </a:p>
@@ -826,7 +827,7 @@
           <a:p>
             <a:fld id="{098E4F0A-755F-4942-B06B-E514525FED01}" type="datetimeFigureOut">
               <a:rPr lang="en-US" smtClean="0"/>
-              <a:t>3/8/2019</a:t>
+              <a:t>3/14/2019</a:t>
             </a:fld>
             <a:endParaRPr lang="en-US"/>
           </a:p>
@@ -1012,7 +1013,7 @@
           <a:p>
             <a:fld id="{098E4F0A-755F-4942-B06B-E514525FED01}" type="datetimeFigureOut">
               <a:rPr lang="en-US" smtClean="0"/>
-              <a:t>3/8/2019</a:t>
+              <a:t>3/14/2019</a:t>
             </a:fld>
             <a:endParaRPr lang="en-US"/>
           </a:p>
@@ -1267,7 +1268,7 @@
           <a:p>
             <a:fld id="{098E4F0A-755F-4942-B06B-E514525FED01}" type="datetimeFigureOut">
               <a:rPr lang="en-US" smtClean="0"/>
-              <a:t>3/8/2019</a:t>
+              <a:t>3/14/2019</a:t>
             </a:fld>
             <a:endParaRPr lang="en-US"/>
           </a:p>
@@ -1515,7 +1516,7 @@
           <a:p>
             <a:fld id="{098E4F0A-755F-4942-B06B-E514525FED01}" type="datetimeFigureOut">
               <a:rPr lang="en-US" smtClean="0"/>
-              <a:t>3/8/2019</a:t>
+              <a:t>3/14/2019</a:t>
             </a:fld>
             <a:endParaRPr lang="en-US"/>
           </a:p>
@@ -1893,7 +1894,7 @@
           <a:p>
             <a:fld id="{098E4F0A-755F-4942-B06B-E514525FED01}" type="datetimeFigureOut">
               <a:rPr lang="en-US" smtClean="0"/>
-              <a:t>3/8/2019</a:t>
+              <a:t>3/14/2019</a:t>
             </a:fld>
             <a:endParaRPr lang="en-US"/>
           </a:p>
@@ -1996,7 +1997,7 @@
           <a:p>
             <a:fld id="{098E4F0A-755F-4942-B06B-E514525FED01}" type="datetimeFigureOut">
               <a:rPr lang="en-US" smtClean="0"/>
-              <a:t>3/8/2019</a:t>
+              <a:t>3/14/2019</a:t>
             </a:fld>
             <a:endParaRPr lang="en-US"/>
           </a:p>
@@ -2137,7 +2138,7 @@
           <a:p>
             <a:fld id="{098E4F0A-755F-4942-B06B-E514525FED01}" type="datetimeFigureOut">
               <a:rPr lang="en-US" smtClean="0"/>
-              <a:t>3/8/2019</a:t>
+              <a:t>3/14/2019</a:t>
             </a:fld>
             <a:endParaRPr lang="en-US"/>
           </a:p>
@@ -2425,7 +2426,7 @@
           <a:p>
             <a:fld id="{098E4F0A-755F-4942-B06B-E514525FED01}" type="datetimeFigureOut">
               <a:rPr lang="en-US" smtClean="0"/>
-              <a:t>3/8/2019</a:t>
+              <a:t>3/14/2019</a:t>
             </a:fld>
             <a:endParaRPr lang="en-US"/>
           </a:p>
@@ -2693,7 +2694,7 @@
           <a:p>
             <a:fld id="{098E4F0A-755F-4942-B06B-E514525FED01}" type="datetimeFigureOut">
               <a:rPr lang="en-US" smtClean="0"/>
-              <a:t>3/8/2019</a:t>
+              <a:t>3/14/2019</a:t>
             </a:fld>
             <a:endParaRPr lang="en-US"/>
           </a:p>
@@ -2881,7 +2882,7 @@
           <a:p>
             <a:fld id="{098E4F0A-755F-4942-B06B-E514525FED01}" type="datetimeFigureOut">
               <a:rPr lang="en-US" smtClean="0"/>
-              <a:t>3/8/2019</a:t>
+              <a:t>3/14/2019</a:t>
             </a:fld>
             <a:endParaRPr lang="en-US"/>
           </a:p>
@@ -4612,6 +4613,1588 @@
     <p:extLst>
       <p:ext uri="{BB962C8B-B14F-4D97-AF65-F5344CB8AC3E}">
         <p14:creationId xmlns:p14="http://schemas.microsoft.com/office/powerpoint/2010/main" val="1415053866"/>
+      </p:ext>
+    </p:extLst>
+  </p:cSld>
+  <p:clrMapOvr>
+    <a:masterClrMapping/>
+  </p:clrMapOvr>
+</p:sld>
+</file>
+
+<file path=ppt/slides/slide10.xml><?xml version="1.0" encoding="utf-8"?>
+<p:sld xmlns:a="http://schemas.openxmlformats.org/drawingml/2006/main" xmlns:r="http://schemas.openxmlformats.org/officeDocument/2006/relationships" xmlns:p="http://schemas.openxmlformats.org/presentationml/2006/main">
+  <p:cSld>
+    <p:spTree>
+      <p:nvGrpSpPr>
+        <p:cNvPr id="1" name=""/>
+        <p:cNvGrpSpPr/>
+        <p:nvPr/>
+      </p:nvGrpSpPr>
+      <p:grpSpPr>
+        <a:xfrm>
+          <a:off x="0" y="0"/>
+          <a:ext cx="0" cy="0"/>
+          <a:chOff x="0" y="0"/>
+          <a:chExt cx="0" cy="0"/>
+        </a:xfrm>
+      </p:grpSpPr>
+      <p:sp>
+        <p:nvSpPr>
+          <p:cNvPr id="2" name="Title 1">
+            <a:extLst>
+              <a:ext uri="{FF2B5EF4-FFF2-40B4-BE49-F238E27FC236}">
+                <a16:creationId xmlns:a16="http://schemas.microsoft.com/office/drawing/2014/main" id="{E20023E2-BDF7-43CE-A334-AB8DAEB6790B}"/>
+              </a:ext>
+            </a:extLst>
+          </p:cNvPr>
+          <p:cNvSpPr>
+            <a:spLocks noGrp="1"/>
+          </p:cNvSpPr>
+          <p:nvPr>
+            <p:ph type="title"/>
+          </p:nvPr>
+        </p:nvSpPr>
+        <p:spPr>
+          <a:xfrm>
+            <a:off x="714768" y="183840"/>
+            <a:ext cx="3610448" cy="481394"/>
+          </a:xfrm>
+        </p:spPr>
+        <p:txBody>
+          <a:bodyPr/>
+          <a:lstStyle/>
+          <a:p>
+            <a:r>
+              <a:rPr lang="en-CA" dirty="0"/>
+              <a:t>Modal logic</a:t>
+            </a:r>
+            <a:endParaRPr lang="en-US" dirty="0"/>
+          </a:p>
+        </p:txBody>
+      </p:sp>
+      <p:sp>
+        <p:nvSpPr>
+          <p:cNvPr id="20" name="Flowchart: Manual Operation 19">
+            <a:extLst>
+              <a:ext uri="{FF2B5EF4-FFF2-40B4-BE49-F238E27FC236}">
+                <a16:creationId xmlns:a16="http://schemas.microsoft.com/office/drawing/2014/main" id="{E513D03A-878B-4D9D-8860-58A16351DC9D}"/>
+              </a:ext>
+            </a:extLst>
+          </p:cNvPr>
+          <p:cNvSpPr/>
+          <p:nvPr/>
+        </p:nvSpPr>
+        <p:spPr>
+          <a:xfrm>
+            <a:off x="5850900" y="1326584"/>
+            <a:ext cx="1440493" cy="576197"/>
+          </a:xfrm>
+          <a:prstGeom prst="flowChartManualOperation">
+            <a:avLst/>
+          </a:prstGeom>
+        </p:spPr>
+        <p:style>
+          <a:lnRef idx="2">
+            <a:schemeClr val="accent5">
+              <a:shade val="50000"/>
+            </a:schemeClr>
+          </a:lnRef>
+          <a:fillRef idx="1">
+            <a:schemeClr val="accent5"/>
+          </a:fillRef>
+          <a:effectRef idx="0">
+            <a:schemeClr val="accent5"/>
+          </a:effectRef>
+          <a:fontRef idx="minor">
+            <a:schemeClr val="lt1"/>
+          </a:fontRef>
+        </p:style>
+        <p:txBody>
+          <a:bodyPr lIns="0" tIns="0" rIns="0" bIns="0" rtlCol="0" anchor="ctr"/>
+          <a:lstStyle/>
+          <a:p>
+            <a:pPr algn="ctr"/>
+            <a:r>
+              <a:rPr lang="en-CA" sz="1400" b="1" dirty="0"/>
+              <a:t>“LOG IN” is clicked</a:t>
+            </a:r>
+          </a:p>
+        </p:txBody>
+      </p:sp>
+      <p:sp>
+        <p:nvSpPr>
+          <p:cNvPr id="21" name="Flowchart: Process 20">
+            <a:extLst>
+              <a:ext uri="{FF2B5EF4-FFF2-40B4-BE49-F238E27FC236}">
+                <a16:creationId xmlns:a16="http://schemas.microsoft.com/office/drawing/2014/main" id="{C128FC54-AE62-471A-ADD2-14CF944F959A}"/>
+              </a:ext>
+            </a:extLst>
+          </p:cNvPr>
+          <p:cNvSpPr/>
+          <p:nvPr/>
+        </p:nvSpPr>
+        <p:spPr>
+          <a:xfrm>
+            <a:off x="5850899" y="2209669"/>
+            <a:ext cx="1440494" cy="726509"/>
+          </a:xfrm>
+          <a:prstGeom prst="flowChartProcess">
+            <a:avLst/>
+          </a:prstGeom>
+        </p:spPr>
+        <p:style>
+          <a:lnRef idx="2">
+            <a:schemeClr val="accent5">
+              <a:shade val="50000"/>
+            </a:schemeClr>
+          </a:lnRef>
+          <a:fillRef idx="1">
+            <a:schemeClr val="accent5"/>
+          </a:fillRef>
+          <a:effectRef idx="0">
+            <a:schemeClr val="accent5"/>
+          </a:effectRef>
+          <a:fontRef idx="minor">
+            <a:schemeClr val="lt1"/>
+          </a:fontRef>
+        </p:style>
+        <p:txBody>
+          <a:bodyPr rtlCol="0" anchor="ctr"/>
+          <a:lstStyle/>
+          <a:p>
+            <a:pPr algn="ctr"/>
+            <a:r>
+              <a:rPr lang="en-CA" sz="1400" b="1" dirty="0"/>
+              <a:t>Present “client” modal</a:t>
+            </a:r>
+          </a:p>
+        </p:txBody>
+      </p:sp>
+      <p:sp>
+        <p:nvSpPr>
+          <p:cNvPr id="23" name="Flowchart: Decision 22">
+            <a:extLst>
+              <a:ext uri="{FF2B5EF4-FFF2-40B4-BE49-F238E27FC236}">
+                <a16:creationId xmlns:a16="http://schemas.microsoft.com/office/drawing/2014/main" id="{A4A80A9A-8E39-4331-967B-1AECB7D7044F}"/>
+              </a:ext>
+            </a:extLst>
+          </p:cNvPr>
+          <p:cNvSpPr/>
+          <p:nvPr/>
+        </p:nvSpPr>
+        <p:spPr>
+          <a:xfrm>
+            <a:off x="4973014" y="3975839"/>
+            <a:ext cx="1440494" cy="864296"/>
+          </a:xfrm>
+          <a:prstGeom prst="flowChartDecision">
+            <a:avLst/>
+          </a:prstGeom>
+        </p:spPr>
+        <p:style>
+          <a:lnRef idx="2">
+            <a:schemeClr val="accent5">
+              <a:shade val="50000"/>
+            </a:schemeClr>
+          </a:lnRef>
+          <a:fillRef idx="1">
+            <a:schemeClr val="accent5"/>
+          </a:fillRef>
+          <a:effectRef idx="0">
+            <a:schemeClr val="accent5"/>
+          </a:effectRef>
+          <a:fontRef idx="minor">
+            <a:schemeClr val="lt1"/>
+          </a:fontRef>
+        </p:style>
+        <p:txBody>
+          <a:bodyPr lIns="0" tIns="0" rIns="0" bIns="0" rtlCol="0" anchor="ctr"/>
+          <a:lstStyle/>
+          <a:p>
+            <a:pPr algn="ctr"/>
+            <a:r>
+              <a:rPr lang="en-CA" sz="1400" b="1" dirty="0"/>
+              <a:t>Check if user exist</a:t>
+            </a:r>
+          </a:p>
+        </p:txBody>
+      </p:sp>
+      <p:sp>
+        <p:nvSpPr>
+          <p:cNvPr id="30" name="Flowchart: Manual Operation 29">
+            <a:extLst>
+              <a:ext uri="{FF2B5EF4-FFF2-40B4-BE49-F238E27FC236}">
+                <a16:creationId xmlns:a16="http://schemas.microsoft.com/office/drawing/2014/main" id="{2BCF2EBD-DC2F-411D-84A7-334D4999602D}"/>
+              </a:ext>
+            </a:extLst>
+          </p:cNvPr>
+          <p:cNvSpPr/>
+          <p:nvPr/>
+        </p:nvSpPr>
+        <p:spPr>
+          <a:xfrm>
+            <a:off x="4973015" y="3243066"/>
+            <a:ext cx="1440493" cy="576197"/>
+          </a:xfrm>
+          <a:prstGeom prst="flowChartManualOperation">
+            <a:avLst/>
+          </a:prstGeom>
+        </p:spPr>
+        <p:style>
+          <a:lnRef idx="2">
+            <a:schemeClr val="accent5">
+              <a:shade val="50000"/>
+            </a:schemeClr>
+          </a:lnRef>
+          <a:fillRef idx="1">
+            <a:schemeClr val="accent5"/>
+          </a:fillRef>
+          <a:effectRef idx="0">
+            <a:schemeClr val="accent5"/>
+          </a:effectRef>
+          <a:fontRef idx="minor">
+            <a:schemeClr val="lt1"/>
+          </a:fontRef>
+        </p:style>
+        <p:txBody>
+          <a:bodyPr lIns="0" tIns="0" rIns="0" bIns="0" rtlCol="0" anchor="ctr"/>
+          <a:lstStyle/>
+          <a:p>
+            <a:pPr algn="ctr"/>
+            <a:r>
+              <a:rPr lang="en-CA" sz="1400" b="1" dirty="0"/>
+              <a:t>“LOG IN” is clicked</a:t>
+            </a:r>
+          </a:p>
+        </p:txBody>
+      </p:sp>
+      <p:sp>
+        <p:nvSpPr>
+          <p:cNvPr id="32" name="Flowchart: Decision 31">
+            <a:extLst>
+              <a:ext uri="{FF2B5EF4-FFF2-40B4-BE49-F238E27FC236}">
+                <a16:creationId xmlns:a16="http://schemas.microsoft.com/office/drawing/2014/main" id="{AFFF8365-8A52-4C5A-8555-E2CDBB4D831A}"/>
+              </a:ext>
+            </a:extLst>
+          </p:cNvPr>
+          <p:cNvSpPr/>
+          <p:nvPr/>
+        </p:nvSpPr>
+        <p:spPr>
+          <a:xfrm>
+            <a:off x="4973014" y="4996711"/>
+            <a:ext cx="1440494" cy="864296"/>
+          </a:xfrm>
+          <a:prstGeom prst="flowChartDecision">
+            <a:avLst/>
+          </a:prstGeom>
+        </p:spPr>
+        <p:style>
+          <a:lnRef idx="2">
+            <a:schemeClr val="accent5">
+              <a:shade val="50000"/>
+            </a:schemeClr>
+          </a:lnRef>
+          <a:fillRef idx="1">
+            <a:schemeClr val="accent5"/>
+          </a:fillRef>
+          <a:effectRef idx="0">
+            <a:schemeClr val="accent5"/>
+          </a:effectRef>
+          <a:fontRef idx="minor">
+            <a:schemeClr val="lt1"/>
+          </a:fontRef>
+        </p:style>
+        <p:txBody>
+          <a:bodyPr lIns="0" tIns="0" rIns="0" bIns="0" rtlCol="0" anchor="ctr"/>
+          <a:lstStyle/>
+          <a:p>
+            <a:pPr algn="ctr"/>
+            <a:r>
+              <a:rPr lang="en-CA" sz="1400" b="1" dirty="0"/>
+              <a:t>Check </a:t>
+            </a:r>
+          </a:p>
+          <a:p>
+            <a:pPr algn="ctr"/>
+            <a:r>
+              <a:rPr lang="en-CA" sz="1400" b="1" dirty="0"/>
+              <a:t>password</a:t>
+            </a:r>
+          </a:p>
+        </p:txBody>
+      </p:sp>
+      <p:cxnSp>
+        <p:nvCxnSpPr>
+          <p:cNvPr id="33" name="Connector: Elbow 32">
+            <a:extLst>
+              <a:ext uri="{FF2B5EF4-FFF2-40B4-BE49-F238E27FC236}">
+                <a16:creationId xmlns:a16="http://schemas.microsoft.com/office/drawing/2014/main" id="{C3A6F152-5949-412A-847A-22C594F4B304}"/>
+              </a:ext>
+            </a:extLst>
+          </p:cNvPr>
+          <p:cNvCxnSpPr>
+            <a:cxnSpLocks/>
+            <a:stCxn id="20" idx="2"/>
+            <a:endCxn id="21" idx="0"/>
+          </p:cNvCxnSpPr>
+          <p:nvPr/>
+        </p:nvCxnSpPr>
+        <p:spPr>
+          <a:xfrm flipH="1">
+            <a:off x="6571146" y="1902781"/>
+            <a:ext cx="1" cy="306888"/>
+          </a:xfrm>
+          <a:prstGeom prst="straightConnector1">
+            <a:avLst/>
+          </a:prstGeom>
+          <a:ln>
+            <a:solidFill>
+              <a:schemeClr val="tx1"/>
+            </a:solidFill>
+            <a:tailEnd type="triangle"/>
+          </a:ln>
+        </p:spPr>
+        <p:style>
+          <a:lnRef idx="1">
+            <a:schemeClr val="accent1"/>
+          </a:lnRef>
+          <a:fillRef idx="0">
+            <a:schemeClr val="accent1"/>
+          </a:fillRef>
+          <a:effectRef idx="0">
+            <a:schemeClr val="accent1"/>
+          </a:effectRef>
+          <a:fontRef idx="minor">
+            <a:schemeClr val="tx1"/>
+          </a:fontRef>
+        </p:style>
+      </p:cxnSp>
+      <p:cxnSp>
+        <p:nvCxnSpPr>
+          <p:cNvPr id="38" name="Connector: Elbow 37">
+            <a:extLst>
+              <a:ext uri="{FF2B5EF4-FFF2-40B4-BE49-F238E27FC236}">
+                <a16:creationId xmlns:a16="http://schemas.microsoft.com/office/drawing/2014/main" id="{6AFA7DBF-4321-439C-B790-EA7952D58567}"/>
+              </a:ext>
+            </a:extLst>
+          </p:cNvPr>
+          <p:cNvCxnSpPr>
+            <a:cxnSpLocks/>
+            <a:stCxn id="23" idx="1"/>
+            <a:endCxn id="21" idx="1"/>
+          </p:cNvCxnSpPr>
+          <p:nvPr/>
+        </p:nvCxnSpPr>
+        <p:spPr>
+          <a:xfrm rot="10800000" flipH="1">
+            <a:off x="4973013" y="2572925"/>
+            <a:ext cx="877885" cy="1835063"/>
+          </a:xfrm>
+          <a:prstGeom prst="bentConnector3">
+            <a:avLst>
+              <a:gd name="adj1" fmla="val -74865"/>
+            </a:avLst>
+          </a:prstGeom>
+          <a:ln>
+            <a:solidFill>
+              <a:schemeClr val="tx1"/>
+            </a:solidFill>
+            <a:tailEnd type="triangle"/>
+          </a:ln>
+        </p:spPr>
+        <p:style>
+          <a:lnRef idx="1">
+            <a:schemeClr val="accent1"/>
+          </a:lnRef>
+          <a:fillRef idx="0">
+            <a:schemeClr val="accent1"/>
+          </a:fillRef>
+          <a:effectRef idx="0">
+            <a:schemeClr val="accent1"/>
+          </a:effectRef>
+          <a:fontRef idx="minor">
+            <a:schemeClr val="tx1"/>
+          </a:fontRef>
+        </p:style>
+      </p:cxnSp>
+      <p:cxnSp>
+        <p:nvCxnSpPr>
+          <p:cNvPr id="41" name="Connector: Elbow 40">
+            <a:extLst>
+              <a:ext uri="{FF2B5EF4-FFF2-40B4-BE49-F238E27FC236}">
+                <a16:creationId xmlns:a16="http://schemas.microsoft.com/office/drawing/2014/main" id="{0B893C46-75E3-4706-975C-AD4DACCB4308}"/>
+              </a:ext>
+            </a:extLst>
+          </p:cNvPr>
+          <p:cNvCxnSpPr>
+            <a:cxnSpLocks/>
+            <a:stCxn id="32" idx="1"/>
+            <a:endCxn id="21" idx="1"/>
+          </p:cNvCxnSpPr>
+          <p:nvPr/>
+        </p:nvCxnSpPr>
+        <p:spPr>
+          <a:xfrm rot="10800000" flipH="1">
+            <a:off x="4973013" y="2572925"/>
+            <a:ext cx="877885" cy="2855935"/>
+          </a:xfrm>
+          <a:prstGeom prst="bentConnector3">
+            <a:avLst>
+              <a:gd name="adj1" fmla="val -74865"/>
+            </a:avLst>
+          </a:prstGeom>
+          <a:ln>
+            <a:solidFill>
+              <a:schemeClr val="tx1"/>
+            </a:solidFill>
+            <a:tailEnd type="triangle"/>
+          </a:ln>
+        </p:spPr>
+        <p:style>
+          <a:lnRef idx="1">
+            <a:schemeClr val="accent1"/>
+          </a:lnRef>
+          <a:fillRef idx="0">
+            <a:schemeClr val="accent1"/>
+          </a:fillRef>
+          <a:effectRef idx="0">
+            <a:schemeClr val="accent1"/>
+          </a:effectRef>
+          <a:fontRef idx="minor">
+            <a:schemeClr val="tx1"/>
+          </a:fontRef>
+        </p:style>
+      </p:cxnSp>
+      <p:cxnSp>
+        <p:nvCxnSpPr>
+          <p:cNvPr id="51" name="Connector: Elbow 32">
+            <a:extLst>
+              <a:ext uri="{FF2B5EF4-FFF2-40B4-BE49-F238E27FC236}">
+                <a16:creationId xmlns:a16="http://schemas.microsoft.com/office/drawing/2014/main" id="{E0903A00-538D-44B7-9BB9-B9160D7749D0}"/>
+              </a:ext>
+            </a:extLst>
+          </p:cNvPr>
+          <p:cNvCxnSpPr>
+            <a:cxnSpLocks/>
+            <a:stCxn id="21" idx="2"/>
+            <a:endCxn id="30" idx="0"/>
+          </p:cNvCxnSpPr>
+          <p:nvPr/>
+        </p:nvCxnSpPr>
+        <p:spPr>
+          <a:xfrm rot="5400000">
+            <a:off x="5978760" y="2650680"/>
+            <a:ext cx="306888" cy="877884"/>
+          </a:xfrm>
+          <a:prstGeom prst="bentConnector3">
+            <a:avLst>
+              <a:gd name="adj1" fmla="val 50000"/>
+            </a:avLst>
+          </a:prstGeom>
+          <a:ln>
+            <a:solidFill>
+              <a:schemeClr val="tx1"/>
+            </a:solidFill>
+            <a:tailEnd type="triangle"/>
+          </a:ln>
+        </p:spPr>
+        <p:style>
+          <a:lnRef idx="1">
+            <a:schemeClr val="accent1"/>
+          </a:lnRef>
+          <a:fillRef idx="0">
+            <a:schemeClr val="accent1"/>
+          </a:fillRef>
+          <a:effectRef idx="0">
+            <a:schemeClr val="accent1"/>
+          </a:effectRef>
+          <a:fontRef idx="minor">
+            <a:schemeClr val="tx1"/>
+          </a:fontRef>
+        </p:style>
+      </p:cxnSp>
+      <p:cxnSp>
+        <p:nvCxnSpPr>
+          <p:cNvPr id="52" name="Connector: Elbow 32">
+            <a:extLst>
+              <a:ext uri="{FF2B5EF4-FFF2-40B4-BE49-F238E27FC236}">
+                <a16:creationId xmlns:a16="http://schemas.microsoft.com/office/drawing/2014/main" id="{15C4A924-21D6-4EE1-88B0-9C3E7E812184}"/>
+              </a:ext>
+            </a:extLst>
+          </p:cNvPr>
+          <p:cNvCxnSpPr>
+            <a:cxnSpLocks/>
+            <a:stCxn id="30" idx="2"/>
+            <a:endCxn id="23" idx="0"/>
+          </p:cNvCxnSpPr>
+          <p:nvPr/>
+        </p:nvCxnSpPr>
+        <p:spPr>
+          <a:xfrm flipH="1">
+            <a:off x="5693261" y="3819263"/>
+            <a:ext cx="1" cy="156576"/>
+          </a:xfrm>
+          <a:prstGeom prst="straightConnector1">
+            <a:avLst/>
+          </a:prstGeom>
+          <a:ln>
+            <a:solidFill>
+              <a:schemeClr val="tx1"/>
+            </a:solidFill>
+            <a:tailEnd type="triangle"/>
+          </a:ln>
+        </p:spPr>
+        <p:style>
+          <a:lnRef idx="1">
+            <a:schemeClr val="accent1"/>
+          </a:lnRef>
+          <a:fillRef idx="0">
+            <a:schemeClr val="accent1"/>
+          </a:fillRef>
+          <a:effectRef idx="0">
+            <a:schemeClr val="accent1"/>
+          </a:effectRef>
+          <a:fontRef idx="minor">
+            <a:schemeClr val="tx1"/>
+          </a:fontRef>
+        </p:style>
+      </p:cxnSp>
+      <p:cxnSp>
+        <p:nvCxnSpPr>
+          <p:cNvPr id="53" name="Connector: Elbow 32">
+            <a:extLst>
+              <a:ext uri="{FF2B5EF4-FFF2-40B4-BE49-F238E27FC236}">
+                <a16:creationId xmlns:a16="http://schemas.microsoft.com/office/drawing/2014/main" id="{B23CE2A6-14BA-4A28-AE6B-7448A474D6AA}"/>
+              </a:ext>
+            </a:extLst>
+          </p:cNvPr>
+          <p:cNvCxnSpPr>
+            <a:cxnSpLocks/>
+            <a:stCxn id="23" idx="2"/>
+            <a:endCxn id="32" idx="0"/>
+          </p:cNvCxnSpPr>
+          <p:nvPr/>
+        </p:nvCxnSpPr>
+        <p:spPr>
+          <a:xfrm>
+            <a:off x="5693261" y="4840135"/>
+            <a:ext cx="0" cy="156576"/>
+          </a:xfrm>
+          <a:prstGeom prst="straightConnector1">
+            <a:avLst/>
+          </a:prstGeom>
+          <a:ln>
+            <a:solidFill>
+              <a:schemeClr val="tx1"/>
+            </a:solidFill>
+            <a:tailEnd type="triangle"/>
+          </a:ln>
+        </p:spPr>
+        <p:style>
+          <a:lnRef idx="1">
+            <a:schemeClr val="accent1"/>
+          </a:lnRef>
+          <a:fillRef idx="0">
+            <a:schemeClr val="accent1"/>
+          </a:fillRef>
+          <a:effectRef idx="0">
+            <a:schemeClr val="accent1"/>
+          </a:effectRef>
+          <a:fontRef idx="minor">
+            <a:schemeClr val="tx1"/>
+          </a:fontRef>
+        </p:style>
+      </p:cxnSp>
+      <p:sp>
+        <p:nvSpPr>
+          <p:cNvPr id="61" name="TextBox 60">
+            <a:extLst>
+              <a:ext uri="{FF2B5EF4-FFF2-40B4-BE49-F238E27FC236}">
+                <a16:creationId xmlns:a16="http://schemas.microsoft.com/office/drawing/2014/main" id="{EE5ED381-3B72-4022-9A8C-57BCEEF673A5}"/>
+              </a:ext>
+            </a:extLst>
+          </p:cNvPr>
+          <p:cNvSpPr txBox="1"/>
+          <p:nvPr/>
+        </p:nvSpPr>
+        <p:spPr>
+          <a:xfrm>
+            <a:off x="4677939" y="4223321"/>
+            <a:ext cx="205184" cy="184666"/>
+          </a:xfrm>
+          <a:prstGeom prst="rect">
+            <a:avLst/>
+          </a:prstGeom>
+          <a:noFill/>
+        </p:spPr>
+        <p:txBody>
+          <a:bodyPr wrap="none" lIns="0" tIns="0" rIns="0" bIns="0" rtlCol="0">
+            <a:spAutoFit/>
+          </a:bodyPr>
+          <a:lstStyle/>
+          <a:p>
+            <a:pPr algn="ctr"/>
+            <a:r>
+              <a:rPr lang="en-CA" sz="1200" b="1" dirty="0"/>
+              <a:t>NO</a:t>
+            </a:r>
+            <a:endParaRPr lang="en-US" sz="1200" b="1" dirty="0"/>
+          </a:p>
+        </p:txBody>
+      </p:sp>
+      <p:sp>
+        <p:nvSpPr>
+          <p:cNvPr id="62" name="TextBox 61">
+            <a:extLst>
+              <a:ext uri="{FF2B5EF4-FFF2-40B4-BE49-F238E27FC236}">
+                <a16:creationId xmlns:a16="http://schemas.microsoft.com/office/drawing/2014/main" id="{E24F50A0-4A1E-40D8-8344-ED8AC9B9F783}"/>
+              </a:ext>
+            </a:extLst>
+          </p:cNvPr>
+          <p:cNvSpPr txBox="1"/>
+          <p:nvPr/>
+        </p:nvSpPr>
+        <p:spPr>
+          <a:xfrm>
+            <a:off x="4677939" y="5244193"/>
+            <a:ext cx="205184" cy="184666"/>
+          </a:xfrm>
+          <a:prstGeom prst="rect">
+            <a:avLst/>
+          </a:prstGeom>
+          <a:noFill/>
+        </p:spPr>
+        <p:txBody>
+          <a:bodyPr wrap="none" lIns="0" tIns="0" rIns="0" bIns="0" rtlCol="0">
+            <a:spAutoFit/>
+          </a:bodyPr>
+          <a:lstStyle/>
+          <a:p>
+            <a:pPr algn="ctr"/>
+            <a:r>
+              <a:rPr lang="en-CA" sz="1200" b="1" dirty="0"/>
+              <a:t>NO</a:t>
+            </a:r>
+            <a:endParaRPr lang="en-US" sz="1200" b="1" dirty="0"/>
+          </a:p>
+        </p:txBody>
+      </p:sp>
+      <p:sp>
+        <p:nvSpPr>
+          <p:cNvPr id="63" name="TextBox 62">
+            <a:extLst>
+              <a:ext uri="{FF2B5EF4-FFF2-40B4-BE49-F238E27FC236}">
+                <a16:creationId xmlns:a16="http://schemas.microsoft.com/office/drawing/2014/main" id="{9CE241DA-F6C0-4DE0-9B87-308EAC3C706B}"/>
+              </a:ext>
+            </a:extLst>
+          </p:cNvPr>
+          <p:cNvSpPr txBox="1"/>
+          <p:nvPr/>
+        </p:nvSpPr>
+        <p:spPr>
+          <a:xfrm>
+            <a:off x="5772669" y="4839837"/>
+            <a:ext cx="226152" cy="184666"/>
+          </a:xfrm>
+          <a:prstGeom prst="rect">
+            <a:avLst/>
+          </a:prstGeom>
+          <a:noFill/>
+        </p:spPr>
+        <p:txBody>
+          <a:bodyPr wrap="none" lIns="0" tIns="0" rIns="0" bIns="0" rtlCol="0">
+            <a:spAutoFit/>
+          </a:bodyPr>
+          <a:lstStyle/>
+          <a:p>
+            <a:pPr algn="ctr"/>
+            <a:r>
+              <a:rPr lang="en-CA" sz="1200" b="1" dirty="0"/>
+              <a:t>YES</a:t>
+            </a:r>
+            <a:endParaRPr lang="en-US" sz="1200" b="1" dirty="0"/>
+          </a:p>
+        </p:txBody>
+      </p:sp>
+      <p:sp>
+        <p:nvSpPr>
+          <p:cNvPr id="68" name="TextBox 67">
+            <a:extLst>
+              <a:ext uri="{FF2B5EF4-FFF2-40B4-BE49-F238E27FC236}">
+                <a16:creationId xmlns:a16="http://schemas.microsoft.com/office/drawing/2014/main" id="{B4BE916A-813E-4A16-8DC9-DB0CCB984A31}"/>
+              </a:ext>
+            </a:extLst>
+          </p:cNvPr>
+          <p:cNvSpPr txBox="1"/>
+          <p:nvPr/>
+        </p:nvSpPr>
+        <p:spPr>
+          <a:xfrm>
+            <a:off x="5772669" y="5861007"/>
+            <a:ext cx="226152" cy="184666"/>
+          </a:xfrm>
+          <a:prstGeom prst="rect">
+            <a:avLst/>
+          </a:prstGeom>
+          <a:noFill/>
+        </p:spPr>
+        <p:txBody>
+          <a:bodyPr wrap="none" lIns="0" tIns="0" rIns="0" bIns="0" rtlCol="0">
+            <a:spAutoFit/>
+          </a:bodyPr>
+          <a:lstStyle/>
+          <a:p>
+            <a:pPr algn="ctr"/>
+            <a:r>
+              <a:rPr lang="en-CA" sz="1200" b="1" dirty="0"/>
+              <a:t>YES</a:t>
+            </a:r>
+            <a:endParaRPr lang="en-US" sz="1200" b="1" dirty="0"/>
+          </a:p>
+        </p:txBody>
+      </p:sp>
+      <p:sp>
+        <p:nvSpPr>
+          <p:cNvPr id="72" name="Flowchart: Manual Operation 71">
+            <a:extLst>
+              <a:ext uri="{FF2B5EF4-FFF2-40B4-BE49-F238E27FC236}">
+                <a16:creationId xmlns:a16="http://schemas.microsoft.com/office/drawing/2014/main" id="{18656EF9-3875-4A13-9334-A11C96D384AB}"/>
+              </a:ext>
+            </a:extLst>
+          </p:cNvPr>
+          <p:cNvSpPr/>
+          <p:nvPr/>
+        </p:nvSpPr>
+        <p:spPr>
+          <a:xfrm>
+            <a:off x="6776175" y="3243066"/>
+            <a:ext cx="1440493" cy="576197"/>
+          </a:xfrm>
+          <a:prstGeom prst="flowChartManualOperation">
+            <a:avLst/>
+          </a:prstGeom>
+        </p:spPr>
+        <p:style>
+          <a:lnRef idx="2">
+            <a:schemeClr val="accent5">
+              <a:shade val="50000"/>
+            </a:schemeClr>
+          </a:lnRef>
+          <a:fillRef idx="1">
+            <a:schemeClr val="accent5"/>
+          </a:fillRef>
+          <a:effectRef idx="0">
+            <a:schemeClr val="accent5"/>
+          </a:effectRef>
+          <a:fontRef idx="minor">
+            <a:schemeClr val="lt1"/>
+          </a:fontRef>
+        </p:style>
+        <p:txBody>
+          <a:bodyPr wrap="none" lIns="0" tIns="0" rIns="0" bIns="0" rtlCol="0" anchor="ctr"/>
+          <a:lstStyle/>
+          <a:p>
+            <a:pPr algn="ctr"/>
+            <a:r>
+              <a:rPr lang="en-CA" sz="1400" b="1" dirty="0"/>
+              <a:t>“NEW USER”</a:t>
+            </a:r>
+          </a:p>
+          <a:p>
+            <a:pPr algn="ctr"/>
+            <a:r>
+              <a:rPr lang="en-CA" sz="1400" b="1" dirty="0"/>
+              <a:t>is clicked</a:t>
+            </a:r>
+          </a:p>
+        </p:txBody>
+      </p:sp>
+      <p:cxnSp>
+        <p:nvCxnSpPr>
+          <p:cNvPr id="73" name="Connector: Elbow 72">
+            <a:extLst>
+              <a:ext uri="{FF2B5EF4-FFF2-40B4-BE49-F238E27FC236}">
+                <a16:creationId xmlns:a16="http://schemas.microsoft.com/office/drawing/2014/main" id="{E5293DC4-056F-4157-B0C4-606EF6A279F8}"/>
+              </a:ext>
+            </a:extLst>
+          </p:cNvPr>
+          <p:cNvCxnSpPr>
+            <a:cxnSpLocks/>
+            <a:stCxn id="21" idx="2"/>
+            <a:endCxn id="72" idx="0"/>
+          </p:cNvCxnSpPr>
+          <p:nvPr/>
+        </p:nvCxnSpPr>
+        <p:spPr>
+          <a:xfrm rot="16200000" flipH="1">
+            <a:off x="6880340" y="2626984"/>
+            <a:ext cx="306888" cy="925276"/>
+          </a:xfrm>
+          <a:prstGeom prst="bentConnector3">
+            <a:avLst>
+              <a:gd name="adj1" fmla="val 50000"/>
+            </a:avLst>
+          </a:prstGeom>
+          <a:ln>
+            <a:solidFill>
+              <a:schemeClr val="tx1"/>
+            </a:solidFill>
+            <a:tailEnd type="triangle"/>
+          </a:ln>
+        </p:spPr>
+        <p:style>
+          <a:lnRef idx="1">
+            <a:schemeClr val="accent1"/>
+          </a:lnRef>
+          <a:fillRef idx="0">
+            <a:schemeClr val="accent1"/>
+          </a:fillRef>
+          <a:effectRef idx="0">
+            <a:schemeClr val="accent1"/>
+          </a:effectRef>
+          <a:fontRef idx="minor">
+            <a:schemeClr val="tx1"/>
+          </a:fontRef>
+        </p:style>
+      </p:cxnSp>
+      <p:sp>
+        <p:nvSpPr>
+          <p:cNvPr id="87" name="Flowchart: Process 86">
+            <a:extLst>
+              <a:ext uri="{FF2B5EF4-FFF2-40B4-BE49-F238E27FC236}">
+                <a16:creationId xmlns:a16="http://schemas.microsoft.com/office/drawing/2014/main" id="{EC16F522-BE27-49C2-8DED-B14234BE8DCA}"/>
+              </a:ext>
+            </a:extLst>
+          </p:cNvPr>
+          <p:cNvSpPr/>
+          <p:nvPr/>
+        </p:nvSpPr>
+        <p:spPr>
+          <a:xfrm>
+            <a:off x="6776175" y="4044732"/>
+            <a:ext cx="1440494" cy="726509"/>
+          </a:xfrm>
+          <a:prstGeom prst="flowChartProcess">
+            <a:avLst/>
+          </a:prstGeom>
+        </p:spPr>
+        <p:style>
+          <a:lnRef idx="2">
+            <a:schemeClr val="accent5">
+              <a:shade val="50000"/>
+            </a:schemeClr>
+          </a:lnRef>
+          <a:fillRef idx="1">
+            <a:schemeClr val="accent5"/>
+          </a:fillRef>
+          <a:effectRef idx="0">
+            <a:schemeClr val="accent5"/>
+          </a:effectRef>
+          <a:fontRef idx="minor">
+            <a:schemeClr val="lt1"/>
+          </a:fontRef>
+        </p:style>
+        <p:txBody>
+          <a:bodyPr rtlCol="0" anchor="ctr"/>
+          <a:lstStyle/>
+          <a:p>
+            <a:pPr algn="ctr"/>
+            <a:r>
+              <a:rPr lang="en-CA" sz="1400" b="1" dirty="0"/>
+              <a:t>Present “new client” modal</a:t>
+            </a:r>
+          </a:p>
+        </p:txBody>
+      </p:sp>
+      <p:sp>
+        <p:nvSpPr>
+          <p:cNvPr id="90" name="Flowchart: Decision 89">
+            <a:extLst>
+              <a:ext uri="{FF2B5EF4-FFF2-40B4-BE49-F238E27FC236}">
+                <a16:creationId xmlns:a16="http://schemas.microsoft.com/office/drawing/2014/main" id="{B528076E-C954-473A-9F47-D9A4D08F2D21}"/>
+              </a:ext>
+            </a:extLst>
+          </p:cNvPr>
+          <p:cNvSpPr/>
+          <p:nvPr/>
+        </p:nvSpPr>
+        <p:spPr>
+          <a:xfrm>
+            <a:off x="6776174" y="4996710"/>
+            <a:ext cx="1440494" cy="864296"/>
+          </a:xfrm>
+          <a:prstGeom prst="flowChartDecision">
+            <a:avLst/>
+          </a:prstGeom>
+        </p:spPr>
+        <p:style>
+          <a:lnRef idx="2">
+            <a:schemeClr val="accent5">
+              <a:shade val="50000"/>
+            </a:schemeClr>
+          </a:lnRef>
+          <a:fillRef idx="1">
+            <a:schemeClr val="accent5"/>
+          </a:fillRef>
+          <a:effectRef idx="0">
+            <a:schemeClr val="accent5"/>
+          </a:effectRef>
+          <a:fontRef idx="minor">
+            <a:schemeClr val="lt1"/>
+          </a:fontRef>
+        </p:style>
+        <p:txBody>
+          <a:bodyPr lIns="0" tIns="0" rIns="0" bIns="0" rtlCol="0" anchor="ctr"/>
+          <a:lstStyle/>
+          <a:p>
+            <a:pPr algn="ctr"/>
+            <a:r>
+              <a:rPr lang="en-CA" sz="1400" b="1" dirty="0"/>
+              <a:t>Check if user exist</a:t>
+            </a:r>
+          </a:p>
+        </p:txBody>
+      </p:sp>
+      <p:cxnSp>
+        <p:nvCxnSpPr>
+          <p:cNvPr id="91" name="Connector: Elbow 32">
+            <a:extLst>
+              <a:ext uri="{FF2B5EF4-FFF2-40B4-BE49-F238E27FC236}">
+                <a16:creationId xmlns:a16="http://schemas.microsoft.com/office/drawing/2014/main" id="{975581E2-6FA3-46ED-90A3-2BC85630795D}"/>
+              </a:ext>
+            </a:extLst>
+          </p:cNvPr>
+          <p:cNvCxnSpPr>
+            <a:cxnSpLocks/>
+            <a:stCxn id="90" idx="2"/>
+            <a:endCxn id="117" idx="0"/>
+          </p:cNvCxnSpPr>
+          <p:nvPr/>
+        </p:nvCxnSpPr>
+        <p:spPr>
+          <a:xfrm>
+            <a:off x="7496421" y="5861006"/>
+            <a:ext cx="1" cy="162839"/>
+          </a:xfrm>
+          <a:prstGeom prst="straightConnector1">
+            <a:avLst/>
+          </a:prstGeom>
+          <a:ln>
+            <a:solidFill>
+              <a:schemeClr val="tx1"/>
+            </a:solidFill>
+            <a:tailEnd type="triangle"/>
+          </a:ln>
+        </p:spPr>
+        <p:style>
+          <a:lnRef idx="1">
+            <a:schemeClr val="accent1"/>
+          </a:lnRef>
+          <a:fillRef idx="0">
+            <a:schemeClr val="accent1"/>
+          </a:fillRef>
+          <a:effectRef idx="0">
+            <a:schemeClr val="accent1"/>
+          </a:effectRef>
+          <a:fontRef idx="minor">
+            <a:schemeClr val="tx1"/>
+          </a:fontRef>
+        </p:style>
+      </p:cxnSp>
+      <p:sp>
+        <p:nvSpPr>
+          <p:cNvPr id="92" name="TextBox 91">
+            <a:extLst>
+              <a:ext uri="{FF2B5EF4-FFF2-40B4-BE49-F238E27FC236}">
+                <a16:creationId xmlns:a16="http://schemas.microsoft.com/office/drawing/2014/main" id="{77F808BA-2B91-46BD-B3C8-DC180FAE6AEA}"/>
+              </a:ext>
+            </a:extLst>
+          </p:cNvPr>
+          <p:cNvSpPr txBox="1"/>
+          <p:nvPr/>
+        </p:nvSpPr>
+        <p:spPr>
+          <a:xfrm>
+            <a:off x="8513189" y="5301641"/>
+            <a:ext cx="232497" cy="184666"/>
+          </a:xfrm>
+          <a:prstGeom prst="rect">
+            <a:avLst/>
+          </a:prstGeom>
+          <a:noFill/>
+        </p:spPr>
+        <p:txBody>
+          <a:bodyPr wrap="square" lIns="0" tIns="0" rIns="0" bIns="0" rtlCol="0">
+            <a:spAutoFit/>
+          </a:bodyPr>
+          <a:lstStyle/>
+          <a:p>
+            <a:pPr algn="ctr"/>
+            <a:r>
+              <a:rPr lang="en-CA" sz="1200" b="1" dirty="0"/>
+              <a:t>YES</a:t>
+            </a:r>
+            <a:endParaRPr lang="en-US" sz="1200" b="1" dirty="0"/>
+          </a:p>
+        </p:txBody>
+      </p:sp>
+      <p:sp>
+        <p:nvSpPr>
+          <p:cNvPr id="93" name="TextBox 92">
+            <a:extLst>
+              <a:ext uri="{FF2B5EF4-FFF2-40B4-BE49-F238E27FC236}">
+                <a16:creationId xmlns:a16="http://schemas.microsoft.com/office/drawing/2014/main" id="{05DE0F3A-604F-4967-BF99-0E41A6406209}"/>
+              </a:ext>
+            </a:extLst>
+          </p:cNvPr>
+          <p:cNvSpPr txBox="1"/>
+          <p:nvPr/>
+        </p:nvSpPr>
+        <p:spPr>
+          <a:xfrm>
+            <a:off x="7586313" y="5860708"/>
+            <a:ext cx="205184" cy="184666"/>
+          </a:xfrm>
+          <a:prstGeom prst="rect">
+            <a:avLst/>
+          </a:prstGeom>
+          <a:noFill/>
+        </p:spPr>
+        <p:txBody>
+          <a:bodyPr wrap="none" lIns="0" tIns="0" rIns="0" bIns="0" rtlCol="0">
+            <a:spAutoFit/>
+          </a:bodyPr>
+          <a:lstStyle/>
+          <a:p>
+            <a:pPr algn="ctr"/>
+            <a:r>
+              <a:rPr lang="en-CA" sz="1200" b="1" dirty="0"/>
+              <a:t>NO</a:t>
+            </a:r>
+            <a:endParaRPr lang="en-US" sz="1200" b="1" dirty="0"/>
+          </a:p>
+        </p:txBody>
+      </p:sp>
+      <p:cxnSp>
+        <p:nvCxnSpPr>
+          <p:cNvPr id="94" name="Connector: Elbow 32">
+            <a:extLst>
+              <a:ext uri="{FF2B5EF4-FFF2-40B4-BE49-F238E27FC236}">
+                <a16:creationId xmlns:a16="http://schemas.microsoft.com/office/drawing/2014/main" id="{05F7469F-40A2-4FA4-8C03-BBC44835FAB1}"/>
+              </a:ext>
+            </a:extLst>
+          </p:cNvPr>
+          <p:cNvCxnSpPr>
+            <a:cxnSpLocks/>
+            <a:stCxn id="72" idx="2"/>
+            <a:endCxn id="87" idx="0"/>
+          </p:cNvCxnSpPr>
+          <p:nvPr/>
+        </p:nvCxnSpPr>
+        <p:spPr>
+          <a:xfrm>
+            <a:off x="7496422" y="3819263"/>
+            <a:ext cx="0" cy="225469"/>
+          </a:xfrm>
+          <a:prstGeom prst="straightConnector1">
+            <a:avLst/>
+          </a:prstGeom>
+          <a:ln>
+            <a:solidFill>
+              <a:schemeClr val="tx1"/>
+            </a:solidFill>
+            <a:tailEnd type="triangle"/>
+          </a:ln>
+        </p:spPr>
+        <p:style>
+          <a:lnRef idx="1">
+            <a:schemeClr val="accent1"/>
+          </a:lnRef>
+          <a:fillRef idx="0">
+            <a:schemeClr val="accent1"/>
+          </a:fillRef>
+          <a:effectRef idx="0">
+            <a:schemeClr val="accent1"/>
+          </a:effectRef>
+          <a:fontRef idx="minor">
+            <a:schemeClr val="tx1"/>
+          </a:fontRef>
+        </p:style>
+      </p:cxnSp>
+      <p:cxnSp>
+        <p:nvCxnSpPr>
+          <p:cNvPr id="97" name="Connector: Elbow 32">
+            <a:extLst>
+              <a:ext uri="{FF2B5EF4-FFF2-40B4-BE49-F238E27FC236}">
+                <a16:creationId xmlns:a16="http://schemas.microsoft.com/office/drawing/2014/main" id="{5C014437-3AA9-4C3C-A24B-B3466DCC3510}"/>
+              </a:ext>
+            </a:extLst>
+          </p:cNvPr>
+          <p:cNvCxnSpPr>
+            <a:cxnSpLocks/>
+            <a:stCxn id="87" idx="2"/>
+            <a:endCxn id="90" idx="0"/>
+          </p:cNvCxnSpPr>
+          <p:nvPr/>
+        </p:nvCxnSpPr>
+        <p:spPr>
+          <a:xfrm flipH="1">
+            <a:off x="7496421" y="4771241"/>
+            <a:ext cx="1" cy="225469"/>
+          </a:xfrm>
+          <a:prstGeom prst="straightConnector1">
+            <a:avLst/>
+          </a:prstGeom>
+          <a:ln>
+            <a:solidFill>
+              <a:schemeClr val="tx1"/>
+            </a:solidFill>
+            <a:tailEnd type="triangle"/>
+          </a:ln>
+        </p:spPr>
+        <p:style>
+          <a:lnRef idx="1">
+            <a:schemeClr val="accent1"/>
+          </a:lnRef>
+          <a:fillRef idx="0">
+            <a:schemeClr val="accent1"/>
+          </a:fillRef>
+          <a:effectRef idx="0">
+            <a:schemeClr val="accent1"/>
+          </a:effectRef>
+          <a:fontRef idx="minor">
+            <a:schemeClr val="tx1"/>
+          </a:fontRef>
+        </p:style>
+      </p:cxnSp>
+      <p:cxnSp>
+        <p:nvCxnSpPr>
+          <p:cNvPr id="100" name="Connector: Elbow 99">
+            <a:extLst>
+              <a:ext uri="{FF2B5EF4-FFF2-40B4-BE49-F238E27FC236}">
+                <a16:creationId xmlns:a16="http://schemas.microsoft.com/office/drawing/2014/main" id="{F435B7E3-FA4C-47E2-BB4A-2576DD23BE8D}"/>
+              </a:ext>
+            </a:extLst>
+          </p:cNvPr>
+          <p:cNvCxnSpPr>
+            <a:cxnSpLocks/>
+            <a:stCxn id="90" idx="3"/>
+            <a:endCxn id="87" idx="3"/>
+          </p:cNvCxnSpPr>
+          <p:nvPr/>
+        </p:nvCxnSpPr>
+        <p:spPr>
+          <a:xfrm flipV="1">
+            <a:off x="8216668" y="4407987"/>
+            <a:ext cx="1" cy="1020871"/>
+          </a:xfrm>
+          <a:prstGeom prst="bentConnector3">
+            <a:avLst>
+              <a:gd name="adj1" fmla="val 22860100000"/>
+            </a:avLst>
+          </a:prstGeom>
+          <a:ln>
+            <a:solidFill>
+              <a:schemeClr val="tx1"/>
+            </a:solidFill>
+            <a:tailEnd type="triangle"/>
+          </a:ln>
+        </p:spPr>
+        <p:style>
+          <a:lnRef idx="1">
+            <a:schemeClr val="accent1"/>
+          </a:lnRef>
+          <a:fillRef idx="0">
+            <a:schemeClr val="accent1"/>
+          </a:fillRef>
+          <a:effectRef idx="0">
+            <a:schemeClr val="accent1"/>
+          </a:effectRef>
+          <a:fontRef idx="minor">
+            <a:schemeClr val="tx1"/>
+          </a:fontRef>
+        </p:style>
+      </p:cxnSp>
+      <p:sp>
+        <p:nvSpPr>
+          <p:cNvPr id="111" name="TextBox 110">
+            <a:extLst>
+              <a:ext uri="{FF2B5EF4-FFF2-40B4-BE49-F238E27FC236}">
+                <a16:creationId xmlns:a16="http://schemas.microsoft.com/office/drawing/2014/main" id="{10603D50-5EB7-46CA-92BD-0ED42BD1F1CA}"/>
+              </a:ext>
+            </a:extLst>
+          </p:cNvPr>
+          <p:cNvSpPr txBox="1"/>
+          <p:nvPr/>
+        </p:nvSpPr>
+        <p:spPr>
+          <a:xfrm>
+            <a:off x="8541614" y="4407986"/>
+            <a:ext cx="955297" cy="553998"/>
+          </a:xfrm>
+          <a:prstGeom prst="rect">
+            <a:avLst/>
+          </a:prstGeom>
+          <a:noFill/>
+        </p:spPr>
+        <p:txBody>
+          <a:bodyPr wrap="square" lIns="0" tIns="0" rIns="0" bIns="0" rtlCol="0">
+            <a:spAutoFit/>
+          </a:bodyPr>
+          <a:lstStyle/>
+          <a:p>
+            <a:r>
+              <a:rPr lang="en-CA" sz="1200" i="1" dirty="0"/>
+              <a:t>Choose</a:t>
+            </a:r>
+          </a:p>
+          <a:p>
+            <a:r>
+              <a:rPr lang="en-CA" sz="1200" i="1" dirty="0"/>
+              <a:t>different</a:t>
+            </a:r>
+          </a:p>
+          <a:p>
+            <a:r>
+              <a:rPr lang="en-CA" sz="1200" i="1" dirty="0"/>
+              <a:t>username </a:t>
+            </a:r>
+            <a:endParaRPr lang="en-US" sz="1200" i="1" dirty="0"/>
+          </a:p>
+        </p:txBody>
+      </p:sp>
+      <p:sp>
+        <p:nvSpPr>
+          <p:cNvPr id="113" name="TextBox 112">
+            <a:extLst>
+              <a:ext uri="{FF2B5EF4-FFF2-40B4-BE49-F238E27FC236}">
+                <a16:creationId xmlns:a16="http://schemas.microsoft.com/office/drawing/2014/main" id="{FEE09F1C-751E-4D0F-ADFC-B0D3E6F7CAFB}"/>
+              </a:ext>
+            </a:extLst>
+          </p:cNvPr>
+          <p:cNvSpPr txBox="1"/>
+          <p:nvPr/>
+        </p:nvSpPr>
+        <p:spPr>
+          <a:xfrm>
+            <a:off x="3445810" y="3089621"/>
+            <a:ext cx="803064" cy="738664"/>
+          </a:xfrm>
+          <a:prstGeom prst="rect">
+            <a:avLst/>
+          </a:prstGeom>
+          <a:noFill/>
+        </p:spPr>
+        <p:txBody>
+          <a:bodyPr wrap="square" lIns="0" tIns="0" rIns="0" bIns="0" rtlCol="0">
+            <a:spAutoFit/>
+          </a:bodyPr>
+          <a:lstStyle/>
+          <a:p>
+            <a:pPr algn="r"/>
+            <a:r>
+              <a:rPr lang="en-CA" sz="1200" i="1" dirty="0"/>
+              <a:t>Wrong password or user doesn’t exist </a:t>
+            </a:r>
+            <a:endParaRPr lang="en-US" sz="1200" i="1" dirty="0"/>
+          </a:p>
+        </p:txBody>
+      </p:sp>
+      <p:sp>
+        <p:nvSpPr>
+          <p:cNvPr id="117" name="Flowchart: Process 116">
+            <a:extLst>
+              <a:ext uri="{FF2B5EF4-FFF2-40B4-BE49-F238E27FC236}">
+                <a16:creationId xmlns:a16="http://schemas.microsoft.com/office/drawing/2014/main" id="{1E095996-0A34-4331-ABAD-3CFFB9C760D5}"/>
+              </a:ext>
+            </a:extLst>
+          </p:cNvPr>
+          <p:cNvSpPr/>
+          <p:nvPr/>
+        </p:nvSpPr>
+        <p:spPr>
+          <a:xfrm>
+            <a:off x="6776175" y="6023845"/>
+            <a:ext cx="1440494" cy="726509"/>
+          </a:xfrm>
+          <a:prstGeom prst="flowChartProcess">
+            <a:avLst/>
+          </a:prstGeom>
+        </p:spPr>
+        <p:style>
+          <a:lnRef idx="2">
+            <a:schemeClr val="accent5">
+              <a:shade val="50000"/>
+            </a:schemeClr>
+          </a:lnRef>
+          <a:fillRef idx="1">
+            <a:schemeClr val="accent5"/>
+          </a:fillRef>
+          <a:effectRef idx="0">
+            <a:schemeClr val="accent5"/>
+          </a:effectRef>
+          <a:fontRef idx="minor">
+            <a:schemeClr val="lt1"/>
+          </a:fontRef>
+        </p:style>
+        <p:txBody>
+          <a:bodyPr rtlCol="0" anchor="ctr"/>
+          <a:lstStyle/>
+          <a:p>
+            <a:pPr algn="ctr"/>
+            <a:r>
+              <a:rPr lang="en-CA" sz="1400" b="1" dirty="0"/>
+              <a:t>Create new user in “client” table</a:t>
+            </a:r>
+          </a:p>
+        </p:txBody>
+      </p:sp>
+      <p:cxnSp>
+        <p:nvCxnSpPr>
+          <p:cNvPr id="127" name="Connector: Elbow 32">
+            <a:extLst>
+              <a:ext uri="{FF2B5EF4-FFF2-40B4-BE49-F238E27FC236}">
+                <a16:creationId xmlns:a16="http://schemas.microsoft.com/office/drawing/2014/main" id="{47E8DC30-28E3-4786-BE6F-092CCC02F0E0}"/>
+              </a:ext>
+            </a:extLst>
+          </p:cNvPr>
+          <p:cNvCxnSpPr>
+            <a:cxnSpLocks/>
+            <a:stCxn id="32" idx="2"/>
+            <a:endCxn id="130" idx="0"/>
+          </p:cNvCxnSpPr>
+          <p:nvPr/>
+        </p:nvCxnSpPr>
+        <p:spPr>
+          <a:xfrm rot="16200000" flipH="1">
+            <a:off x="5499884" y="6054383"/>
+            <a:ext cx="1299484" cy="912731"/>
+          </a:xfrm>
+          <a:prstGeom prst="bentConnector3">
+            <a:avLst>
+              <a:gd name="adj1" fmla="val 84010"/>
+            </a:avLst>
+          </a:prstGeom>
+          <a:ln>
+            <a:solidFill>
+              <a:schemeClr val="tx1"/>
+            </a:solidFill>
+            <a:tailEnd type="triangle"/>
+          </a:ln>
+        </p:spPr>
+        <p:style>
+          <a:lnRef idx="1">
+            <a:schemeClr val="accent1"/>
+          </a:lnRef>
+          <a:fillRef idx="0">
+            <a:schemeClr val="accent1"/>
+          </a:fillRef>
+          <a:effectRef idx="0">
+            <a:schemeClr val="accent1"/>
+          </a:effectRef>
+          <a:fontRef idx="minor">
+            <a:schemeClr val="tx1"/>
+          </a:fontRef>
+        </p:style>
+      </p:cxnSp>
+      <p:sp>
+        <p:nvSpPr>
+          <p:cNvPr id="128" name="Flowchart: Process 127">
+            <a:extLst>
+              <a:ext uri="{FF2B5EF4-FFF2-40B4-BE49-F238E27FC236}">
+                <a16:creationId xmlns:a16="http://schemas.microsoft.com/office/drawing/2014/main" id="{8CEABC10-B85F-4B2B-B0D2-1C9A295FC1CE}"/>
+              </a:ext>
+            </a:extLst>
+          </p:cNvPr>
+          <p:cNvSpPr/>
+          <p:nvPr/>
+        </p:nvSpPr>
+        <p:spPr>
+          <a:xfrm>
+            <a:off x="5889018" y="8099943"/>
+            <a:ext cx="1440494" cy="726509"/>
+          </a:xfrm>
+          <a:prstGeom prst="flowChartProcess">
+            <a:avLst/>
+          </a:prstGeom>
+        </p:spPr>
+        <p:style>
+          <a:lnRef idx="2">
+            <a:schemeClr val="accent5">
+              <a:shade val="50000"/>
+            </a:schemeClr>
+          </a:lnRef>
+          <a:fillRef idx="1">
+            <a:schemeClr val="accent5"/>
+          </a:fillRef>
+          <a:effectRef idx="0">
+            <a:schemeClr val="accent5"/>
+          </a:effectRef>
+          <a:fontRef idx="minor">
+            <a:schemeClr val="lt1"/>
+          </a:fontRef>
+        </p:style>
+        <p:txBody>
+          <a:bodyPr rtlCol="0" anchor="ctr"/>
+          <a:lstStyle/>
+          <a:p>
+            <a:pPr algn="ctr"/>
+            <a:r>
+              <a:rPr lang="en-CA" sz="1400" b="1" dirty="0"/>
+              <a:t>Go to /client/:id page</a:t>
+            </a:r>
+          </a:p>
+        </p:txBody>
+      </p:sp>
+      <p:cxnSp>
+        <p:nvCxnSpPr>
+          <p:cNvPr id="129" name="Connector: Elbow 32">
+            <a:extLst>
+              <a:ext uri="{FF2B5EF4-FFF2-40B4-BE49-F238E27FC236}">
+                <a16:creationId xmlns:a16="http://schemas.microsoft.com/office/drawing/2014/main" id="{119AC89C-9F74-48F0-9B93-A598593ACA93}"/>
+              </a:ext>
+            </a:extLst>
+          </p:cNvPr>
+          <p:cNvCxnSpPr>
+            <a:cxnSpLocks/>
+            <a:stCxn id="117" idx="2"/>
+            <a:endCxn id="130" idx="0"/>
+          </p:cNvCxnSpPr>
+          <p:nvPr/>
+        </p:nvCxnSpPr>
+        <p:spPr>
+          <a:xfrm rot="5400000">
+            <a:off x="6846139" y="6510207"/>
+            <a:ext cx="410137" cy="890430"/>
+          </a:xfrm>
+          <a:prstGeom prst="bentConnector3">
+            <a:avLst>
+              <a:gd name="adj1" fmla="val 50000"/>
+            </a:avLst>
+          </a:prstGeom>
+          <a:ln>
+            <a:solidFill>
+              <a:schemeClr val="tx1"/>
+            </a:solidFill>
+            <a:tailEnd type="triangle"/>
+          </a:ln>
+        </p:spPr>
+        <p:style>
+          <a:lnRef idx="1">
+            <a:schemeClr val="accent1"/>
+          </a:lnRef>
+          <a:fillRef idx="0">
+            <a:schemeClr val="accent1"/>
+          </a:fillRef>
+          <a:effectRef idx="0">
+            <a:schemeClr val="accent1"/>
+          </a:effectRef>
+          <a:fontRef idx="minor">
+            <a:schemeClr val="tx1"/>
+          </a:fontRef>
+        </p:style>
+      </p:cxnSp>
+      <p:sp>
+        <p:nvSpPr>
+          <p:cNvPr id="130" name="Flowchart: Process 129">
+            <a:extLst>
+              <a:ext uri="{FF2B5EF4-FFF2-40B4-BE49-F238E27FC236}">
+                <a16:creationId xmlns:a16="http://schemas.microsoft.com/office/drawing/2014/main" id="{E5468B24-916F-4675-8F84-96C94CA1622E}"/>
+              </a:ext>
+            </a:extLst>
+          </p:cNvPr>
+          <p:cNvSpPr/>
+          <p:nvPr/>
+        </p:nvSpPr>
+        <p:spPr>
+          <a:xfrm>
+            <a:off x="5885745" y="7160491"/>
+            <a:ext cx="1440494" cy="726509"/>
+          </a:xfrm>
+          <a:prstGeom prst="flowChartProcess">
+            <a:avLst/>
+          </a:prstGeom>
+        </p:spPr>
+        <p:style>
+          <a:lnRef idx="2">
+            <a:schemeClr val="accent5">
+              <a:shade val="50000"/>
+            </a:schemeClr>
+          </a:lnRef>
+          <a:fillRef idx="1">
+            <a:schemeClr val="accent5"/>
+          </a:fillRef>
+          <a:effectRef idx="0">
+            <a:schemeClr val="accent5"/>
+          </a:effectRef>
+          <a:fontRef idx="minor">
+            <a:schemeClr val="lt1"/>
+          </a:fontRef>
+        </p:style>
+        <p:txBody>
+          <a:bodyPr rtlCol="0" anchor="ctr"/>
+          <a:lstStyle/>
+          <a:p>
+            <a:pPr algn="ctr"/>
+            <a:r>
+              <a:rPr lang="en-CA" sz="1400" b="1" dirty="0"/>
+              <a:t>Retrieve ID from “client” table</a:t>
+            </a:r>
+          </a:p>
+        </p:txBody>
+      </p:sp>
+      <p:cxnSp>
+        <p:nvCxnSpPr>
+          <p:cNvPr id="131" name="Connector: Elbow 32">
+            <a:extLst>
+              <a:ext uri="{FF2B5EF4-FFF2-40B4-BE49-F238E27FC236}">
+                <a16:creationId xmlns:a16="http://schemas.microsoft.com/office/drawing/2014/main" id="{F03943B7-A180-4265-B0C5-561260BD5C4A}"/>
+              </a:ext>
+            </a:extLst>
+          </p:cNvPr>
+          <p:cNvCxnSpPr>
+            <a:cxnSpLocks/>
+            <a:stCxn id="130" idx="2"/>
+            <a:endCxn id="128" idx="0"/>
+          </p:cNvCxnSpPr>
+          <p:nvPr/>
+        </p:nvCxnSpPr>
+        <p:spPr>
+          <a:xfrm>
+            <a:off x="6605992" y="7887000"/>
+            <a:ext cx="3273" cy="212943"/>
+          </a:xfrm>
+          <a:prstGeom prst="straightConnector1">
+            <a:avLst/>
+          </a:prstGeom>
+          <a:ln>
+            <a:solidFill>
+              <a:schemeClr val="tx1"/>
+            </a:solidFill>
+            <a:tailEnd type="triangle"/>
+          </a:ln>
+        </p:spPr>
+        <p:style>
+          <a:lnRef idx="1">
+            <a:schemeClr val="accent1"/>
+          </a:lnRef>
+          <a:fillRef idx="0">
+            <a:schemeClr val="accent1"/>
+          </a:fillRef>
+          <a:effectRef idx="0">
+            <a:schemeClr val="accent1"/>
+          </a:effectRef>
+          <a:fontRef idx="minor">
+            <a:schemeClr val="tx1"/>
+          </a:fontRef>
+        </p:style>
+      </p:cxnSp>
+    </p:spTree>
+    <p:extLst>
+      <p:ext uri="{BB962C8B-B14F-4D97-AF65-F5344CB8AC3E}">
+        <p14:creationId xmlns:p14="http://schemas.microsoft.com/office/powerpoint/2010/main" val="3732349269"/>
       </p:ext>
     </p:extLst>
   </p:cSld>
@@ -16305,6 +17888,152 @@
       </p:grpSpPr>
       <p:sp>
         <p:nvSpPr>
+          <p:cNvPr id="14" name="Rectangle: Rounded Corners 13">
+            <a:extLst>
+              <a:ext uri="{FF2B5EF4-FFF2-40B4-BE49-F238E27FC236}">
+                <a16:creationId xmlns:a16="http://schemas.microsoft.com/office/drawing/2014/main" id="{64C351C3-030D-4B6C-99E2-389E4A8D83B8}"/>
+              </a:ext>
+            </a:extLst>
+          </p:cNvPr>
+          <p:cNvSpPr/>
+          <p:nvPr/>
+        </p:nvSpPr>
+        <p:spPr>
+          <a:xfrm>
+            <a:off x="7261934" y="970004"/>
+            <a:ext cx="4152399" cy="2428104"/>
+          </a:xfrm>
+          <a:prstGeom prst="roundRect">
+            <a:avLst>
+              <a:gd name="adj" fmla="val 4382"/>
+            </a:avLst>
+          </a:prstGeom>
+          <a:noFill/>
+        </p:spPr>
+        <p:style>
+          <a:lnRef idx="2">
+            <a:schemeClr val="accent3"/>
+          </a:lnRef>
+          <a:fillRef idx="1">
+            <a:schemeClr val="lt1"/>
+          </a:fillRef>
+          <a:effectRef idx="0">
+            <a:schemeClr val="accent3"/>
+          </a:effectRef>
+          <a:fontRef idx="minor">
+            <a:schemeClr val="dk1"/>
+          </a:fontRef>
+        </p:style>
+        <p:txBody>
+          <a:bodyPr rtlCol="0" anchor="ctr"/>
+          <a:lstStyle/>
+          <a:p>
+            <a:pPr algn="ctr"/>
+            <a:endParaRPr lang="en-US"/>
+          </a:p>
+        </p:txBody>
+      </p:sp>
+      <p:sp>
+        <p:nvSpPr>
+          <p:cNvPr id="12" name="Rectangle: Rounded Corners 11">
+            <a:extLst>
+              <a:ext uri="{FF2B5EF4-FFF2-40B4-BE49-F238E27FC236}">
+                <a16:creationId xmlns:a16="http://schemas.microsoft.com/office/drawing/2014/main" id="{1D5ED364-700B-4087-B043-FF5E76BF1136}"/>
+              </a:ext>
+            </a:extLst>
+          </p:cNvPr>
+          <p:cNvSpPr/>
+          <p:nvPr/>
+        </p:nvSpPr>
+        <p:spPr>
+          <a:xfrm>
+            <a:off x="357999" y="1149179"/>
+            <a:ext cx="5087143" cy="7278130"/>
+          </a:xfrm>
+          <a:prstGeom prst="roundRect">
+            <a:avLst>
+              <a:gd name="adj" fmla="val 3835"/>
+            </a:avLst>
+          </a:prstGeom>
+          <a:noFill/>
+          <a:ln>
+            <a:solidFill>
+              <a:srgbClr val="5B9BD5"/>
+            </a:solidFill>
+          </a:ln>
+        </p:spPr>
+        <p:style>
+          <a:lnRef idx="2">
+            <a:schemeClr val="accent5"/>
+          </a:lnRef>
+          <a:fillRef idx="1">
+            <a:schemeClr val="lt1"/>
+          </a:fillRef>
+          <a:effectRef idx="0">
+            <a:schemeClr val="accent5"/>
+          </a:effectRef>
+          <a:fontRef idx="minor">
+            <a:schemeClr val="dk1"/>
+          </a:fontRef>
+        </p:style>
+        <p:txBody>
+          <a:bodyPr rtlCol="0" anchor="ctr"/>
+          <a:lstStyle/>
+          <a:p>
+            <a:pPr algn="ctr"/>
+            <a:endParaRPr lang="en-US"/>
+          </a:p>
+        </p:txBody>
+      </p:sp>
+      <p:sp>
+        <p:nvSpPr>
+          <p:cNvPr id="13" name="Rectangle: Rounded Corners 12">
+            <a:extLst>
+              <a:ext uri="{FF2B5EF4-FFF2-40B4-BE49-F238E27FC236}">
+                <a16:creationId xmlns:a16="http://schemas.microsoft.com/office/drawing/2014/main" id="{FC87CC11-FB13-4524-A4CD-B72A31068CC7}"/>
+              </a:ext>
+            </a:extLst>
+          </p:cNvPr>
+          <p:cNvSpPr/>
+          <p:nvPr/>
+        </p:nvSpPr>
+        <p:spPr>
+          <a:xfrm>
+            <a:off x="5919438" y="4522573"/>
+            <a:ext cx="6599340" cy="3929448"/>
+          </a:xfrm>
+          <a:prstGeom prst="roundRect">
+            <a:avLst>
+              <a:gd name="adj" fmla="val 3684"/>
+            </a:avLst>
+          </a:prstGeom>
+          <a:noFill/>
+        </p:spPr>
+        <p:style>
+          <a:lnRef idx="2">
+            <a:schemeClr val="accent6"/>
+          </a:lnRef>
+          <a:fillRef idx="1">
+            <a:schemeClr val="lt1"/>
+          </a:fillRef>
+          <a:effectRef idx="0">
+            <a:schemeClr val="accent6"/>
+          </a:effectRef>
+          <a:fontRef idx="minor">
+            <a:schemeClr val="dk1"/>
+          </a:fontRef>
+        </p:style>
+        <p:txBody>
+          <a:bodyPr rtlCol="0" anchor="ctr"/>
+          <a:lstStyle/>
+          <a:p>
+            <a:pPr algn="ctr"/>
+            <a:endParaRPr lang="en-US"/>
+          </a:p>
+        </p:txBody>
+      </p:sp>
+      <p:sp>
+        <p:nvSpPr>
           <p:cNvPr id="2" name="Title 1">
             <a:extLst>
               <a:ext uri="{FF2B5EF4-FFF2-40B4-BE49-F238E27FC236}">
@@ -16319,298 +18048,41 @@
             <p:ph type="title"/>
           </p:nvPr>
         </p:nvSpPr>
-        <p:spPr>
-          <a:xfrm>
-            <a:off x="714768" y="183840"/>
-            <a:ext cx="3610448" cy="481394"/>
-          </a:xfrm>
-        </p:spPr>
+        <p:spPr/>
         <p:txBody>
           <a:bodyPr/>
           <a:lstStyle/>
           <a:p>
             <a:r>
               <a:rPr lang="en-CA" dirty="0"/>
-              <a:t>Modal logic</a:t>
+              <a:t>Navigation</a:t>
             </a:r>
             <a:endParaRPr lang="en-US" dirty="0"/>
-          </a:p>
-        </p:txBody>
-      </p:sp>
-      <p:sp>
-        <p:nvSpPr>
-          <p:cNvPr id="20" name="Flowchart: Manual Operation 19">
-            <a:extLst>
-              <a:ext uri="{FF2B5EF4-FFF2-40B4-BE49-F238E27FC236}">
-                <a16:creationId xmlns:a16="http://schemas.microsoft.com/office/drawing/2014/main" id="{E513D03A-878B-4D9D-8860-58A16351DC9D}"/>
-              </a:ext>
-            </a:extLst>
-          </p:cNvPr>
-          <p:cNvSpPr/>
-          <p:nvPr/>
-        </p:nvSpPr>
-        <p:spPr>
-          <a:xfrm>
-            <a:off x="2625787" y="1326584"/>
-            <a:ext cx="1440493" cy="576197"/>
-          </a:xfrm>
-          <a:prstGeom prst="flowChartManualOperation">
-            <a:avLst/>
-          </a:prstGeom>
-        </p:spPr>
-        <p:style>
-          <a:lnRef idx="2">
-            <a:schemeClr val="accent5">
-              <a:shade val="50000"/>
-            </a:schemeClr>
-          </a:lnRef>
-          <a:fillRef idx="1">
-            <a:schemeClr val="accent5"/>
-          </a:fillRef>
-          <a:effectRef idx="0">
-            <a:schemeClr val="accent5"/>
-          </a:effectRef>
-          <a:fontRef idx="minor">
-            <a:schemeClr val="lt1"/>
-          </a:fontRef>
-        </p:style>
-        <p:txBody>
-          <a:bodyPr lIns="0" tIns="0" rIns="0" bIns="0" rtlCol="0" anchor="ctr"/>
-          <a:lstStyle/>
-          <a:p>
-            <a:pPr algn="ctr"/>
-            <a:r>
-              <a:rPr lang="en-CA" sz="1400" b="1" dirty="0"/>
-              <a:t>“LOG IN” is clicked</a:t>
-            </a:r>
-          </a:p>
-        </p:txBody>
-      </p:sp>
-      <p:sp>
-        <p:nvSpPr>
-          <p:cNvPr id="21" name="Flowchart: Process 20">
-            <a:extLst>
-              <a:ext uri="{FF2B5EF4-FFF2-40B4-BE49-F238E27FC236}">
-                <a16:creationId xmlns:a16="http://schemas.microsoft.com/office/drawing/2014/main" id="{C128FC54-AE62-471A-ADD2-14CF944F959A}"/>
-              </a:ext>
-            </a:extLst>
-          </p:cNvPr>
-          <p:cNvSpPr/>
-          <p:nvPr/>
-        </p:nvSpPr>
-        <p:spPr>
-          <a:xfrm>
-            <a:off x="2625786" y="2209669"/>
-            <a:ext cx="1440494" cy="726509"/>
-          </a:xfrm>
-          <a:prstGeom prst="flowChartProcess">
-            <a:avLst/>
-          </a:prstGeom>
-        </p:spPr>
-        <p:style>
-          <a:lnRef idx="2">
-            <a:schemeClr val="accent5">
-              <a:shade val="50000"/>
-            </a:schemeClr>
-          </a:lnRef>
-          <a:fillRef idx="1">
-            <a:schemeClr val="accent5"/>
-          </a:fillRef>
-          <a:effectRef idx="0">
-            <a:schemeClr val="accent5"/>
-          </a:effectRef>
-          <a:fontRef idx="minor">
-            <a:schemeClr val="lt1"/>
-          </a:fontRef>
-        </p:style>
-        <p:txBody>
-          <a:bodyPr rtlCol="0" anchor="ctr"/>
-          <a:lstStyle/>
-          <a:p>
-            <a:pPr algn="ctr"/>
-            <a:r>
-              <a:rPr lang="en-CA" sz="1400" b="1" dirty="0"/>
-              <a:t>Present “client” modal</a:t>
-            </a:r>
-          </a:p>
-        </p:txBody>
-      </p:sp>
-      <p:sp>
-        <p:nvSpPr>
-          <p:cNvPr id="23" name="Flowchart: Decision 22">
-            <a:extLst>
-              <a:ext uri="{FF2B5EF4-FFF2-40B4-BE49-F238E27FC236}">
-                <a16:creationId xmlns:a16="http://schemas.microsoft.com/office/drawing/2014/main" id="{A4A80A9A-8E39-4331-967B-1AECB7D7044F}"/>
-              </a:ext>
-            </a:extLst>
-          </p:cNvPr>
-          <p:cNvSpPr/>
-          <p:nvPr/>
-        </p:nvSpPr>
-        <p:spPr>
-          <a:xfrm>
-            <a:off x="1747901" y="3975839"/>
-            <a:ext cx="1440494" cy="864296"/>
-          </a:xfrm>
-          <a:prstGeom prst="flowChartDecision">
-            <a:avLst/>
-          </a:prstGeom>
-        </p:spPr>
-        <p:style>
-          <a:lnRef idx="2">
-            <a:schemeClr val="accent5">
-              <a:shade val="50000"/>
-            </a:schemeClr>
-          </a:lnRef>
-          <a:fillRef idx="1">
-            <a:schemeClr val="accent5"/>
-          </a:fillRef>
-          <a:effectRef idx="0">
-            <a:schemeClr val="accent5"/>
-          </a:effectRef>
-          <a:fontRef idx="minor">
-            <a:schemeClr val="lt1"/>
-          </a:fontRef>
-        </p:style>
-        <p:txBody>
-          <a:bodyPr lIns="0" tIns="0" rIns="0" bIns="0" rtlCol="0" anchor="ctr"/>
-          <a:lstStyle/>
-          <a:p>
-            <a:pPr algn="ctr"/>
-            <a:r>
-              <a:rPr lang="en-CA" sz="1400" b="1" dirty="0"/>
-              <a:t>Check if user exist</a:t>
-            </a:r>
-          </a:p>
-        </p:txBody>
-      </p:sp>
-      <p:sp>
-        <p:nvSpPr>
-          <p:cNvPr id="30" name="Flowchart: Manual Operation 29">
-            <a:extLst>
-              <a:ext uri="{FF2B5EF4-FFF2-40B4-BE49-F238E27FC236}">
-                <a16:creationId xmlns:a16="http://schemas.microsoft.com/office/drawing/2014/main" id="{2BCF2EBD-DC2F-411D-84A7-334D4999602D}"/>
-              </a:ext>
-            </a:extLst>
-          </p:cNvPr>
-          <p:cNvSpPr/>
-          <p:nvPr/>
-        </p:nvSpPr>
-        <p:spPr>
-          <a:xfrm>
-            <a:off x="1747902" y="3243066"/>
-            <a:ext cx="1440493" cy="576197"/>
-          </a:xfrm>
-          <a:prstGeom prst="flowChartManualOperation">
-            <a:avLst/>
-          </a:prstGeom>
-        </p:spPr>
-        <p:style>
-          <a:lnRef idx="2">
-            <a:schemeClr val="accent5">
-              <a:shade val="50000"/>
-            </a:schemeClr>
-          </a:lnRef>
-          <a:fillRef idx="1">
-            <a:schemeClr val="accent5"/>
-          </a:fillRef>
-          <a:effectRef idx="0">
-            <a:schemeClr val="accent5"/>
-          </a:effectRef>
-          <a:fontRef idx="minor">
-            <a:schemeClr val="lt1"/>
-          </a:fontRef>
-        </p:style>
-        <p:txBody>
-          <a:bodyPr lIns="0" tIns="0" rIns="0" bIns="0" rtlCol="0" anchor="ctr"/>
-          <a:lstStyle/>
-          <a:p>
-            <a:pPr algn="ctr"/>
-            <a:r>
-              <a:rPr lang="en-CA" sz="1400" b="1" dirty="0"/>
-              <a:t>“LOG IN” is clicked</a:t>
-            </a:r>
-          </a:p>
-        </p:txBody>
-      </p:sp>
-      <p:sp>
-        <p:nvSpPr>
-          <p:cNvPr id="32" name="Flowchart: Decision 31">
-            <a:extLst>
-              <a:ext uri="{FF2B5EF4-FFF2-40B4-BE49-F238E27FC236}">
-                <a16:creationId xmlns:a16="http://schemas.microsoft.com/office/drawing/2014/main" id="{AFFF8365-8A52-4C5A-8555-E2CDBB4D831A}"/>
-              </a:ext>
-            </a:extLst>
-          </p:cNvPr>
-          <p:cNvSpPr/>
-          <p:nvPr/>
-        </p:nvSpPr>
-        <p:spPr>
-          <a:xfrm>
-            <a:off x="1747901" y="4996711"/>
-            <a:ext cx="1440494" cy="864296"/>
-          </a:xfrm>
-          <a:prstGeom prst="flowChartDecision">
-            <a:avLst/>
-          </a:prstGeom>
-        </p:spPr>
-        <p:style>
-          <a:lnRef idx="2">
-            <a:schemeClr val="accent5">
-              <a:shade val="50000"/>
-            </a:schemeClr>
-          </a:lnRef>
-          <a:fillRef idx="1">
-            <a:schemeClr val="accent5"/>
-          </a:fillRef>
-          <a:effectRef idx="0">
-            <a:schemeClr val="accent5"/>
-          </a:effectRef>
-          <a:fontRef idx="minor">
-            <a:schemeClr val="lt1"/>
-          </a:fontRef>
-        </p:style>
-        <p:txBody>
-          <a:bodyPr lIns="0" tIns="0" rIns="0" bIns="0" rtlCol="0" anchor="ctr"/>
-          <a:lstStyle/>
-          <a:p>
-            <a:pPr algn="ctr"/>
-            <a:r>
-              <a:rPr lang="en-CA" sz="1400" b="1" dirty="0"/>
-              <a:t>Check </a:t>
-            </a:r>
-          </a:p>
-          <a:p>
-            <a:pPr algn="ctr"/>
-            <a:r>
-              <a:rPr lang="en-CA" sz="1400" b="1" dirty="0"/>
-              <a:t>password</a:t>
-            </a:r>
           </a:p>
         </p:txBody>
       </p:sp>
       <p:cxnSp>
         <p:nvCxnSpPr>
-          <p:cNvPr id="33" name="Connector: Elbow 32">
+          <p:cNvPr id="16" name="Connector: Elbow 15">
             <a:extLst>
               <a:ext uri="{FF2B5EF4-FFF2-40B4-BE49-F238E27FC236}">
-                <a16:creationId xmlns:a16="http://schemas.microsoft.com/office/drawing/2014/main" id="{C3A6F152-5949-412A-847A-22C594F4B304}"/>
+                <a16:creationId xmlns:a16="http://schemas.microsoft.com/office/drawing/2014/main" id="{F91AEE78-A807-4A39-866E-A7DD9060DA41}"/>
               </a:ext>
             </a:extLst>
           </p:cNvPr>
           <p:cNvCxnSpPr>
             <a:cxnSpLocks/>
-            <a:stCxn id="20" idx="2"/>
-            <a:endCxn id="21" idx="0"/>
+            <a:stCxn id="3" idx="1"/>
+            <a:endCxn id="15" idx="3"/>
           </p:cNvCxnSpPr>
           <p:nvPr/>
         </p:nvCxnSpPr>
         <p:spPr>
-          <a:xfrm flipH="1">
-            <a:off x="3346033" y="1902781"/>
-            <a:ext cx="1" cy="306888"/>
-          </a:xfrm>
-          <a:prstGeom prst="straightConnector1">
+          <a:xfrm rot="10800000">
+            <a:off x="3515780" y="2100445"/>
+            <a:ext cx="2213742" cy="1549246"/>
+          </a:xfrm>
+          <a:prstGeom prst="bentConnector3">
             <a:avLst/>
           </a:prstGeom>
           <a:ln>
@@ -16637,34 +18109,33 @@
       </p:cxnSp>
       <p:cxnSp>
         <p:nvCxnSpPr>
-          <p:cNvPr id="38" name="Connector: Elbow 37">
+          <p:cNvPr id="19" name="Connector: Elbow 18">
             <a:extLst>
               <a:ext uri="{FF2B5EF4-FFF2-40B4-BE49-F238E27FC236}">
-                <a16:creationId xmlns:a16="http://schemas.microsoft.com/office/drawing/2014/main" id="{6AFA7DBF-4321-439C-B790-EA7952D58567}"/>
+                <a16:creationId xmlns:a16="http://schemas.microsoft.com/office/drawing/2014/main" id="{94D015FC-F2F3-4D1E-AB99-BEED12DA3411}"/>
               </a:ext>
             </a:extLst>
           </p:cNvPr>
           <p:cNvCxnSpPr>
             <a:cxnSpLocks/>
-            <a:stCxn id="23" idx="1"/>
-            <a:endCxn id="21" idx="1"/>
+            <a:stCxn id="11" idx="2"/>
+            <a:endCxn id="18" idx="0"/>
           </p:cNvCxnSpPr>
           <p:nvPr/>
         </p:nvCxnSpPr>
         <p:spPr>
-          <a:xfrm rot="10800000" flipH="1">
-            <a:off x="1747900" y="2572925"/>
-            <a:ext cx="877885" cy="1835063"/>
-          </a:xfrm>
-          <a:prstGeom prst="bentConnector3">
-            <a:avLst>
-              <a:gd name="adj1" fmla="val -74865"/>
-            </a:avLst>
+          <a:xfrm flipH="1">
+            <a:off x="1406117" y="4795547"/>
+            <a:ext cx="1" cy="1762412"/>
+          </a:xfrm>
+          <a:prstGeom prst="straightConnector1">
+            <a:avLst/>
           </a:prstGeom>
           <a:ln>
             <a:solidFill>
               <a:schemeClr val="tx1"/>
             </a:solidFill>
+            <a:headEnd type="triangle"/>
             <a:tailEnd type="triangle"/>
           </a:ln>
         </p:spPr>
@@ -16685,29 +18156,26 @@
       </p:cxnSp>
       <p:cxnSp>
         <p:nvCxnSpPr>
-          <p:cNvPr id="41" name="Connector: Elbow 40">
+          <p:cNvPr id="22" name="Connector: Elbow 21">
             <a:extLst>
               <a:ext uri="{FF2B5EF4-FFF2-40B4-BE49-F238E27FC236}">
-                <a16:creationId xmlns:a16="http://schemas.microsoft.com/office/drawing/2014/main" id="{0B893C46-75E3-4706-975C-AD4DACCB4308}"/>
+                <a16:creationId xmlns:a16="http://schemas.microsoft.com/office/drawing/2014/main" id="{C4C4D68A-C747-4541-8ACA-0DC26E48E03D}"/>
               </a:ext>
             </a:extLst>
           </p:cNvPr>
           <p:cNvCxnSpPr>
             <a:cxnSpLocks/>
-            <a:stCxn id="32" idx="1"/>
-            <a:endCxn id="21" idx="1"/>
+            <a:endCxn id="4" idx="0"/>
           </p:cNvCxnSpPr>
           <p:nvPr/>
         </p:nvCxnSpPr>
         <p:spPr>
-          <a:xfrm rot="10800000" flipH="1">
-            <a:off x="1747900" y="2572925"/>
-            <a:ext cx="877885" cy="2855935"/>
-          </a:xfrm>
-          <a:prstGeom prst="bentConnector3">
-            <a:avLst>
-              <a:gd name="adj1" fmla="val -74865"/>
-            </a:avLst>
+          <a:xfrm rot="10800000" flipV="1">
+            <a:off x="4728978" y="4199263"/>
+            <a:ext cx="1007589" cy="863527"/>
+          </a:xfrm>
+          <a:prstGeom prst="bentConnector2">
+            <a:avLst/>
           </a:prstGeom>
           <a:ln>
             <a:solidFill>
@@ -16733,29 +18201,27 @@
       </p:cxnSp>
       <p:cxnSp>
         <p:nvCxnSpPr>
-          <p:cNvPr id="51" name="Connector: Elbow 32">
+          <p:cNvPr id="25" name="Connector: Elbow 24">
             <a:extLst>
               <a:ext uri="{FF2B5EF4-FFF2-40B4-BE49-F238E27FC236}">
-                <a16:creationId xmlns:a16="http://schemas.microsoft.com/office/drawing/2014/main" id="{E0903A00-538D-44B7-9BB9-B9160D7749D0}"/>
+                <a16:creationId xmlns:a16="http://schemas.microsoft.com/office/drawing/2014/main" id="{7F159996-352F-4CE7-8CDC-E3132A14A250}"/>
               </a:ext>
             </a:extLst>
           </p:cNvPr>
           <p:cNvCxnSpPr>
             <a:cxnSpLocks/>
-            <a:stCxn id="21" idx="2"/>
-            <a:endCxn id="30" idx="0"/>
+            <a:stCxn id="4" idx="2"/>
+            <a:endCxn id="5" idx="3"/>
           </p:cNvCxnSpPr>
           <p:nvPr/>
         </p:nvCxnSpPr>
         <p:spPr>
           <a:xfrm rot="5400000">
-            <a:off x="2753647" y="2650680"/>
-            <a:ext cx="306888" cy="877884"/>
-          </a:xfrm>
-          <a:prstGeom prst="bentConnector3">
-            <a:avLst>
-              <a:gd name="adj1" fmla="val 50000"/>
-            </a:avLst>
+            <a:off x="3962282" y="6538847"/>
+            <a:ext cx="747584" cy="785806"/>
+          </a:xfrm>
+          <a:prstGeom prst="bentConnector2">
+            <a:avLst/>
           </a:prstGeom>
           <a:ln>
             <a:solidFill>
@@ -16781,24 +18247,24 @@
       </p:cxnSp>
       <p:cxnSp>
         <p:nvCxnSpPr>
-          <p:cNvPr id="52" name="Connector: Elbow 32">
+          <p:cNvPr id="28" name="Connector: Elbow 27">
             <a:extLst>
               <a:ext uri="{FF2B5EF4-FFF2-40B4-BE49-F238E27FC236}">
-                <a16:creationId xmlns:a16="http://schemas.microsoft.com/office/drawing/2014/main" id="{15C4A924-21D6-4EE1-88B0-9C3E7E812184}"/>
+                <a16:creationId xmlns:a16="http://schemas.microsoft.com/office/drawing/2014/main" id="{30060565-F75B-44C4-BF99-48A9EF2A93A5}"/>
               </a:ext>
             </a:extLst>
           </p:cNvPr>
           <p:cNvCxnSpPr>
             <a:cxnSpLocks/>
-            <a:stCxn id="30" idx="2"/>
-            <a:endCxn id="23" idx="0"/>
+            <a:stCxn id="18" idx="3"/>
+            <a:endCxn id="5" idx="1"/>
           </p:cNvCxnSpPr>
           <p:nvPr/>
         </p:nvCxnSpPr>
         <p:spPr>
-          <a:xfrm flipH="1">
-            <a:off x="2468148" y="3819263"/>
-            <a:ext cx="1" cy="156576"/>
+          <a:xfrm flipV="1">
+            <a:off x="2030133" y="7305542"/>
+            <a:ext cx="665005" cy="1"/>
           </a:xfrm>
           <a:prstGeom prst="straightConnector1">
             <a:avLst/>
@@ -16827,32 +18293,126 @@
       </p:cxnSp>
       <p:cxnSp>
         <p:nvCxnSpPr>
-          <p:cNvPr id="53" name="Connector: Elbow 32">
+          <p:cNvPr id="31" name="Connector: Elbow 30">
             <a:extLst>
               <a:ext uri="{FF2B5EF4-FFF2-40B4-BE49-F238E27FC236}">
-                <a16:creationId xmlns:a16="http://schemas.microsoft.com/office/drawing/2014/main" id="{B23CE2A6-14BA-4A28-AE6B-7448A474D6AA}"/>
+                <a16:creationId xmlns:a16="http://schemas.microsoft.com/office/drawing/2014/main" id="{52E4FA33-0B06-4147-8681-71E24BEA43E6}"/>
               </a:ext>
             </a:extLst>
           </p:cNvPr>
           <p:cNvCxnSpPr>
             <a:cxnSpLocks/>
-            <a:stCxn id="23" idx="2"/>
-            <a:endCxn id="32" idx="0"/>
+            <a:stCxn id="3" idx="3"/>
+            <a:endCxn id="72" idx="0"/>
           </p:cNvCxnSpPr>
           <p:nvPr/>
         </p:nvCxnSpPr>
         <p:spPr>
           <a:xfrm>
-            <a:off x="2468148" y="4840135"/>
-            <a:ext cx="0" cy="156576"/>
-          </a:xfrm>
-          <a:prstGeom prst="straightConnector1">
+            <a:off x="6977555" y="3649691"/>
+            <a:ext cx="4505405" cy="1340563"/>
+          </a:xfrm>
+          <a:prstGeom prst="bentConnector2">
             <a:avLst/>
           </a:prstGeom>
           <a:ln>
             <a:solidFill>
               <a:schemeClr val="tx1"/>
             </a:solidFill>
+            <a:tailEnd type="triangle"/>
+          </a:ln>
+        </p:spPr>
+        <p:style>
+          <a:lnRef idx="1">
+            <a:schemeClr val="accent1"/>
+          </a:lnRef>
+          <a:fillRef idx="0">
+            <a:schemeClr val="accent1"/>
+          </a:fillRef>
+          <a:effectRef idx="0">
+            <a:schemeClr val="accent1"/>
+          </a:effectRef>
+          <a:fontRef idx="minor">
+            <a:schemeClr val="tx1"/>
+          </a:fontRef>
+        </p:style>
+      </p:cxnSp>
+      <p:cxnSp>
+        <p:nvCxnSpPr>
+          <p:cNvPr id="34" name="Connector: Elbow 33">
+            <a:extLst>
+              <a:ext uri="{FF2B5EF4-FFF2-40B4-BE49-F238E27FC236}">
+                <a16:creationId xmlns:a16="http://schemas.microsoft.com/office/drawing/2014/main" id="{F3E19409-E14E-44C7-8BBD-4D72BA7050AA}"/>
+              </a:ext>
+            </a:extLst>
+          </p:cNvPr>
+          <p:cNvCxnSpPr>
+            <a:cxnSpLocks/>
+            <a:stCxn id="6" idx="2"/>
+            <a:endCxn id="7" idx="1"/>
+          </p:cNvCxnSpPr>
+          <p:nvPr/>
+        </p:nvCxnSpPr>
+        <p:spPr>
+          <a:xfrm rot="16200000" flipH="1">
+            <a:off x="9031292" y="6497570"/>
+            <a:ext cx="910923" cy="705019"/>
+          </a:xfrm>
+          <a:prstGeom prst="bentConnector2">
+            <a:avLst/>
+          </a:prstGeom>
+          <a:ln>
+            <a:solidFill>
+              <a:schemeClr val="tx1"/>
+            </a:solidFill>
+            <a:headEnd type="triangle"/>
+            <a:tailEnd type="triangle"/>
+          </a:ln>
+        </p:spPr>
+        <p:style>
+          <a:lnRef idx="1">
+            <a:schemeClr val="accent1"/>
+          </a:lnRef>
+          <a:fillRef idx="0">
+            <a:schemeClr val="accent1"/>
+          </a:fillRef>
+          <a:effectRef idx="0">
+            <a:schemeClr val="accent1"/>
+          </a:effectRef>
+          <a:fontRef idx="minor">
+            <a:schemeClr val="tx1"/>
+          </a:fontRef>
+        </p:style>
+      </p:cxnSp>
+      <p:cxnSp>
+        <p:nvCxnSpPr>
+          <p:cNvPr id="37" name="Connector: Elbow 36">
+            <a:extLst>
+              <a:ext uri="{FF2B5EF4-FFF2-40B4-BE49-F238E27FC236}">
+                <a16:creationId xmlns:a16="http://schemas.microsoft.com/office/drawing/2014/main" id="{D21F545C-6A19-404F-8E70-85D28465604F}"/>
+              </a:ext>
+            </a:extLst>
+          </p:cNvPr>
+          <p:cNvCxnSpPr>
+            <a:cxnSpLocks/>
+            <a:stCxn id="3" idx="0"/>
+            <a:endCxn id="10" idx="1"/>
+          </p:cNvCxnSpPr>
+          <p:nvPr/>
+        </p:nvCxnSpPr>
+        <p:spPr>
+          <a:xfrm rot="5400000" flipH="1" flipV="1">
+            <a:off x="7060459" y="1427709"/>
+            <a:ext cx="767479" cy="2181318"/>
+          </a:xfrm>
+          <a:prstGeom prst="bentConnector2">
+            <a:avLst/>
+          </a:prstGeom>
+          <a:ln>
+            <a:solidFill>
+              <a:schemeClr val="tx1"/>
+            </a:solidFill>
+            <a:prstDash val="dash"/>
             <a:tailEnd type="triangle"/>
           </a:ln>
         </p:spPr>
@@ -16873,158 +18433,10 @@
       </p:cxnSp>
       <p:sp>
         <p:nvSpPr>
-          <p:cNvPr id="61" name="TextBox 60">
+          <p:cNvPr id="4" name="Rectangle: Folded Corner 3">
             <a:extLst>
               <a:ext uri="{FF2B5EF4-FFF2-40B4-BE49-F238E27FC236}">
-                <a16:creationId xmlns:a16="http://schemas.microsoft.com/office/drawing/2014/main" id="{EE5ED381-3B72-4022-9A8C-57BCEEF673A5}"/>
-              </a:ext>
-            </a:extLst>
-          </p:cNvPr>
-          <p:cNvSpPr txBox="1"/>
-          <p:nvPr/>
-        </p:nvSpPr>
-        <p:spPr>
-          <a:xfrm>
-            <a:off x="1452826" y="4223321"/>
-            <a:ext cx="205184" cy="184666"/>
-          </a:xfrm>
-          <a:prstGeom prst="rect">
-            <a:avLst/>
-          </a:prstGeom>
-          <a:noFill/>
-        </p:spPr>
-        <p:txBody>
-          <a:bodyPr wrap="none" lIns="0" tIns="0" rIns="0" bIns="0" rtlCol="0">
-            <a:spAutoFit/>
-          </a:bodyPr>
-          <a:lstStyle/>
-          <a:p>
-            <a:pPr algn="ctr"/>
-            <a:r>
-              <a:rPr lang="en-CA" sz="1200" b="1" dirty="0"/>
-              <a:t>NO</a:t>
-            </a:r>
-            <a:endParaRPr lang="en-US" sz="1200" b="1" dirty="0"/>
-          </a:p>
-        </p:txBody>
-      </p:sp>
-      <p:sp>
-        <p:nvSpPr>
-          <p:cNvPr id="62" name="TextBox 61">
-            <a:extLst>
-              <a:ext uri="{FF2B5EF4-FFF2-40B4-BE49-F238E27FC236}">
-                <a16:creationId xmlns:a16="http://schemas.microsoft.com/office/drawing/2014/main" id="{E24F50A0-4A1E-40D8-8344-ED8AC9B9F783}"/>
-              </a:ext>
-            </a:extLst>
-          </p:cNvPr>
-          <p:cNvSpPr txBox="1"/>
-          <p:nvPr/>
-        </p:nvSpPr>
-        <p:spPr>
-          <a:xfrm>
-            <a:off x="1452826" y="5244193"/>
-            <a:ext cx="205184" cy="184666"/>
-          </a:xfrm>
-          <a:prstGeom prst="rect">
-            <a:avLst/>
-          </a:prstGeom>
-          <a:noFill/>
-        </p:spPr>
-        <p:txBody>
-          <a:bodyPr wrap="none" lIns="0" tIns="0" rIns="0" bIns="0" rtlCol="0">
-            <a:spAutoFit/>
-          </a:bodyPr>
-          <a:lstStyle/>
-          <a:p>
-            <a:pPr algn="ctr"/>
-            <a:r>
-              <a:rPr lang="en-CA" sz="1200" b="1" dirty="0"/>
-              <a:t>NO</a:t>
-            </a:r>
-            <a:endParaRPr lang="en-US" sz="1200" b="1" dirty="0"/>
-          </a:p>
-        </p:txBody>
-      </p:sp>
-      <p:sp>
-        <p:nvSpPr>
-          <p:cNvPr id="63" name="TextBox 62">
-            <a:extLst>
-              <a:ext uri="{FF2B5EF4-FFF2-40B4-BE49-F238E27FC236}">
-                <a16:creationId xmlns:a16="http://schemas.microsoft.com/office/drawing/2014/main" id="{9CE241DA-F6C0-4DE0-9B87-308EAC3C706B}"/>
-              </a:ext>
-            </a:extLst>
-          </p:cNvPr>
-          <p:cNvSpPr txBox="1"/>
-          <p:nvPr/>
-        </p:nvSpPr>
-        <p:spPr>
-          <a:xfrm>
-            <a:off x="2547556" y="4839837"/>
-            <a:ext cx="226152" cy="184666"/>
-          </a:xfrm>
-          <a:prstGeom prst="rect">
-            <a:avLst/>
-          </a:prstGeom>
-          <a:noFill/>
-        </p:spPr>
-        <p:txBody>
-          <a:bodyPr wrap="none" lIns="0" tIns="0" rIns="0" bIns="0" rtlCol="0">
-            <a:spAutoFit/>
-          </a:bodyPr>
-          <a:lstStyle/>
-          <a:p>
-            <a:pPr algn="ctr"/>
-            <a:r>
-              <a:rPr lang="en-CA" sz="1200" b="1" dirty="0"/>
-              <a:t>YES</a:t>
-            </a:r>
-            <a:endParaRPr lang="en-US" sz="1200" b="1" dirty="0"/>
-          </a:p>
-        </p:txBody>
-      </p:sp>
-      <p:sp>
-        <p:nvSpPr>
-          <p:cNvPr id="68" name="TextBox 67">
-            <a:extLst>
-              <a:ext uri="{FF2B5EF4-FFF2-40B4-BE49-F238E27FC236}">
-                <a16:creationId xmlns:a16="http://schemas.microsoft.com/office/drawing/2014/main" id="{B4BE916A-813E-4A16-8DC9-DB0CCB984A31}"/>
-              </a:ext>
-            </a:extLst>
-          </p:cNvPr>
-          <p:cNvSpPr txBox="1"/>
-          <p:nvPr/>
-        </p:nvSpPr>
-        <p:spPr>
-          <a:xfrm>
-            <a:off x="2547556" y="5861007"/>
-            <a:ext cx="226152" cy="184666"/>
-          </a:xfrm>
-          <a:prstGeom prst="rect">
-            <a:avLst/>
-          </a:prstGeom>
-          <a:noFill/>
-        </p:spPr>
-        <p:txBody>
-          <a:bodyPr wrap="none" lIns="0" tIns="0" rIns="0" bIns="0" rtlCol="0">
-            <a:spAutoFit/>
-          </a:bodyPr>
-          <a:lstStyle/>
-          <a:p>
-            <a:pPr algn="ctr"/>
-            <a:r>
-              <a:rPr lang="en-CA" sz="1200" b="1" dirty="0"/>
-              <a:t>YES</a:t>
-            </a:r>
-            <a:endParaRPr lang="en-US" sz="1200" b="1" dirty="0"/>
-          </a:p>
-        </p:txBody>
-      </p:sp>
-      <p:sp>
-        <p:nvSpPr>
-          <p:cNvPr id="72" name="Flowchart: Manual Operation 71">
-            <a:extLst>
-              <a:ext uri="{FF2B5EF4-FFF2-40B4-BE49-F238E27FC236}">
-                <a16:creationId xmlns:a16="http://schemas.microsoft.com/office/drawing/2014/main" id="{18656EF9-3875-4A13-9334-A11C96D384AB}"/>
+                <a16:creationId xmlns:a16="http://schemas.microsoft.com/office/drawing/2014/main" id="{53C83321-E3CD-4968-B7EA-3590CB5F18E2}"/>
               </a:ext>
             </a:extLst>
           </p:cNvPr>
@@ -17033,24 +18445,34 @@
         </p:nvSpPr>
         <p:spPr>
           <a:xfrm>
-            <a:off x="3551062" y="3243066"/>
-            <a:ext cx="1440493" cy="576197"/>
-          </a:xfrm>
-          <a:prstGeom prst="flowChartManualOperation">
-            <a:avLst/>
-          </a:prstGeom>
+            <a:off x="4104960" y="5062791"/>
+            <a:ext cx="1248033" cy="1495167"/>
+          </a:xfrm>
+          <a:prstGeom prst="foldedCorner">
+            <a:avLst>
+              <a:gd name="adj" fmla="val 29311"/>
+            </a:avLst>
+          </a:prstGeom>
+          <a:solidFill>
+            <a:srgbClr val="DAE9F6"/>
+          </a:solidFill>
+          <a:ln>
+            <a:solidFill>
+              <a:srgbClr val="5B9BD5"/>
+            </a:solidFill>
+          </a:ln>
         </p:spPr>
         <p:style>
           <a:lnRef idx="2">
-            <a:schemeClr val="accent5">
+            <a:schemeClr val="accent3">
               <a:shade val="50000"/>
             </a:schemeClr>
           </a:lnRef>
           <a:fillRef idx="1">
-            <a:schemeClr val="accent5"/>
+            <a:schemeClr val="accent3"/>
           </a:fillRef>
           <a:effectRef idx="0">
-            <a:schemeClr val="accent5"/>
+            <a:schemeClr val="accent3"/>
           </a:effectRef>
           <a:fontRef idx="minor">
             <a:schemeClr val="lt1"/>
@@ -17062,44 +18484,1116 @@
           <a:p>
             <a:pPr algn="ctr"/>
             <a:r>
-              <a:rPr lang="en-CA" sz="1400" b="1" dirty="0"/>
-              <a:t>“NEW USER”</a:t>
+              <a:rPr lang="en-CA" b="1" dirty="0">
+                <a:solidFill>
+                  <a:srgbClr val="5B9BD5"/>
+                </a:solidFill>
+              </a:rPr>
+              <a:t>Search</a:t>
             </a:r>
           </a:p>
           <a:p>
             <a:pPr algn="ctr"/>
             <a:r>
-              <a:rPr lang="en-CA" sz="1400" b="1" dirty="0"/>
-              <a:t>is clicked</a:t>
-            </a:r>
+              <a:rPr lang="en-CA" b="1" dirty="0">
+                <a:solidFill>
+                  <a:srgbClr val="5B9BD5"/>
+                </a:solidFill>
+              </a:rPr>
+              <a:t>results</a:t>
+            </a:r>
+            <a:endParaRPr lang="en-US" b="1" dirty="0">
+              <a:solidFill>
+                <a:srgbClr val="5B9BD5"/>
+              </a:solidFill>
+            </a:endParaRPr>
+          </a:p>
+        </p:txBody>
+      </p:sp>
+      <p:sp>
+        <p:nvSpPr>
+          <p:cNvPr id="5" name="Rectangle: Folded Corner 4">
+            <a:extLst>
+              <a:ext uri="{FF2B5EF4-FFF2-40B4-BE49-F238E27FC236}">
+                <a16:creationId xmlns:a16="http://schemas.microsoft.com/office/drawing/2014/main" id="{3332C509-A512-44FF-9AE4-0D012190E54B}"/>
+              </a:ext>
+            </a:extLst>
+          </p:cNvPr>
+          <p:cNvSpPr/>
+          <p:nvPr/>
+        </p:nvSpPr>
+        <p:spPr>
+          <a:xfrm>
+            <a:off x="2695138" y="6557958"/>
+            <a:ext cx="1248033" cy="1495167"/>
+          </a:xfrm>
+          <a:prstGeom prst="foldedCorner">
+            <a:avLst>
+              <a:gd name="adj" fmla="val 29311"/>
+            </a:avLst>
+          </a:prstGeom>
+          <a:solidFill>
+            <a:srgbClr val="DAE9F6"/>
+          </a:solidFill>
+          <a:ln>
+            <a:solidFill>
+              <a:srgbClr val="5B9BD5"/>
+            </a:solidFill>
+          </a:ln>
+        </p:spPr>
+        <p:style>
+          <a:lnRef idx="2">
+            <a:schemeClr val="accent3">
+              <a:shade val="50000"/>
+            </a:schemeClr>
+          </a:lnRef>
+          <a:fillRef idx="1">
+            <a:schemeClr val="accent3"/>
+          </a:fillRef>
+          <a:effectRef idx="0">
+            <a:schemeClr val="accent3"/>
+          </a:effectRef>
+          <a:fontRef idx="minor">
+            <a:schemeClr val="lt1"/>
+          </a:fontRef>
+        </p:style>
+        <p:txBody>
+          <a:bodyPr wrap="none" lIns="0" tIns="0" rIns="0" bIns="0" rtlCol="0" anchor="ctr"/>
+          <a:lstStyle/>
+          <a:p>
+            <a:pPr algn="ctr"/>
+            <a:r>
+              <a:rPr lang="en-CA" b="1" dirty="0">
+                <a:solidFill>
+                  <a:srgbClr val="5B9BD5"/>
+                </a:solidFill>
+              </a:rPr>
+              <a:t>Property</a:t>
+            </a:r>
+          </a:p>
+          <a:p>
+            <a:pPr algn="ctr"/>
+            <a:r>
+              <a:rPr lang="en-CA" b="1" dirty="0">
+                <a:solidFill>
+                  <a:srgbClr val="5B9BD5"/>
+                </a:solidFill>
+              </a:rPr>
+              <a:t>info</a:t>
+            </a:r>
+            <a:endParaRPr lang="en-US" b="1" dirty="0">
+              <a:solidFill>
+                <a:srgbClr val="5B9BD5"/>
+              </a:solidFill>
+            </a:endParaRPr>
+          </a:p>
+        </p:txBody>
+      </p:sp>
+      <p:sp>
+        <p:nvSpPr>
+          <p:cNvPr id="10" name="Rectangle: Folded Corner 9">
+            <a:extLst>
+              <a:ext uri="{FF2B5EF4-FFF2-40B4-BE49-F238E27FC236}">
+                <a16:creationId xmlns:a16="http://schemas.microsoft.com/office/drawing/2014/main" id="{494E9391-893E-487D-826B-90CCBFBCE432}"/>
+              </a:ext>
+            </a:extLst>
+          </p:cNvPr>
+          <p:cNvSpPr/>
+          <p:nvPr/>
+        </p:nvSpPr>
+        <p:spPr>
+          <a:xfrm>
+            <a:off x="8534857" y="1387044"/>
+            <a:ext cx="1248033" cy="1495167"/>
+          </a:xfrm>
+          <a:prstGeom prst="foldedCorner">
+            <a:avLst>
+              <a:gd name="adj" fmla="val 29311"/>
+            </a:avLst>
+          </a:prstGeom>
+          <a:solidFill>
+            <a:srgbClr val="F2F2F2"/>
+          </a:solidFill>
+          <a:ln>
+            <a:solidFill>
+              <a:srgbClr val="787878"/>
+            </a:solidFill>
+          </a:ln>
+        </p:spPr>
+        <p:style>
+          <a:lnRef idx="2">
+            <a:schemeClr val="accent3">
+              <a:shade val="50000"/>
+            </a:schemeClr>
+          </a:lnRef>
+          <a:fillRef idx="1">
+            <a:schemeClr val="accent3"/>
+          </a:fillRef>
+          <a:effectRef idx="0">
+            <a:schemeClr val="accent3"/>
+          </a:effectRef>
+          <a:fontRef idx="minor">
+            <a:schemeClr val="lt1"/>
+          </a:fontRef>
+        </p:style>
+        <p:txBody>
+          <a:bodyPr wrap="none" lIns="0" tIns="0" rIns="0" bIns="0" rtlCol="0" anchor="ctr"/>
+          <a:lstStyle/>
+          <a:p>
+            <a:pPr algn="ctr"/>
+            <a:r>
+              <a:rPr lang="en-CA" b="1" dirty="0">
+                <a:solidFill>
+                  <a:srgbClr val="787878"/>
+                </a:solidFill>
+              </a:rPr>
+              <a:t>Site </a:t>
+            </a:r>
+          </a:p>
+          <a:p>
+            <a:pPr algn="ctr"/>
+            <a:r>
+              <a:rPr lang="en-CA" b="1" dirty="0">
+                <a:solidFill>
+                  <a:srgbClr val="787878"/>
+                </a:solidFill>
+              </a:rPr>
+              <a:t>admin</a:t>
+            </a:r>
+            <a:endParaRPr lang="en-US" b="1" dirty="0">
+              <a:solidFill>
+                <a:srgbClr val="787878"/>
+              </a:solidFill>
+            </a:endParaRPr>
+          </a:p>
+        </p:txBody>
+      </p:sp>
+      <p:sp>
+        <p:nvSpPr>
+          <p:cNvPr id="11" name="Rectangle: Folded Corner 10">
+            <a:extLst>
+              <a:ext uri="{FF2B5EF4-FFF2-40B4-BE49-F238E27FC236}">
+                <a16:creationId xmlns:a16="http://schemas.microsoft.com/office/drawing/2014/main" id="{F6B140E4-D7C0-465B-9A01-AE720BAAA013}"/>
+              </a:ext>
+            </a:extLst>
+          </p:cNvPr>
+          <p:cNvSpPr/>
+          <p:nvPr/>
+        </p:nvSpPr>
+        <p:spPr>
+          <a:xfrm>
+            <a:off x="782101" y="3300380"/>
+            <a:ext cx="1248033" cy="1495167"/>
+          </a:xfrm>
+          <a:prstGeom prst="foldedCorner">
+            <a:avLst>
+              <a:gd name="adj" fmla="val 29311"/>
+            </a:avLst>
+          </a:prstGeom>
+          <a:solidFill>
+            <a:srgbClr val="DAE9F6"/>
+          </a:solidFill>
+          <a:ln>
+            <a:solidFill>
+              <a:srgbClr val="5B9BD5"/>
+            </a:solidFill>
+          </a:ln>
+        </p:spPr>
+        <p:style>
+          <a:lnRef idx="2">
+            <a:schemeClr val="accent3">
+              <a:shade val="50000"/>
+            </a:schemeClr>
+          </a:lnRef>
+          <a:fillRef idx="1">
+            <a:schemeClr val="accent3"/>
+          </a:fillRef>
+          <a:effectRef idx="0">
+            <a:schemeClr val="accent3"/>
+          </a:effectRef>
+          <a:fontRef idx="minor">
+            <a:schemeClr val="lt1"/>
+          </a:fontRef>
+        </p:style>
+        <p:txBody>
+          <a:bodyPr wrap="none" lIns="0" tIns="0" rIns="0" bIns="0" rtlCol="0" anchor="ctr"/>
+          <a:lstStyle/>
+          <a:p>
+            <a:pPr algn="ctr"/>
+            <a:r>
+              <a:rPr lang="en-CA" b="1" dirty="0">
+                <a:solidFill>
+                  <a:srgbClr val="5B9BD5"/>
+                </a:solidFill>
+              </a:rPr>
+              <a:t>Client</a:t>
+            </a:r>
+          </a:p>
+          <a:p>
+            <a:pPr algn="ctr"/>
+            <a:r>
+              <a:rPr lang="en-CA" b="1" dirty="0">
+                <a:solidFill>
+                  <a:srgbClr val="5B9BD5"/>
+                </a:solidFill>
+              </a:rPr>
+              <a:t>manager</a:t>
+            </a:r>
+            <a:endParaRPr lang="en-US" b="1" dirty="0">
+              <a:solidFill>
+                <a:srgbClr val="5B9BD5"/>
+              </a:solidFill>
+            </a:endParaRPr>
+          </a:p>
+        </p:txBody>
+      </p:sp>
+      <p:sp>
+        <p:nvSpPr>
+          <p:cNvPr id="18" name="Rectangle: Folded Corner 17">
+            <a:extLst>
+              <a:ext uri="{FF2B5EF4-FFF2-40B4-BE49-F238E27FC236}">
+                <a16:creationId xmlns:a16="http://schemas.microsoft.com/office/drawing/2014/main" id="{21CFA74C-64A9-49CA-877F-B26CA5D2CFEF}"/>
+              </a:ext>
+            </a:extLst>
+          </p:cNvPr>
+          <p:cNvSpPr/>
+          <p:nvPr/>
+        </p:nvSpPr>
+        <p:spPr>
+          <a:xfrm>
+            <a:off x="782100" y="6557959"/>
+            <a:ext cx="1248033" cy="1495167"/>
+          </a:xfrm>
+          <a:prstGeom prst="foldedCorner">
+            <a:avLst>
+              <a:gd name="adj" fmla="val 29311"/>
+            </a:avLst>
+          </a:prstGeom>
+          <a:solidFill>
+            <a:srgbClr val="DAE9F6"/>
+          </a:solidFill>
+          <a:ln>
+            <a:solidFill>
+              <a:srgbClr val="5B9BD5"/>
+            </a:solidFill>
+          </a:ln>
+        </p:spPr>
+        <p:style>
+          <a:lnRef idx="2">
+            <a:schemeClr val="accent3">
+              <a:shade val="50000"/>
+            </a:schemeClr>
+          </a:lnRef>
+          <a:fillRef idx="1">
+            <a:schemeClr val="accent3"/>
+          </a:fillRef>
+          <a:effectRef idx="0">
+            <a:schemeClr val="accent3"/>
+          </a:effectRef>
+          <a:fontRef idx="minor">
+            <a:schemeClr val="lt1"/>
+          </a:fontRef>
+        </p:style>
+        <p:txBody>
+          <a:bodyPr wrap="none" lIns="0" tIns="0" rIns="0" bIns="0" rtlCol="0" anchor="ctr"/>
+          <a:lstStyle/>
+          <a:p>
+            <a:pPr algn="ctr"/>
+            <a:r>
+              <a:rPr lang="en-CA" b="1" dirty="0">
+                <a:solidFill>
+                  <a:srgbClr val="5B9BD5"/>
+                </a:solidFill>
+              </a:rPr>
+              <a:t>Favourite</a:t>
+            </a:r>
+          </a:p>
+          <a:p>
+            <a:pPr algn="ctr"/>
+            <a:r>
+              <a:rPr lang="en-CA" b="1" dirty="0">
+                <a:solidFill>
+                  <a:srgbClr val="5B9BD5"/>
+                </a:solidFill>
+              </a:rPr>
+              <a:t>properties</a:t>
+            </a:r>
+            <a:endParaRPr lang="en-US" b="1" dirty="0">
+              <a:solidFill>
+                <a:srgbClr val="5B9BD5"/>
+              </a:solidFill>
+            </a:endParaRPr>
+          </a:p>
+        </p:txBody>
+      </p:sp>
+      <p:sp>
+        <p:nvSpPr>
+          <p:cNvPr id="3" name="Rectangle: Folded Corner 2">
+            <a:extLst>
+              <a:ext uri="{FF2B5EF4-FFF2-40B4-BE49-F238E27FC236}">
+                <a16:creationId xmlns:a16="http://schemas.microsoft.com/office/drawing/2014/main" id="{C621F9F9-6AE1-4D1C-9B00-B06D90D6AE8A}"/>
+              </a:ext>
+            </a:extLst>
+          </p:cNvPr>
+          <p:cNvSpPr/>
+          <p:nvPr/>
+        </p:nvSpPr>
+        <p:spPr>
+          <a:xfrm>
+            <a:off x="5729522" y="2902107"/>
+            <a:ext cx="1248033" cy="1495167"/>
+          </a:xfrm>
+          <a:prstGeom prst="foldedCorner">
+            <a:avLst>
+              <a:gd name="adj" fmla="val 29311"/>
+            </a:avLst>
+          </a:prstGeom>
+          <a:solidFill>
+            <a:srgbClr val="FFF1E5">
+              <a:alpha val="74000"/>
+            </a:srgbClr>
+          </a:solidFill>
+          <a:ln>
+            <a:solidFill>
+              <a:srgbClr val="E5780B"/>
+            </a:solidFill>
+          </a:ln>
+        </p:spPr>
+        <p:style>
+          <a:lnRef idx="2">
+            <a:schemeClr val="accent3">
+              <a:shade val="50000"/>
+            </a:schemeClr>
+          </a:lnRef>
+          <a:fillRef idx="1">
+            <a:schemeClr val="accent3"/>
+          </a:fillRef>
+          <a:effectRef idx="0">
+            <a:schemeClr val="accent3"/>
+          </a:effectRef>
+          <a:fontRef idx="minor">
+            <a:schemeClr val="lt1"/>
+          </a:fontRef>
+        </p:style>
+        <p:txBody>
+          <a:bodyPr wrap="none" lIns="0" tIns="0" rIns="0" bIns="0" rtlCol="0" anchor="ctr"/>
+          <a:lstStyle/>
+          <a:p>
+            <a:pPr algn="ctr"/>
+            <a:r>
+              <a:rPr lang="en-CA" b="1" dirty="0">
+                <a:solidFill>
+                  <a:srgbClr val="E5780B"/>
+                </a:solidFill>
+              </a:rPr>
+              <a:t>Landing</a:t>
+            </a:r>
+            <a:endParaRPr lang="en-US" b="1" dirty="0">
+              <a:solidFill>
+                <a:srgbClr val="E5780B"/>
+              </a:solidFill>
+            </a:endParaRPr>
+          </a:p>
+        </p:txBody>
+      </p:sp>
+      <p:sp>
+        <p:nvSpPr>
+          <p:cNvPr id="23" name="TextBox 22">
+            <a:extLst>
+              <a:ext uri="{FF2B5EF4-FFF2-40B4-BE49-F238E27FC236}">
+                <a16:creationId xmlns:a16="http://schemas.microsoft.com/office/drawing/2014/main" id="{91B2B7AD-192F-424F-A07F-E35C1C560272}"/>
+              </a:ext>
+            </a:extLst>
+          </p:cNvPr>
+          <p:cNvSpPr txBox="1"/>
+          <p:nvPr/>
+        </p:nvSpPr>
+        <p:spPr>
+          <a:xfrm>
+            <a:off x="5966879" y="2588755"/>
+            <a:ext cx="250390" cy="276999"/>
+          </a:xfrm>
+          <a:prstGeom prst="rect">
+            <a:avLst/>
+          </a:prstGeom>
+          <a:noFill/>
+        </p:spPr>
+        <p:txBody>
+          <a:bodyPr wrap="none" rtlCol="0">
+            <a:spAutoFit/>
+          </a:bodyPr>
+          <a:lstStyle/>
+          <a:p>
+            <a:r>
+              <a:rPr lang="en-CA" sz="1200" b="1" dirty="0">
+                <a:solidFill>
+                  <a:srgbClr val="FF0000"/>
+                </a:solidFill>
+              </a:rPr>
+              <a:t>/</a:t>
+            </a:r>
+            <a:endParaRPr lang="en-US" sz="1200" b="1" dirty="0">
+              <a:solidFill>
+                <a:srgbClr val="FF0000"/>
+              </a:solidFill>
+            </a:endParaRPr>
+          </a:p>
+        </p:txBody>
+      </p:sp>
+      <p:sp>
+        <p:nvSpPr>
+          <p:cNvPr id="24" name="TextBox 23">
+            <a:extLst>
+              <a:ext uri="{FF2B5EF4-FFF2-40B4-BE49-F238E27FC236}">
+                <a16:creationId xmlns:a16="http://schemas.microsoft.com/office/drawing/2014/main" id="{914BC033-3738-4CE3-83D4-9D2AE2ECAAD6}"/>
+              </a:ext>
+            </a:extLst>
+          </p:cNvPr>
+          <p:cNvSpPr txBox="1"/>
+          <p:nvPr/>
+        </p:nvSpPr>
+        <p:spPr>
+          <a:xfrm>
+            <a:off x="546100" y="2989443"/>
+            <a:ext cx="828688" cy="276999"/>
+          </a:xfrm>
+          <a:prstGeom prst="rect">
+            <a:avLst/>
+          </a:prstGeom>
+          <a:noFill/>
+        </p:spPr>
+        <p:txBody>
+          <a:bodyPr wrap="none" rtlCol="0">
+            <a:spAutoFit/>
+          </a:bodyPr>
+          <a:lstStyle/>
+          <a:p>
+            <a:pPr algn="ctr"/>
+            <a:r>
+              <a:rPr lang="en-CA" sz="1200" b="1" dirty="0">
+                <a:solidFill>
+                  <a:srgbClr val="FF0000"/>
+                </a:solidFill>
+              </a:rPr>
+              <a:t>/client/:id</a:t>
+            </a:r>
+            <a:endParaRPr lang="en-US" sz="1200" b="1" dirty="0">
+              <a:solidFill>
+                <a:srgbClr val="FF0000"/>
+              </a:solidFill>
+            </a:endParaRPr>
+          </a:p>
+        </p:txBody>
+      </p:sp>
+      <p:sp>
+        <p:nvSpPr>
+          <p:cNvPr id="26" name="TextBox 25">
+            <a:extLst>
+              <a:ext uri="{FF2B5EF4-FFF2-40B4-BE49-F238E27FC236}">
+                <a16:creationId xmlns:a16="http://schemas.microsoft.com/office/drawing/2014/main" id="{D4728D30-6227-4AD0-B678-9AA8E632A520}"/>
+              </a:ext>
+            </a:extLst>
+          </p:cNvPr>
+          <p:cNvSpPr txBox="1"/>
+          <p:nvPr/>
+        </p:nvSpPr>
+        <p:spPr>
+          <a:xfrm>
+            <a:off x="8689505" y="4598153"/>
+            <a:ext cx="889474" cy="276999"/>
+          </a:xfrm>
+          <a:prstGeom prst="rect">
+            <a:avLst/>
+          </a:prstGeom>
+          <a:noFill/>
+        </p:spPr>
+        <p:txBody>
+          <a:bodyPr wrap="none" rtlCol="0">
+            <a:spAutoFit/>
+          </a:bodyPr>
+          <a:lstStyle/>
+          <a:p>
+            <a:pPr algn="ctr"/>
+            <a:r>
+              <a:rPr lang="en-CA" sz="1200" b="1" dirty="0">
+                <a:solidFill>
+                  <a:srgbClr val="FF0000"/>
+                </a:solidFill>
+              </a:rPr>
+              <a:t>/owner/:id</a:t>
+            </a:r>
+            <a:endParaRPr lang="en-US" sz="1200" b="1" dirty="0">
+              <a:solidFill>
+                <a:srgbClr val="FF0000"/>
+              </a:solidFill>
+            </a:endParaRPr>
+          </a:p>
+        </p:txBody>
+      </p:sp>
+      <p:sp>
+        <p:nvSpPr>
+          <p:cNvPr id="27" name="TextBox 26">
+            <a:extLst>
+              <a:ext uri="{FF2B5EF4-FFF2-40B4-BE49-F238E27FC236}">
+                <a16:creationId xmlns:a16="http://schemas.microsoft.com/office/drawing/2014/main" id="{7D9E71EB-E268-4026-BED3-1FDFBB6BF00B}"/>
+              </a:ext>
+            </a:extLst>
+          </p:cNvPr>
+          <p:cNvSpPr txBox="1"/>
+          <p:nvPr/>
+        </p:nvSpPr>
+        <p:spPr>
+          <a:xfrm>
+            <a:off x="9787067" y="8037683"/>
+            <a:ext cx="1352422" cy="276999"/>
+          </a:xfrm>
+          <a:prstGeom prst="rect">
+            <a:avLst/>
+          </a:prstGeom>
+          <a:noFill/>
+        </p:spPr>
+        <p:txBody>
+          <a:bodyPr wrap="none" rtlCol="0">
+            <a:spAutoFit/>
+          </a:bodyPr>
+          <a:lstStyle/>
+          <a:p>
+            <a:pPr algn="ctr"/>
+            <a:r>
+              <a:rPr lang="en-CA" sz="1200" b="1" dirty="0">
+                <a:solidFill>
+                  <a:srgbClr val="FF0000"/>
+                </a:solidFill>
+              </a:rPr>
+              <a:t>/property/edit/:id</a:t>
+            </a:r>
+            <a:endParaRPr lang="en-US" sz="1200" b="1" dirty="0">
+              <a:solidFill>
+                <a:srgbClr val="FF0000"/>
+              </a:solidFill>
+            </a:endParaRPr>
+          </a:p>
+        </p:txBody>
+      </p:sp>
+      <p:sp>
+        <p:nvSpPr>
+          <p:cNvPr id="29" name="TextBox 28">
+            <a:extLst>
+              <a:ext uri="{FF2B5EF4-FFF2-40B4-BE49-F238E27FC236}">
+                <a16:creationId xmlns:a16="http://schemas.microsoft.com/office/drawing/2014/main" id="{E3010376-8DA7-486E-ACDB-94BD7FE50DDE}"/>
+              </a:ext>
+            </a:extLst>
+          </p:cNvPr>
+          <p:cNvSpPr txBox="1"/>
+          <p:nvPr/>
+        </p:nvSpPr>
+        <p:spPr>
+          <a:xfrm>
+            <a:off x="2799748" y="8052221"/>
+            <a:ext cx="1038810" cy="276999"/>
+          </a:xfrm>
+          <a:prstGeom prst="rect">
+            <a:avLst/>
+          </a:prstGeom>
+          <a:noFill/>
+        </p:spPr>
+        <p:txBody>
+          <a:bodyPr wrap="none" rtlCol="0">
+            <a:spAutoFit/>
+          </a:bodyPr>
+          <a:lstStyle/>
+          <a:p>
+            <a:pPr algn="ctr"/>
+            <a:r>
+              <a:rPr lang="en-CA" sz="1200" b="1" dirty="0">
+                <a:solidFill>
+                  <a:srgbClr val="FF0000"/>
+                </a:solidFill>
+              </a:rPr>
+              <a:t>/property/:id</a:t>
+            </a:r>
+            <a:endParaRPr lang="en-US" sz="1200" b="1" dirty="0">
+              <a:solidFill>
+                <a:srgbClr val="FF0000"/>
+              </a:solidFill>
+            </a:endParaRPr>
+          </a:p>
+        </p:txBody>
+      </p:sp>
+      <p:sp>
+        <p:nvSpPr>
+          <p:cNvPr id="30" name="TextBox 29">
+            <a:extLst>
+              <a:ext uri="{FF2B5EF4-FFF2-40B4-BE49-F238E27FC236}">
+                <a16:creationId xmlns:a16="http://schemas.microsoft.com/office/drawing/2014/main" id="{3A5AA6DC-F3C4-400C-BAAB-6F77735C7EEF}"/>
+              </a:ext>
+            </a:extLst>
+          </p:cNvPr>
+          <p:cNvSpPr txBox="1"/>
+          <p:nvPr/>
+        </p:nvSpPr>
+        <p:spPr>
+          <a:xfrm>
+            <a:off x="4003010" y="4711782"/>
+            <a:ext cx="659283" cy="276999"/>
+          </a:xfrm>
+          <a:prstGeom prst="rect">
+            <a:avLst/>
+          </a:prstGeom>
+          <a:noFill/>
+        </p:spPr>
+        <p:txBody>
+          <a:bodyPr wrap="square" rtlCol="0">
+            <a:spAutoFit/>
+          </a:bodyPr>
+          <a:lstStyle/>
+          <a:p>
+            <a:pPr algn="ctr"/>
+            <a:r>
+              <a:rPr lang="en-CA" sz="1200" b="1" dirty="0">
+                <a:solidFill>
+                  <a:srgbClr val="FF0000"/>
+                </a:solidFill>
+              </a:rPr>
+              <a:t>/search</a:t>
+            </a:r>
+            <a:endParaRPr lang="en-US" sz="1200" b="1" dirty="0">
+              <a:solidFill>
+                <a:srgbClr val="FF0000"/>
+              </a:solidFill>
+            </a:endParaRPr>
+          </a:p>
+        </p:txBody>
+      </p:sp>
+      <p:sp>
+        <p:nvSpPr>
+          <p:cNvPr id="32" name="TextBox 31">
+            <a:extLst>
+              <a:ext uri="{FF2B5EF4-FFF2-40B4-BE49-F238E27FC236}">
+                <a16:creationId xmlns:a16="http://schemas.microsoft.com/office/drawing/2014/main" id="{41934161-8D9E-4419-9999-A62937B8B158}"/>
+              </a:ext>
+            </a:extLst>
+          </p:cNvPr>
+          <p:cNvSpPr txBox="1"/>
+          <p:nvPr/>
+        </p:nvSpPr>
+        <p:spPr>
+          <a:xfrm>
+            <a:off x="611758" y="8053003"/>
+            <a:ext cx="1526059" cy="276999"/>
+          </a:xfrm>
+          <a:prstGeom prst="rect">
+            <a:avLst/>
+          </a:prstGeom>
+          <a:noFill/>
+        </p:spPr>
+        <p:txBody>
+          <a:bodyPr wrap="none" rtlCol="0">
+            <a:spAutoFit/>
+          </a:bodyPr>
+          <a:lstStyle/>
+          <a:p>
+            <a:pPr algn="ctr"/>
+            <a:r>
+              <a:rPr lang="en-CA" sz="1200" b="1" dirty="0">
+                <a:solidFill>
+                  <a:srgbClr val="FF0000"/>
+                </a:solidFill>
+              </a:rPr>
+              <a:t>/client/favourites/:id</a:t>
+            </a:r>
+            <a:endParaRPr lang="en-US" sz="1200" b="1" dirty="0">
+              <a:solidFill>
+                <a:srgbClr val="FF0000"/>
+              </a:solidFill>
+            </a:endParaRPr>
+          </a:p>
+        </p:txBody>
+      </p:sp>
+      <p:sp>
+        <p:nvSpPr>
+          <p:cNvPr id="33" name="TextBox 32">
+            <a:extLst>
+              <a:ext uri="{FF2B5EF4-FFF2-40B4-BE49-F238E27FC236}">
+                <a16:creationId xmlns:a16="http://schemas.microsoft.com/office/drawing/2014/main" id="{EE3BF433-4610-441E-86F4-64F726C1003F}"/>
+              </a:ext>
+            </a:extLst>
+          </p:cNvPr>
+          <p:cNvSpPr txBox="1"/>
+          <p:nvPr/>
+        </p:nvSpPr>
+        <p:spPr>
+          <a:xfrm>
+            <a:off x="8792745" y="2873108"/>
+            <a:ext cx="732256" cy="276999"/>
+          </a:xfrm>
+          <a:prstGeom prst="rect">
+            <a:avLst/>
+          </a:prstGeom>
+          <a:noFill/>
+        </p:spPr>
+        <p:txBody>
+          <a:bodyPr wrap="square" rtlCol="0">
+            <a:spAutoFit/>
+          </a:bodyPr>
+          <a:lstStyle/>
+          <a:p>
+            <a:pPr algn="ctr"/>
+            <a:r>
+              <a:rPr lang="en-CA" sz="1200" b="1" dirty="0">
+                <a:solidFill>
+                  <a:srgbClr val="FF0000"/>
+                </a:solidFill>
+              </a:rPr>
+              <a:t>/admin</a:t>
+            </a:r>
+            <a:endParaRPr lang="en-US" sz="1200" b="1" dirty="0">
+              <a:solidFill>
+                <a:srgbClr val="FF0000"/>
+              </a:solidFill>
+            </a:endParaRPr>
+          </a:p>
+        </p:txBody>
+      </p:sp>
+      <p:sp>
+        <p:nvSpPr>
+          <p:cNvPr id="36" name="TextBox 35">
+            <a:extLst>
+              <a:ext uri="{FF2B5EF4-FFF2-40B4-BE49-F238E27FC236}">
+                <a16:creationId xmlns:a16="http://schemas.microsoft.com/office/drawing/2014/main" id="{D5800FD5-C99C-4B01-B02C-17CF7D182A14}"/>
+              </a:ext>
+            </a:extLst>
+          </p:cNvPr>
+          <p:cNvSpPr txBox="1"/>
+          <p:nvPr/>
+        </p:nvSpPr>
+        <p:spPr>
+          <a:xfrm>
+            <a:off x="1137357" y="4150451"/>
+            <a:ext cx="537519" cy="276999"/>
+          </a:xfrm>
+          <a:prstGeom prst="rect">
+            <a:avLst/>
+          </a:prstGeom>
+          <a:noFill/>
+        </p:spPr>
+        <p:txBody>
+          <a:bodyPr wrap="none" rtlCol="0">
+            <a:spAutoFit/>
+          </a:bodyPr>
+          <a:lstStyle/>
+          <a:p>
+            <a:pPr algn="ctr"/>
+            <a:r>
+              <a:rPr lang="en-CA" sz="1200" b="1" dirty="0">
+                <a:solidFill>
+                  <a:srgbClr val="0000FF"/>
+                </a:solidFill>
+              </a:rPr>
+              <a:t>client</a:t>
+            </a:r>
+            <a:endParaRPr lang="en-US" sz="1200" b="1" dirty="0">
+              <a:solidFill>
+                <a:srgbClr val="0000FF"/>
+              </a:solidFill>
+            </a:endParaRPr>
+          </a:p>
+        </p:txBody>
+      </p:sp>
+      <p:sp>
+        <p:nvSpPr>
+          <p:cNvPr id="38" name="TextBox 37">
+            <a:extLst>
+              <a:ext uri="{FF2B5EF4-FFF2-40B4-BE49-F238E27FC236}">
+                <a16:creationId xmlns:a16="http://schemas.microsoft.com/office/drawing/2014/main" id="{7EF06EEA-1A0C-48B3-A0E4-F154D36ACA97}"/>
+              </a:ext>
+            </a:extLst>
+          </p:cNvPr>
+          <p:cNvSpPr txBox="1"/>
+          <p:nvPr/>
+        </p:nvSpPr>
+        <p:spPr>
+          <a:xfrm>
+            <a:off x="994754" y="7445070"/>
+            <a:ext cx="822726" cy="276999"/>
+          </a:xfrm>
+          <a:prstGeom prst="rect">
+            <a:avLst/>
+          </a:prstGeom>
+          <a:noFill/>
+        </p:spPr>
+        <p:txBody>
+          <a:bodyPr wrap="none" rtlCol="0">
+            <a:spAutoFit/>
+          </a:bodyPr>
+          <a:lstStyle/>
+          <a:p>
+            <a:pPr algn="ctr"/>
+            <a:r>
+              <a:rPr lang="en-CA" sz="1200" b="1" dirty="0">
+                <a:solidFill>
+                  <a:srgbClr val="0000FF"/>
+                </a:solidFill>
+              </a:rPr>
+              <a:t>favourites</a:t>
+            </a:r>
+            <a:endParaRPr lang="en-US" sz="1200" b="1" dirty="0">
+              <a:solidFill>
+                <a:srgbClr val="0000FF"/>
+              </a:solidFill>
+            </a:endParaRPr>
+          </a:p>
+        </p:txBody>
+      </p:sp>
+      <p:sp>
+        <p:nvSpPr>
+          <p:cNvPr id="39" name="TextBox 38">
+            <a:extLst>
+              <a:ext uri="{FF2B5EF4-FFF2-40B4-BE49-F238E27FC236}">
+                <a16:creationId xmlns:a16="http://schemas.microsoft.com/office/drawing/2014/main" id="{87139A8E-F57B-44CE-8E4C-AAB832B08E57}"/>
+              </a:ext>
+            </a:extLst>
+          </p:cNvPr>
+          <p:cNvSpPr txBox="1"/>
+          <p:nvPr/>
+        </p:nvSpPr>
+        <p:spPr>
+          <a:xfrm>
+            <a:off x="2947226" y="7487871"/>
+            <a:ext cx="743858" cy="276999"/>
+          </a:xfrm>
+          <a:prstGeom prst="rect">
+            <a:avLst/>
+          </a:prstGeom>
+          <a:noFill/>
+        </p:spPr>
+        <p:txBody>
+          <a:bodyPr wrap="none" rtlCol="0">
+            <a:spAutoFit/>
+          </a:bodyPr>
+          <a:lstStyle/>
+          <a:p>
+            <a:pPr algn="ctr"/>
+            <a:r>
+              <a:rPr lang="en-CA" sz="1200" b="1" dirty="0">
+                <a:solidFill>
+                  <a:srgbClr val="0000FF"/>
+                </a:solidFill>
+              </a:rPr>
+              <a:t>property</a:t>
+            </a:r>
+            <a:endParaRPr lang="en-US" sz="1200" b="1" dirty="0">
+              <a:solidFill>
+                <a:srgbClr val="0000FF"/>
+              </a:solidFill>
+            </a:endParaRPr>
+          </a:p>
+        </p:txBody>
+      </p:sp>
+      <p:sp>
+        <p:nvSpPr>
+          <p:cNvPr id="40" name="TextBox 39">
+            <a:extLst>
+              <a:ext uri="{FF2B5EF4-FFF2-40B4-BE49-F238E27FC236}">
+                <a16:creationId xmlns:a16="http://schemas.microsoft.com/office/drawing/2014/main" id="{801C9AF0-1B03-46A9-94D7-4BDC6A85736A}"/>
+              </a:ext>
+            </a:extLst>
+          </p:cNvPr>
+          <p:cNvSpPr txBox="1"/>
+          <p:nvPr/>
+        </p:nvSpPr>
+        <p:spPr>
+          <a:xfrm>
+            <a:off x="4418229" y="5945758"/>
+            <a:ext cx="597664" cy="276999"/>
+          </a:xfrm>
+          <a:prstGeom prst="rect">
+            <a:avLst/>
+          </a:prstGeom>
+          <a:noFill/>
+        </p:spPr>
+        <p:txBody>
+          <a:bodyPr wrap="none" rtlCol="0">
+            <a:spAutoFit/>
+          </a:bodyPr>
+          <a:lstStyle/>
+          <a:p>
+            <a:pPr algn="ctr"/>
+            <a:r>
+              <a:rPr lang="en-CA" sz="1200" b="1" dirty="0">
+                <a:solidFill>
+                  <a:srgbClr val="0000FF"/>
+                </a:solidFill>
+              </a:rPr>
+              <a:t>search</a:t>
+            </a:r>
+            <a:endParaRPr lang="en-US" sz="1200" b="1" dirty="0">
+              <a:solidFill>
+                <a:srgbClr val="0000FF"/>
+              </a:solidFill>
+            </a:endParaRPr>
+          </a:p>
+        </p:txBody>
+      </p:sp>
+      <p:sp>
+        <p:nvSpPr>
+          <p:cNvPr id="43" name="TextBox 42">
+            <a:extLst>
+              <a:ext uri="{FF2B5EF4-FFF2-40B4-BE49-F238E27FC236}">
+                <a16:creationId xmlns:a16="http://schemas.microsoft.com/office/drawing/2014/main" id="{14972E4C-8D2B-4272-884F-CCBB3CB1FC8A}"/>
+              </a:ext>
+            </a:extLst>
+          </p:cNvPr>
+          <p:cNvSpPr txBox="1"/>
+          <p:nvPr/>
+        </p:nvSpPr>
+        <p:spPr>
+          <a:xfrm>
+            <a:off x="8863761" y="2257839"/>
+            <a:ext cx="590226" cy="276999"/>
+          </a:xfrm>
+          <a:prstGeom prst="rect">
+            <a:avLst/>
+          </a:prstGeom>
+          <a:noFill/>
+        </p:spPr>
+        <p:txBody>
+          <a:bodyPr wrap="none" rtlCol="0">
+            <a:spAutoFit/>
+          </a:bodyPr>
+          <a:lstStyle/>
+          <a:p>
+            <a:pPr algn="ctr"/>
+            <a:r>
+              <a:rPr lang="en-CA" sz="1200" b="1" dirty="0">
+                <a:solidFill>
+                  <a:srgbClr val="0000FF"/>
+                </a:solidFill>
+              </a:rPr>
+              <a:t>admin</a:t>
+            </a:r>
+            <a:endParaRPr lang="en-US" sz="1200" b="1" dirty="0">
+              <a:solidFill>
+                <a:srgbClr val="0000FF"/>
+              </a:solidFill>
+            </a:endParaRPr>
+          </a:p>
+        </p:txBody>
+      </p:sp>
+      <p:sp>
+        <p:nvSpPr>
+          <p:cNvPr id="44" name="TextBox 43">
+            <a:extLst>
+              <a:ext uri="{FF2B5EF4-FFF2-40B4-BE49-F238E27FC236}">
+                <a16:creationId xmlns:a16="http://schemas.microsoft.com/office/drawing/2014/main" id="{82505C62-EC79-41B8-9F92-FD7D06C79398}"/>
+              </a:ext>
+            </a:extLst>
+          </p:cNvPr>
+          <p:cNvSpPr txBox="1"/>
+          <p:nvPr/>
+        </p:nvSpPr>
+        <p:spPr>
+          <a:xfrm>
+            <a:off x="6086093" y="3702720"/>
+            <a:ext cx="534890" cy="276999"/>
+          </a:xfrm>
+          <a:prstGeom prst="rect">
+            <a:avLst/>
+          </a:prstGeom>
+          <a:noFill/>
+        </p:spPr>
+        <p:txBody>
+          <a:bodyPr wrap="none" rtlCol="0">
+            <a:spAutoFit/>
+          </a:bodyPr>
+          <a:lstStyle/>
+          <a:p>
+            <a:pPr algn="ctr"/>
+            <a:r>
+              <a:rPr lang="en-CA" sz="1200" b="1" dirty="0">
+                <a:solidFill>
+                  <a:srgbClr val="0000FF"/>
+                </a:solidFill>
+              </a:rPr>
+              <a:t>index</a:t>
+            </a:r>
+            <a:endParaRPr lang="en-US" sz="1200" b="1" dirty="0">
+              <a:solidFill>
+                <a:srgbClr val="0000FF"/>
+              </a:solidFill>
+            </a:endParaRPr>
           </a:p>
         </p:txBody>
       </p:sp>
       <p:cxnSp>
         <p:nvCxnSpPr>
-          <p:cNvPr id="73" name="Connector: Elbow 72">
+          <p:cNvPr id="58" name="Connector: Elbow 18">
             <a:extLst>
               <a:ext uri="{FF2B5EF4-FFF2-40B4-BE49-F238E27FC236}">
-                <a16:creationId xmlns:a16="http://schemas.microsoft.com/office/drawing/2014/main" id="{E5293DC4-056F-4157-B0C4-606EF6A279F8}"/>
+                <a16:creationId xmlns:a16="http://schemas.microsoft.com/office/drawing/2014/main" id="{5F1A65C7-709F-4B36-BA85-0C3E0B05DDD8}"/>
               </a:ext>
             </a:extLst>
           </p:cNvPr>
           <p:cNvCxnSpPr>
             <a:cxnSpLocks/>
-            <a:stCxn id="21" idx="2"/>
-            <a:endCxn id="72" idx="0"/>
+            <a:stCxn id="15" idx="1"/>
+            <a:endCxn id="11" idx="0"/>
           </p:cNvCxnSpPr>
           <p:nvPr/>
         </p:nvCxnSpPr>
         <p:spPr>
-          <a:xfrm rot="16200000" flipH="1">
-            <a:off x="3655227" y="2626984"/>
-            <a:ext cx="306888" cy="925276"/>
-          </a:xfrm>
-          <a:prstGeom prst="bentConnector3">
-            <a:avLst>
-              <a:gd name="adj1" fmla="val 50000"/>
-            </a:avLst>
+          <a:xfrm rot="10800000" flipV="1">
+            <a:off x="1406118" y="2100444"/>
+            <a:ext cx="754956" cy="1199935"/>
+          </a:xfrm>
+          <a:prstGeom prst="bentConnector2">
+            <a:avLst/>
+          </a:prstGeom>
+          <a:ln>
+            <a:solidFill>
+              <a:schemeClr val="tx1"/>
+            </a:solidFill>
+            <a:tailEnd type="triangle"/>
+          </a:ln>
+        </p:spPr>
+        <p:style>
+          <a:lnRef idx="1">
+            <a:schemeClr val="accent1"/>
+          </a:lnRef>
+          <a:fillRef idx="0">
+            <a:schemeClr val="accent1"/>
+          </a:fillRef>
+          <a:effectRef idx="0">
+            <a:schemeClr val="accent1"/>
+          </a:effectRef>
+          <a:fontRef idx="minor">
+            <a:schemeClr val="tx1"/>
+          </a:fontRef>
+        </p:style>
+      </p:cxnSp>
+      <p:cxnSp>
+        <p:nvCxnSpPr>
+          <p:cNvPr id="78" name="Connector: Elbow 77">
+            <a:extLst>
+              <a:ext uri="{FF2B5EF4-FFF2-40B4-BE49-F238E27FC236}">
+                <a16:creationId xmlns:a16="http://schemas.microsoft.com/office/drawing/2014/main" id="{6F41A03E-782B-420A-B3FA-2FA3FCAEAD13}"/>
+              </a:ext>
+            </a:extLst>
+          </p:cNvPr>
+          <p:cNvCxnSpPr>
+            <a:cxnSpLocks/>
+            <a:stCxn id="72" idx="1"/>
+            <a:endCxn id="6" idx="3"/>
+          </p:cNvCxnSpPr>
+          <p:nvPr/>
+        </p:nvCxnSpPr>
+        <p:spPr>
+          <a:xfrm flipH="1">
+            <a:off x="9758260" y="5647035"/>
+            <a:ext cx="1047347" cy="1"/>
+          </a:xfrm>
+          <a:prstGeom prst="straightConnector1">
+            <a:avLst/>
           </a:prstGeom>
           <a:ln>
             <a:solidFill>
@@ -17125,10 +19619,10 @@
       </p:cxnSp>
       <p:sp>
         <p:nvSpPr>
-          <p:cNvPr id="87" name="Flowchart: Process 86">
+          <p:cNvPr id="15" name="Rectangle 14">
             <a:extLst>
               <a:ext uri="{FF2B5EF4-FFF2-40B4-BE49-F238E27FC236}">
-                <a16:creationId xmlns:a16="http://schemas.microsoft.com/office/drawing/2014/main" id="{EC16F522-BE27-49C2-8DED-B14234BE8DCA}"/>
+                <a16:creationId xmlns:a16="http://schemas.microsoft.com/office/drawing/2014/main" id="{A3BF3768-DEB1-4607-B1CC-896C5E8C73CC}"/>
               </a:ext>
             </a:extLst>
           </p:cNvPr>
@@ -17137,27 +19631,35 @@
         </p:nvSpPr>
         <p:spPr>
           <a:xfrm>
-            <a:off x="3551062" y="4044732"/>
-            <a:ext cx="1440494" cy="726509"/>
-          </a:xfrm>
-          <a:prstGeom prst="flowChartProcess">
+            <a:off x="2161074" y="1443664"/>
+            <a:ext cx="1354706" cy="1313562"/>
+          </a:xfrm>
+          <a:prstGeom prst="rect">
             <a:avLst/>
           </a:prstGeom>
+          <a:noFill/>
+          <a:ln w="69850" cap="flat" cmpd="dbl" algn="ctr">
+            <a:solidFill>
+              <a:schemeClr val="accent5"/>
+            </a:solidFill>
+            <a:prstDash val="solid"/>
+            <a:round/>
+            <a:headEnd type="none" w="med" len="med"/>
+            <a:tailEnd type="none" w="med" len="med"/>
+          </a:ln>
         </p:spPr>
         <p:style>
-          <a:lnRef idx="2">
-            <a:schemeClr val="accent5">
-              <a:shade val="50000"/>
-            </a:schemeClr>
+          <a:lnRef idx="0">
+            <a:scrgbClr r="0" g="0" b="0"/>
           </a:lnRef>
-          <a:fillRef idx="1">
-            <a:schemeClr val="accent5"/>
+          <a:fillRef idx="0">
+            <a:scrgbClr r="0" g="0" b="0"/>
           </a:fillRef>
           <a:effectRef idx="0">
-            <a:schemeClr val="accent5"/>
+            <a:scrgbClr r="0" g="0" b="0"/>
           </a:effectRef>
           <a:fontRef idx="minor">
-            <a:schemeClr val="lt1"/>
+            <a:schemeClr val="accent5"/>
           </a:fontRef>
         </p:style>
         <p:txBody>
@@ -17166,1384 +19668,48 @@
           <a:p>
             <a:pPr algn="ctr"/>
             <a:r>
-              <a:rPr lang="en-CA" sz="1400" b="1" dirty="0"/>
-              <a:t>Present “new client” modal</a:t>
-            </a:r>
-          </a:p>
-        </p:txBody>
-      </p:sp>
-      <p:sp>
-        <p:nvSpPr>
-          <p:cNvPr id="90" name="Flowchart: Decision 89">
-            <a:extLst>
-              <a:ext uri="{FF2B5EF4-FFF2-40B4-BE49-F238E27FC236}">
-                <a16:creationId xmlns:a16="http://schemas.microsoft.com/office/drawing/2014/main" id="{B528076E-C954-473A-9F47-D9A4D08F2D21}"/>
-              </a:ext>
-            </a:extLst>
-          </p:cNvPr>
-          <p:cNvSpPr/>
-          <p:nvPr/>
-        </p:nvSpPr>
-        <p:spPr>
-          <a:xfrm>
-            <a:off x="3551061" y="4996710"/>
-            <a:ext cx="1440494" cy="864296"/>
-          </a:xfrm>
-          <a:prstGeom prst="flowChartDecision">
-            <a:avLst/>
-          </a:prstGeom>
-        </p:spPr>
-        <p:style>
-          <a:lnRef idx="2">
-            <a:schemeClr val="accent5">
-              <a:shade val="50000"/>
-            </a:schemeClr>
-          </a:lnRef>
-          <a:fillRef idx="1">
-            <a:schemeClr val="accent5"/>
-          </a:fillRef>
-          <a:effectRef idx="0">
-            <a:schemeClr val="accent5"/>
-          </a:effectRef>
-          <a:fontRef idx="minor">
-            <a:schemeClr val="lt1"/>
-          </a:fontRef>
-        </p:style>
-        <p:txBody>
-          <a:bodyPr lIns="0" tIns="0" rIns="0" bIns="0" rtlCol="0" anchor="ctr"/>
-          <a:lstStyle/>
+              <a:rPr lang="en-CA" b="1" dirty="0"/>
+              <a:t>Client login</a:t>
+            </a:r>
+          </a:p>
           <a:p>
             <a:pPr algn="ctr"/>
             <a:r>
-              <a:rPr lang="en-CA" sz="1400" b="1" dirty="0"/>
-              <a:t>Check if user exist</a:t>
+              <a:rPr lang="en-CA" b="1" dirty="0"/>
+              <a:t>Modal logic</a:t>
             </a:r>
           </a:p>
         </p:txBody>
       </p:sp>
       <p:cxnSp>
         <p:nvCxnSpPr>
-          <p:cNvPr id="91" name="Connector: Elbow 32">
+          <p:cNvPr id="47" name="Connector: Elbow 46">
             <a:extLst>
               <a:ext uri="{FF2B5EF4-FFF2-40B4-BE49-F238E27FC236}">
-                <a16:creationId xmlns:a16="http://schemas.microsoft.com/office/drawing/2014/main" id="{975581E2-6FA3-46ED-90A3-2BC85630795D}"/>
+                <a16:creationId xmlns:a16="http://schemas.microsoft.com/office/drawing/2014/main" id="{ABCFE910-9598-4581-8968-A8E4E1548D1C}"/>
               </a:ext>
             </a:extLst>
           </p:cNvPr>
           <p:cNvCxnSpPr>
             <a:cxnSpLocks/>
-            <a:stCxn id="90" idx="2"/>
-            <a:endCxn id="117" idx="0"/>
+            <a:stCxn id="6" idx="2"/>
+            <a:endCxn id="46" idx="3"/>
           </p:cNvCxnSpPr>
           <p:nvPr/>
         </p:nvCxnSpPr>
         <p:spPr>
-          <a:xfrm>
-            <a:off x="4271308" y="5861006"/>
-            <a:ext cx="1" cy="162839"/>
-          </a:xfrm>
-          <a:prstGeom prst="straightConnector1">
+          <a:xfrm rot="5400000">
+            <a:off x="7943341" y="6114638"/>
+            <a:ext cx="910923" cy="1470884"/>
+          </a:xfrm>
+          <a:prstGeom prst="bentConnector2">
             <a:avLst/>
           </a:prstGeom>
           <a:ln>
             <a:solidFill>
               <a:schemeClr val="tx1"/>
             </a:solidFill>
-            <a:tailEnd type="triangle"/>
-          </a:ln>
-        </p:spPr>
-        <p:style>
-          <a:lnRef idx="1">
-            <a:schemeClr val="accent1"/>
-          </a:lnRef>
-          <a:fillRef idx="0">
-            <a:schemeClr val="accent1"/>
-          </a:fillRef>
-          <a:effectRef idx="0">
-            <a:schemeClr val="accent1"/>
-          </a:effectRef>
-          <a:fontRef idx="minor">
-            <a:schemeClr val="tx1"/>
-          </a:fontRef>
-        </p:style>
-      </p:cxnSp>
-      <p:sp>
-        <p:nvSpPr>
-          <p:cNvPr id="92" name="TextBox 91">
-            <a:extLst>
-              <a:ext uri="{FF2B5EF4-FFF2-40B4-BE49-F238E27FC236}">
-                <a16:creationId xmlns:a16="http://schemas.microsoft.com/office/drawing/2014/main" id="{77F808BA-2B91-46BD-B3C8-DC180FAE6AEA}"/>
-              </a:ext>
-            </a:extLst>
-          </p:cNvPr>
-          <p:cNvSpPr txBox="1"/>
-          <p:nvPr/>
-        </p:nvSpPr>
-        <p:spPr>
-          <a:xfrm>
-            <a:off x="5288076" y="5301641"/>
-            <a:ext cx="232497" cy="184666"/>
-          </a:xfrm>
-          <a:prstGeom prst="rect">
-            <a:avLst/>
-          </a:prstGeom>
-          <a:noFill/>
-        </p:spPr>
-        <p:txBody>
-          <a:bodyPr wrap="square" lIns="0" tIns="0" rIns="0" bIns="0" rtlCol="0">
-            <a:spAutoFit/>
-          </a:bodyPr>
-          <a:lstStyle/>
-          <a:p>
-            <a:pPr algn="ctr"/>
-            <a:r>
-              <a:rPr lang="en-CA" sz="1200" b="1" dirty="0"/>
-              <a:t>YES</a:t>
-            </a:r>
-            <a:endParaRPr lang="en-US" sz="1200" b="1" dirty="0"/>
-          </a:p>
-        </p:txBody>
-      </p:sp>
-      <p:sp>
-        <p:nvSpPr>
-          <p:cNvPr id="93" name="TextBox 92">
-            <a:extLst>
-              <a:ext uri="{FF2B5EF4-FFF2-40B4-BE49-F238E27FC236}">
-                <a16:creationId xmlns:a16="http://schemas.microsoft.com/office/drawing/2014/main" id="{05DE0F3A-604F-4967-BF99-0E41A6406209}"/>
-              </a:ext>
-            </a:extLst>
-          </p:cNvPr>
-          <p:cNvSpPr txBox="1"/>
-          <p:nvPr/>
-        </p:nvSpPr>
-        <p:spPr>
-          <a:xfrm>
-            <a:off x="4361200" y="5860708"/>
-            <a:ext cx="205184" cy="184666"/>
-          </a:xfrm>
-          <a:prstGeom prst="rect">
-            <a:avLst/>
-          </a:prstGeom>
-          <a:noFill/>
-        </p:spPr>
-        <p:txBody>
-          <a:bodyPr wrap="none" lIns="0" tIns="0" rIns="0" bIns="0" rtlCol="0">
-            <a:spAutoFit/>
-          </a:bodyPr>
-          <a:lstStyle/>
-          <a:p>
-            <a:pPr algn="ctr"/>
-            <a:r>
-              <a:rPr lang="en-CA" sz="1200" b="1" dirty="0"/>
-              <a:t>NO</a:t>
-            </a:r>
-            <a:endParaRPr lang="en-US" sz="1200" b="1" dirty="0"/>
-          </a:p>
-        </p:txBody>
-      </p:sp>
-      <p:cxnSp>
-        <p:nvCxnSpPr>
-          <p:cNvPr id="94" name="Connector: Elbow 32">
-            <a:extLst>
-              <a:ext uri="{FF2B5EF4-FFF2-40B4-BE49-F238E27FC236}">
-                <a16:creationId xmlns:a16="http://schemas.microsoft.com/office/drawing/2014/main" id="{05F7469F-40A2-4FA4-8C03-BBC44835FAB1}"/>
-              </a:ext>
-            </a:extLst>
-          </p:cNvPr>
-          <p:cNvCxnSpPr>
-            <a:cxnSpLocks/>
-            <a:stCxn id="72" idx="2"/>
-            <a:endCxn id="87" idx="0"/>
-          </p:cNvCxnSpPr>
-          <p:nvPr/>
-        </p:nvCxnSpPr>
-        <p:spPr>
-          <a:xfrm>
-            <a:off x="4271309" y="3819263"/>
-            <a:ext cx="0" cy="225469"/>
-          </a:xfrm>
-          <a:prstGeom prst="straightConnector1">
-            <a:avLst/>
-          </a:prstGeom>
-          <a:ln>
-            <a:solidFill>
-              <a:schemeClr val="tx1"/>
-            </a:solidFill>
-            <a:tailEnd type="triangle"/>
-          </a:ln>
-        </p:spPr>
-        <p:style>
-          <a:lnRef idx="1">
-            <a:schemeClr val="accent1"/>
-          </a:lnRef>
-          <a:fillRef idx="0">
-            <a:schemeClr val="accent1"/>
-          </a:fillRef>
-          <a:effectRef idx="0">
-            <a:schemeClr val="accent1"/>
-          </a:effectRef>
-          <a:fontRef idx="minor">
-            <a:schemeClr val="tx1"/>
-          </a:fontRef>
-        </p:style>
-      </p:cxnSp>
-      <p:cxnSp>
-        <p:nvCxnSpPr>
-          <p:cNvPr id="97" name="Connector: Elbow 32">
-            <a:extLst>
-              <a:ext uri="{FF2B5EF4-FFF2-40B4-BE49-F238E27FC236}">
-                <a16:creationId xmlns:a16="http://schemas.microsoft.com/office/drawing/2014/main" id="{5C014437-3AA9-4C3C-A24B-B3466DCC3510}"/>
-              </a:ext>
-            </a:extLst>
-          </p:cNvPr>
-          <p:cNvCxnSpPr>
-            <a:cxnSpLocks/>
-            <a:stCxn id="87" idx="2"/>
-            <a:endCxn id="90" idx="0"/>
-          </p:cNvCxnSpPr>
-          <p:nvPr/>
-        </p:nvCxnSpPr>
-        <p:spPr>
-          <a:xfrm flipH="1">
-            <a:off x="4271308" y="4771241"/>
-            <a:ext cx="1" cy="225469"/>
-          </a:xfrm>
-          <a:prstGeom prst="straightConnector1">
-            <a:avLst/>
-          </a:prstGeom>
-          <a:ln>
-            <a:solidFill>
-              <a:schemeClr val="tx1"/>
-            </a:solidFill>
-            <a:tailEnd type="triangle"/>
-          </a:ln>
-        </p:spPr>
-        <p:style>
-          <a:lnRef idx="1">
-            <a:schemeClr val="accent1"/>
-          </a:lnRef>
-          <a:fillRef idx="0">
-            <a:schemeClr val="accent1"/>
-          </a:fillRef>
-          <a:effectRef idx="0">
-            <a:schemeClr val="accent1"/>
-          </a:effectRef>
-          <a:fontRef idx="minor">
-            <a:schemeClr val="tx1"/>
-          </a:fontRef>
-        </p:style>
-      </p:cxnSp>
-      <p:cxnSp>
-        <p:nvCxnSpPr>
-          <p:cNvPr id="100" name="Connector: Elbow 99">
-            <a:extLst>
-              <a:ext uri="{FF2B5EF4-FFF2-40B4-BE49-F238E27FC236}">
-                <a16:creationId xmlns:a16="http://schemas.microsoft.com/office/drawing/2014/main" id="{F435B7E3-FA4C-47E2-BB4A-2576DD23BE8D}"/>
-              </a:ext>
-            </a:extLst>
-          </p:cNvPr>
-          <p:cNvCxnSpPr>
-            <a:cxnSpLocks/>
-            <a:stCxn id="90" idx="3"/>
-            <a:endCxn id="87" idx="3"/>
-          </p:cNvCxnSpPr>
-          <p:nvPr/>
-        </p:nvCxnSpPr>
-        <p:spPr>
-          <a:xfrm flipV="1">
-            <a:off x="4991555" y="4407987"/>
-            <a:ext cx="1" cy="1020871"/>
-          </a:xfrm>
-          <a:prstGeom prst="bentConnector3">
-            <a:avLst>
-              <a:gd name="adj1" fmla="val 22860100000"/>
-            </a:avLst>
-          </a:prstGeom>
-          <a:ln>
-            <a:solidFill>
-              <a:schemeClr val="tx1"/>
-            </a:solidFill>
-            <a:tailEnd type="triangle"/>
-          </a:ln>
-        </p:spPr>
-        <p:style>
-          <a:lnRef idx="1">
-            <a:schemeClr val="accent1"/>
-          </a:lnRef>
-          <a:fillRef idx="0">
-            <a:schemeClr val="accent1"/>
-          </a:fillRef>
-          <a:effectRef idx="0">
-            <a:schemeClr val="accent1"/>
-          </a:effectRef>
-          <a:fontRef idx="minor">
-            <a:schemeClr val="tx1"/>
-          </a:fontRef>
-        </p:style>
-      </p:cxnSp>
-      <p:sp>
-        <p:nvSpPr>
-          <p:cNvPr id="111" name="TextBox 110">
-            <a:extLst>
-              <a:ext uri="{FF2B5EF4-FFF2-40B4-BE49-F238E27FC236}">
-                <a16:creationId xmlns:a16="http://schemas.microsoft.com/office/drawing/2014/main" id="{10603D50-5EB7-46CA-92BD-0ED42BD1F1CA}"/>
-              </a:ext>
-            </a:extLst>
-          </p:cNvPr>
-          <p:cNvSpPr txBox="1"/>
-          <p:nvPr/>
-        </p:nvSpPr>
-        <p:spPr>
-          <a:xfrm>
-            <a:off x="5316501" y="4407986"/>
-            <a:ext cx="955297" cy="553998"/>
-          </a:xfrm>
-          <a:prstGeom prst="rect">
-            <a:avLst/>
-          </a:prstGeom>
-          <a:noFill/>
-        </p:spPr>
-        <p:txBody>
-          <a:bodyPr wrap="square" lIns="0" tIns="0" rIns="0" bIns="0" rtlCol="0">
-            <a:spAutoFit/>
-          </a:bodyPr>
-          <a:lstStyle/>
-          <a:p>
-            <a:r>
-              <a:rPr lang="en-CA" sz="1200" i="1" dirty="0"/>
-              <a:t>Choose</a:t>
-            </a:r>
-          </a:p>
-          <a:p>
-            <a:r>
-              <a:rPr lang="en-CA" sz="1200" i="1" dirty="0"/>
-              <a:t>different</a:t>
-            </a:r>
-          </a:p>
-          <a:p>
-            <a:r>
-              <a:rPr lang="en-CA" sz="1200" i="1" dirty="0"/>
-              <a:t>username </a:t>
-            </a:r>
-            <a:endParaRPr lang="en-US" sz="1200" i="1" dirty="0"/>
-          </a:p>
-        </p:txBody>
-      </p:sp>
-      <p:sp>
-        <p:nvSpPr>
-          <p:cNvPr id="113" name="TextBox 112">
-            <a:extLst>
-              <a:ext uri="{FF2B5EF4-FFF2-40B4-BE49-F238E27FC236}">
-                <a16:creationId xmlns:a16="http://schemas.microsoft.com/office/drawing/2014/main" id="{FEE09F1C-751E-4D0F-ADFC-B0D3E6F7CAFB}"/>
-              </a:ext>
-            </a:extLst>
-          </p:cNvPr>
-          <p:cNvSpPr txBox="1"/>
-          <p:nvPr/>
-        </p:nvSpPr>
-        <p:spPr>
-          <a:xfrm>
-            <a:off x="220697" y="3089621"/>
-            <a:ext cx="803064" cy="738664"/>
-          </a:xfrm>
-          <a:prstGeom prst="rect">
-            <a:avLst/>
-          </a:prstGeom>
-          <a:noFill/>
-        </p:spPr>
-        <p:txBody>
-          <a:bodyPr wrap="square" lIns="0" tIns="0" rIns="0" bIns="0" rtlCol="0">
-            <a:spAutoFit/>
-          </a:bodyPr>
-          <a:lstStyle/>
-          <a:p>
-            <a:pPr algn="r"/>
-            <a:r>
-              <a:rPr lang="en-CA" sz="1200" i="1" dirty="0"/>
-              <a:t>Wrong password or user doesn’t exist </a:t>
-            </a:r>
-            <a:endParaRPr lang="en-US" sz="1200" i="1" dirty="0"/>
-          </a:p>
-        </p:txBody>
-      </p:sp>
-      <p:sp>
-        <p:nvSpPr>
-          <p:cNvPr id="117" name="Flowchart: Process 116">
-            <a:extLst>
-              <a:ext uri="{FF2B5EF4-FFF2-40B4-BE49-F238E27FC236}">
-                <a16:creationId xmlns:a16="http://schemas.microsoft.com/office/drawing/2014/main" id="{1E095996-0A34-4331-ABAD-3CFFB9C760D5}"/>
-              </a:ext>
-            </a:extLst>
-          </p:cNvPr>
-          <p:cNvSpPr/>
-          <p:nvPr/>
-        </p:nvSpPr>
-        <p:spPr>
-          <a:xfrm>
-            <a:off x="3551062" y="6023845"/>
-            <a:ext cx="1440494" cy="726509"/>
-          </a:xfrm>
-          <a:prstGeom prst="flowChartProcess">
-            <a:avLst/>
-          </a:prstGeom>
-        </p:spPr>
-        <p:style>
-          <a:lnRef idx="2">
-            <a:schemeClr val="accent5">
-              <a:shade val="50000"/>
-            </a:schemeClr>
-          </a:lnRef>
-          <a:fillRef idx="1">
-            <a:schemeClr val="accent5"/>
-          </a:fillRef>
-          <a:effectRef idx="0">
-            <a:schemeClr val="accent5"/>
-          </a:effectRef>
-          <a:fontRef idx="minor">
-            <a:schemeClr val="lt1"/>
-          </a:fontRef>
-        </p:style>
-        <p:txBody>
-          <a:bodyPr rtlCol="0" anchor="ctr"/>
-          <a:lstStyle/>
-          <a:p>
-            <a:pPr algn="ctr"/>
-            <a:r>
-              <a:rPr lang="en-CA" sz="1400" b="1" dirty="0"/>
-              <a:t>Create new user in “client” table</a:t>
-            </a:r>
-          </a:p>
-        </p:txBody>
-      </p:sp>
-      <p:cxnSp>
-        <p:nvCxnSpPr>
-          <p:cNvPr id="127" name="Connector: Elbow 32">
-            <a:extLst>
-              <a:ext uri="{FF2B5EF4-FFF2-40B4-BE49-F238E27FC236}">
-                <a16:creationId xmlns:a16="http://schemas.microsoft.com/office/drawing/2014/main" id="{47E8DC30-28E3-4786-BE6F-092CCC02F0E0}"/>
-              </a:ext>
-            </a:extLst>
-          </p:cNvPr>
-          <p:cNvCxnSpPr>
-            <a:cxnSpLocks/>
-            <a:stCxn id="32" idx="2"/>
-            <a:endCxn id="130" idx="0"/>
-          </p:cNvCxnSpPr>
-          <p:nvPr/>
-        </p:nvCxnSpPr>
-        <p:spPr>
-          <a:xfrm rot="16200000" flipH="1">
-            <a:off x="2274771" y="6054383"/>
-            <a:ext cx="1299484" cy="912731"/>
-          </a:xfrm>
-          <a:prstGeom prst="bentConnector3">
-            <a:avLst>
-              <a:gd name="adj1" fmla="val 84010"/>
-            </a:avLst>
-          </a:prstGeom>
-          <a:ln>
-            <a:solidFill>
-              <a:schemeClr val="tx1"/>
-            </a:solidFill>
-            <a:tailEnd type="triangle"/>
-          </a:ln>
-        </p:spPr>
-        <p:style>
-          <a:lnRef idx="1">
-            <a:schemeClr val="accent1"/>
-          </a:lnRef>
-          <a:fillRef idx="0">
-            <a:schemeClr val="accent1"/>
-          </a:fillRef>
-          <a:effectRef idx="0">
-            <a:schemeClr val="accent1"/>
-          </a:effectRef>
-          <a:fontRef idx="minor">
-            <a:schemeClr val="tx1"/>
-          </a:fontRef>
-        </p:style>
-      </p:cxnSp>
-      <p:sp>
-        <p:nvSpPr>
-          <p:cNvPr id="128" name="Flowchart: Process 127">
-            <a:extLst>
-              <a:ext uri="{FF2B5EF4-FFF2-40B4-BE49-F238E27FC236}">
-                <a16:creationId xmlns:a16="http://schemas.microsoft.com/office/drawing/2014/main" id="{8CEABC10-B85F-4B2B-B0D2-1C9A295FC1CE}"/>
-              </a:ext>
-            </a:extLst>
-          </p:cNvPr>
-          <p:cNvSpPr/>
-          <p:nvPr/>
-        </p:nvSpPr>
-        <p:spPr>
-          <a:xfrm>
-            <a:off x="2663905" y="8099943"/>
-            <a:ext cx="1440494" cy="726509"/>
-          </a:xfrm>
-          <a:prstGeom prst="flowChartProcess">
-            <a:avLst/>
-          </a:prstGeom>
-        </p:spPr>
-        <p:style>
-          <a:lnRef idx="2">
-            <a:schemeClr val="accent5">
-              <a:shade val="50000"/>
-            </a:schemeClr>
-          </a:lnRef>
-          <a:fillRef idx="1">
-            <a:schemeClr val="accent5"/>
-          </a:fillRef>
-          <a:effectRef idx="0">
-            <a:schemeClr val="accent5"/>
-          </a:effectRef>
-          <a:fontRef idx="minor">
-            <a:schemeClr val="lt1"/>
-          </a:fontRef>
-        </p:style>
-        <p:txBody>
-          <a:bodyPr rtlCol="0" anchor="ctr"/>
-          <a:lstStyle/>
-          <a:p>
-            <a:pPr algn="ctr"/>
-            <a:r>
-              <a:rPr lang="en-CA" sz="1400" b="1" dirty="0"/>
-              <a:t>Go to /client/:id page</a:t>
-            </a:r>
-          </a:p>
-        </p:txBody>
-      </p:sp>
-      <p:cxnSp>
-        <p:nvCxnSpPr>
-          <p:cNvPr id="129" name="Connector: Elbow 32">
-            <a:extLst>
-              <a:ext uri="{FF2B5EF4-FFF2-40B4-BE49-F238E27FC236}">
-                <a16:creationId xmlns:a16="http://schemas.microsoft.com/office/drawing/2014/main" id="{119AC89C-9F74-48F0-9B93-A598593ACA93}"/>
-              </a:ext>
-            </a:extLst>
-          </p:cNvPr>
-          <p:cNvCxnSpPr>
-            <a:cxnSpLocks/>
-            <a:stCxn id="117" idx="2"/>
-            <a:endCxn id="130" idx="0"/>
-          </p:cNvCxnSpPr>
-          <p:nvPr/>
-        </p:nvCxnSpPr>
-        <p:spPr>
-          <a:xfrm rot="5400000">
-            <a:off x="3621026" y="6510207"/>
-            <a:ext cx="410137" cy="890430"/>
-          </a:xfrm>
-          <a:prstGeom prst="bentConnector3">
-            <a:avLst>
-              <a:gd name="adj1" fmla="val 50000"/>
-            </a:avLst>
-          </a:prstGeom>
-          <a:ln>
-            <a:solidFill>
-              <a:schemeClr val="tx1"/>
-            </a:solidFill>
-            <a:tailEnd type="triangle"/>
-          </a:ln>
-        </p:spPr>
-        <p:style>
-          <a:lnRef idx="1">
-            <a:schemeClr val="accent1"/>
-          </a:lnRef>
-          <a:fillRef idx="0">
-            <a:schemeClr val="accent1"/>
-          </a:fillRef>
-          <a:effectRef idx="0">
-            <a:schemeClr val="accent1"/>
-          </a:effectRef>
-          <a:fontRef idx="minor">
-            <a:schemeClr val="tx1"/>
-          </a:fontRef>
-        </p:style>
-      </p:cxnSp>
-      <p:sp>
-        <p:nvSpPr>
-          <p:cNvPr id="130" name="Flowchart: Process 129">
-            <a:extLst>
-              <a:ext uri="{FF2B5EF4-FFF2-40B4-BE49-F238E27FC236}">
-                <a16:creationId xmlns:a16="http://schemas.microsoft.com/office/drawing/2014/main" id="{E5468B24-916F-4675-8F84-96C94CA1622E}"/>
-              </a:ext>
-            </a:extLst>
-          </p:cNvPr>
-          <p:cNvSpPr/>
-          <p:nvPr/>
-        </p:nvSpPr>
-        <p:spPr>
-          <a:xfrm>
-            <a:off x="2660632" y="7160491"/>
-            <a:ext cx="1440494" cy="726509"/>
-          </a:xfrm>
-          <a:prstGeom prst="flowChartProcess">
-            <a:avLst/>
-          </a:prstGeom>
-        </p:spPr>
-        <p:style>
-          <a:lnRef idx="2">
-            <a:schemeClr val="accent5">
-              <a:shade val="50000"/>
-            </a:schemeClr>
-          </a:lnRef>
-          <a:fillRef idx="1">
-            <a:schemeClr val="accent5"/>
-          </a:fillRef>
-          <a:effectRef idx="0">
-            <a:schemeClr val="accent5"/>
-          </a:effectRef>
-          <a:fontRef idx="minor">
-            <a:schemeClr val="lt1"/>
-          </a:fontRef>
-        </p:style>
-        <p:txBody>
-          <a:bodyPr rtlCol="0" anchor="ctr"/>
-          <a:lstStyle/>
-          <a:p>
-            <a:pPr algn="ctr"/>
-            <a:r>
-              <a:rPr lang="en-CA" sz="1400" b="1" dirty="0"/>
-              <a:t>Retrieve ID from “client” table</a:t>
-            </a:r>
-          </a:p>
-        </p:txBody>
-      </p:sp>
-      <p:cxnSp>
-        <p:nvCxnSpPr>
-          <p:cNvPr id="131" name="Connector: Elbow 32">
-            <a:extLst>
-              <a:ext uri="{FF2B5EF4-FFF2-40B4-BE49-F238E27FC236}">
-                <a16:creationId xmlns:a16="http://schemas.microsoft.com/office/drawing/2014/main" id="{F03943B7-A180-4265-B0C5-561260BD5C4A}"/>
-              </a:ext>
-            </a:extLst>
-          </p:cNvPr>
-          <p:cNvCxnSpPr>
-            <a:cxnSpLocks/>
-            <a:stCxn id="130" idx="2"/>
-            <a:endCxn id="128" idx="0"/>
-          </p:cNvCxnSpPr>
-          <p:nvPr/>
-        </p:nvCxnSpPr>
-        <p:spPr>
-          <a:xfrm>
-            <a:off x="3380879" y="7887000"/>
-            <a:ext cx="3273" cy="212943"/>
-          </a:xfrm>
-          <a:prstGeom prst="straightConnector1">
-            <a:avLst/>
-          </a:prstGeom>
-          <a:ln>
-            <a:solidFill>
-              <a:schemeClr val="tx1"/>
-            </a:solidFill>
-            <a:tailEnd type="triangle"/>
-          </a:ln>
-        </p:spPr>
-        <p:style>
-          <a:lnRef idx="1">
-            <a:schemeClr val="accent1"/>
-          </a:lnRef>
-          <a:fillRef idx="0">
-            <a:schemeClr val="accent1"/>
-          </a:fillRef>
-          <a:effectRef idx="0">
-            <a:schemeClr val="accent1"/>
-          </a:effectRef>
-          <a:fontRef idx="minor">
-            <a:schemeClr val="tx1"/>
-          </a:fontRef>
-        </p:style>
-      </p:cxnSp>
-      <p:sp>
-        <p:nvSpPr>
-          <p:cNvPr id="36" name="Flowchart: Manual Operation 35">
-            <a:extLst>
-              <a:ext uri="{FF2B5EF4-FFF2-40B4-BE49-F238E27FC236}">
-                <a16:creationId xmlns:a16="http://schemas.microsoft.com/office/drawing/2014/main" id="{0D85FD96-3448-4655-869C-6D3AEB5F4E51}"/>
-              </a:ext>
-            </a:extLst>
-          </p:cNvPr>
-          <p:cNvSpPr/>
-          <p:nvPr/>
-        </p:nvSpPr>
-        <p:spPr>
-          <a:xfrm>
-            <a:off x="8530292" y="1326584"/>
-            <a:ext cx="1440493" cy="576197"/>
-          </a:xfrm>
-          <a:prstGeom prst="flowChartManualOperation">
-            <a:avLst/>
-          </a:prstGeom>
-        </p:spPr>
-        <p:style>
-          <a:lnRef idx="2">
-            <a:schemeClr val="accent6">
-              <a:shade val="50000"/>
-            </a:schemeClr>
-          </a:lnRef>
-          <a:fillRef idx="1">
-            <a:schemeClr val="accent6"/>
-          </a:fillRef>
-          <a:effectRef idx="0">
-            <a:schemeClr val="accent6"/>
-          </a:effectRef>
-          <a:fontRef idx="minor">
-            <a:schemeClr val="lt1"/>
-          </a:fontRef>
-        </p:style>
-        <p:txBody>
-          <a:bodyPr wrap="none" lIns="0" tIns="0" rIns="0" bIns="0" rtlCol="0" anchor="ctr"/>
-          <a:lstStyle/>
-          <a:p>
-            <a:pPr algn="ctr"/>
-            <a:r>
-              <a:rPr lang="en-CA" sz="1400" b="1" dirty="0"/>
-              <a:t>“OWNER LOG</a:t>
-            </a:r>
-          </a:p>
-          <a:p>
-            <a:pPr algn="ctr"/>
-            <a:r>
-              <a:rPr lang="en-CA" sz="1400" b="1" dirty="0"/>
-              <a:t>IN” is clicked</a:t>
-            </a:r>
-          </a:p>
-        </p:txBody>
-      </p:sp>
-      <p:sp>
-        <p:nvSpPr>
-          <p:cNvPr id="37" name="Flowchart: Process 36">
-            <a:extLst>
-              <a:ext uri="{FF2B5EF4-FFF2-40B4-BE49-F238E27FC236}">
-                <a16:creationId xmlns:a16="http://schemas.microsoft.com/office/drawing/2014/main" id="{B364FEAB-68A5-470E-A6C6-6A7A4ABFEA59}"/>
-              </a:ext>
-            </a:extLst>
-          </p:cNvPr>
-          <p:cNvSpPr/>
-          <p:nvPr/>
-        </p:nvSpPr>
-        <p:spPr>
-          <a:xfrm>
-            <a:off x="8530291" y="2209669"/>
-            <a:ext cx="1440494" cy="726509"/>
-          </a:xfrm>
-          <a:prstGeom prst="flowChartProcess">
-            <a:avLst/>
-          </a:prstGeom>
-        </p:spPr>
-        <p:style>
-          <a:lnRef idx="2">
-            <a:schemeClr val="accent6">
-              <a:shade val="50000"/>
-            </a:schemeClr>
-          </a:lnRef>
-          <a:fillRef idx="1">
-            <a:schemeClr val="accent6"/>
-          </a:fillRef>
-          <a:effectRef idx="0">
-            <a:schemeClr val="accent6"/>
-          </a:effectRef>
-          <a:fontRef idx="minor">
-            <a:schemeClr val="lt1"/>
-          </a:fontRef>
-        </p:style>
-        <p:txBody>
-          <a:bodyPr rtlCol="0" anchor="ctr"/>
-          <a:lstStyle/>
-          <a:p>
-            <a:pPr algn="ctr"/>
-            <a:r>
-              <a:rPr lang="en-CA" sz="1400" b="1" dirty="0"/>
-              <a:t>Present “owner” modal</a:t>
-            </a:r>
-          </a:p>
-        </p:txBody>
-      </p:sp>
-      <p:sp>
-        <p:nvSpPr>
-          <p:cNvPr id="39" name="Flowchart: Decision 38">
-            <a:extLst>
-              <a:ext uri="{FF2B5EF4-FFF2-40B4-BE49-F238E27FC236}">
-                <a16:creationId xmlns:a16="http://schemas.microsoft.com/office/drawing/2014/main" id="{B808F635-6285-4B18-AB16-963A2420A1FE}"/>
-              </a:ext>
-            </a:extLst>
-          </p:cNvPr>
-          <p:cNvSpPr/>
-          <p:nvPr/>
-        </p:nvSpPr>
-        <p:spPr>
-          <a:xfrm>
-            <a:off x="7652406" y="3975839"/>
-            <a:ext cx="1440494" cy="864296"/>
-          </a:xfrm>
-          <a:prstGeom prst="flowChartDecision">
-            <a:avLst/>
-          </a:prstGeom>
-        </p:spPr>
-        <p:style>
-          <a:lnRef idx="2">
-            <a:schemeClr val="accent6">
-              <a:shade val="50000"/>
-            </a:schemeClr>
-          </a:lnRef>
-          <a:fillRef idx="1">
-            <a:schemeClr val="accent6"/>
-          </a:fillRef>
-          <a:effectRef idx="0">
-            <a:schemeClr val="accent6"/>
-          </a:effectRef>
-          <a:fontRef idx="minor">
-            <a:schemeClr val="lt1"/>
-          </a:fontRef>
-        </p:style>
-        <p:txBody>
-          <a:bodyPr wrap="none" lIns="0" tIns="0" rIns="0" bIns="0" rtlCol="0" anchor="ctr"/>
-          <a:lstStyle/>
-          <a:p>
-            <a:pPr algn="ctr"/>
-            <a:r>
-              <a:rPr lang="en-CA" sz="1400" b="1" dirty="0"/>
-              <a:t>Check if</a:t>
-            </a:r>
-          </a:p>
-          <a:p>
-            <a:pPr algn="ctr"/>
-            <a:r>
-              <a:rPr lang="en-CA" sz="1400" b="1" dirty="0"/>
-              <a:t>user exist</a:t>
-            </a:r>
-          </a:p>
-        </p:txBody>
-      </p:sp>
-      <p:sp>
-        <p:nvSpPr>
-          <p:cNvPr id="40" name="Flowchart: Manual Operation 39">
-            <a:extLst>
-              <a:ext uri="{FF2B5EF4-FFF2-40B4-BE49-F238E27FC236}">
-                <a16:creationId xmlns:a16="http://schemas.microsoft.com/office/drawing/2014/main" id="{DA193CF5-3513-49AE-929F-9398EFDA8351}"/>
-              </a:ext>
-            </a:extLst>
-          </p:cNvPr>
-          <p:cNvSpPr/>
-          <p:nvPr/>
-        </p:nvSpPr>
-        <p:spPr>
-          <a:xfrm>
-            <a:off x="7652407" y="3243066"/>
-            <a:ext cx="1440493" cy="576197"/>
-          </a:xfrm>
-          <a:prstGeom prst="flowChartManualOperation">
-            <a:avLst/>
-          </a:prstGeom>
-        </p:spPr>
-        <p:style>
-          <a:lnRef idx="2">
-            <a:schemeClr val="accent6">
-              <a:shade val="50000"/>
-            </a:schemeClr>
-          </a:lnRef>
-          <a:fillRef idx="1">
-            <a:schemeClr val="accent6"/>
-          </a:fillRef>
-          <a:effectRef idx="0">
-            <a:schemeClr val="accent6"/>
-          </a:effectRef>
-          <a:fontRef idx="minor">
-            <a:schemeClr val="lt1"/>
-          </a:fontRef>
-        </p:style>
-        <p:txBody>
-          <a:bodyPr lIns="0" tIns="0" rIns="0" bIns="0" rtlCol="0" anchor="ctr"/>
-          <a:lstStyle/>
-          <a:p>
-            <a:pPr algn="ctr"/>
-            <a:r>
-              <a:rPr lang="en-CA" sz="1400" b="1" dirty="0"/>
-              <a:t>“LOG IN” is clicked</a:t>
-            </a:r>
-          </a:p>
-        </p:txBody>
-      </p:sp>
-      <p:sp>
-        <p:nvSpPr>
-          <p:cNvPr id="42" name="Flowchart: Decision 41">
-            <a:extLst>
-              <a:ext uri="{FF2B5EF4-FFF2-40B4-BE49-F238E27FC236}">
-                <a16:creationId xmlns:a16="http://schemas.microsoft.com/office/drawing/2014/main" id="{9C3FA0AC-B5E3-423C-8741-35F73B1AE7AF}"/>
-              </a:ext>
-            </a:extLst>
-          </p:cNvPr>
-          <p:cNvSpPr/>
-          <p:nvPr/>
-        </p:nvSpPr>
-        <p:spPr>
-          <a:xfrm>
-            <a:off x="7652406" y="4996711"/>
-            <a:ext cx="1440494" cy="864296"/>
-          </a:xfrm>
-          <a:prstGeom prst="flowChartDecision">
-            <a:avLst/>
-          </a:prstGeom>
-        </p:spPr>
-        <p:style>
-          <a:lnRef idx="2">
-            <a:schemeClr val="accent6">
-              <a:shade val="50000"/>
-            </a:schemeClr>
-          </a:lnRef>
-          <a:fillRef idx="1">
-            <a:schemeClr val="accent6"/>
-          </a:fillRef>
-          <a:effectRef idx="0">
-            <a:schemeClr val="accent6"/>
-          </a:effectRef>
-          <a:fontRef idx="minor">
-            <a:schemeClr val="lt1"/>
-          </a:fontRef>
-        </p:style>
-        <p:txBody>
-          <a:bodyPr lIns="0" tIns="0" rIns="0" bIns="0" rtlCol="0" anchor="ctr"/>
-          <a:lstStyle/>
-          <a:p>
-            <a:pPr algn="ctr"/>
-            <a:r>
-              <a:rPr lang="en-CA" sz="1400" b="1" dirty="0"/>
-              <a:t>Check </a:t>
-            </a:r>
-          </a:p>
-          <a:p>
-            <a:pPr algn="ctr"/>
-            <a:r>
-              <a:rPr lang="en-CA" sz="1400" b="1" dirty="0"/>
-              <a:t>password</a:t>
-            </a:r>
-          </a:p>
-        </p:txBody>
-      </p:sp>
-      <p:cxnSp>
-        <p:nvCxnSpPr>
-          <p:cNvPr id="43" name="Connector: Elbow 32">
-            <a:extLst>
-              <a:ext uri="{FF2B5EF4-FFF2-40B4-BE49-F238E27FC236}">
-                <a16:creationId xmlns:a16="http://schemas.microsoft.com/office/drawing/2014/main" id="{8236C7B8-2BE7-4DCD-8B3C-ED9AE64FC9AA}"/>
-              </a:ext>
-            </a:extLst>
-          </p:cNvPr>
-          <p:cNvCxnSpPr>
-            <a:cxnSpLocks/>
-            <a:stCxn id="36" idx="2"/>
-            <a:endCxn id="37" idx="0"/>
-          </p:cNvCxnSpPr>
-          <p:nvPr/>
-        </p:nvCxnSpPr>
-        <p:spPr>
-          <a:xfrm flipH="1">
-            <a:off x="9250538" y="1902781"/>
-            <a:ext cx="1" cy="306888"/>
-          </a:xfrm>
-          <a:prstGeom prst="straightConnector1">
-            <a:avLst/>
-          </a:prstGeom>
-          <a:ln>
-            <a:solidFill>
-              <a:schemeClr val="tx1"/>
-            </a:solidFill>
-            <a:tailEnd type="triangle"/>
-          </a:ln>
-        </p:spPr>
-        <p:style>
-          <a:lnRef idx="1">
-            <a:schemeClr val="accent1"/>
-          </a:lnRef>
-          <a:fillRef idx="0">
-            <a:schemeClr val="accent1"/>
-          </a:fillRef>
-          <a:effectRef idx="0">
-            <a:schemeClr val="accent1"/>
-          </a:effectRef>
-          <a:fontRef idx="minor">
-            <a:schemeClr val="tx1"/>
-          </a:fontRef>
-        </p:style>
-      </p:cxnSp>
-      <p:cxnSp>
-        <p:nvCxnSpPr>
-          <p:cNvPr id="44" name="Connector: Elbow 43">
-            <a:extLst>
-              <a:ext uri="{FF2B5EF4-FFF2-40B4-BE49-F238E27FC236}">
-                <a16:creationId xmlns:a16="http://schemas.microsoft.com/office/drawing/2014/main" id="{6BADAE9F-E51F-443C-B3B0-3A1560285732}"/>
-              </a:ext>
-            </a:extLst>
-          </p:cNvPr>
-          <p:cNvCxnSpPr>
-            <a:cxnSpLocks/>
-            <a:stCxn id="39" idx="1"/>
-            <a:endCxn id="37" idx="1"/>
-          </p:cNvCxnSpPr>
-          <p:nvPr/>
-        </p:nvCxnSpPr>
-        <p:spPr>
-          <a:xfrm rot="10800000" flipH="1">
-            <a:off x="7652405" y="2572925"/>
-            <a:ext cx="877885" cy="1835063"/>
-          </a:xfrm>
-          <a:prstGeom prst="bentConnector3">
-            <a:avLst>
-              <a:gd name="adj1" fmla="val -74865"/>
-            </a:avLst>
-          </a:prstGeom>
-          <a:ln>
-            <a:solidFill>
-              <a:schemeClr val="tx1"/>
-            </a:solidFill>
-            <a:tailEnd type="triangle"/>
-          </a:ln>
-        </p:spPr>
-        <p:style>
-          <a:lnRef idx="1">
-            <a:schemeClr val="accent1"/>
-          </a:lnRef>
-          <a:fillRef idx="0">
-            <a:schemeClr val="accent1"/>
-          </a:fillRef>
-          <a:effectRef idx="0">
-            <a:schemeClr val="accent1"/>
-          </a:effectRef>
-          <a:fontRef idx="minor">
-            <a:schemeClr val="tx1"/>
-          </a:fontRef>
-        </p:style>
-      </p:cxnSp>
-      <p:cxnSp>
-        <p:nvCxnSpPr>
-          <p:cNvPr id="45" name="Connector: Elbow 44">
-            <a:extLst>
-              <a:ext uri="{FF2B5EF4-FFF2-40B4-BE49-F238E27FC236}">
-                <a16:creationId xmlns:a16="http://schemas.microsoft.com/office/drawing/2014/main" id="{CC3B0877-C3A0-4A2E-A582-BBA869809551}"/>
-              </a:ext>
-            </a:extLst>
-          </p:cNvPr>
-          <p:cNvCxnSpPr>
-            <a:cxnSpLocks/>
-            <a:stCxn id="42" idx="1"/>
-            <a:endCxn id="37" idx="1"/>
-          </p:cNvCxnSpPr>
-          <p:nvPr/>
-        </p:nvCxnSpPr>
-        <p:spPr>
-          <a:xfrm rot="10800000" flipH="1">
-            <a:off x="7652405" y="2572925"/>
-            <a:ext cx="877885" cy="2855935"/>
-          </a:xfrm>
-          <a:prstGeom prst="bentConnector3">
-            <a:avLst>
-              <a:gd name="adj1" fmla="val -74865"/>
-            </a:avLst>
-          </a:prstGeom>
-          <a:ln>
-            <a:solidFill>
-              <a:schemeClr val="tx1"/>
-            </a:solidFill>
-            <a:tailEnd type="triangle"/>
-          </a:ln>
-        </p:spPr>
-        <p:style>
-          <a:lnRef idx="1">
-            <a:schemeClr val="accent1"/>
-          </a:lnRef>
-          <a:fillRef idx="0">
-            <a:schemeClr val="accent1"/>
-          </a:fillRef>
-          <a:effectRef idx="0">
-            <a:schemeClr val="accent1"/>
-          </a:effectRef>
-          <a:fontRef idx="minor">
-            <a:schemeClr val="tx1"/>
-          </a:fontRef>
-        </p:style>
-      </p:cxnSp>
-      <p:cxnSp>
-        <p:nvCxnSpPr>
-          <p:cNvPr id="46" name="Connector: Elbow 32">
-            <a:extLst>
-              <a:ext uri="{FF2B5EF4-FFF2-40B4-BE49-F238E27FC236}">
-                <a16:creationId xmlns:a16="http://schemas.microsoft.com/office/drawing/2014/main" id="{B2F32A8C-CCBC-4D98-BD5D-5F8A63AFF90B}"/>
-              </a:ext>
-            </a:extLst>
-          </p:cNvPr>
-          <p:cNvCxnSpPr>
-            <a:cxnSpLocks/>
-            <a:stCxn id="37" idx="2"/>
-            <a:endCxn id="40" idx="0"/>
-          </p:cNvCxnSpPr>
-          <p:nvPr/>
-        </p:nvCxnSpPr>
-        <p:spPr>
-          <a:xfrm rot="5400000">
-            <a:off x="8658152" y="2650680"/>
-            <a:ext cx="306888" cy="877884"/>
-          </a:xfrm>
-          <a:prstGeom prst="bentConnector3">
-            <a:avLst>
-              <a:gd name="adj1" fmla="val 50000"/>
-            </a:avLst>
-          </a:prstGeom>
-          <a:ln>
-            <a:solidFill>
-              <a:schemeClr val="tx1"/>
-            </a:solidFill>
-            <a:tailEnd type="triangle"/>
-          </a:ln>
-        </p:spPr>
-        <p:style>
-          <a:lnRef idx="1">
-            <a:schemeClr val="accent1"/>
-          </a:lnRef>
-          <a:fillRef idx="0">
-            <a:schemeClr val="accent1"/>
-          </a:fillRef>
-          <a:effectRef idx="0">
-            <a:schemeClr val="accent1"/>
-          </a:effectRef>
-          <a:fontRef idx="minor">
-            <a:schemeClr val="tx1"/>
-          </a:fontRef>
-        </p:style>
-      </p:cxnSp>
-      <p:cxnSp>
-        <p:nvCxnSpPr>
-          <p:cNvPr id="47" name="Connector: Elbow 32">
-            <a:extLst>
-              <a:ext uri="{FF2B5EF4-FFF2-40B4-BE49-F238E27FC236}">
-                <a16:creationId xmlns:a16="http://schemas.microsoft.com/office/drawing/2014/main" id="{DA45C421-66C9-49CE-865E-42EF4B01FA80}"/>
-              </a:ext>
-            </a:extLst>
-          </p:cNvPr>
-          <p:cNvCxnSpPr>
-            <a:cxnSpLocks/>
-            <a:stCxn id="40" idx="2"/>
-            <a:endCxn id="39" idx="0"/>
-          </p:cNvCxnSpPr>
-          <p:nvPr/>
-        </p:nvCxnSpPr>
-        <p:spPr>
-          <a:xfrm flipH="1">
-            <a:off x="8372653" y="3819263"/>
-            <a:ext cx="1" cy="156576"/>
-          </a:xfrm>
-          <a:prstGeom prst="straightConnector1">
-            <a:avLst/>
-          </a:prstGeom>
-          <a:ln>
-            <a:solidFill>
-              <a:schemeClr val="tx1"/>
-            </a:solidFill>
-            <a:tailEnd type="triangle"/>
-          </a:ln>
-        </p:spPr>
-        <p:style>
-          <a:lnRef idx="1">
-            <a:schemeClr val="accent1"/>
-          </a:lnRef>
-          <a:fillRef idx="0">
-            <a:schemeClr val="accent1"/>
-          </a:fillRef>
-          <a:effectRef idx="0">
-            <a:schemeClr val="accent1"/>
-          </a:effectRef>
-          <a:fontRef idx="minor">
-            <a:schemeClr val="tx1"/>
-          </a:fontRef>
-        </p:style>
-      </p:cxnSp>
-      <p:cxnSp>
-        <p:nvCxnSpPr>
-          <p:cNvPr id="48" name="Connector: Elbow 32">
-            <a:extLst>
-              <a:ext uri="{FF2B5EF4-FFF2-40B4-BE49-F238E27FC236}">
-                <a16:creationId xmlns:a16="http://schemas.microsoft.com/office/drawing/2014/main" id="{9B0CE521-1802-49A8-8114-407467E50FF4}"/>
-              </a:ext>
-            </a:extLst>
-          </p:cNvPr>
-          <p:cNvCxnSpPr>
-            <a:cxnSpLocks/>
-            <a:stCxn id="39" idx="2"/>
-            <a:endCxn id="42" idx="0"/>
-          </p:cNvCxnSpPr>
-          <p:nvPr/>
-        </p:nvCxnSpPr>
-        <p:spPr>
-          <a:xfrm>
-            <a:off x="8372653" y="4840135"/>
-            <a:ext cx="0" cy="156576"/>
-          </a:xfrm>
-          <a:prstGeom prst="straightConnector1">
-            <a:avLst/>
-          </a:prstGeom>
-          <a:ln>
-            <a:solidFill>
-              <a:schemeClr val="tx1"/>
-            </a:solidFill>
-            <a:tailEnd type="triangle"/>
-          </a:ln>
-        </p:spPr>
-        <p:style>
-          <a:lnRef idx="1">
-            <a:schemeClr val="accent1"/>
-          </a:lnRef>
-          <a:fillRef idx="0">
-            <a:schemeClr val="accent1"/>
-          </a:fillRef>
-          <a:effectRef idx="0">
-            <a:schemeClr val="accent1"/>
-          </a:effectRef>
-          <a:fontRef idx="minor">
-            <a:schemeClr val="tx1"/>
-          </a:fontRef>
-        </p:style>
-      </p:cxnSp>
-      <p:sp>
-        <p:nvSpPr>
-          <p:cNvPr id="49" name="TextBox 48">
-            <a:extLst>
-              <a:ext uri="{FF2B5EF4-FFF2-40B4-BE49-F238E27FC236}">
-                <a16:creationId xmlns:a16="http://schemas.microsoft.com/office/drawing/2014/main" id="{D4284CBE-E419-4F34-BBAA-E60D202C351D}"/>
-              </a:ext>
-            </a:extLst>
-          </p:cNvPr>
-          <p:cNvSpPr txBox="1"/>
-          <p:nvPr/>
-        </p:nvSpPr>
-        <p:spPr>
-          <a:xfrm>
-            <a:off x="7357331" y="4223321"/>
-            <a:ext cx="205184" cy="184666"/>
-          </a:xfrm>
-          <a:prstGeom prst="rect">
-            <a:avLst/>
-          </a:prstGeom>
-          <a:noFill/>
-        </p:spPr>
-        <p:txBody>
-          <a:bodyPr wrap="none" lIns="0" tIns="0" rIns="0" bIns="0" rtlCol="0">
-            <a:spAutoFit/>
-          </a:bodyPr>
-          <a:lstStyle/>
-          <a:p>
-            <a:pPr algn="ctr"/>
-            <a:r>
-              <a:rPr lang="en-CA" sz="1200" b="1" dirty="0"/>
-              <a:t>NO</a:t>
-            </a:r>
-            <a:endParaRPr lang="en-US" sz="1200" b="1" dirty="0"/>
-          </a:p>
-        </p:txBody>
-      </p:sp>
-      <p:sp>
-        <p:nvSpPr>
-          <p:cNvPr id="50" name="TextBox 49">
-            <a:extLst>
-              <a:ext uri="{FF2B5EF4-FFF2-40B4-BE49-F238E27FC236}">
-                <a16:creationId xmlns:a16="http://schemas.microsoft.com/office/drawing/2014/main" id="{04C360B5-47D4-4477-9AD8-5C7A415207BF}"/>
-              </a:ext>
-            </a:extLst>
-          </p:cNvPr>
-          <p:cNvSpPr txBox="1"/>
-          <p:nvPr/>
-        </p:nvSpPr>
-        <p:spPr>
-          <a:xfrm>
-            <a:off x="7357331" y="5244193"/>
-            <a:ext cx="205184" cy="184666"/>
-          </a:xfrm>
-          <a:prstGeom prst="rect">
-            <a:avLst/>
-          </a:prstGeom>
-          <a:noFill/>
-        </p:spPr>
-        <p:txBody>
-          <a:bodyPr wrap="none" lIns="0" tIns="0" rIns="0" bIns="0" rtlCol="0">
-            <a:spAutoFit/>
-          </a:bodyPr>
-          <a:lstStyle/>
-          <a:p>
-            <a:pPr algn="ctr"/>
-            <a:r>
-              <a:rPr lang="en-CA" sz="1200" b="1" dirty="0"/>
-              <a:t>NO</a:t>
-            </a:r>
-            <a:endParaRPr lang="en-US" sz="1200" b="1" dirty="0"/>
-          </a:p>
-        </p:txBody>
-      </p:sp>
-      <p:sp>
-        <p:nvSpPr>
-          <p:cNvPr id="54" name="TextBox 53">
-            <a:extLst>
-              <a:ext uri="{FF2B5EF4-FFF2-40B4-BE49-F238E27FC236}">
-                <a16:creationId xmlns:a16="http://schemas.microsoft.com/office/drawing/2014/main" id="{D5EE5CAF-54F0-465D-A86C-CD6A460162B7}"/>
-              </a:ext>
-            </a:extLst>
-          </p:cNvPr>
-          <p:cNvSpPr txBox="1"/>
-          <p:nvPr/>
-        </p:nvSpPr>
-        <p:spPr>
-          <a:xfrm>
-            <a:off x="8452061" y="4839837"/>
-            <a:ext cx="226152" cy="184666"/>
-          </a:xfrm>
-          <a:prstGeom prst="rect">
-            <a:avLst/>
-          </a:prstGeom>
-          <a:noFill/>
-        </p:spPr>
-        <p:txBody>
-          <a:bodyPr wrap="none" lIns="0" tIns="0" rIns="0" bIns="0" rtlCol="0">
-            <a:spAutoFit/>
-          </a:bodyPr>
-          <a:lstStyle/>
-          <a:p>
-            <a:pPr algn="ctr"/>
-            <a:r>
-              <a:rPr lang="en-CA" sz="1200" b="1" dirty="0"/>
-              <a:t>YES</a:t>
-            </a:r>
-            <a:endParaRPr lang="en-US" sz="1200" b="1" dirty="0"/>
-          </a:p>
-        </p:txBody>
-      </p:sp>
-      <p:cxnSp>
-        <p:nvCxnSpPr>
-          <p:cNvPr id="55" name="Connector: Elbow 32">
-            <a:extLst>
-              <a:ext uri="{FF2B5EF4-FFF2-40B4-BE49-F238E27FC236}">
-                <a16:creationId xmlns:a16="http://schemas.microsoft.com/office/drawing/2014/main" id="{CFBBFE3B-BC17-4DBB-BDE3-ED3EB15BE5F7}"/>
-              </a:ext>
-            </a:extLst>
-          </p:cNvPr>
-          <p:cNvCxnSpPr>
-            <a:cxnSpLocks/>
-            <a:stCxn id="42" idx="2"/>
-            <a:endCxn id="77" idx="0"/>
-          </p:cNvCxnSpPr>
-          <p:nvPr/>
-        </p:nvCxnSpPr>
-        <p:spPr>
-          <a:xfrm rot="16200000" flipH="1">
-            <a:off x="8179276" y="6054383"/>
-            <a:ext cx="1299484" cy="912731"/>
-          </a:xfrm>
-          <a:prstGeom prst="bentConnector3">
-            <a:avLst>
-              <a:gd name="adj1" fmla="val 84010"/>
-            </a:avLst>
-          </a:prstGeom>
-          <a:ln>
-            <a:solidFill>
-              <a:schemeClr val="tx1"/>
-            </a:solidFill>
+            <a:headEnd type="triangle"/>
             <a:tailEnd type="triangle"/>
           </a:ln>
         </p:spPr>
@@ -18567,7 +19733,7 @@
           <p:cNvPr id="56" name="TextBox 55">
             <a:extLst>
               <a:ext uri="{FF2B5EF4-FFF2-40B4-BE49-F238E27FC236}">
-                <a16:creationId xmlns:a16="http://schemas.microsoft.com/office/drawing/2014/main" id="{8E811863-C4AE-4020-A809-DC68BE41C540}"/>
+                <a16:creationId xmlns:a16="http://schemas.microsoft.com/office/drawing/2014/main" id="{22D7430D-AA63-4867-9DEB-BC1FE6330DEB}"/>
               </a:ext>
             </a:extLst>
           </p:cNvPr>
@@ -18576,8 +19742,8 @@
         </p:nvSpPr>
         <p:spPr>
           <a:xfrm>
-            <a:off x="8452061" y="5861007"/>
-            <a:ext cx="226152" cy="184666"/>
+            <a:off x="6159710" y="8037683"/>
+            <a:ext cx="1759264" cy="276999"/>
           </a:xfrm>
           <a:prstGeom prst="rect">
             <a:avLst/>
@@ -18585,106 +19751,109 @@
           <a:noFill/>
         </p:spPr>
         <p:txBody>
-          <a:bodyPr wrap="none" lIns="0" tIns="0" rIns="0" bIns="0" rtlCol="0">
+          <a:bodyPr wrap="none" rtlCol="0">
             <a:spAutoFit/>
           </a:bodyPr>
           <a:lstStyle/>
           <a:p>
             <a:pPr algn="ctr"/>
             <a:r>
-              <a:rPr lang="en-CA" sz="1200" b="1" dirty="0"/>
-              <a:t>YES</a:t>
-            </a:r>
-            <a:endParaRPr lang="en-US" sz="1200" b="1" dirty="0"/>
+              <a:rPr lang="en-CA" sz="1200" b="1" dirty="0">
+                <a:solidFill>
+                  <a:srgbClr val="FF0000"/>
+                </a:solidFill>
+              </a:rPr>
+              <a:t>/property/add/:</a:t>
+            </a:r>
+            <a:r>
+              <a:rPr lang="en-CA" sz="1200" b="1" dirty="0" err="1">
+                <a:solidFill>
+                  <a:srgbClr val="FF0000"/>
+                </a:solidFill>
+              </a:rPr>
+              <a:t>ownerId</a:t>
+            </a:r>
+            <a:endParaRPr lang="en-US" sz="1200" b="1" dirty="0">
+              <a:solidFill>
+                <a:srgbClr val="FF0000"/>
+              </a:solidFill>
+            </a:endParaRPr>
           </a:p>
         </p:txBody>
       </p:sp>
       <p:sp>
         <p:nvSpPr>
-          <p:cNvPr id="57" name="Flowchart: Manual Operation 56">
+          <p:cNvPr id="62" name="TextBox 61">
             <a:extLst>
               <a:ext uri="{FF2B5EF4-FFF2-40B4-BE49-F238E27FC236}">
-                <a16:creationId xmlns:a16="http://schemas.microsoft.com/office/drawing/2014/main" id="{C32E20E6-FBEB-4CEF-B431-5FA6C6A2F245}"/>
+                <a16:creationId xmlns:a16="http://schemas.microsoft.com/office/drawing/2014/main" id="{945BD16B-24E1-43CD-A482-63D7D2A3EFA3}"/>
               </a:ext>
             </a:extLst>
           </p:cNvPr>
-          <p:cNvSpPr/>
+          <p:cNvSpPr txBox="1"/>
           <p:nvPr/>
         </p:nvSpPr>
         <p:spPr>
           <a:xfrm>
-            <a:off x="9455567" y="3243066"/>
-            <a:ext cx="1440493" cy="576197"/>
-          </a:xfrm>
-          <a:prstGeom prst="flowChartManualOperation">
+            <a:off x="6440118" y="4598153"/>
+            <a:ext cx="1203086" cy="276999"/>
+          </a:xfrm>
+          <a:prstGeom prst="rect">
             <a:avLst/>
           </a:prstGeom>
-        </p:spPr>
-        <p:style>
-          <a:lnRef idx="2">
-            <a:schemeClr val="accent6">
-              <a:shade val="50000"/>
-            </a:schemeClr>
-          </a:lnRef>
-          <a:fillRef idx="1">
-            <a:schemeClr val="accent6"/>
-          </a:fillRef>
-          <a:effectRef idx="0">
-            <a:schemeClr val="accent6"/>
-          </a:effectRef>
-          <a:fontRef idx="minor">
-            <a:schemeClr val="lt1"/>
-          </a:fontRef>
-        </p:style>
+          <a:noFill/>
+        </p:spPr>
         <p:txBody>
-          <a:bodyPr wrap="none" lIns="0" tIns="0" rIns="0" bIns="0" rtlCol="0" anchor="ctr"/>
+          <a:bodyPr wrap="none" rtlCol="0">
+            <a:spAutoFit/>
+          </a:bodyPr>
           <a:lstStyle/>
           <a:p>
             <a:pPr algn="ctr"/>
             <a:r>
-              <a:rPr lang="en-CA" sz="1400" b="1" dirty="0"/>
-              <a:t>“NEW OWNER”</a:t>
-            </a:r>
-          </a:p>
-          <a:p>
-            <a:pPr algn="ctr"/>
-            <a:r>
-              <a:rPr lang="en-CA" sz="1400" b="1" dirty="0"/>
-              <a:t>is clicked</a:t>
-            </a:r>
+              <a:rPr lang="en-CA" sz="1200" b="1" dirty="0">
+                <a:solidFill>
+                  <a:srgbClr val="FF0000"/>
+                </a:solidFill>
+              </a:rPr>
+              <a:t>/owner/edit/:id</a:t>
+            </a:r>
+            <a:endParaRPr lang="en-US" sz="1200" b="1" dirty="0">
+              <a:solidFill>
+                <a:srgbClr val="FF0000"/>
+              </a:solidFill>
+            </a:endParaRPr>
           </a:p>
         </p:txBody>
       </p:sp>
       <p:cxnSp>
         <p:nvCxnSpPr>
-          <p:cNvPr id="58" name="Connector: Elbow 57">
+          <p:cNvPr id="64" name="Connector: Elbow 77">
             <a:extLst>
               <a:ext uri="{FF2B5EF4-FFF2-40B4-BE49-F238E27FC236}">
-                <a16:creationId xmlns:a16="http://schemas.microsoft.com/office/drawing/2014/main" id="{D0D8F65F-A81D-4BD2-91F2-8AD81FDD2DF2}"/>
+                <a16:creationId xmlns:a16="http://schemas.microsoft.com/office/drawing/2014/main" id="{D789D14A-8CFA-4258-914E-54AEA3500262}"/>
               </a:ext>
             </a:extLst>
           </p:cNvPr>
           <p:cNvCxnSpPr>
             <a:cxnSpLocks/>
-            <a:stCxn id="37" idx="2"/>
-            <a:endCxn id="57" idx="0"/>
+            <a:stCxn id="6" idx="1"/>
           </p:cNvCxnSpPr>
           <p:nvPr/>
         </p:nvCxnSpPr>
         <p:spPr>
-          <a:xfrm rot="16200000" flipH="1">
-            <a:off x="9559732" y="2626984"/>
-            <a:ext cx="306888" cy="925276"/>
-          </a:xfrm>
-          <a:prstGeom prst="bentConnector3">
-            <a:avLst>
-              <a:gd name="adj1" fmla="val 50000"/>
-            </a:avLst>
+          <a:xfrm flipH="1">
+            <a:off x="7673275" y="5647036"/>
+            <a:ext cx="836952" cy="0"/>
+          </a:xfrm>
+          <a:prstGeom prst="straightConnector1">
+            <a:avLst/>
           </a:prstGeom>
           <a:ln>
             <a:solidFill>
               <a:schemeClr val="tx1"/>
             </a:solidFill>
+            <a:headEnd type="triangle"/>
             <a:tailEnd type="triangle"/>
           </a:ln>
         </p:spPr>
@@ -18705,10 +19874,10 @@
       </p:cxnSp>
       <p:sp>
         <p:nvSpPr>
-          <p:cNvPr id="59" name="Flowchart: Process 58">
+          <p:cNvPr id="6" name="Rectangle: Folded Corner 5">
             <a:extLst>
               <a:ext uri="{FF2B5EF4-FFF2-40B4-BE49-F238E27FC236}">
-                <a16:creationId xmlns:a16="http://schemas.microsoft.com/office/drawing/2014/main" id="{7A5AC7D3-5779-40BC-A853-1DC4E208EC6A}"/>
+                <a16:creationId xmlns:a16="http://schemas.microsoft.com/office/drawing/2014/main" id="{056C5523-70F8-4E35-98ED-AD0F73B3AB9E}"/>
               </a:ext>
             </a:extLst>
           </p:cNvPr>
@@ -18717,47 +19886,75 @@
         </p:nvSpPr>
         <p:spPr>
           <a:xfrm>
-            <a:off x="9455567" y="4044732"/>
-            <a:ext cx="1440494" cy="726509"/>
-          </a:xfrm>
-          <a:prstGeom prst="flowChartProcess">
-            <a:avLst/>
-          </a:prstGeom>
+            <a:off x="8510227" y="4899452"/>
+            <a:ext cx="1248033" cy="1495167"/>
+          </a:xfrm>
+          <a:prstGeom prst="foldedCorner">
+            <a:avLst>
+              <a:gd name="adj" fmla="val 29311"/>
+            </a:avLst>
+          </a:prstGeom>
+          <a:solidFill>
+            <a:srgbClr val="E2EFD9"/>
+          </a:solidFill>
+          <a:ln>
+            <a:solidFill>
+              <a:srgbClr val="70AD47"/>
+            </a:solidFill>
+          </a:ln>
         </p:spPr>
         <p:style>
           <a:lnRef idx="2">
-            <a:schemeClr val="accent6">
-              <a:shade val="50000"/>
-            </a:schemeClr>
+            <a:schemeClr val="accent6"/>
           </a:lnRef>
           <a:fillRef idx="1">
-            <a:schemeClr val="accent6"/>
+            <a:schemeClr val="lt1"/>
           </a:fillRef>
           <a:effectRef idx="0">
             <a:schemeClr val="accent6"/>
           </a:effectRef>
           <a:fontRef idx="minor">
-            <a:schemeClr val="lt1"/>
+            <a:schemeClr val="dk1"/>
           </a:fontRef>
         </p:style>
         <p:txBody>
-          <a:bodyPr rtlCol="0" anchor="ctr"/>
+          <a:bodyPr wrap="none" lIns="0" tIns="0" rIns="0" bIns="0" rtlCol="0" anchor="ctr"/>
           <a:lstStyle/>
           <a:p>
             <a:pPr algn="ctr"/>
             <a:r>
-              <a:rPr lang="en-CA" sz="1400" b="1" dirty="0"/>
-              <a:t>Present “new owner” modal</a:t>
-            </a:r>
+              <a:rPr lang="en-CA" b="1" dirty="0">
+                <a:solidFill>
+                  <a:srgbClr val="70AD47"/>
+                </a:solidFill>
+              </a:rPr>
+              <a:t>Owner</a:t>
+            </a:r>
+          </a:p>
+          <a:p>
+            <a:pPr algn="ctr"/>
+            <a:r>
+              <a:rPr lang="en-CA" b="1" dirty="0">
+                <a:solidFill>
+                  <a:srgbClr val="70AD47"/>
+                </a:solidFill>
+              </a:rPr>
+              <a:t>manager</a:t>
+            </a:r>
+            <a:endParaRPr lang="en-US" b="1" dirty="0">
+              <a:solidFill>
+                <a:srgbClr val="70AD47"/>
+              </a:solidFill>
+            </a:endParaRPr>
           </a:p>
         </p:txBody>
       </p:sp>
       <p:sp>
         <p:nvSpPr>
-          <p:cNvPr id="60" name="Flowchart: Decision 59">
+          <p:cNvPr id="7" name="Rectangle: Folded Corner 6">
             <a:extLst>
               <a:ext uri="{FF2B5EF4-FFF2-40B4-BE49-F238E27FC236}">
-                <a16:creationId xmlns:a16="http://schemas.microsoft.com/office/drawing/2014/main" id="{B57972B4-B1C3-49B2-B0F1-5230F2705724}"/>
+                <a16:creationId xmlns:a16="http://schemas.microsoft.com/office/drawing/2014/main" id="{B351307C-E9F2-46FD-B8E4-AFF07BE5952A}"/>
               </a:ext>
             </a:extLst>
           </p:cNvPr>
@@ -18766,24 +19963,517 @@
         </p:nvSpPr>
         <p:spPr>
           <a:xfrm>
-            <a:off x="9455566" y="4996710"/>
-            <a:ext cx="1440494" cy="864296"/>
-          </a:xfrm>
-          <a:prstGeom prst="flowChartDecision">
-            <a:avLst/>
-          </a:prstGeom>
+            <a:off x="9839263" y="6557958"/>
+            <a:ext cx="1248033" cy="1495167"/>
+          </a:xfrm>
+          <a:prstGeom prst="foldedCorner">
+            <a:avLst>
+              <a:gd name="adj" fmla="val 29311"/>
+            </a:avLst>
+          </a:prstGeom>
+          <a:solidFill>
+            <a:srgbClr val="E2EFD9"/>
+          </a:solidFill>
+          <a:ln>
+            <a:solidFill>
+              <a:srgbClr val="70AD47"/>
+            </a:solidFill>
+          </a:ln>
         </p:spPr>
         <p:style>
           <a:lnRef idx="2">
-            <a:schemeClr val="accent6">
+            <a:schemeClr val="accent6"/>
+          </a:lnRef>
+          <a:fillRef idx="1">
+            <a:schemeClr val="lt1"/>
+          </a:fillRef>
+          <a:effectRef idx="0">
+            <a:schemeClr val="accent6"/>
+          </a:effectRef>
+          <a:fontRef idx="minor">
+            <a:schemeClr val="dk1"/>
+          </a:fontRef>
+        </p:style>
+        <p:txBody>
+          <a:bodyPr wrap="none" lIns="0" tIns="0" rIns="0" bIns="0" rtlCol="0" anchor="ctr"/>
+          <a:lstStyle/>
+          <a:p>
+            <a:pPr algn="ctr"/>
+            <a:r>
+              <a:rPr lang="en-CA" b="1" dirty="0">
+                <a:solidFill>
+                  <a:srgbClr val="70AD47"/>
+                </a:solidFill>
+              </a:rPr>
+              <a:t>Edit</a:t>
+            </a:r>
+          </a:p>
+          <a:p>
+            <a:pPr algn="ctr"/>
+            <a:r>
+              <a:rPr lang="en-CA" b="1" dirty="0">
+                <a:solidFill>
+                  <a:srgbClr val="70AD47"/>
+                </a:solidFill>
+              </a:rPr>
+              <a:t>property</a:t>
+            </a:r>
+            <a:endParaRPr lang="en-US" b="1" dirty="0">
+              <a:solidFill>
+                <a:srgbClr val="70AD47"/>
+              </a:solidFill>
+            </a:endParaRPr>
+          </a:p>
+        </p:txBody>
+      </p:sp>
+      <p:sp>
+        <p:nvSpPr>
+          <p:cNvPr id="41" name="TextBox 40">
+            <a:extLst>
+              <a:ext uri="{FF2B5EF4-FFF2-40B4-BE49-F238E27FC236}">
+                <a16:creationId xmlns:a16="http://schemas.microsoft.com/office/drawing/2014/main" id="{B600A966-A6BD-4CE8-B72C-8E78AD913019}"/>
+              </a:ext>
+            </a:extLst>
+          </p:cNvPr>
+          <p:cNvSpPr txBox="1"/>
+          <p:nvPr/>
+        </p:nvSpPr>
+        <p:spPr>
+          <a:xfrm>
+            <a:off x="9966382" y="7405425"/>
+            <a:ext cx="993798" cy="276999"/>
+          </a:xfrm>
+          <a:prstGeom prst="rect">
+            <a:avLst/>
+          </a:prstGeom>
+          <a:noFill/>
+        </p:spPr>
+        <p:txBody>
+          <a:bodyPr wrap="none" rtlCol="0">
+            <a:spAutoFit/>
+          </a:bodyPr>
+          <a:lstStyle/>
+          <a:p>
+            <a:pPr algn="ctr"/>
+            <a:r>
+              <a:rPr lang="en-CA" sz="1200" b="1" dirty="0" err="1">
+                <a:solidFill>
+                  <a:srgbClr val="0000FF"/>
+                </a:solidFill>
+              </a:rPr>
+              <a:t>propertyedit</a:t>
+            </a:r>
+            <a:endParaRPr lang="en-US" sz="1200" b="1" dirty="0">
+              <a:solidFill>
+                <a:srgbClr val="0000FF"/>
+              </a:solidFill>
+            </a:endParaRPr>
+          </a:p>
+        </p:txBody>
+      </p:sp>
+      <p:sp>
+        <p:nvSpPr>
+          <p:cNvPr id="42" name="TextBox 41">
+            <a:extLst>
+              <a:ext uri="{FF2B5EF4-FFF2-40B4-BE49-F238E27FC236}">
+                <a16:creationId xmlns:a16="http://schemas.microsoft.com/office/drawing/2014/main" id="{845E0397-3BB2-43B6-8D78-D0E9436F204E}"/>
+              </a:ext>
+            </a:extLst>
+          </p:cNvPr>
+          <p:cNvSpPr txBox="1"/>
+          <p:nvPr/>
+        </p:nvSpPr>
+        <p:spPr>
+          <a:xfrm>
+            <a:off x="8835281" y="5737836"/>
+            <a:ext cx="597921" cy="276999"/>
+          </a:xfrm>
+          <a:prstGeom prst="rect">
+            <a:avLst/>
+          </a:prstGeom>
+          <a:noFill/>
+        </p:spPr>
+        <p:txBody>
+          <a:bodyPr wrap="none" rtlCol="0">
+            <a:spAutoFit/>
+          </a:bodyPr>
+          <a:lstStyle/>
+          <a:p>
+            <a:pPr algn="ctr"/>
+            <a:r>
+              <a:rPr lang="en-CA" sz="1200" b="1" dirty="0">
+                <a:solidFill>
+                  <a:srgbClr val="0000FF"/>
+                </a:solidFill>
+              </a:rPr>
+              <a:t>owner</a:t>
+            </a:r>
+            <a:endParaRPr lang="en-US" sz="1200" b="1" dirty="0">
+              <a:solidFill>
+                <a:srgbClr val="0000FF"/>
+              </a:solidFill>
+            </a:endParaRPr>
+          </a:p>
+        </p:txBody>
+      </p:sp>
+      <p:sp>
+        <p:nvSpPr>
+          <p:cNvPr id="72" name="Rectangle 71">
+            <a:extLst>
+              <a:ext uri="{FF2B5EF4-FFF2-40B4-BE49-F238E27FC236}">
+                <a16:creationId xmlns:a16="http://schemas.microsoft.com/office/drawing/2014/main" id="{30EEEDFB-C483-4E51-8010-04520772814A}"/>
+              </a:ext>
+            </a:extLst>
+          </p:cNvPr>
+          <p:cNvSpPr/>
+          <p:nvPr/>
+        </p:nvSpPr>
+        <p:spPr>
+          <a:xfrm>
+            <a:off x="10805607" y="4990254"/>
+            <a:ext cx="1354706" cy="1313562"/>
+          </a:xfrm>
+          <a:prstGeom prst="rect">
+            <a:avLst/>
+          </a:prstGeom>
+          <a:noFill/>
+          <a:ln w="69850" cap="flat" cmpd="dbl" algn="ctr">
+            <a:solidFill>
+              <a:srgbClr val="70AD47"/>
+            </a:solidFill>
+            <a:prstDash val="solid"/>
+            <a:round/>
+            <a:headEnd type="none" w="med" len="med"/>
+            <a:tailEnd type="none" w="med" len="med"/>
+          </a:ln>
+        </p:spPr>
+        <p:style>
+          <a:lnRef idx="0">
+            <a:scrgbClr r="0" g="0" b="0"/>
+          </a:lnRef>
+          <a:fillRef idx="0">
+            <a:scrgbClr r="0" g="0" b="0"/>
+          </a:fillRef>
+          <a:effectRef idx="0">
+            <a:scrgbClr r="0" g="0" b="0"/>
+          </a:effectRef>
+          <a:fontRef idx="minor">
+            <a:schemeClr val="accent5"/>
+          </a:fontRef>
+        </p:style>
+        <p:txBody>
+          <a:bodyPr rtlCol="0" anchor="ctr"/>
+          <a:lstStyle/>
+          <a:p>
+            <a:pPr algn="ctr"/>
+            <a:r>
+              <a:rPr lang="en-CA" b="1" dirty="0">
+                <a:solidFill>
+                  <a:srgbClr val="70AD47"/>
+                </a:solidFill>
+              </a:rPr>
+              <a:t>Owner login</a:t>
+            </a:r>
+          </a:p>
+          <a:p>
+            <a:pPr algn="ctr"/>
+            <a:r>
+              <a:rPr lang="en-CA" b="1" dirty="0">
+                <a:solidFill>
+                  <a:srgbClr val="70AD47"/>
+                </a:solidFill>
+              </a:rPr>
+              <a:t>Modal logic</a:t>
+            </a:r>
+          </a:p>
+        </p:txBody>
+      </p:sp>
+      <p:sp>
+        <p:nvSpPr>
+          <p:cNvPr id="46" name="Rectangle: Folded Corner 45">
+            <a:extLst>
+              <a:ext uri="{FF2B5EF4-FFF2-40B4-BE49-F238E27FC236}">
+                <a16:creationId xmlns:a16="http://schemas.microsoft.com/office/drawing/2014/main" id="{A9CD548A-100D-4BE8-BB3C-FE2B2488865C}"/>
+              </a:ext>
+            </a:extLst>
+          </p:cNvPr>
+          <p:cNvSpPr/>
+          <p:nvPr/>
+        </p:nvSpPr>
+        <p:spPr>
+          <a:xfrm>
+            <a:off x="6415327" y="6557958"/>
+            <a:ext cx="1248033" cy="1495167"/>
+          </a:xfrm>
+          <a:prstGeom prst="foldedCorner">
+            <a:avLst>
+              <a:gd name="adj" fmla="val 29311"/>
+            </a:avLst>
+          </a:prstGeom>
+          <a:solidFill>
+            <a:srgbClr val="E2EFD9"/>
+          </a:solidFill>
+          <a:ln>
+            <a:solidFill>
+              <a:srgbClr val="70AD47"/>
+            </a:solidFill>
+          </a:ln>
+        </p:spPr>
+        <p:style>
+          <a:lnRef idx="2">
+            <a:schemeClr val="accent6"/>
+          </a:lnRef>
+          <a:fillRef idx="1">
+            <a:schemeClr val="lt1"/>
+          </a:fillRef>
+          <a:effectRef idx="0">
+            <a:schemeClr val="accent6"/>
+          </a:effectRef>
+          <a:fontRef idx="minor">
+            <a:schemeClr val="dk1"/>
+          </a:fontRef>
+        </p:style>
+        <p:txBody>
+          <a:bodyPr wrap="none" lIns="0" tIns="0" rIns="0" bIns="0" rtlCol="0" anchor="ctr"/>
+          <a:lstStyle/>
+          <a:p>
+            <a:pPr algn="ctr"/>
+            <a:r>
+              <a:rPr lang="en-CA" b="1" dirty="0">
+                <a:solidFill>
+                  <a:srgbClr val="70AD47"/>
+                </a:solidFill>
+              </a:rPr>
+              <a:t>Add</a:t>
+            </a:r>
+          </a:p>
+          <a:p>
+            <a:pPr algn="ctr"/>
+            <a:r>
+              <a:rPr lang="en-CA" b="1" dirty="0">
+                <a:solidFill>
+                  <a:srgbClr val="70AD47"/>
+                </a:solidFill>
+              </a:rPr>
+              <a:t>property</a:t>
+            </a:r>
+            <a:endParaRPr lang="en-US" b="1" dirty="0">
+              <a:solidFill>
+                <a:srgbClr val="70AD47"/>
+              </a:solidFill>
+            </a:endParaRPr>
+          </a:p>
+        </p:txBody>
+      </p:sp>
+      <p:sp>
+        <p:nvSpPr>
+          <p:cNvPr id="55" name="TextBox 54">
+            <a:extLst>
+              <a:ext uri="{FF2B5EF4-FFF2-40B4-BE49-F238E27FC236}">
+                <a16:creationId xmlns:a16="http://schemas.microsoft.com/office/drawing/2014/main" id="{6B48940F-3EC8-4D40-A16F-9A4245E2869B}"/>
+              </a:ext>
+            </a:extLst>
+          </p:cNvPr>
+          <p:cNvSpPr txBox="1"/>
+          <p:nvPr/>
+        </p:nvSpPr>
+        <p:spPr>
+          <a:xfrm>
+            <a:off x="6547541" y="7405425"/>
+            <a:ext cx="983603" cy="276999"/>
+          </a:xfrm>
+          <a:prstGeom prst="rect">
+            <a:avLst/>
+          </a:prstGeom>
+          <a:noFill/>
+        </p:spPr>
+        <p:txBody>
+          <a:bodyPr wrap="none" rtlCol="0">
+            <a:spAutoFit/>
+          </a:bodyPr>
+          <a:lstStyle/>
+          <a:p>
+            <a:pPr algn="ctr"/>
+            <a:r>
+              <a:rPr lang="en-CA" sz="1200" b="1" dirty="0" err="1">
+                <a:solidFill>
+                  <a:srgbClr val="0000FF"/>
+                </a:solidFill>
+              </a:rPr>
+              <a:t>propertyadd</a:t>
+            </a:r>
+            <a:endParaRPr lang="en-US" sz="1200" b="1" dirty="0">
+              <a:solidFill>
+                <a:srgbClr val="0000FF"/>
+              </a:solidFill>
+            </a:endParaRPr>
+          </a:p>
+        </p:txBody>
+      </p:sp>
+      <p:sp>
+        <p:nvSpPr>
+          <p:cNvPr id="61" name="Rectangle: Folded Corner 60">
+            <a:extLst>
+              <a:ext uri="{FF2B5EF4-FFF2-40B4-BE49-F238E27FC236}">
+                <a16:creationId xmlns:a16="http://schemas.microsoft.com/office/drawing/2014/main" id="{A54488F9-F295-4B63-BCFD-245AFD9C407D}"/>
+              </a:ext>
+            </a:extLst>
+          </p:cNvPr>
+          <p:cNvSpPr/>
+          <p:nvPr/>
+        </p:nvSpPr>
+        <p:spPr>
+          <a:xfrm>
+            <a:off x="6417645" y="4899452"/>
+            <a:ext cx="1248033" cy="1495167"/>
+          </a:xfrm>
+          <a:prstGeom prst="foldedCorner">
+            <a:avLst>
+              <a:gd name="adj" fmla="val 29311"/>
+            </a:avLst>
+          </a:prstGeom>
+          <a:solidFill>
+            <a:srgbClr val="E2EFD9"/>
+          </a:solidFill>
+          <a:ln>
+            <a:solidFill>
+              <a:srgbClr val="70AD47"/>
+            </a:solidFill>
+          </a:ln>
+        </p:spPr>
+        <p:style>
+          <a:lnRef idx="2">
+            <a:schemeClr val="accent6"/>
+          </a:lnRef>
+          <a:fillRef idx="1">
+            <a:schemeClr val="lt1"/>
+          </a:fillRef>
+          <a:effectRef idx="0">
+            <a:schemeClr val="accent6"/>
+          </a:effectRef>
+          <a:fontRef idx="minor">
+            <a:schemeClr val="dk1"/>
+          </a:fontRef>
+        </p:style>
+        <p:txBody>
+          <a:bodyPr wrap="none" lIns="0" tIns="0" rIns="0" bIns="0" rtlCol="0" anchor="ctr"/>
+          <a:lstStyle/>
+          <a:p>
+            <a:pPr algn="ctr"/>
+            <a:r>
+              <a:rPr lang="en-CA" b="1" dirty="0">
+                <a:solidFill>
+                  <a:srgbClr val="70AD47"/>
+                </a:solidFill>
+              </a:rPr>
+              <a:t>Edit</a:t>
+            </a:r>
+          </a:p>
+          <a:p>
+            <a:pPr algn="ctr"/>
+            <a:r>
+              <a:rPr lang="en-CA" b="1" dirty="0">
+                <a:solidFill>
+                  <a:srgbClr val="70AD47"/>
+                </a:solidFill>
+              </a:rPr>
+              <a:t>owner</a:t>
+            </a:r>
+            <a:endParaRPr lang="en-US" b="1" dirty="0">
+              <a:solidFill>
+                <a:srgbClr val="70AD47"/>
+              </a:solidFill>
+            </a:endParaRPr>
+          </a:p>
+        </p:txBody>
+      </p:sp>
+      <p:sp>
+        <p:nvSpPr>
+          <p:cNvPr id="63" name="TextBox 62">
+            <a:extLst>
+              <a:ext uri="{FF2B5EF4-FFF2-40B4-BE49-F238E27FC236}">
+                <a16:creationId xmlns:a16="http://schemas.microsoft.com/office/drawing/2014/main" id="{ECB02510-DAED-44C1-9E6F-37E378397B2E}"/>
+              </a:ext>
+            </a:extLst>
+          </p:cNvPr>
+          <p:cNvSpPr txBox="1"/>
+          <p:nvPr/>
+        </p:nvSpPr>
+        <p:spPr>
+          <a:xfrm>
+            <a:off x="6617730" y="5737836"/>
+            <a:ext cx="847861" cy="276999"/>
+          </a:xfrm>
+          <a:prstGeom prst="rect">
+            <a:avLst/>
+          </a:prstGeom>
+          <a:noFill/>
+        </p:spPr>
+        <p:txBody>
+          <a:bodyPr wrap="none" rtlCol="0">
+            <a:spAutoFit/>
+          </a:bodyPr>
+          <a:lstStyle/>
+          <a:p>
+            <a:pPr algn="ctr"/>
+            <a:r>
+              <a:rPr lang="en-CA" sz="1200" b="1" dirty="0" err="1">
+                <a:solidFill>
+                  <a:srgbClr val="0000FF"/>
+                </a:solidFill>
+              </a:rPr>
+              <a:t>owneredit</a:t>
+            </a:r>
+            <a:endParaRPr lang="en-US" sz="1200" b="1" dirty="0">
+              <a:solidFill>
+                <a:srgbClr val="0000FF"/>
+              </a:solidFill>
+            </a:endParaRPr>
+          </a:p>
+        </p:txBody>
+      </p:sp>
+      <p:sp>
+        <p:nvSpPr>
+          <p:cNvPr id="68" name="Rectangle: Folded Corner 67">
+            <a:extLst>
+              <a:ext uri="{FF2B5EF4-FFF2-40B4-BE49-F238E27FC236}">
+                <a16:creationId xmlns:a16="http://schemas.microsoft.com/office/drawing/2014/main" id="{BDBC9FBD-A884-4610-B2A6-D98BCC5F0E67}"/>
+              </a:ext>
+            </a:extLst>
+          </p:cNvPr>
+          <p:cNvSpPr/>
+          <p:nvPr/>
+        </p:nvSpPr>
+        <p:spPr>
+          <a:xfrm>
+            <a:off x="2695138" y="3300380"/>
+            <a:ext cx="1248033" cy="1495167"/>
+          </a:xfrm>
+          <a:prstGeom prst="foldedCorner">
+            <a:avLst>
+              <a:gd name="adj" fmla="val 29311"/>
+            </a:avLst>
+          </a:prstGeom>
+          <a:solidFill>
+            <a:srgbClr val="DAE9F6"/>
+          </a:solidFill>
+          <a:ln>
+            <a:solidFill>
+              <a:srgbClr val="5B9BD5"/>
+            </a:solidFill>
+          </a:ln>
+        </p:spPr>
+        <p:style>
+          <a:lnRef idx="2">
+            <a:schemeClr val="accent3">
               <a:shade val="50000"/>
             </a:schemeClr>
           </a:lnRef>
           <a:fillRef idx="1">
-            <a:schemeClr val="accent6"/>
+            <a:schemeClr val="accent3"/>
           </a:fillRef>
           <a:effectRef idx="0">
-            <a:schemeClr val="accent6"/>
+            <a:schemeClr val="accent3"/>
           </a:effectRef>
           <a:fontRef idx="minor">
             <a:schemeClr val="lt1"/>
@@ -18795,39 +20485,142 @@
           <a:p>
             <a:pPr algn="ctr"/>
             <a:r>
-              <a:rPr lang="en-CA" sz="1400" b="1" dirty="0"/>
-              <a:t>Check if</a:t>
+              <a:rPr lang="en-CA" b="1" dirty="0">
+                <a:solidFill>
+                  <a:srgbClr val="5B9BD5"/>
+                </a:solidFill>
+              </a:rPr>
+              <a:t>Edit</a:t>
             </a:r>
           </a:p>
           <a:p>
             <a:pPr algn="ctr"/>
             <a:r>
-              <a:rPr lang="en-CA" sz="1400" b="1" dirty="0"/>
-              <a:t>owner exist</a:t>
-            </a:r>
+              <a:rPr lang="en-CA" b="1" dirty="0">
+                <a:solidFill>
+                  <a:srgbClr val="5B9BD5"/>
+                </a:solidFill>
+              </a:rPr>
+              <a:t>client</a:t>
+            </a:r>
+            <a:endParaRPr lang="en-US" b="1" dirty="0">
+              <a:solidFill>
+                <a:srgbClr val="5B9BD5"/>
+              </a:solidFill>
+            </a:endParaRPr>
+          </a:p>
+        </p:txBody>
+      </p:sp>
+      <p:sp>
+        <p:nvSpPr>
+          <p:cNvPr id="69" name="TextBox 68">
+            <a:extLst>
+              <a:ext uri="{FF2B5EF4-FFF2-40B4-BE49-F238E27FC236}">
+                <a16:creationId xmlns:a16="http://schemas.microsoft.com/office/drawing/2014/main" id="{B0BB3882-98CE-4D9E-AAFD-38338D2A8F31}"/>
+              </a:ext>
+            </a:extLst>
+          </p:cNvPr>
+          <p:cNvSpPr txBox="1"/>
+          <p:nvPr/>
+        </p:nvSpPr>
+        <p:spPr>
+          <a:xfrm>
+            <a:off x="2727559" y="2989443"/>
+            <a:ext cx="1142300" cy="276999"/>
+          </a:xfrm>
+          <a:prstGeom prst="rect">
+            <a:avLst/>
+          </a:prstGeom>
+          <a:noFill/>
+        </p:spPr>
+        <p:txBody>
+          <a:bodyPr wrap="none" rtlCol="0">
+            <a:spAutoFit/>
+          </a:bodyPr>
+          <a:lstStyle/>
+          <a:p>
+            <a:pPr algn="ctr"/>
+            <a:r>
+              <a:rPr lang="en-CA" sz="1200" b="1" dirty="0">
+                <a:solidFill>
+                  <a:srgbClr val="FF0000"/>
+                </a:solidFill>
+              </a:rPr>
+              <a:t>/client/edit/:id</a:t>
+            </a:r>
+            <a:endParaRPr lang="en-US" sz="1200" b="1" dirty="0">
+              <a:solidFill>
+                <a:srgbClr val="FF0000"/>
+              </a:solidFill>
+            </a:endParaRPr>
+          </a:p>
+        </p:txBody>
+      </p:sp>
+      <p:sp>
+        <p:nvSpPr>
+          <p:cNvPr id="70" name="TextBox 69">
+            <a:extLst>
+              <a:ext uri="{FF2B5EF4-FFF2-40B4-BE49-F238E27FC236}">
+                <a16:creationId xmlns:a16="http://schemas.microsoft.com/office/drawing/2014/main" id="{3F4FE4D0-DEFC-4F3D-BED9-F603FE4A068B}"/>
+              </a:ext>
+            </a:extLst>
+          </p:cNvPr>
+          <p:cNvSpPr txBox="1"/>
+          <p:nvPr/>
+        </p:nvSpPr>
+        <p:spPr>
+          <a:xfrm>
+            <a:off x="2925490" y="4150451"/>
+            <a:ext cx="787330" cy="276999"/>
+          </a:xfrm>
+          <a:prstGeom prst="rect">
+            <a:avLst/>
+          </a:prstGeom>
+          <a:noFill/>
+        </p:spPr>
+        <p:txBody>
+          <a:bodyPr wrap="none" rtlCol="0">
+            <a:spAutoFit/>
+          </a:bodyPr>
+          <a:lstStyle/>
+          <a:p>
+            <a:pPr algn="ctr"/>
+            <a:r>
+              <a:rPr lang="en-CA" sz="1200" b="1" dirty="0" err="1">
+                <a:solidFill>
+                  <a:srgbClr val="0000FF"/>
+                </a:solidFill>
+              </a:rPr>
+              <a:t>clientedit</a:t>
+            </a:r>
+            <a:endParaRPr lang="en-US" sz="1200" b="1" dirty="0">
+              <a:solidFill>
+                <a:srgbClr val="0000FF"/>
+              </a:solidFill>
+            </a:endParaRPr>
           </a:p>
         </p:txBody>
       </p:sp>
       <p:cxnSp>
         <p:nvCxnSpPr>
-          <p:cNvPr id="64" name="Connector: Elbow 32">
+          <p:cNvPr id="86" name="Connector: Elbow 27">
             <a:extLst>
               <a:ext uri="{FF2B5EF4-FFF2-40B4-BE49-F238E27FC236}">
-                <a16:creationId xmlns:a16="http://schemas.microsoft.com/office/drawing/2014/main" id="{F2351596-1D23-46D1-A5B7-82AF65CFFF95}"/>
+                <a16:creationId xmlns:a16="http://schemas.microsoft.com/office/drawing/2014/main" id="{CA605058-31D6-430C-8D65-FB79D5293DF2}"/>
               </a:ext>
             </a:extLst>
           </p:cNvPr>
           <p:cNvCxnSpPr>
             <a:cxnSpLocks/>
-            <a:stCxn id="60" idx="2"/>
-            <a:endCxn id="74" idx="0"/>
+            <a:stCxn id="11" idx="3"/>
+            <a:endCxn id="68" idx="1"/>
           </p:cNvCxnSpPr>
           <p:nvPr/>
         </p:nvCxnSpPr>
         <p:spPr>
           <a:xfrm>
-            <a:off x="10175813" y="5861006"/>
-            <a:ext cx="1" cy="162839"/>
+            <a:off x="2030134" y="4047964"/>
+            <a:ext cx="665004" cy="0"/>
           </a:xfrm>
           <a:prstGeom prst="straightConnector1">
             <a:avLst/>
@@ -18836,6 +20629,7 @@
             <a:solidFill>
               <a:schemeClr val="tx1"/>
             </a:solidFill>
+            <a:headEnd type="triangle"/>
             <a:tailEnd type="triangle"/>
           </a:ln>
         </p:spPr>
@@ -18854,550 +20648,10 @@
           </a:fontRef>
         </p:style>
       </p:cxnSp>
-      <p:sp>
-        <p:nvSpPr>
-          <p:cNvPr id="65" name="TextBox 64">
-            <a:extLst>
-              <a:ext uri="{FF2B5EF4-FFF2-40B4-BE49-F238E27FC236}">
-                <a16:creationId xmlns:a16="http://schemas.microsoft.com/office/drawing/2014/main" id="{3AFD1697-7BE2-444C-B1DB-B6C32AD45E96}"/>
-              </a:ext>
-            </a:extLst>
-          </p:cNvPr>
-          <p:cNvSpPr txBox="1"/>
-          <p:nvPr/>
-        </p:nvSpPr>
-        <p:spPr>
-          <a:xfrm>
-            <a:off x="11192581" y="5301641"/>
-            <a:ext cx="232497" cy="184666"/>
-          </a:xfrm>
-          <a:prstGeom prst="rect">
-            <a:avLst/>
-          </a:prstGeom>
-          <a:noFill/>
-        </p:spPr>
-        <p:txBody>
-          <a:bodyPr wrap="square" lIns="0" tIns="0" rIns="0" bIns="0" rtlCol="0">
-            <a:spAutoFit/>
-          </a:bodyPr>
-          <a:lstStyle/>
-          <a:p>
-            <a:pPr algn="ctr"/>
-            <a:r>
-              <a:rPr lang="en-CA" sz="1200" b="1" dirty="0"/>
-              <a:t>YES</a:t>
-            </a:r>
-            <a:endParaRPr lang="en-US" sz="1200" b="1" dirty="0"/>
-          </a:p>
-        </p:txBody>
-      </p:sp>
-      <p:sp>
-        <p:nvSpPr>
-          <p:cNvPr id="66" name="TextBox 65">
-            <a:extLst>
-              <a:ext uri="{FF2B5EF4-FFF2-40B4-BE49-F238E27FC236}">
-                <a16:creationId xmlns:a16="http://schemas.microsoft.com/office/drawing/2014/main" id="{6B4D1D8A-0CD9-4BDA-A2B2-C6744BBDC738}"/>
-              </a:ext>
-            </a:extLst>
-          </p:cNvPr>
-          <p:cNvSpPr txBox="1"/>
-          <p:nvPr/>
-        </p:nvSpPr>
-        <p:spPr>
-          <a:xfrm>
-            <a:off x="10265705" y="5860708"/>
-            <a:ext cx="205184" cy="184666"/>
-          </a:xfrm>
-          <a:prstGeom prst="rect">
-            <a:avLst/>
-          </a:prstGeom>
-          <a:noFill/>
-        </p:spPr>
-        <p:txBody>
-          <a:bodyPr wrap="none" lIns="0" tIns="0" rIns="0" bIns="0" rtlCol="0">
-            <a:spAutoFit/>
-          </a:bodyPr>
-          <a:lstStyle/>
-          <a:p>
-            <a:pPr algn="ctr"/>
-            <a:r>
-              <a:rPr lang="en-CA" sz="1200" b="1" dirty="0"/>
-              <a:t>NO</a:t>
-            </a:r>
-            <a:endParaRPr lang="en-US" sz="1200" b="1" dirty="0"/>
-          </a:p>
-        </p:txBody>
-      </p:sp>
-      <p:cxnSp>
-        <p:nvCxnSpPr>
-          <p:cNvPr id="67" name="Connector: Elbow 32">
-            <a:extLst>
-              <a:ext uri="{FF2B5EF4-FFF2-40B4-BE49-F238E27FC236}">
-                <a16:creationId xmlns:a16="http://schemas.microsoft.com/office/drawing/2014/main" id="{9CF2EA0B-243F-4794-923E-675F2ED80429}"/>
-              </a:ext>
-            </a:extLst>
-          </p:cNvPr>
-          <p:cNvCxnSpPr>
-            <a:cxnSpLocks/>
-            <a:stCxn id="57" idx="2"/>
-            <a:endCxn id="59" idx="0"/>
-          </p:cNvCxnSpPr>
-          <p:nvPr/>
-        </p:nvCxnSpPr>
-        <p:spPr>
-          <a:xfrm>
-            <a:off x="10175814" y="3819263"/>
-            <a:ext cx="0" cy="225469"/>
-          </a:xfrm>
-          <a:prstGeom prst="straightConnector1">
-            <a:avLst/>
-          </a:prstGeom>
-          <a:ln>
-            <a:solidFill>
-              <a:schemeClr val="tx1"/>
-            </a:solidFill>
-            <a:tailEnd type="triangle"/>
-          </a:ln>
-        </p:spPr>
-        <p:style>
-          <a:lnRef idx="1">
-            <a:schemeClr val="accent1"/>
-          </a:lnRef>
-          <a:fillRef idx="0">
-            <a:schemeClr val="accent1"/>
-          </a:fillRef>
-          <a:effectRef idx="0">
-            <a:schemeClr val="accent1"/>
-          </a:effectRef>
-          <a:fontRef idx="minor">
-            <a:schemeClr val="tx1"/>
-          </a:fontRef>
-        </p:style>
-      </p:cxnSp>
-      <p:cxnSp>
-        <p:nvCxnSpPr>
-          <p:cNvPr id="69" name="Connector: Elbow 32">
-            <a:extLst>
-              <a:ext uri="{FF2B5EF4-FFF2-40B4-BE49-F238E27FC236}">
-                <a16:creationId xmlns:a16="http://schemas.microsoft.com/office/drawing/2014/main" id="{C025CD8C-521F-4ED9-BF7B-D91224E84B0C}"/>
-              </a:ext>
-            </a:extLst>
-          </p:cNvPr>
-          <p:cNvCxnSpPr>
-            <a:cxnSpLocks/>
-            <a:stCxn id="59" idx="2"/>
-            <a:endCxn id="60" idx="0"/>
-          </p:cNvCxnSpPr>
-          <p:nvPr/>
-        </p:nvCxnSpPr>
-        <p:spPr>
-          <a:xfrm flipH="1">
-            <a:off x="10175813" y="4771241"/>
-            <a:ext cx="1" cy="225469"/>
-          </a:xfrm>
-          <a:prstGeom prst="straightConnector1">
-            <a:avLst/>
-          </a:prstGeom>
-          <a:ln>
-            <a:solidFill>
-              <a:schemeClr val="tx1"/>
-            </a:solidFill>
-            <a:tailEnd type="triangle"/>
-          </a:ln>
-        </p:spPr>
-        <p:style>
-          <a:lnRef idx="1">
-            <a:schemeClr val="accent1"/>
-          </a:lnRef>
-          <a:fillRef idx="0">
-            <a:schemeClr val="accent1"/>
-          </a:fillRef>
-          <a:effectRef idx="0">
-            <a:schemeClr val="accent1"/>
-          </a:effectRef>
-          <a:fontRef idx="minor">
-            <a:schemeClr val="tx1"/>
-          </a:fontRef>
-        </p:style>
-      </p:cxnSp>
-      <p:cxnSp>
-        <p:nvCxnSpPr>
-          <p:cNvPr id="70" name="Connector: Elbow 69">
-            <a:extLst>
-              <a:ext uri="{FF2B5EF4-FFF2-40B4-BE49-F238E27FC236}">
-                <a16:creationId xmlns:a16="http://schemas.microsoft.com/office/drawing/2014/main" id="{E3E9317C-13D4-4C0F-BB24-E389444BA429}"/>
-              </a:ext>
-            </a:extLst>
-          </p:cNvPr>
-          <p:cNvCxnSpPr>
-            <a:cxnSpLocks/>
-            <a:stCxn id="60" idx="3"/>
-            <a:endCxn id="59" idx="3"/>
-          </p:cNvCxnSpPr>
-          <p:nvPr/>
-        </p:nvCxnSpPr>
-        <p:spPr>
-          <a:xfrm flipV="1">
-            <a:off x="10896060" y="4407987"/>
-            <a:ext cx="1" cy="1020871"/>
-          </a:xfrm>
-          <a:prstGeom prst="bentConnector3">
-            <a:avLst>
-              <a:gd name="adj1" fmla="val 22860100000"/>
-            </a:avLst>
-          </a:prstGeom>
-          <a:ln>
-            <a:solidFill>
-              <a:schemeClr val="tx1"/>
-            </a:solidFill>
-            <a:tailEnd type="triangle"/>
-          </a:ln>
-        </p:spPr>
-        <p:style>
-          <a:lnRef idx="1">
-            <a:schemeClr val="accent1"/>
-          </a:lnRef>
-          <a:fillRef idx="0">
-            <a:schemeClr val="accent1"/>
-          </a:fillRef>
-          <a:effectRef idx="0">
-            <a:schemeClr val="accent1"/>
-          </a:effectRef>
-          <a:fontRef idx="minor">
-            <a:schemeClr val="tx1"/>
-          </a:fontRef>
-        </p:style>
-      </p:cxnSp>
-      <p:sp>
-        <p:nvSpPr>
-          <p:cNvPr id="71" name="TextBox 70">
-            <a:extLst>
-              <a:ext uri="{FF2B5EF4-FFF2-40B4-BE49-F238E27FC236}">
-                <a16:creationId xmlns:a16="http://schemas.microsoft.com/office/drawing/2014/main" id="{A8F9C87D-540B-4728-BC14-5B59C320BC57}"/>
-              </a:ext>
-            </a:extLst>
-          </p:cNvPr>
-          <p:cNvSpPr txBox="1"/>
-          <p:nvPr/>
-        </p:nvSpPr>
-        <p:spPr>
-          <a:xfrm>
-            <a:off x="6125202" y="3089621"/>
-            <a:ext cx="803064" cy="738664"/>
-          </a:xfrm>
-          <a:prstGeom prst="rect">
-            <a:avLst/>
-          </a:prstGeom>
-          <a:noFill/>
-        </p:spPr>
-        <p:txBody>
-          <a:bodyPr wrap="square" lIns="0" tIns="0" rIns="0" bIns="0" rtlCol="0">
-            <a:spAutoFit/>
-          </a:bodyPr>
-          <a:lstStyle/>
-          <a:p>
-            <a:pPr algn="r"/>
-            <a:r>
-              <a:rPr lang="en-CA" sz="1200" i="1" dirty="0"/>
-              <a:t>Wrong password or user doesn’t exist </a:t>
-            </a:r>
-            <a:endParaRPr lang="en-US" sz="1200" i="1" dirty="0"/>
-          </a:p>
-        </p:txBody>
-      </p:sp>
-      <p:sp>
-        <p:nvSpPr>
-          <p:cNvPr id="74" name="Flowchart: Process 73">
-            <a:extLst>
-              <a:ext uri="{FF2B5EF4-FFF2-40B4-BE49-F238E27FC236}">
-                <a16:creationId xmlns:a16="http://schemas.microsoft.com/office/drawing/2014/main" id="{075BA629-5C53-43F8-8250-4CABAC1BA18C}"/>
-              </a:ext>
-            </a:extLst>
-          </p:cNvPr>
-          <p:cNvSpPr/>
-          <p:nvPr/>
-        </p:nvSpPr>
-        <p:spPr>
-          <a:xfrm>
-            <a:off x="9455567" y="6023845"/>
-            <a:ext cx="1440494" cy="726509"/>
-          </a:xfrm>
-          <a:prstGeom prst="flowChartProcess">
-            <a:avLst/>
-          </a:prstGeom>
-        </p:spPr>
-        <p:style>
-          <a:lnRef idx="2">
-            <a:schemeClr val="accent6">
-              <a:shade val="50000"/>
-            </a:schemeClr>
-          </a:lnRef>
-          <a:fillRef idx="1">
-            <a:schemeClr val="accent6"/>
-          </a:fillRef>
-          <a:effectRef idx="0">
-            <a:schemeClr val="accent6"/>
-          </a:effectRef>
-          <a:fontRef idx="minor">
-            <a:schemeClr val="lt1"/>
-          </a:fontRef>
-        </p:style>
-        <p:txBody>
-          <a:bodyPr rtlCol="0" anchor="ctr"/>
-          <a:lstStyle/>
-          <a:p>
-            <a:pPr algn="ctr"/>
-            <a:r>
-              <a:rPr lang="en-CA" sz="1400" b="1" dirty="0"/>
-              <a:t>Create new owner in “owner” table</a:t>
-            </a:r>
-          </a:p>
-        </p:txBody>
-      </p:sp>
-      <p:sp>
-        <p:nvSpPr>
-          <p:cNvPr id="75" name="Flowchart: Process 74">
-            <a:extLst>
-              <a:ext uri="{FF2B5EF4-FFF2-40B4-BE49-F238E27FC236}">
-                <a16:creationId xmlns:a16="http://schemas.microsoft.com/office/drawing/2014/main" id="{734D57A6-92A6-4A1C-BC35-D9F72C21CD35}"/>
-              </a:ext>
-            </a:extLst>
-          </p:cNvPr>
-          <p:cNvSpPr/>
-          <p:nvPr/>
-        </p:nvSpPr>
-        <p:spPr>
-          <a:xfrm>
-            <a:off x="8568410" y="8099943"/>
-            <a:ext cx="1440494" cy="726509"/>
-          </a:xfrm>
-          <a:prstGeom prst="flowChartProcess">
-            <a:avLst/>
-          </a:prstGeom>
-        </p:spPr>
-        <p:style>
-          <a:lnRef idx="2">
-            <a:schemeClr val="accent6">
-              <a:shade val="50000"/>
-            </a:schemeClr>
-          </a:lnRef>
-          <a:fillRef idx="1">
-            <a:schemeClr val="accent6"/>
-          </a:fillRef>
-          <a:effectRef idx="0">
-            <a:schemeClr val="accent6"/>
-          </a:effectRef>
-          <a:fontRef idx="minor">
-            <a:schemeClr val="lt1"/>
-          </a:fontRef>
-        </p:style>
-        <p:txBody>
-          <a:bodyPr rtlCol="0" anchor="ctr"/>
-          <a:lstStyle/>
-          <a:p>
-            <a:pPr algn="ctr"/>
-            <a:r>
-              <a:rPr lang="en-CA" sz="1400" b="1" dirty="0"/>
-              <a:t>Go to /owner/:id page</a:t>
-            </a:r>
-          </a:p>
-        </p:txBody>
-      </p:sp>
-      <p:cxnSp>
-        <p:nvCxnSpPr>
-          <p:cNvPr id="76" name="Connector: Elbow 32">
-            <a:extLst>
-              <a:ext uri="{FF2B5EF4-FFF2-40B4-BE49-F238E27FC236}">
-                <a16:creationId xmlns:a16="http://schemas.microsoft.com/office/drawing/2014/main" id="{D416EA54-C65C-469D-936F-4C3BA72AC018}"/>
-              </a:ext>
-            </a:extLst>
-          </p:cNvPr>
-          <p:cNvCxnSpPr>
-            <a:cxnSpLocks/>
-            <a:stCxn id="74" idx="2"/>
-            <a:endCxn id="77" idx="0"/>
-          </p:cNvCxnSpPr>
-          <p:nvPr/>
-        </p:nvCxnSpPr>
-        <p:spPr>
-          <a:xfrm rot="5400000">
-            <a:off x="9525531" y="6510207"/>
-            <a:ext cx="410137" cy="890430"/>
-          </a:xfrm>
-          <a:prstGeom prst="bentConnector3">
-            <a:avLst>
-              <a:gd name="adj1" fmla="val 50000"/>
-            </a:avLst>
-          </a:prstGeom>
-          <a:ln>
-            <a:solidFill>
-              <a:schemeClr val="tx1"/>
-            </a:solidFill>
-            <a:tailEnd type="triangle"/>
-          </a:ln>
-        </p:spPr>
-        <p:style>
-          <a:lnRef idx="1">
-            <a:schemeClr val="accent1"/>
-          </a:lnRef>
-          <a:fillRef idx="0">
-            <a:schemeClr val="accent1"/>
-          </a:fillRef>
-          <a:effectRef idx="0">
-            <a:schemeClr val="accent1"/>
-          </a:effectRef>
-          <a:fontRef idx="minor">
-            <a:schemeClr val="tx1"/>
-          </a:fontRef>
-        </p:style>
-      </p:cxnSp>
-      <p:sp>
-        <p:nvSpPr>
-          <p:cNvPr id="77" name="Flowchart: Process 76">
-            <a:extLst>
-              <a:ext uri="{FF2B5EF4-FFF2-40B4-BE49-F238E27FC236}">
-                <a16:creationId xmlns:a16="http://schemas.microsoft.com/office/drawing/2014/main" id="{F46C2A72-C9E7-41CE-B020-93779FE0A698}"/>
-              </a:ext>
-            </a:extLst>
-          </p:cNvPr>
-          <p:cNvSpPr/>
-          <p:nvPr/>
-        </p:nvSpPr>
-        <p:spPr>
-          <a:xfrm>
-            <a:off x="8565137" y="7160491"/>
-            <a:ext cx="1440494" cy="726509"/>
-          </a:xfrm>
-          <a:prstGeom prst="flowChartProcess">
-            <a:avLst/>
-          </a:prstGeom>
-        </p:spPr>
-        <p:style>
-          <a:lnRef idx="2">
-            <a:schemeClr val="accent6">
-              <a:shade val="50000"/>
-            </a:schemeClr>
-          </a:lnRef>
-          <a:fillRef idx="1">
-            <a:schemeClr val="accent6"/>
-          </a:fillRef>
-          <a:effectRef idx="0">
-            <a:schemeClr val="accent6"/>
-          </a:effectRef>
-          <a:fontRef idx="minor">
-            <a:schemeClr val="lt1"/>
-          </a:fontRef>
-        </p:style>
-        <p:txBody>
-          <a:bodyPr rtlCol="0" anchor="ctr"/>
-          <a:lstStyle/>
-          <a:p>
-            <a:pPr algn="ctr"/>
-            <a:r>
-              <a:rPr lang="en-CA" sz="1400" b="1" dirty="0"/>
-              <a:t>Retrieve ID from “owner” table</a:t>
-            </a:r>
-          </a:p>
-        </p:txBody>
-      </p:sp>
-      <p:cxnSp>
-        <p:nvCxnSpPr>
-          <p:cNvPr id="78" name="Connector: Elbow 32">
-            <a:extLst>
-              <a:ext uri="{FF2B5EF4-FFF2-40B4-BE49-F238E27FC236}">
-                <a16:creationId xmlns:a16="http://schemas.microsoft.com/office/drawing/2014/main" id="{A447F7D9-CC3B-47BB-8FB9-5BB9B64D7F9D}"/>
-              </a:ext>
-            </a:extLst>
-          </p:cNvPr>
-          <p:cNvCxnSpPr>
-            <a:cxnSpLocks/>
-            <a:stCxn id="77" idx="2"/>
-            <a:endCxn id="75" idx="0"/>
-          </p:cNvCxnSpPr>
-          <p:nvPr/>
-        </p:nvCxnSpPr>
-        <p:spPr>
-          <a:xfrm>
-            <a:off x="9285384" y="7887000"/>
-            <a:ext cx="3273" cy="212943"/>
-          </a:xfrm>
-          <a:prstGeom prst="straightConnector1">
-            <a:avLst/>
-          </a:prstGeom>
-          <a:ln>
-            <a:solidFill>
-              <a:schemeClr val="tx1"/>
-            </a:solidFill>
-            <a:tailEnd type="triangle"/>
-          </a:ln>
-        </p:spPr>
-        <p:style>
-          <a:lnRef idx="1">
-            <a:schemeClr val="accent1"/>
-          </a:lnRef>
-          <a:fillRef idx="0">
-            <a:schemeClr val="accent1"/>
-          </a:fillRef>
-          <a:effectRef idx="0">
-            <a:schemeClr val="accent1"/>
-          </a:effectRef>
-          <a:fontRef idx="minor">
-            <a:schemeClr val="tx1"/>
-          </a:fontRef>
-        </p:style>
-      </p:cxnSp>
-      <p:sp>
-        <p:nvSpPr>
-          <p:cNvPr id="79" name="TextBox 78">
-            <a:extLst>
-              <a:ext uri="{FF2B5EF4-FFF2-40B4-BE49-F238E27FC236}">
-                <a16:creationId xmlns:a16="http://schemas.microsoft.com/office/drawing/2014/main" id="{DBB7E3AB-B570-43D2-8775-427784C60419}"/>
-              </a:ext>
-            </a:extLst>
-          </p:cNvPr>
-          <p:cNvSpPr txBox="1"/>
-          <p:nvPr/>
-        </p:nvSpPr>
-        <p:spPr>
-          <a:xfrm>
-            <a:off x="11221006" y="4407986"/>
-            <a:ext cx="955297" cy="553998"/>
-          </a:xfrm>
-          <a:prstGeom prst="rect">
-            <a:avLst/>
-          </a:prstGeom>
-          <a:noFill/>
-        </p:spPr>
-        <p:txBody>
-          <a:bodyPr wrap="square" lIns="0" tIns="0" rIns="0" bIns="0" rtlCol="0">
-            <a:spAutoFit/>
-          </a:bodyPr>
-          <a:lstStyle/>
-          <a:p>
-            <a:r>
-              <a:rPr lang="en-CA" sz="1200" i="1" dirty="0"/>
-              <a:t>Choose</a:t>
-            </a:r>
-          </a:p>
-          <a:p>
-            <a:r>
-              <a:rPr lang="en-CA" sz="1200" i="1" dirty="0"/>
-              <a:t>different</a:t>
-            </a:r>
-          </a:p>
-          <a:p>
-            <a:r>
-              <a:rPr lang="en-CA" sz="1200" i="1" dirty="0"/>
-              <a:t>username </a:t>
-            </a:r>
-            <a:endParaRPr lang="en-US" sz="1200" i="1" dirty="0"/>
-          </a:p>
-        </p:txBody>
-      </p:sp>
     </p:spTree>
     <p:extLst>
       <p:ext uri="{BB962C8B-B14F-4D97-AF65-F5344CB8AC3E}">
-        <p14:creationId xmlns:p14="http://schemas.microsoft.com/office/powerpoint/2010/main" val="2200195516"/>
+        <p14:creationId xmlns:p14="http://schemas.microsoft.com/office/powerpoint/2010/main" val="2442400189"/>
       </p:ext>
     </p:extLst>
   </p:cSld>
@@ -19472,7 +20726,7 @@
         </p:nvSpPr>
         <p:spPr>
           <a:xfrm>
-            <a:off x="5850900" y="1326584"/>
+            <a:off x="2625787" y="1326584"/>
             <a:ext cx="1440493" cy="576197"/>
           </a:xfrm>
           <a:prstGeom prst="flowChartManualOperation">
@@ -19521,7 +20775,7 @@
         </p:nvSpPr>
         <p:spPr>
           <a:xfrm>
-            <a:off x="5850899" y="2209669"/>
+            <a:off x="2625786" y="2209669"/>
             <a:ext cx="1440494" cy="726509"/>
           </a:xfrm>
           <a:prstGeom prst="flowChartProcess">
@@ -19570,7 +20824,7 @@
         </p:nvSpPr>
         <p:spPr>
           <a:xfrm>
-            <a:off x="4973014" y="3975839"/>
+            <a:off x="1747901" y="3975839"/>
             <a:ext cx="1440494" cy="864296"/>
           </a:xfrm>
           <a:prstGeom prst="flowChartDecision">
@@ -19619,7 +20873,7 @@
         </p:nvSpPr>
         <p:spPr>
           <a:xfrm>
-            <a:off x="4973015" y="3243066"/>
+            <a:off x="1747902" y="3243066"/>
             <a:ext cx="1440493" cy="576197"/>
           </a:xfrm>
           <a:prstGeom prst="flowChartManualOperation">
@@ -19668,7 +20922,7 @@
         </p:nvSpPr>
         <p:spPr>
           <a:xfrm>
-            <a:off x="4973014" y="4996711"/>
+            <a:off x="1747901" y="4996711"/>
             <a:ext cx="1440494" cy="864296"/>
           </a:xfrm>
           <a:prstGeom prst="flowChartDecision">
@@ -19728,7 +20982,7 @@
         </p:nvCxnSpPr>
         <p:spPr>
           <a:xfrm flipH="1">
-            <a:off x="6571146" y="1902781"/>
+            <a:off x="3346033" y="1902781"/>
             <a:ext cx="1" cy="306888"/>
           </a:xfrm>
           <a:prstGeom prst="straightConnector1">
@@ -19774,7 +21028,7 @@
         </p:nvCxnSpPr>
         <p:spPr>
           <a:xfrm rot="10800000" flipH="1">
-            <a:off x="4973013" y="2572925"/>
+            <a:off x="1747900" y="2572925"/>
             <a:ext cx="877885" cy="1835063"/>
           </a:xfrm>
           <a:prstGeom prst="bentConnector3">
@@ -19822,7 +21076,7 @@
         </p:nvCxnSpPr>
         <p:spPr>
           <a:xfrm rot="10800000" flipH="1">
-            <a:off x="4973013" y="2572925"/>
+            <a:off x="1747900" y="2572925"/>
             <a:ext cx="877885" cy="2855935"/>
           </a:xfrm>
           <a:prstGeom prst="bentConnector3">
@@ -19870,7 +21124,7 @@
         </p:nvCxnSpPr>
         <p:spPr>
           <a:xfrm rot="5400000">
-            <a:off x="5978760" y="2650680"/>
+            <a:off x="2753647" y="2650680"/>
             <a:ext cx="306888" cy="877884"/>
           </a:xfrm>
           <a:prstGeom prst="bentConnector3">
@@ -19918,7 +21172,7 @@
         </p:nvCxnSpPr>
         <p:spPr>
           <a:xfrm flipH="1">
-            <a:off x="5693261" y="3819263"/>
+            <a:off x="2468148" y="3819263"/>
             <a:ext cx="1" cy="156576"/>
           </a:xfrm>
           <a:prstGeom prst="straightConnector1">
@@ -19964,7 +21218,7 @@
         </p:nvCxnSpPr>
         <p:spPr>
           <a:xfrm>
-            <a:off x="5693261" y="4840135"/>
+            <a:off x="2468148" y="4840135"/>
             <a:ext cx="0" cy="156576"/>
           </a:xfrm>
           <a:prstGeom prst="straightConnector1">
@@ -20006,7 +21260,7 @@
         </p:nvSpPr>
         <p:spPr>
           <a:xfrm>
-            <a:off x="4677939" y="4223321"/>
+            <a:off x="1452826" y="4223321"/>
             <a:ext cx="205184" cy="184666"/>
           </a:xfrm>
           <a:prstGeom prst="rect">
@@ -20043,7 +21297,7 @@
         </p:nvSpPr>
         <p:spPr>
           <a:xfrm>
-            <a:off x="4677939" y="5244193"/>
+            <a:off x="1452826" y="5244193"/>
             <a:ext cx="205184" cy="184666"/>
           </a:xfrm>
           <a:prstGeom prst="rect">
@@ -20080,7 +21334,7 @@
         </p:nvSpPr>
         <p:spPr>
           <a:xfrm>
-            <a:off x="5772669" y="4839837"/>
+            <a:off x="2547556" y="4839837"/>
             <a:ext cx="226152" cy="184666"/>
           </a:xfrm>
           <a:prstGeom prst="rect">
@@ -20117,7 +21371,7 @@
         </p:nvSpPr>
         <p:spPr>
           <a:xfrm>
-            <a:off x="5772669" y="5861007"/>
+            <a:off x="2547556" y="5861007"/>
             <a:ext cx="226152" cy="184666"/>
           </a:xfrm>
           <a:prstGeom prst="rect">
@@ -20154,7 +21408,7 @@
         </p:nvSpPr>
         <p:spPr>
           <a:xfrm>
-            <a:off x="6776175" y="3243066"/>
+            <a:off x="3551062" y="3243066"/>
             <a:ext cx="1440493" cy="576197"/>
           </a:xfrm>
           <a:prstGeom prst="flowChartManualOperation">
@@ -20214,7 +21468,7 @@
         </p:nvCxnSpPr>
         <p:spPr>
           <a:xfrm rot="16200000" flipH="1">
-            <a:off x="6880340" y="2626984"/>
+            <a:off x="3655227" y="2626984"/>
             <a:ext cx="306888" cy="925276"/>
           </a:xfrm>
           <a:prstGeom prst="bentConnector3">
@@ -20258,7 +21512,7 @@
         </p:nvSpPr>
         <p:spPr>
           <a:xfrm>
-            <a:off x="6776175" y="4044732"/>
+            <a:off x="3551062" y="4044732"/>
             <a:ext cx="1440494" cy="726509"/>
           </a:xfrm>
           <a:prstGeom prst="flowChartProcess">
@@ -20307,7 +21561,7 @@
         </p:nvSpPr>
         <p:spPr>
           <a:xfrm>
-            <a:off x="6776174" y="4996710"/>
+            <a:off x="3551061" y="4996710"/>
             <a:ext cx="1440494" cy="864296"/>
           </a:xfrm>
           <a:prstGeom prst="flowChartDecision">
@@ -20360,7 +21614,7 @@
         </p:nvCxnSpPr>
         <p:spPr>
           <a:xfrm>
-            <a:off x="7496421" y="5861006"/>
+            <a:off x="4271308" y="5861006"/>
             <a:ext cx="1" cy="162839"/>
           </a:xfrm>
           <a:prstGeom prst="straightConnector1">
@@ -20402,7 +21656,7 @@
         </p:nvSpPr>
         <p:spPr>
           <a:xfrm>
-            <a:off x="8513189" y="5301641"/>
+            <a:off x="5288076" y="5301641"/>
             <a:ext cx="232497" cy="184666"/>
           </a:xfrm>
           <a:prstGeom prst="rect">
@@ -20439,7 +21693,7 @@
         </p:nvSpPr>
         <p:spPr>
           <a:xfrm>
-            <a:off x="7586313" y="5860708"/>
+            <a:off x="4361200" y="5860708"/>
             <a:ext cx="205184" cy="184666"/>
           </a:xfrm>
           <a:prstGeom prst="rect">
@@ -20480,7 +21734,7 @@
         </p:nvCxnSpPr>
         <p:spPr>
           <a:xfrm>
-            <a:off x="7496422" y="3819263"/>
+            <a:off x="4271309" y="3819263"/>
             <a:ext cx="0" cy="225469"/>
           </a:xfrm>
           <a:prstGeom prst="straightConnector1">
@@ -20526,7 +21780,7 @@
         </p:nvCxnSpPr>
         <p:spPr>
           <a:xfrm flipH="1">
-            <a:off x="7496421" y="4771241"/>
+            <a:off x="4271308" y="4771241"/>
             <a:ext cx="1" cy="225469"/>
           </a:xfrm>
           <a:prstGeom prst="straightConnector1">
@@ -20572,7 +21826,7 @@
         </p:nvCxnSpPr>
         <p:spPr>
           <a:xfrm flipV="1">
-            <a:off x="8216668" y="4407987"/>
+            <a:off x="4991555" y="4407987"/>
             <a:ext cx="1" cy="1020871"/>
           </a:xfrm>
           <a:prstGeom prst="bentConnector3">
@@ -20616,7 +21870,7 @@
         </p:nvSpPr>
         <p:spPr>
           <a:xfrm>
-            <a:off x="8541614" y="4407986"/>
+            <a:off x="5316501" y="4407986"/>
             <a:ext cx="955297" cy="553998"/>
           </a:xfrm>
           <a:prstGeom prst="rect">
@@ -20664,7 +21918,7 @@
         </p:nvSpPr>
         <p:spPr>
           <a:xfrm>
-            <a:off x="3445810" y="3089621"/>
+            <a:off x="220697" y="3089621"/>
             <a:ext cx="803064" cy="738664"/>
           </a:xfrm>
           <a:prstGeom prst="rect">
@@ -20701,7 +21955,7 @@
         </p:nvSpPr>
         <p:spPr>
           <a:xfrm>
-            <a:off x="6776175" y="6023845"/>
+            <a:off x="3551062" y="6023845"/>
             <a:ext cx="1440494" cy="726509"/>
           </a:xfrm>
           <a:prstGeom prst="flowChartProcess">
@@ -20754,7 +22008,7 @@
         </p:nvCxnSpPr>
         <p:spPr>
           <a:xfrm rot="16200000" flipH="1">
-            <a:off x="5499884" y="6054383"/>
+            <a:off x="2274771" y="6054383"/>
             <a:ext cx="1299484" cy="912731"/>
           </a:xfrm>
           <a:prstGeom prst="bentConnector3">
@@ -20798,7 +22052,7 @@
         </p:nvSpPr>
         <p:spPr>
           <a:xfrm>
-            <a:off x="5889018" y="8099943"/>
+            <a:off x="2663905" y="8099943"/>
             <a:ext cx="1440494" cy="726509"/>
           </a:xfrm>
           <a:prstGeom prst="flowChartProcess">
@@ -20851,7 +22105,7 @@
         </p:nvCxnSpPr>
         <p:spPr>
           <a:xfrm rot="5400000">
-            <a:off x="6846139" y="6510207"/>
+            <a:off x="3621026" y="6510207"/>
             <a:ext cx="410137" cy="890430"/>
           </a:xfrm>
           <a:prstGeom prst="bentConnector3">
@@ -20895,7 +22149,7 @@
         </p:nvSpPr>
         <p:spPr>
           <a:xfrm>
-            <a:off x="5885745" y="7160491"/>
+            <a:off x="2660632" y="7160491"/>
             <a:ext cx="1440494" cy="726509"/>
           </a:xfrm>
           <a:prstGeom prst="flowChartProcess">
@@ -20948,7 +22202,7 @@
         </p:nvCxnSpPr>
         <p:spPr>
           <a:xfrm>
-            <a:off x="6605992" y="7887000"/>
+            <a:off x="3380879" y="7887000"/>
             <a:ext cx="3273" cy="212943"/>
           </a:xfrm>
           <a:prstGeom prst="straightConnector1">
@@ -20976,10 +22230,1549 @@
           </a:fontRef>
         </p:style>
       </p:cxnSp>
+      <p:sp>
+        <p:nvSpPr>
+          <p:cNvPr id="36" name="Flowchart: Manual Operation 35">
+            <a:extLst>
+              <a:ext uri="{FF2B5EF4-FFF2-40B4-BE49-F238E27FC236}">
+                <a16:creationId xmlns:a16="http://schemas.microsoft.com/office/drawing/2014/main" id="{0D85FD96-3448-4655-869C-6D3AEB5F4E51}"/>
+              </a:ext>
+            </a:extLst>
+          </p:cNvPr>
+          <p:cNvSpPr/>
+          <p:nvPr/>
+        </p:nvSpPr>
+        <p:spPr>
+          <a:xfrm>
+            <a:off x="8530292" y="1326584"/>
+            <a:ext cx="1440493" cy="576197"/>
+          </a:xfrm>
+          <a:prstGeom prst="flowChartManualOperation">
+            <a:avLst/>
+          </a:prstGeom>
+        </p:spPr>
+        <p:style>
+          <a:lnRef idx="2">
+            <a:schemeClr val="accent6">
+              <a:shade val="50000"/>
+            </a:schemeClr>
+          </a:lnRef>
+          <a:fillRef idx="1">
+            <a:schemeClr val="accent6"/>
+          </a:fillRef>
+          <a:effectRef idx="0">
+            <a:schemeClr val="accent6"/>
+          </a:effectRef>
+          <a:fontRef idx="minor">
+            <a:schemeClr val="lt1"/>
+          </a:fontRef>
+        </p:style>
+        <p:txBody>
+          <a:bodyPr wrap="none" lIns="0" tIns="0" rIns="0" bIns="0" rtlCol="0" anchor="ctr"/>
+          <a:lstStyle/>
+          <a:p>
+            <a:pPr algn="ctr"/>
+            <a:r>
+              <a:rPr lang="en-CA" sz="1400" b="1" dirty="0"/>
+              <a:t>“OWNER LOG</a:t>
+            </a:r>
+          </a:p>
+          <a:p>
+            <a:pPr algn="ctr"/>
+            <a:r>
+              <a:rPr lang="en-CA" sz="1400" b="1" dirty="0"/>
+              <a:t>IN” is clicked</a:t>
+            </a:r>
+          </a:p>
+        </p:txBody>
+      </p:sp>
+      <p:sp>
+        <p:nvSpPr>
+          <p:cNvPr id="37" name="Flowchart: Process 36">
+            <a:extLst>
+              <a:ext uri="{FF2B5EF4-FFF2-40B4-BE49-F238E27FC236}">
+                <a16:creationId xmlns:a16="http://schemas.microsoft.com/office/drawing/2014/main" id="{B364FEAB-68A5-470E-A6C6-6A7A4ABFEA59}"/>
+              </a:ext>
+            </a:extLst>
+          </p:cNvPr>
+          <p:cNvSpPr/>
+          <p:nvPr/>
+        </p:nvSpPr>
+        <p:spPr>
+          <a:xfrm>
+            <a:off x="8530291" y="2209669"/>
+            <a:ext cx="1440494" cy="726509"/>
+          </a:xfrm>
+          <a:prstGeom prst="flowChartProcess">
+            <a:avLst/>
+          </a:prstGeom>
+        </p:spPr>
+        <p:style>
+          <a:lnRef idx="2">
+            <a:schemeClr val="accent6">
+              <a:shade val="50000"/>
+            </a:schemeClr>
+          </a:lnRef>
+          <a:fillRef idx="1">
+            <a:schemeClr val="accent6"/>
+          </a:fillRef>
+          <a:effectRef idx="0">
+            <a:schemeClr val="accent6"/>
+          </a:effectRef>
+          <a:fontRef idx="minor">
+            <a:schemeClr val="lt1"/>
+          </a:fontRef>
+        </p:style>
+        <p:txBody>
+          <a:bodyPr rtlCol="0" anchor="ctr"/>
+          <a:lstStyle/>
+          <a:p>
+            <a:pPr algn="ctr"/>
+            <a:r>
+              <a:rPr lang="en-CA" sz="1400" b="1" dirty="0"/>
+              <a:t>Present “owner” modal</a:t>
+            </a:r>
+          </a:p>
+        </p:txBody>
+      </p:sp>
+      <p:sp>
+        <p:nvSpPr>
+          <p:cNvPr id="39" name="Flowchart: Decision 38">
+            <a:extLst>
+              <a:ext uri="{FF2B5EF4-FFF2-40B4-BE49-F238E27FC236}">
+                <a16:creationId xmlns:a16="http://schemas.microsoft.com/office/drawing/2014/main" id="{B808F635-6285-4B18-AB16-963A2420A1FE}"/>
+              </a:ext>
+            </a:extLst>
+          </p:cNvPr>
+          <p:cNvSpPr/>
+          <p:nvPr/>
+        </p:nvSpPr>
+        <p:spPr>
+          <a:xfrm>
+            <a:off x="7652406" y="3975839"/>
+            <a:ext cx="1440494" cy="864296"/>
+          </a:xfrm>
+          <a:prstGeom prst="flowChartDecision">
+            <a:avLst/>
+          </a:prstGeom>
+        </p:spPr>
+        <p:style>
+          <a:lnRef idx="2">
+            <a:schemeClr val="accent6">
+              <a:shade val="50000"/>
+            </a:schemeClr>
+          </a:lnRef>
+          <a:fillRef idx="1">
+            <a:schemeClr val="accent6"/>
+          </a:fillRef>
+          <a:effectRef idx="0">
+            <a:schemeClr val="accent6"/>
+          </a:effectRef>
+          <a:fontRef idx="minor">
+            <a:schemeClr val="lt1"/>
+          </a:fontRef>
+        </p:style>
+        <p:txBody>
+          <a:bodyPr wrap="none" lIns="0" tIns="0" rIns="0" bIns="0" rtlCol="0" anchor="ctr"/>
+          <a:lstStyle/>
+          <a:p>
+            <a:pPr algn="ctr"/>
+            <a:r>
+              <a:rPr lang="en-CA" sz="1400" b="1" dirty="0"/>
+              <a:t>Check if</a:t>
+            </a:r>
+          </a:p>
+          <a:p>
+            <a:pPr algn="ctr"/>
+            <a:r>
+              <a:rPr lang="en-CA" sz="1400" b="1" dirty="0"/>
+              <a:t>user exist</a:t>
+            </a:r>
+          </a:p>
+        </p:txBody>
+      </p:sp>
+      <p:sp>
+        <p:nvSpPr>
+          <p:cNvPr id="40" name="Flowchart: Manual Operation 39">
+            <a:extLst>
+              <a:ext uri="{FF2B5EF4-FFF2-40B4-BE49-F238E27FC236}">
+                <a16:creationId xmlns:a16="http://schemas.microsoft.com/office/drawing/2014/main" id="{DA193CF5-3513-49AE-929F-9398EFDA8351}"/>
+              </a:ext>
+            </a:extLst>
+          </p:cNvPr>
+          <p:cNvSpPr/>
+          <p:nvPr/>
+        </p:nvSpPr>
+        <p:spPr>
+          <a:xfrm>
+            <a:off x="7652407" y="3243066"/>
+            <a:ext cx="1440493" cy="576197"/>
+          </a:xfrm>
+          <a:prstGeom prst="flowChartManualOperation">
+            <a:avLst/>
+          </a:prstGeom>
+        </p:spPr>
+        <p:style>
+          <a:lnRef idx="2">
+            <a:schemeClr val="accent6">
+              <a:shade val="50000"/>
+            </a:schemeClr>
+          </a:lnRef>
+          <a:fillRef idx="1">
+            <a:schemeClr val="accent6"/>
+          </a:fillRef>
+          <a:effectRef idx="0">
+            <a:schemeClr val="accent6"/>
+          </a:effectRef>
+          <a:fontRef idx="minor">
+            <a:schemeClr val="lt1"/>
+          </a:fontRef>
+        </p:style>
+        <p:txBody>
+          <a:bodyPr lIns="0" tIns="0" rIns="0" bIns="0" rtlCol="0" anchor="ctr"/>
+          <a:lstStyle/>
+          <a:p>
+            <a:pPr algn="ctr"/>
+            <a:r>
+              <a:rPr lang="en-CA" sz="1400" b="1" dirty="0"/>
+              <a:t>“LOG IN” is clicked</a:t>
+            </a:r>
+          </a:p>
+        </p:txBody>
+      </p:sp>
+      <p:sp>
+        <p:nvSpPr>
+          <p:cNvPr id="42" name="Flowchart: Decision 41">
+            <a:extLst>
+              <a:ext uri="{FF2B5EF4-FFF2-40B4-BE49-F238E27FC236}">
+                <a16:creationId xmlns:a16="http://schemas.microsoft.com/office/drawing/2014/main" id="{9C3FA0AC-B5E3-423C-8741-35F73B1AE7AF}"/>
+              </a:ext>
+            </a:extLst>
+          </p:cNvPr>
+          <p:cNvSpPr/>
+          <p:nvPr/>
+        </p:nvSpPr>
+        <p:spPr>
+          <a:xfrm>
+            <a:off x="7652406" y="4996711"/>
+            <a:ext cx="1440494" cy="864296"/>
+          </a:xfrm>
+          <a:prstGeom prst="flowChartDecision">
+            <a:avLst/>
+          </a:prstGeom>
+        </p:spPr>
+        <p:style>
+          <a:lnRef idx="2">
+            <a:schemeClr val="accent6">
+              <a:shade val="50000"/>
+            </a:schemeClr>
+          </a:lnRef>
+          <a:fillRef idx="1">
+            <a:schemeClr val="accent6"/>
+          </a:fillRef>
+          <a:effectRef idx="0">
+            <a:schemeClr val="accent6"/>
+          </a:effectRef>
+          <a:fontRef idx="minor">
+            <a:schemeClr val="lt1"/>
+          </a:fontRef>
+        </p:style>
+        <p:txBody>
+          <a:bodyPr lIns="0" tIns="0" rIns="0" bIns="0" rtlCol="0" anchor="ctr"/>
+          <a:lstStyle/>
+          <a:p>
+            <a:pPr algn="ctr"/>
+            <a:r>
+              <a:rPr lang="en-CA" sz="1400" b="1" dirty="0"/>
+              <a:t>Check </a:t>
+            </a:r>
+          </a:p>
+          <a:p>
+            <a:pPr algn="ctr"/>
+            <a:r>
+              <a:rPr lang="en-CA" sz="1400" b="1" dirty="0"/>
+              <a:t>password</a:t>
+            </a:r>
+          </a:p>
+        </p:txBody>
+      </p:sp>
+      <p:cxnSp>
+        <p:nvCxnSpPr>
+          <p:cNvPr id="43" name="Connector: Elbow 32">
+            <a:extLst>
+              <a:ext uri="{FF2B5EF4-FFF2-40B4-BE49-F238E27FC236}">
+                <a16:creationId xmlns:a16="http://schemas.microsoft.com/office/drawing/2014/main" id="{8236C7B8-2BE7-4DCD-8B3C-ED9AE64FC9AA}"/>
+              </a:ext>
+            </a:extLst>
+          </p:cNvPr>
+          <p:cNvCxnSpPr>
+            <a:cxnSpLocks/>
+            <a:stCxn id="36" idx="2"/>
+            <a:endCxn id="37" idx="0"/>
+          </p:cNvCxnSpPr>
+          <p:nvPr/>
+        </p:nvCxnSpPr>
+        <p:spPr>
+          <a:xfrm flipH="1">
+            <a:off x="9250538" y="1902781"/>
+            <a:ext cx="1" cy="306888"/>
+          </a:xfrm>
+          <a:prstGeom prst="straightConnector1">
+            <a:avLst/>
+          </a:prstGeom>
+          <a:ln>
+            <a:solidFill>
+              <a:schemeClr val="tx1"/>
+            </a:solidFill>
+            <a:tailEnd type="triangle"/>
+          </a:ln>
+        </p:spPr>
+        <p:style>
+          <a:lnRef idx="1">
+            <a:schemeClr val="accent1"/>
+          </a:lnRef>
+          <a:fillRef idx="0">
+            <a:schemeClr val="accent1"/>
+          </a:fillRef>
+          <a:effectRef idx="0">
+            <a:schemeClr val="accent1"/>
+          </a:effectRef>
+          <a:fontRef idx="minor">
+            <a:schemeClr val="tx1"/>
+          </a:fontRef>
+        </p:style>
+      </p:cxnSp>
+      <p:cxnSp>
+        <p:nvCxnSpPr>
+          <p:cNvPr id="44" name="Connector: Elbow 43">
+            <a:extLst>
+              <a:ext uri="{FF2B5EF4-FFF2-40B4-BE49-F238E27FC236}">
+                <a16:creationId xmlns:a16="http://schemas.microsoft.com/office/drawing/2014/main" id="{6BADAE9F-E51F-443C-B3B0-3A1560285732}"/>
+              </a:ext>
+            </a:extLst>
+          </p:cNvPr>
+          <p:cNvCxnSpPr>
+            <a:cxnSpLocks/>
+            <a:stCxn id="39" idx="1"/>
+            <a:endCxn id="37" idx="1"/>
+          </p:cNvCxnSpPr>
+          <p:nvPr/>
+        </p:nvCxnSpPr>
+        <p:spPr>
+          <a:xfrm rot="10800000" flipH="1">
+            <a:off x="7652405" y="2572925"/>
+            <a:ext cx="877885" cy="1835063"/>
+          </a:xfrm>
+          <a:prstGeom prst="bentConnector3">
+            <a:avLst>
+              <a:gd name="adj1" fmla="val -74865"/>
+            </a:avLst>
+          </a:prstGeom>
+          <a:ln>
+            <a:solidFill>
+              <a:schemeClr val="tx1"/>
+            </a:solidFill>
+            <a:tailEnd type="triangle"/>
+          </a:ln>
+        </p:spPr>
+        <p:style>
+          <a:lnRef idx="1">
+            <a:schemeClr val="accent1"/>
+          </a:lnRef>
+          <a:fillRef idx="0">
+            <a:schemeClr val="accent1"/>
+          </a:fillRef>
+          <a:effectRef idx="0">
+            <a:schemeClr val="accent1"/>
+          </a:effectRef>
+          <a:fontRef idx="minor">
+            <a:schemeClr val="tx1"/>
+          </a:fontRef>
+        </p:style>
+      </p:cxnSp>
+      <p:cxnSp>
+        <p:nvCxnSpPr>
+          <p:cNvPr id="45" name="Connector: Elbow 44">
+            <a:extLst>
+              <a:ext uri="{FF2B5EF4-FFF2-40B4-BE49-F238E27FC236}">
+                <a16:creationId xmlns:a16="http://schemas.microsoft.com/office/drawing/2014/main" id="{CC3B0877-C3A0-4A2E-A582-BBA869809551}"/>
+              </a:ext>
+            </a:extLst>
+          </p:cNvPr>
+          <p:cNvCxnSpPr>
+            <a:cxnSpLocks/>
+            <a:stCxn id="42" idx="1"/>
+            <a:endCxn id="37" idx="1"/>
+          </p:cNvCxnSpPr>
+          <p:nvPr/>
+        </p:nvCxnSpPr>
+        <p:spPr>
+          <a:xfrm rot="10800000" flipH="1">
+            <a:off x="7652405" y="2572925"/>
+            <a:ext cx="877885" cy="2855935"/>
+          </a:xfrm>
+          <a:prstGeom prst="bentConnector3">
+            <a:avLst>
+              <a:gd name="adj1" fmla="val -74865"/>
+            </a:avLst>
+          </a:prstGeom>
+          <a:ln>
+            <a:solidFill>
+              <a:schemeClr val="tx1"/>
+            </a:solidFill>
+            <a:tailEnd type="triangle"/>
+          </a:ln>
+        </p:spPr>
+        <p:style>
+          <a:lnRef idx="1">
+            <a:schemeClr val="accent1"/>
+          </a:lnRef>
+          <a:fillRef idx="0">
+            <a:schemeClr val="accent1"/>
+          </a:fillRef>
+          <a:effectRef idx="0">
+            <a:schemeClr val="accent1"/>
+          </a:effectRef>
+          <a:fontRef idx="minor">
+            <a:schemeClr val="tx1"/>
+          </a:fontRef>
+        </p:style>
+      </p:cxnSp>
+      <p:cxnSp>
+        <p:nvCxnSpPr>
+          <p:cNvPr id="46" name="Connector: Elbow 32">
+            <a:extLst>
+              <a:ext uri="{FF2B5EF4-FFF2-40B4-BE49-F238E27FC236}">
+                <a16:creationId xmlns:a16="http://schemas.microsoft.com/office/drawing/2014/main" id="{B2F32A8C-CCBC-4D98-BD5D-5F8A63AFF90B}"/>
+              </a:ext>
+            </a:extLst>
+          </p:cNvPr>
+          <p:cNvCxnSpPr>
+            <a:cxnSpLocks/>
+            <a:stCxn id="37" idx="2"/>
+            <a:endCxn id="40" idx="0"/>
+          </p:cNvCxnSpPr>
+          <p:nvPr/>
+        </p:nvCxnSpPr>
+        <p:spPr>
+          <a:xfrm rot="5400000">
+            <a:off x="8658152" y="2650680"/>
+            <a:ext cx="306888" cy="877884"/>
+          </a:xfrm>
+          <a:prstGeom prst="bentConnector3">
+            <a:avLst>
+              <a:gd name="adj1" fmla="val 50000"/>
+            </a:avLst>
+          </a:prstGeom>
+          <a:ln>
+            <a:solidFill>
+              <a:schemeClr val="tx1"/>
+            </a:solidFill>
+            <a:tailEnd type="triangle"/>
+          </a:ln>
+        </p:spPr>
+        <p:style>
+          <a:lnRef idx="1">
+            <a:schemeClr val="accent1"/>
+          </a:lnRef>
+          <a:fillRef idx="0">
+            <a:schemeClr val="accent1"/>
+          </a:fillRef>
+          <a:effectRef idx="0">
+            <a:schemeClr val="accent1"/>
+          </a:effectRef>
+          <a:fontRef idx="minor">
+            <a:schemeClr val="tx1"/>
+          </a:fontRef>
+        </p:style>
+      </p:cxnSp>
+      <p:cxnSp>
+        <p:nvCxnSpPr>
+          <p:cNvPr id="47" name="Connector: Elbow 32">
+            <a:extLst>
+              <a:ext uri="{FF2B5EF4-FFF2-40B4-BE49-F238E27FC236}">
+                <a16:creationId xmlns:a16="http://schemas.microsoft.com/office/drawing/2014/main" id="{DA45C421-66C9-49CE-865E-42EF4B01FA80}"/>
+              </a:ext>
+            </a:extLst>
+          </p:cNvPr>
+          <p:cNvCxnSpPr>
+            <a:cxnSpLocks/>
+            <a:stCxn id="40" idx="2"/>
+            <a:endCxn id="39" idx="0"/>
+          </p:cNvCxnSpPr>
+          <p:nvPr/>
+        </p:nvCxnSpPr>
+        <p:spPr>
+          <a:xfrm flipH="1">
+            <a:off x="8372653" y="3819263"/>
+            <a:ext cx="1" cy="156576"/>
+          </a:xfrm>
+          <a:prstGeom prst="straightConnector1">
+            <a:avLst/>
+          </a:prstGeom>
+          <a:ln>
+            <a:solidFill>
+              <a:schemeClr val="tx1"/>
+            </a:solidFill>
+            <a:tailEnd type="triangle"/>
+          </a:ln>
+        </p:spPr>
+        <p:style>
+          <a:lnRef idx="1">
+            <a:schemeClr val="accent1"/>
+          </a:lnRef>
+          <a:fillRef idx="0">
+            <a:schemeClr val="accent1"/>
+          </a:fillRef>
+          <a:effectRef idx="0">
+            <a:schemeClr val="accent1"/>
+          </a:effectRef>
+          <a:fontRef idx="minor">
+            <a:schemeClr val="tx1"/>
+          </a:fontRef>
+        </p:style>
+      </p:cxnSp>
+      <p:cxnSp>
+        <p:nvCxnSpPr>
+          <p:cNvPr id="48" name="Connector: Elbow 32">
+            <a:extLst>
+              <a:ext uri="{FF2B5EF4-FFF2-40B4-BE49-F238E27FC236}">
+                <a16:creationId xmlns:a16="http://schemas.microsoft.com/office/drawing/2014/main" id="{9B0CE521-1802-49A8-8114-407467E50FF4}"/>
+              </a:ext>
+            </a:extLst>
+          </p:cNvPr>
+          <p:cNvCxnSpPr>
+            <a:cxnSpLocks/>
+            <a:stCxn id="39" idx="2"/>
+            <a:endCxn id="42" idx="0"/>
+          </p:cNvCxnSpPr>
+          <p:nvPr/>
+        </p:nvCxnSpPr>
+        <p:spPr>
+          <a:xfrm>
+            <a:off x="8372653" y="4840135"/>
+            <a:ext cx="0" cy="156576"/>
+          </a:xfrm>
+          <a:prstGeom prst="straightConnector1">
+            <a:avLst/>
+          </a:prstGeom>
+          <a:ln>
+            <a:solidFill>
+              <a:schemeClr val="tx1"/>
+            </a:solidFill>
+            <a:tailEnd type="triangle"/>
+          </a:ln>
+        </p:spPr>
+        <p:style>
+          <a:lnRef idx="1">
+            <a:schemeClr val="accent1"/>
+          </a:lnRef>
+          <a:fillRef idx="0">
+            <a:schemeClr val="accent1"/>
+          </a:fillRef>
+          <a:effectRef idx="0">
+            <a:schemeClr val="accent1"/>
+          </a:effectRef>
+          <a:fontRef idx="minor">
+            <a:schemeClr val="tx1"/>
+          </a:fontRef>
+        </p:style>
+      </p:cxnSp>
+      <p:sp>
+        <p:nvSpPr>
+          <p:cNvPr id="49" name="TextBox 48">
+            <a:extLst>
+              <a:ext uri="{FF2B5EF4-FFF2-40B4-BE49-F238E27FC236}">
+                <a16:creationId xmlns:a16="http://schemas.microsoft.com/office/drawing/2014/main" id="{D4284CBE-E419-4F34-BBAA-E60D202C351D}"/>
+              </a:ext>
+            </a:extLst>
+          </p:cNvPr>
+          <p:cNvSpPr txBox="1"/>
+          <p:nvPr/>
+        </p:nvSpPr>
+        <p:spPr>
+          <a:xfrm>
+            <a:off x="7357331" y="4223321"/>
+            <a:ext cx="205184" cy="184666"/>
+          </a:xfrm>
+          <a:prstGeom prst="rect">
+            <a:avLst/>
+          </a:prstGeom>
+          <a:noFill/>
+        </p:spPr>
+        <p:txBody>
+          <a:bodyPr wrap="none" lIns="0" tIns="0" rIns="0" bIns="0" rtlCol="0">
+            <a:spAutoFit/>
+          </a:bodyPr>
+          <a:lstStyle/>
+          <a:p>
+            <a:pPr algn="ctr"/>
+            <a:r>
+              <a:rPr lang="en-CA" sz="1200" b="1" dirty="0"/>
+              <a:t>NO</a:t>
+            </a:r>
+            <a:endParaRPr lang="en-US" sz="1200" b="1" dirty="0"/>
+          </a:p>
+        </p:txBody>
+      </p:sp>
+      <p:sp>
+        <p:nvSpPr>
+          <p:cNvPr id="50" name="TextBox 49">
+            <a:extLst>
+              <a:ext uri="{FF2B5EF4-FFF2-40B4-BE49-F238E27FC236}">
+                <a16:creationId xmlns:a16="http://schemas.microsoft.com/office/drawing/2014/main" id="{04C360B5-47D4-4477-9AD8-5C7A415207BF}"/>
+              </a:ext>
+            </a:extLst>
+          </p:cNvPr>
+          <p:cNvSpPr txBox="1"/>
+          <p:nvPr/>
+        </p:nvSpPr>
+        <p:spPr>
+          <a:xfrm>
+            <a:off x="7357331" y="5244193"/>
+            <a:ext cx="205184" cy="184666"/>
+          </a:xfrm>
+          <a:prstGeom prst="rect">
+            <a:avLst/>
+          </a:prstGeom>
+          <a:noFill/>
+        </p:spPr>
+        <p:txBody>
+          <a:bodyPr wrap="none" lIns="0" tIns="0" rIns="0" bIns="0" rtlCol="0">
+            <a:spAutoFit/>
+          </a:bodyPr>
+          <a:lstStyle/>
+          <a:p>
+            <a:pPr algn="ctr"/>
+            <a:r>
+              <a:rPr lang="en-CA" sz="1200" b="1" dirty="0"/>
+              <a:t>NO</a:t>
+            </a:r>
+            <a:endParaRPr lang="en-US" sz="1200" b="1" dirty="0"/>
+          </a:p>
+        </p:txBody>
+      </p:sp>
+      <p:sp>
+        <p:nvSpPr>
+          <p:cNvPr id="54" name="TextBox 53">
+            <a:extLst>
+              <a:ext uri="{FF2B5EF4-FFF2-40B4-BE49-F238E27FC236}">
+                <a16:creationId xmlns:a16="http://schemas.microsoft.com/office/drawing/2014/main" id="{D5EE5CAF-54F0-465D-A86C-CD6A460162B7}"/>
+              </a:ext>
+            </a:extLst>
+          </p:cNvPr>
+          <p:cNvSpPr txBox="1"/>
+          <p:nvPr/>
+        </p:nvSpPr>
+        <p:spPr>
+          <a:xfrm>
+            <a:off x="8452061" y="4839837"/>
+            <a:ext cx="226152" cy="184666"/>
+          </a:xfrm>
+          <a:prstGeom prst="rect">
+            <a:avLst/>
+          </a:prstGeom>
+          <a:noFill/>
+        </p:spPr>
+        <p:txBody>
+          <a:bodyPr wrap="none" lIns="0" tIns="0" rIns="0" bIns="0" rtlCol="0">
+            <a:spAutoFit/>
+          </a:bodyPr>
+          <a:lstStyle/>
+          <a:p>
+            <a:pPr algn="ctr"/>
+            <a:r>
+              <a:rPr lang="en-CA" sz="1200" b="1" dirty="0"/>
+              <a:t>YES</a:t>
+            </a:r>
+            <a:endParaRPr lang="en-US" sz="1200" b="1" dirty="0"/>
+          </a:p>
+        </p:txBody>
+      </p:sp>
+      <p:cxnSp>
+        <p:nvCxnSpPr>
+          <p:cNvPr id="55" name="Connector: Elbow 32">
+            <a:extLst>
+              <a:ext uri="{FF2B5EF4-FFF2-40B4-BE49-F238E27FC236}">
+                <a16:creationId xmlns:a16="http://schemas.microsoft.com/office/drawing/2014/main" id="{CFBBFE3B-BC17-4DBB-BDE3-ED3EB15BE5F7}"/>
+              </a:ext>
+            </a:extLst>
+          </p:cNvPr>
+          <p:cNvCxnSpPr>
+            <a:cxnSpLocks/>
+            <a:stCxn id="42" idx="2"/>
+            <a:endCxn id="77" idx="0"/>
+          </p:cNvCxnSpPr>
+          <p:nvPr/>
+        </p:nvCxnSpPr>
+        <p:spPr>
+          <a:xfrm rot="16200000" flipH="1">
+            <a:off x="8179276" y="6054383"/>
+            <a:ext cx="1299484" cy="912731"/>
+          </a:xfrm>
+          <a:prstGeom prst="bentConnector3">
+            <a:avLst>
+              <a:gd name="adj1" fmla="val 84010"/>
+            </a:avLst>
+          </a:prstGeom>
+          <a:ln>
+            <a:solidFill>
+              <a:schemeClr val="tx1"/>
+            </a:solidFill>
+            <a:tailEnd type="triangle"/>
+          </a:ln>
+        </p:spPr>
+        <p:style>
+          <a:lnRef idx="1">
+            <a:schemeClr val="accent1"/>
+          </a:lnRef>
+          <a:fillRef idx="0">
+            <a:schemeClr val="accent1"/>
+          </a:fillRef>
+          <a:effectRef idx="0">
+            <a:schemeClr val="accent1"/>
+          </a:effectRef>
+          <a:fontRef idx="minor">
+            <a:schemeClr val="tx1"/>
+          </a:fontRef>
+        </p:style>
+      </p:cxnSp>
+      <p:sp>
+        <p:nvSpPr>
+          <p:cNvPr id="56" name="TextBox 55">
+            <a:extLst>
+              <a:ext uri="{FF2B5EF4-FFF2-40B4-BE49-F238E27FC236}">
+                <a16:creationId xmlns:a16="http://schemas.microsoft.com/office/drawing/2014/main" id="{8E811863-C4AE-4020-A809-DC68BE41C540}"/>
+              </a:ext>
+            </a:extLst>
+          </p:cNvPr>
+          <p:cNvSpPr txBox="1"/>
+          <p:nvPr/>
+        </p:nvSpPr>
+        <p:spPr>
+          <a:xfrm>
+            <a:off x="8452061" y="5861007"/>
+            <a:ext cx="226152" cy="184666"/>
+          </a:xfrm>
+          <a:prstGeom prst="rect">
+            <a:avLst/>
+          </a:prstGeom>
+          <a:noFill/>
+        </p:spPr>
+        <p:txBody>
+          <a:bodyPr wrap="none" lIns="0" tIns="0" rIns="0" bIns="0" rtlCol="0">
+            <a:spAutoFit/>
+          </a:bodyPr>
+          <a:lstStyle/>
+          <a:p>
+            <a:pPr algn="ctr"/>
+            <a:r>
+              <a:rPr lang="en-CA" sz="1200" b="1" dirty="0"/>
+              <a:t>YES</a:t>
+            </a:r>
+            <a:endParaRPr lang="en-US" sz="1200" b="1" dirty="0"/>
+          </a:p>
+        </p:txBody>
+      </p:sp>
+      <p:sp>
+        <p:nvSpPr>
+          <p:cNvPr id="57" name="Flowchart: Manual Operation 56">
+            <a:extLst>
+              <a:ext uri="{FF2B5EF4-FFF2-40B4-BE49-F238E27FC236}">
+                <a16:creationId xmlns:a16="http://schemas.microsoft.com/office/drawing/2014/main" id="{C32E20E6-FBEB-4CEF-B431-5FA6C6A2F245}"/>
+              </a:ext>
+            </a:extLst>
+          </p:cNvPr>
+          <p:cNvSpPr/>
+          <p:nvPr/>
+        </p:nvSpPr>
+        <p:spPr>
+          <a:xfrm>
+            <a:off x="9455567" y="3243066"/>
+            <a:ext cx="1440493" cy="576197"/>
+          </a:xfrm>
+          <a:prstGeom prst="flowChartManualOperation">
+            <a:avLst/>
+          </a:prstGeom>
+        </p:spPr>
+        <p:style>
+          <a:lnRef idx="2">
+            <a:schemeClr val="accent6">
+              <a:shade val="50000"/>
+            </a:schemeClr>
+          </a:lnRef>
+          <a:fillRef idx="1">
+            <a:schemeClr val="accent6"/>
+          </a:fillRef>
+          <a:effectRef idx="0">
+            <a:schemeClr val="accent6"/>
+          </a:effectRef>
+          <a:fontRef idx="minor">
+            <a:schemeClr val="lt1"/>
+          </a:fontRef>
+        </p:style>
+        <p:txBody>
+          <a:bodyPr wrap="none" lIns="0" tIns="0" rIns="0" bIns="0" rtlCol="0" anchor="ctr"/>
+          <a:lstStyle/>
+          <a:p>
+            <a:pPr algn="ctr"/>
+            <a:r>
+              <a:rPr lang="en-CA" sz="1400" b="1" dirty="0"/>
+              <a:t>“NEW OWNER”</a:t>
+            </a:r>
+          </a:p>
+          <a:p>
+            <a:pPr algn="ctr"/>
+            <a:r>
+              <a:rPr lang="en-CA" sz="1400" b="1" dirty="0"/>
+              <a:t>is clicked</a:t>
+            </a:r>
+          </a:p>
+        </p:txBody>
+      </p:sp>
+      <p:cxnSp>
+        <p:nvCxnSpPr>
+          <p:cNvPr id="58" name="Connector: Elbow 57">
+            <a:extLst>
+              <a:ext uri="{FF2B5EF4-FFF2-40B4-BE49-F238E27FC236}">
+                <a16:creationId xmlns:a16="http://schemas.microsoft.com/office/drawing/2014/main" id="{D0D8F65F-A81D-4BD2-91F2-8AD81FDD2DF2}"/>
+              </a:ext>
+            </a:extLst>
+          </p:cNvPr>
+          <p:cNvCxnSpPr>
+            <a:cxnSpLocks/>
+            <a:stCxn id="37" idx="2"/>
+            <a:endCxn id="57" idx="0"/>
+          </p:cNvCxnSpPr>
+          <p:nvPr/>
+        </p:nvCxnSpPr>
+        <p:spPr>
+          <a:xfrm rot="16200000" flipH="1">
+            <a:off x="9559732" y="2626984"/>
+            <a:ext cx="306888" cy="925276"/>
+          </a:xfrm>
+          <a:prstGeom prst="bentConnector3">
+            <a:avLst>
+              <a:gd name="adj1" fmla="val 50000"/>
+            </a:avLst>
+          </a:prstGeom>
+          <a:ln>
+            <a:solidFill>
+              <a:schemeClr val="tx1"/>
+            </a:solidFill>
+            <a:tailEnd type="triangle"/>
+          </a:ln>
+        </p:spPr>
+        <p:style>
+          <a:lnRef idx="1">
+            <a:schemeClr val="accent1"/>
+          </a:lnRef>
+          <a:fillRef idx="0">
+            <a:schemeClr val="accent1"/>
+          </a:fillRef>
+          <a:effectRef idx="0">
+            <a:schemeClr val="accent1"/>
+          </a:effectRef>
+          <a:fontRef idx="minor">
+            <a:schemeClr val="tx1"/>
+          </a:fontRef>
+        </p:style>
+      </p:cxnSp>
+      <p:sp>
+        <p:nvSpPr>
+          <p:cNvPr id="59" name="Flowchart: Process 58">
+            <a:extLst>
+              <a:ext uri="{FF2B5EF4-FFF2-40B4-BE49-F238E27FC236}">
+                <a16:creationId xmlns:a16="http://schemas.microsoft.com/office/drawing/2014/main" id="{7A5AC7D3-5779-40BC-A853-1DC4E208EC6A}"/>
+              </a:ext>
+            </a:extLst>
+          </p:cNvPr>
+          <p:cNvSpPr/>
+          <p:nvPr/>
+        </p:nvSpPr>
+        <p:spPr>
+          <a:xfrm>
+            <a:off x="9455567" y="4044732"/>
+            <a:ext cx="1440494" cy="726509"/>
+          </a:xfrm>
+          <a:prstGeom prst="flowChartProcess">
+            <a:avLst/>
+          </a:prstGeom>
+        </p:spPr>
+        <p:style>
+          <a:lnRef idx="2">
+            <a:schemeClr val="accent6">
+              <a:shade val="50000"/>
+            </a:schemeClr>
+          </a:lnRef>
+          <a:fillRef idx="1">
+            <a:schemeClr val="accent6"/>
+          </a:fillRef>
+          <a:effectRef idx="0">
+            <a:schemeClr val="accent6"/>
+          </a:effectRef>
+          <a:fontRef idx="minor">
+            <a:schemeClr val="lt1"/>
+          </a:fontRef>
+        </p:style>
+        <p:txBody>
+          <a:bodyPr rtlCol="0" anchor="ctr"/>
+          <a:lstStyle/>
+          <a:p>
+            <a:pPr algn="ctr"/>
+            <a:r>
+              <a:rPr lang="en-CA" sz="1400" b="1" dirty="0"/>
+              <a:t>Present “new owner” modal</a:t>
+            </a:r>
+          </a:p>
+        </p:txBody>
+      </p:sp>
+      <p:sp>
+        <p:nvSpPr>
+          <p:cNvPr id="60" name="Flowchart: Decision 59">
+            <a:extLst>
+              <a:ext uri="{FF2B5EF4-FFF2-40B4-BE49-F238E27FC236}">
+                <a16:creationId xmlns:a16="http://schemas.microsoft.com/office/drawing/2014/main" id="{B57972B4-B1C3-49B2-B0F1-5230F2705724}"/>
+              </a:ext>
+            </a:extLst>
+          </p:cNvPr>
+          <p:cNvSpPr/>
+          <p:nvPr/>
+        </p:nvSpPr>
+        <p:spPr>
+          <a:xfrm>
+            <a:off x="9455566" y="4996710"/>
+            <a:ext cx="1440494" cy="864296"/>
+          </a:xfrm>
+          <a:prstGeom prst="flowChartDecision">
+            <a:avLst/>
+          </a:prstGeom>
+        </p:spPr>
+        <p:style>
+          <a:lnRef idx="2">
+            <a:schemeClr val="accent6">
+              <a:shade val="50000"/>
+            </a:schemeClr>
+          </a:lnRef>
+          <a:fillRef idx="1">
+            <a:schemeClr val="accent6"/>
+          </a:fillRef>
+          <a:effectRef idx="0">
+            <a:schemeClr val="accent6"/>
+          </a:effectRef>
+          <a:fontRef idx="minor">
+            <a:schemeClr val="lt1"/>
+          </a:fontRef>
+        </p:style>
+        <p:txBody>
+          <a:bodyPr wrap="none" lIns="0" tIns="0" rIns="0" bIns="0" rtlCol="0" anchor="ctr"/>
+          <a:lstStyle/>
+          <a:p>
+            <a:pPr algn="ctr"/>
+            <a:r>
+              <a:rPr lang="en-CA" sz="1400" b="1" dirty="0"/>
+              <a:t>Check if</a:t>
+            </a:r>
+          </a:p>
+          <a:p>
+            <a:pPr algn="ctr"/>
+            <a:r>
+              <a:rPr lang="en-CA" sz="1400" b="1" dirty="0"/>
+              <a:t>owner exist</a:t>
+            </a:r>
+          </a:p>
+        </p:txBody>
+      </p:sp>
+      <p:cxnSp>
+        <p:nvCxnSpPr>
+          <p:cNvPr id="64" name="Connector: Elbow 32">
+            <a:extLst>
+              <a:ext uri="{FF2B5EF4-FFF2-40B4-BE49-F238E27FC236}">
+                <a16:creationId xmlns:a16="http://schemas.microsoft.com/office/drawing/2014/main" id="{F2351596-1D23-46D1-A5B7-82AF65CFFF95}"/>
+              </a:ext>
+            </a:extLst>
+          </p:cNvPr>
+          <p:cNvCxnSpPr>
+            <a:cxnSpLocks/>
+            <a:stCxn id="60" idx="2"/>
+            <a:endCxn id="74" idx="0"/>
+          </p:cNvCxnSpPr>
+          <p:nvPr/>
+        </p:nvCxnSpPr>
+        <p:spPr>
+          <a:xfrm>
+            <a:off x="10175813" y="5861006"/>
+            <a:ext cx="1" cy="162839"/>
+          </a:xfrm>
+          <a:prstGeom prst="straightConnector1">
+            <a:avLst/>
+          </a:prstGeom>
+          <a:ln>
+            <a:solidFill>
+              <a:schemeClr val="tx1"/>
+            </a:solidFill>
+            <a:tailEnd type="triangle"/>
+          </a:ln>
+        </p:spPr>
+        <p:style>
+          <a:lnRef idx="1">
+            <a:schemeClr val="accent1"/>
+          </a:lnRef>
+          <a:fillRef idx="0">
+            <a:schemeClr val="accent1"/>
+          </a:fillRef>
+          <a:effectRef idx="0">
+            <a:schemeClr val="accent1"/>
+          </a:effectRef>
+          <a:fontRef idx="minor">
+            <a:schemeClr val="tx1"/>
+          </a:fontRef>
+        </p:style>
+      </p:cxnSp>
+      <p:sp>
+        <p:nvSpPr>
+          <p:cNvPr id="65" name="TextBox 64">
+            <a:extLst>
+              <a:ext uri="{FF2B5EF4-FFF2-40B4-BE49-F238E27FC236}">
+                <a16:creationId xmlns:a16="http://schemas.microsoft.com/office/drawing/2014/main" id="{3AFD1697-7BE2-444C-B1DB-B6C32AD45E96}"/>
+              </a:ext>
+            </a:extLst>
+          </p:cNvPr>
+          <p:cNvSpPr txBox="1"/>
+          <p:nvPr/>
+        </p:nvSpPr>
+        <p:spPr>
+          <a:xfrm>
+            <a:off x="11192581" y="5301641"/>
+            <a:ext cx="232497" cy="184666"/>
+          </a:xfrm>
+          <a:prstGeom prst="rect">
+            <a:avLst/>
+          </a:prstGeom>
+          <a:noFill/>
+        </p:spPr>
+        <p:txBody>
+          <a:bodyPr wrap="square" lIns="0" tIns="0" rIns="0" bIns="0" rtlCol="0">
+            <a:spAutoFit/>
+          </a:bodyPr>
+          <a:lstStyle/>
+          <a:p>
+            <a:pPr algn="ctr"/>
+            <a:r>
+              <a:rPr lang="en-CA" sz="1200" b="1" dirty="0"/>
+              <a:t>YES</a:t>
+            </a:r>
+            <a:endParaRPr lang="en-US" sz="1200" b="1" dirty="0"/>
+          </a:p>
+        </p:txBody>
+      </p:sp>
+      <p:sp>
+        <p:nvSpPr>
+          <p:cNvPr id="66" name="TextBox 65">
+            <a:extLst>
+              <a:ext uri="{FF2B5EF4-FFF2-40B4-BE49-F238E27FC236}">
+                <a16:creationId xmlns:a16="http://schemas.microsoft.com/office/drawing/2014/main" id="{6B4D1D8A-0CD9-4BDA-A2B2-C6744BBDC738}"/>
+              </a:ext>
+            </a:extLst>
+          </p:cNvPr>
+          <p:cNvSpPr txBox="1"/>
+          <p:nvPr/>
+        </p:nvSpPr>
+        <p:spPr>
+          <a:xfrm>
+            <a:off x="10265705" y="5860708"/>
+            <a:ext cx="205184" cy="184666"/>
+          </a:xfrm>
+          <a:prstGeom prst="rect">
+            <a:avLst/>
+          </a:prstGeom>
+          <a:noFill/>
+        </p:spPr>
+        <p:txBody>
+          <a:bodyPr wrap="none" lIns="0" tIns="0" rIns="0" bIns="0" rtlCol="0">
+            <a:spAutoFit/>
+          </a:bodyPr>
+          <a:lstStyle/>
+          <a:p>
+            <a:pPr algn="ctr"/>
+            <a:r>
+              <a:rPr lang="en-CA" sz="1200" b="1" dirty="0"/>
+              <a:t>NO</a:t>
+            </a:r>
+            <a:endParaRPr lang="en-US" sz="1200" b="1" dirty="0"/>
+          </a:p>
+        </p:txBody>
+      </p:sp>
+      <p:cxnSp>
+        <p:nvCxnSpPr>
+          <p:cNvPr id="67" name="Connector: Elbow 32">
+            <a:extLst>
+              <a:ext uri="{FF2B5EF4-FFF2-40B4-BE49-F238E27FC236}">
+                <a16:creationId xmlns:a16="http://schemas.microsoft.com/office/drawing/2014/main" id="{9CF2EA0B-243F-4794-923E-675F2ED80429}"/>
+              </a:ext>
+            </a:extLst>
+          </p:cNvPr>
+          <p:cNvCxnSpPr>
+            <a:cxnSpLocks/>
+            <a:stCxn id="57" idx="2"/>
+            <a:endCxn id="59" idx="0"/>
+          </p:cNvCxnSpPr>
+          <p:nvPr/>
+        </p:nvCxnSpPr>
+        <p:spPr>
+          <a:xfrm>
+            <a:off x="10175814" y="3819263"/>
+            <a:ext cx="0" cy="225469"/>
+          </a:xfrm>
+          <a:prstGeom prst="straightConnector1">
+            <a:avLst/>
+          </a:prstGeom>
+          <a:ln>
+            <a:solidFill>
+              <a:schemeClr val="tx1"/>
+            </a:solidFill>
+            <a:tailEnd type="triangle"/>
+          </a:ln>
+        </p:spPr>
+        <p:style>
+          <a:lnRef idx="1">
+            <a:schemeClr val="accent1"/>
+          </a:lnRef>
+          <a:fillRef idx="0">
+            <a:schemeClr val="accent1"/>
+          </a:fillRef>
+          <a:effectRef idx="0">
+            <a:schemeClr val="accent1"/>
+          </a:effectRef>
+          <a:fontRef idx="minor">
+            <a:schemeClr val="tx1"/>
+          </a:fontRef>
+        </p:style>
+      </p:cxnSp>
+      <p:cxnSp>
+        <p:nvCxnSpPr>
+          <p:cNvPr id="69" name="Connector: Elbow 32">
+            <a:extLst>
+              <a:ext uri="{FF2B5EF4-FFF2-40B4-BE49-F238E27FC236}">
+                <a16:creationId xmlns:a16="http://schemas.microsoft.com/office/drawing/2014/main" id="{C025CD8C-521F-4ED9-BF7B-D91224E84B0C}"/>
+              </a:ext>
+            </a:extLst>
+          </p:cNvPr>
+          <p:cNvCxnSpPr>
+            <a:cxnSpLocks/>
+            <a:stCxn id="59" idx="2"/>
+            <a:endCxn id="60" idx="0"/>
+          </p:cNvCxnSpPr>
+          <p:nvPr/>
+        </p:nvCxnSpPr>
+        <p:spPr>
+          <a:xfrm flipH="1">
+            <a:off x="10175813" y="4771241"/>
+            <a:ext cx="1" cy="225469"/>
+          </a:xfrm>
+          <a:prstGeom prst="straightConnector1">
+            <a:avLst/>
+          </a:prstGeom>
+          <a:ln>
+            <a:solidFill>
+              <a:schemeClr val="tx1"/>
+            </a:solidFill>
+            <a:tailEnd type="triangle"/>
+          </a:ln>
+        </p:spPr>
+        <p:style>
+          <a:lnRef idx="1">
+            <a:schemeClr val="accent1"/>
+          </a:lnRef>
+          <a:fillRef idx="0">
+            <a:schemeClr val="accent1"/>
+          </a:fillRef>
+          <a:effectRef idx="0">
+            <a:schemeClr val="accent1"/>
+          </a:effectRef>
+          <a:fontRef idx="minor">
+            <a:schemeClr val="tx1"/>
+          </a:fontRef>
+        </p:style>
+      </p:cxnSp>
+      <p:cxnSp>
+        <p:nvCxnSpPr>
+          <p:cNvPr id="70" name="Connector: Elbow 69">
+            <a:extLst>
+              <a:ext uri="{FF2B5EF4-FFF2-40B4-BE49-F238E27FC236}">
+                <a16:creationId xmlns:a16="http://schemas.microsoft.com/office/drawing/2014/main" id="{E3E9317C-13D4-4C0F-BB24-E389444BA429}"/>
+              </a:ext>
+            </a:extLst>
+          </p:cNvPr>
+          <p:cNvCxnSpPr>
+            <a:cxnSpLocks/>
+            <a:stCxn id="60" idx="3"/>
+            <a:endCxn id="59" idx="3"/>
+          </p:cNvCxnSpPr>
+          <p:nvPr/>
+        </p:nvCxnSpPr>
+        <p:spPr>
+          <a:xfrm flipV="1">
+            <a:off x="10896060" y="4407987"/>
+            <a:ext cx="1" cy="1020871"/>
+          </a:xfrm>
+          <a:prstGeom prst="bentConnector3">
+            <a:avLst>
+              <a:gd name="adj1" fmla="val 22860100000"/>
+            </a:avLst>
+          </a:prstGeom>
+          <a:ln>
+            <a:solidFill>
+              <a:schemeClr val="tx1"/>
+            </a:solidFill>
+            <a:tailEnd type="triangle"/>
+          </a:ln>
+        </p:spPr>
+        <p:style>
+          <a:lnRef idx="1">
+            <a:schemeClr val="accent1"/>
+          </a:lnRef>
+          <a:fillRef idx="0">
+            <a:schemeClr val="accent1"/>
+          </a:fillRef>
+          <a:effectRef idx="0">
+            <a:schemeClr val="accent1"/>
+          </a:effectRef>
+          <a:fontRef idx="minor">
+            <a:schemeClr val="tx1"/>
+          </a:fontRef>
+        </p:style>
+      </p:cxnSp>
+      <p:sp>
+        <p:nvSpPr>
+          <p:cNvPr id="71" name="TextBox 70">
+            <a:extLst>
+              <a:ext uri="{FF2B5EF4-FFF2-40B4-BE49-F238E27FC236}">
+                <a16:creationId xmlns:a16="http://schemas.microsoft.com/office/drawing/2014/main" id="{A8F9C87D-540B-4728-BC14-5B59C320BC57}"/>
+              </a:ext>
+            </a:extLst>
+          </p:cNvPr>
+          <p:cNvSpPr txBox="1"/>
+          <p:nvPr/>
+        </p:nvSpPr>
+        <p:spPr>
+          <a:xfrm>
+            <a:off x="6125202" y="3089621"/>
+            <a:ext cx="803064" cy="738664"/>
+          </a:xfrm>
+          <a:prstGeom prst="rect">
+            <a:avLst/>
+          </a:prstGeom>
+          <a:noFill/>
+        </p:spPr>
+        <p:txBody>
+          <a:bodyPr wrap="square" lIns="0" tIns="0" rIns="0" bIns="0" rtlCol="0">
+            <a:spAutoFit/>
+          </a:bodyPr>
+          <a:lstStyle/>
+          <a:p>
+            <a:pPr algn="r"/>
+            <a:r>
+              <a:rPr lang="en-CA" sz="1200" i="1" dirty="0"/>
+              <a:t>Wrong password or user doesn’t exist </a:t>
+            </a:r>
+            <a:endParaRPr lang="en-US" sz="1200" i="1" dirty="0"/>
+          </a:p>
+        </p:txBody>
+      </p:sp>
+      <p:sp>
+        <p:nvSpPr>
+          <p:cNvPr id="74" name="Flowchart: Process 73">
+            <a:extLst>
+              <a:ext uri="{FF2B5EF4-FFF2-40B4-BE49-F238E27FC236}">
+                <a16:creationId xmlns:a16="http://schemas.microsoft.com/office/drawing/2014/main" id="{075BA629-5C53-43F8-8250-4CABAC1BA18C}"/>
+              </a:ext>
+            </a:extLst>
+          </p:cNvPr>
+          <p:cNvSpPr/>
+          <p:nvPr/>
+        </p:nvSpPr>
+        <p:spPr>
+          <a:xfrm>
+            <a:off x="9455567" y="6023845"/>
+            <a:ext cx="1440494" cy="726509"/>
+          </a:xfrm>
+          <a:prstGeom prst="flowChartProcess">
+            <a:avLst/>
+          </a:prstGeom>
+        </p:spPr>
+        <p:style>
+          <a:lnRef idx="2">
+            <a:schemeClr val="accent6">
+              <a:shade val="50000"/>
+            </a:schemeClr>
+          </a:lnRef>
+          <a:fillRef idx="1">
+            <a:schemeClr val="accent6"/>
+          </a:fillRef>
+          <a:effectRef idx="0">
+            <a:schemeClr val="accent6"/>
+          </a:effectRef>
+          <a:fontRef idx="minor">
+            <a:schemeClr val="lt1"/>
+          </a:fontRef>
+        </p:style>
+        <p:txBody>
+          <a:bodyPr rtlCol="0" anchor="ctr"/>
+          <a:lstStyle/>
+          <a:p>
+            <a:pPr algn="ctr"/>
+            <a:r>
+              <a:rPr lang="en-CA" sz="1400" b="1" dirty="0"/>
+              <a:t>Create new owner in “owner” table</a:t>
+            </a:r>
+          </a:p>
+        </p:txBody>
+      </p:sp>
+      <p:sp>
+        <p:nvSpPr>
+          <p:cNvPr id="75" name="Flowchart: Process 74">
+            <a:extLst>
+              <a:ext uri="{FF2B5EF4-FFF2-40B4-BE49-F238E27FC236}">
+                <a16:creationId xmlns:a16="http://schemas.microsoft.com/office/drawing/2014/main" id="{734D57A6-92A6-4A1C-BC35-D9F72C21CD35}"/>
+              </a:ext>
+            </a:extLst>
+          </p:cNvPr>
+          <p:cNvSpPr/>
+          <p:nvPr/>
+        </p:nvSpPr>
+        <p:spPr>
+          <a:xfrm>
+            <a:off x="8568410" y="8099943"/>
+            <a:ext cx="1440494" cy="726509"/>
+          </a:xfrm>
+          <a:prstGeom prst="flowChartProcess">
+            <a:avLst/>
+          </a:prstGeom>
+        </p:spPr>
+        <p:style>
+          <a:lnRef idx="2">
+            <a:schemeClr val="accent6">
+              <a:shade val="50000"/>
+            </a:schemeClr>
+          </a:lnRef>
+          <a:fillRef idx="1">
+            <a:schemeClr val="accent6"/>
+          </a:fillRef>
+          <a:effectRef idx="0">
+            <a:schemeClr val="accent6"/>
+          </a:effectRef>
+          <a:fontRef idx="minor">
+            <a:schemeClr val="lt1"/>
+          </a:fontRef>
+        </p:style>
+        <p:txBody>
+          <a:bodyPr rtlCol="0" anchor="ctr"/>
+          <a:lstStyle/>
+          <a:p>
+            <a:pPr algn="ctr"/>
+            <a:r>
+              <a:rPr lang="en-CA" sz="1400" b="1" dirty="0"/>
+              <a:t>Go to /owner/:id page</a:t>
+            </a:r>
+          </a:p>
+        </p:txBody>
+      </p:sp>
+      <p:cxnSp>
+        <p:nvCxnSpPr>
+          <p:cNvPr id="76" name="Connector: Elbow 32">
+            <a:extLst>
+              <a:ext uri="{FF2B5EF4-FFF2-40B4-BE49-F238E27FC236}">
+                <a16:creationId xmlns:a16="http://schemas.microsoft.com/office/drawing/2014/main" id="{D416EA54-C65C-469D-936F-4C3BA72AC018}"/>
+              </a:ext>
+            </a:extLst>
+          </p:cNvPr>
+          <p:cNvCxnSpPr>
+            <a:cxnSpLocks/>
+            <a:stCxn id="74" idx="2"/>
+            <a:endCxn id="77" idx="0"/>
+          </p:cNvCxnSpPr>
+          <p:nvPr/>
+        </p:nvCxnSpPr>
+        <p:spPr>
+          <a:xfrm rot="5400000">
+            <a:off x="9525531" y="6510207"/>
+            <a:ext cx="410137" cy="890430"/>
+          </a:xfrm>
+          <a:prstGeom prst="bentConnector3">
+            <a:avLst>
+              <a:gd name="adj1" fmla="val 50000"/>
+            </a:avLst>
+          </a:prstGeom>
+          <a:ln>
+            <a:solidFill>
+              <a:schemeClr val="tx1"/>
+            </a:solidFill>
+            <a:tailEnd type="triangle"/>
+          </a:ln>
+        </p:spPr>
+        <p:style>
+          <a:lnRef idx="1">
+            <a:schemeClr val="accent1"/>
+          </a:lnRef>
+          <a:fillRef idx="0">
+            <a:schemeClr val="accent1"/>
+          </a:fillRef>
+          <a:effectRef idx="0">
+            <a:schemeClr val="accent1"/>
+          </a:effectRef>
+          <a:fontRef idx="minor">
+            <a:schemeClr val="tx1"/>
+          </a:fontRef>
+        </p:style>
+      </p:cxnSp>
+      <p:sp>
+        <p:nvSpPr>
+          <p:cNvPr id="77" name="Flowchart: Process 76">
+            <a:extLst>
+              <a:ext uri="{FF2B5EF4-FFF2-40B4-BE49-F238E27FC236}">
+                <a16:creationId xmlns:a16="http://schemas.microsoft.com/office/drawing/2014/main" id="{F46C2A72-C9E7-41CE-B020-93779FE0A698}"/>
+              </a:ext>
+            </a:extLst>
+          </p:cNvPr>
+          <p:cNvSpPr/>
+          <p:nvPr/>
+        </p:nvSpPr>
+        <p:spPr>
+          <a:xfrm>
+            <a:off x="8565137" y="7160491"/>
+            <a:ext cx="1440494" cy="726509"/>
+          </a:xfrm>
+          <a:prstGeom prst="flowChartProcess">
+            <a:avLst/>
+          </a:prstGeom>
+        </p:spPr>
+        <p:style>
+          <a:lnRef idx="2">
+            <a:schemeClr val="accent6">
+              <a:shade val="50000"/>
+            </a:schemeClr>
+          </a:lnRef>
+          <a:fillRef idx="1">
+            <a:schemeClr val="accent6"/>
+          </a:fillRef>
+          <a:effectRef idx="0">
+            <a:schemeClr val="accent6"/>
+          </a:effectRef>
+          <a:fontRef idx="minor">
+            <a:schemeClr val="lt1"/>
+          </a:fontRef>
+        </p:style>
+        <p:txBody>
+          <a:bodyPr rtlCol="0" anchor="ctr"/>
+          <a:lstStyle/>
+          <a:p>
+            <a:pPr algn="ctr"/>
+            <a:r>
+              <a:rPr lang="en-CA" sz="1400" b="1" dirty="0"/>
+              <a:t>Retrieve ID from “owner” table</a:t>
+            </a:r>
+          </a:p>
+        </p:txBody>
+      </p:sp>
+      <p:cxnSp>
+        <p:nvCxnSpPr>
+          <p:cNvPr id="78" name="Connector: Elbow 32">
+            <a:extLst>
+              <a:ext uri="{FF2B5EF4-FFF2-40B4-BE49-F238E27FC236}">
+                <a16:creationId xmlns:a16="http://schemas.microsoft.com/office/drawing/2014/main" id="{A447F7D9-CC3B-47BB-8FB9-5BB9B64D7F9D}"/>
+              </a:ext>
+            </a:extLst>
+          </p:cNvPr>
+          <p:cNvCxnSpPr>
+            <a:cxnSpLocks/>
+            <a:stCxn id="77" idx="2"/>
+            <a:endCxn id="75" idx="0"/>
+          </p:cNvCxnSpPr>
+          <p:nvPr/>
+        </p:nvCxnSpPr>
+        <p:spPr>
+          <a:xfrm>
+            <a:off x="9285384" y="7887000"/>
+            <a:ext cx="3273" cy="212943"/>
+          </a:xfrm>
+          <a:prstGeom prst="straightConnector1">
+            <a:avLst/>
+          </a:prstGeom>
+          <a:ln>
+            <a:solidFill>
+              <a:schemeClr val="tx1"/>
+            </a:solidFill>
+            <a:tailEnd type="triangle"/>
+          </a:ln>
+        </p:spPr>
+        <p:style>
+          <a:lnRef idx="1">
+            <a:schemeClr val="accent1"/>
+          </a:lnRef>
+          <a:fillRef idx="0">
+            <a:schemeClr val="accent1"/>
+          </a:fillRef>
+          <a:effectRef idx="0">
+            <a:schemeClr val="accent1"/>
+          </a:effectRef>
+          <a:fontRef idx="minor">
+            <a:schemeClr val="tx1"/>
+          </a:fontRef>
+        </p:style>
+      </p:cxnSp>
+      <p:sp>
+        <p:nvSpPr>
+          <p:cNvPr id="79" name="TextBox 78">
+            <a:extLst>
+              <a:ext uri="{FF2B5EF4-FFF2-40B4-BE49-F238E27FC236}">
+                <a16:creationId xmlns:a16="http://schemas.microsoft.com/office/drawing/2014/main" id="{DBB7E3AB-B570-43D2-8775-427784C60419}"/>
+              </a:ext>
+            </a:extLst>
+          </p:cNvPr>
+          <p:cNvSpPr txBox="1"/>
+          <p:nvPr/>
+        </p:nvSpPr>
+        <p:spPr>
+          <a:xfrm>
+            <a:off x="11221006" y="4407986"/>
+            <a:ext cx="955297" cy="553998"/>
+          </a:xfrm>
+          <a:prstGeom prst="rect">
+            <a:avLst/>
+          </a:prstGeom>
+          <a:noFill/>
+        </p:spPr>
+        <p:txBody>
+          <a:bodyPr wrap="square" lIns="0" tIns="0" rIns="0" bIns="0" rtlCol="0">
+            <a:spAutoFit/>
+          </a:bodyPr>
+          <a:lstStyle/>
+          <a:p>
+            <a:r>
+              <a:rPr lang="en-CA" sz="1200" i="1" dirty="0"/>
+              <a:t>Choose</a:t>
+            </a:r>
+          </a:p>
+          <a:p>
+            <a:r>
+              <a:rPr lang="en-CA" sz="1200" i="1" dirty="0"/>
+              <a:t>different</a:t>
+            </a:r>
+          </a:p>
+          <a:p>
+            <a:r>
+              <a:rPr lang="en-CA" sz="1200" i="1" dirty="0"/>
+              <a:t>username </a:t>
+            </a:r>
+            <a:endParaRPr lang="en-US" sz="1200" i="1" dirty="0"/>
+          </a:p>
+        </p:txBody>
+      </p:sp>
     </p:spTree>
     <p:extLst>
       <p:ext uri="{BB962C8B-B14F-4D97-AF65-F5344CB8AC3E}">
-        <p14:creationId xmlns:p14="http://schemas.microsoft.com/office/powerpoint/2010/main" val="3732349269"/>
+        <p14:creationId xmlns:p14="http://schemas.microsoft.com/office/powerpoint/2010/main" val="2200195516"/>
       </p:ext>
     </p:extLst>
   </p:cSld>

--- a/ProjectIdea_2.pptx
+++ b/ProjectIdea_2.pptx
@@ -12825,8 +12825,8 @@
         </p:nvSpPr>
         <p:spPr>
           <a:xfrm>
-            <a:off x="7261934" y="970004"/>
-            <a:ext cx="2577329" cy="2428104"/>
+            <a:off x="7261934" y="1080654"/>
+            <a:ext cx="2577329" cy="2317453"/>
           </a:xfrm>
           <a:prstGeom prst="roundRect">
             <a:avLst>
@@ -12925,7 +12925,7 @@
         <p:spPr>
           <a:xfrm>
             <a:off x="5919438" y="4636171"/>
-            <a:ext cx="6599340" cy="4076142"/>
+            <a:ext cx="6524163" cy="4076142"/>
           </a:xfrm>
           <a:prstGeom prst="roundRect">
             <a:avLst>
@@ -13327,8 +13327,8 @@
         </p:nvCxnSpPr>
         <p:spPr>
           <a:xfrm rot="5400000" flipH="1" flipV="1">
-            <a:off x="6784142" y="1704026"/>
-            <a:ext cx="767479" cy="1628685"/>
+            <a:off x="6790320" y="1710204"/>
+            <a:ext cx="755122" cy="1628685"/>
           </a:xfrm>
           <a:prstGeom prst="bentConnector2">
             <a:avLst/>
@@ -13528,7 +13528,7 @@
         </p:nvSpPr>
         <p:spPr>
           <a:xfrm>
-            <a:off x="7982224" y="1387044"/>
+            <a:off x="7982224" y="1399401"/>
             <a:ext cx="1248033" cy="1495167"/>
           </a:xfrm>
           <a:prstGeom prst="foldedCorner">
@@ -14149,7 +14149,7 @@
         </p:nvSpPr>
         <p:spPr>
           <a:xfrm>
-            <a:off x="8240112" y="2873108"/>
+            <a:off x="8240112" y="2885465"/>
             <a:ext cx="732256" cy="276999"/>
           </a:xfrm>
           <a:prstGeom prst="rect">
@@ -14374,7 +14374,7 @@
         </p:nvSpPr>
         <p:spPr>
           <a:xfrm>
-            <a:off x="8311128" y="2257839"/>
+            <a:off x="8311128" y="2270196"/>
             <a:ext cx="590226" cy="276999"/>
           </a:xfrm>
           <a:prstGeom prst="rect">
